--- a/bemutato.pptx
+++ b/bemutato.pptx
@@ -7,11 +7,12 @@
   <p:sldIdLst>
     <p:sldId id="256" r:id="rId2"/>
     <p:sldId id="257" r:id="rId3"/>
-    <p:sldId id="258" r:id="rId4"/>
-    <p:sldId id="259" r:id="rId5"/>
-    <p:sldId id="260" r:id="rId6"/>
-    <p:sldId id="261" r:id="rId7"/>
-    <p:sldId id="262" r:id="rId8"/>
+    <p:sldId id="259" r:id="rId4"/>
+    <p:sldId id="263" r:id="rId5"/>
+    <p:sldId id="258" r:id="rId6"/>
+    <p:sldId id="260" r:id="rId7"/>
+    <p:sldId id="261" r:id="rId8"/>
+    <p:sldId id="262" r:id="rId9"/>
   </p:sldIdLst>
   <p:sldSz cx="12192000" cy="6858000"/>
   <p:notesSz cx="6858000" cy="9144000"/>
@@ -110,6 +111,11 @@
       </a:defRPr>
     </a:lvl9pPr>
   </p:defaultTextStyle>
+  <p:extLst>
+    <p:ext uri="{EFAFB233-063F-42B5-8137-9DF3F51BA10A}">
+      <p15:sldGuideLst xmlns:p15="http://schemas.microsoft.com/office/powerpoint/2012/main"/>
+    </p:ext>
+  </p:extLst>
 </p:presentation>
 </file>
 
@@ -858,7 +864,7 @@
           <a:p>
             <a:fld id="{D7D33CA5-7045-4801-A0B7-64EA182FF819}" type="datetimeFigureOut">
               <a:rPr lang="hu-HU" smtClean="0"/>
-              <a:t>2021. 05. 16.</a:t>
+              <a:t>2021. 05. 18.</a:t>
             </a:fld>
             <a:endParaRPr lang="hu-HU"/>
           </a:p>
@@ -1109,7 +1115,7 @@
           <a:p>
             <a:fld id="{D7D33CA5-7045-4801-A0B7-64EA182FF819}" type="datetimeFigureOut">
               <a:rPr lang="hu-HU" smtClean="0"/>
-              <a:t>2021. 05. 16.</a:t>
+              <a:t>2021. 05. 18.</a:t>
             </a:fld>
             <a:endParaRPr lang="hu-HU"/>
           </a:p>
@@ -1423,7 +1429,7 @@
           <a:p>
             <a:fld id="{D7D33CA5-7045-4801-A0B7-64EA182FF819}" type="datetimeFigureOut">
               <a:rPr lang="hu-HU" smtClean="0"/>
-              <a:t>2021. 05. 16.</a:t>
+              <a:t>2021. 05. 18.</a:t>
             </a:fld>
             <a:endParaRPr lang="hu-HU"/>
           </a:p>
@@ -1756,7 +1762,7 @@
           <a:p>
             <a:fld id="{D7D33CA5-7045-4801-A0B7-64EA182FF819}" type="datetimeFigureOut">
               <a:rPr lang="hu-HU" smtClean="0"/>
-              <a:t>2021. 05. 16.</a:t>
+              <a:t>2021. 05. 18.</a:t>
             </a:fld>
             <a:endParaRPr lang="hu-HU"/>
           </a:p>
@@ -2070,7 +2076,7 @@
           <a:p>
             <a:fld id="{D7D33CA5-7045-4801-A0B7-64EA182FF819}" type="datetimeFigureOut">
               <a:rPr lang="hu-HU" smtClean="0"/>
-              <a:t>2021. 05. 16.</a:t>
+              <a:t>2021. 05. 18.</a:t>
             </a:fld>
             <a:endParaRPr lang="hu-HU"/>
           </a:p>
@@ -2463,7 +2469,7 @@
           <a:p>
             <a:fld id="{D7D33CA5-7045-4801-A0B7-64EA182FF819}" type="datetimeFigureOut">
               <a:rPr lang="hu-HU" smtClean="0"/>
-              <a:t>2021. 05. 16.</a:t>
+              <a:t>2021. 05. 18.</a:t>
             </a:fld>
             <a:endParaRPr lang="hu-HU"/>
           </a:p>
@@ -2633,7 +2639,7 @@
           <a:p>
             <a:fld id="{D7D33CA5-7045-4801-A0B7-64EA182FF819}" type="datetimeFigureOut">
               <a:rPr lang="hu-HU" smtClean="0"/>
-              <a:t>2021. 05. 16.</a:t>
+              <a:t>2021. 05. 18.</a:t>
             </a:fld>
             <a:endParaRPr lang="hu-HU"/>
           </a:p>
@@ -2813,7 +2819,7 @@
           <a:p>
             <a:fld id="{D7D33CA5-7045-4801-A0B7-64EA182FF819}" type="datetimeFigureOut">
               <a:rPr lang="hu-HU" smtClean="0"/>
-              <a:t>2021. 05. 16.</a:t>
+              <a:t>2021. 05. 18.</a:t>
             </a:fld>
             <a:endParaRPr lang="hu-HU"/>
           </a:p>
@@ -2983,7 +2989,7 @@
           <a:p>
             <a:fld id="{D7D33CA5-7045-4801-A0B7-64EA182FF819}" type="datetimeFigureOut">
               <a:rPr lang="hu-HU" smtClean="0"/>
-              <a:t>2021. 05. 16.</a:t>
+              <a:t>2021. 05. 18.</a:t>
             </a:fld>
             <a:endParaRPr lang="hu-HU"/>
           </a:p>
@@ -3230,7 +3236,7 @@
           <a:p>
             <a:fld id="{D7D33CA5-7045-4801-A0B7-64EA182FF819}" type="datetimeFigureOut">
               <a:rPr lang="hu-HU" smtClean="0"/>
-              <a:t>2021. 05. 16.</a:t>
+              <a:t>2021. 05. 18.</a:t>
             </a:fld>
             <a:endParaRPr lang="hu-HU"/>
           </a:p>
@@ -3462,7 +3468,7 @@
           <a:p>
             <a:fld id="{D7D33CA5-7045-4801-A0B7-64EA182FF819}" type="datetimeFigureOut">
               <a:rPr lang="hu-HU" smtClean="0"/>
-              <a:t>2021. 05. 16.</a:t>
+              <a:t>2021. 05. 18.</a:t>
             </a:fld>
             <a:endParaRPr lang="hu-HU"/>
           </a:p>
@@ -3836,7 +3842,7 @@
           <a:p>
             <a:fld id="{D7D33CA5-7045-4801-A0B7-64EA182FF819}" type="datetimeFigureOut">
               <a:rPr lang="hu-HU" smtClean="0"/>
-              <a:t>2021. 05. 16.</a:t>
+              <a:t>2021. 05. 18.</a:t>
             </a:fld>
             <a:endParaRPr lang="hu-HU"/>
           </a:p>
@@ -3959,7 +3965,7 @@
           <a:p>
             <a:fld id="{D7D33CA5-7045-4801-A0B7-64EA182FF819}" type="datetimeFigureOut">
               <a:rPr lang="hu-HU" smtClean="0"/>
-              <a:t>2021. 05. 16.</a:t>
+              <a:t>2021. 05. 18.</a:t>
             </a:fld>
             <a:endParaRPr lang="hu-HU"/>
           </a:p>
@@ -4054,7 +4060,7 @@
           <a:p>
             <a:fld id="{D7D33CA5-7045-4801-A0B7-64EA182FF819}" type="datetimeFigureOut">
               <a:rPr lang="hu-HU" smtClean="0"/>
-              <a:t>2021. 05. 16.</a:t>
+              <a:t>2021. 05. 18.</a:t>
             </a:fld>
             <a:endParaRPr lang="hu-HU"/>
           </a:p>
@@ -4309,7 +4315,7 @@
           <a:p>
             <a:fld id="{D7D33CA5-7045-4801-A0B7-64EA182FF819}" type="datetimeFigureOut">
               <a:rPr lang="hu-HU" smtClean="0"/>
-              <a:t>2021. 05. 16.</a:t>
+              <a:t>2021. 05. 18.</a:t>
             </a:fld>
             <a:endParaRPr lang="hu-HU"/>
           </a:p>
@@ -4614,7 +4620,7 @@
           <a:p>
             <a:fld id="{D7D33CA5-7045-4801-A0B7-64EA182FF819}" type="datetimeFigureOut">
               <a:rPr lang="hu-HU" smtClean="0"/>
-              <a:t>2021. 05. 16.</a:t>
+              <a:t>2021. 05. 18.</a:t>
             </a:fld>
             <a:endParaRPr lang="hu-HU"/>
           </a:p>
@@ -5316,7 +5322,7 @@
           <a:p>
             <a:fld id="{D7D33CA5-7045-4801-A0B7-64EA182FF819}" type="datetimeFigureOut">
               <a:rPr lang="hu-HU" smtClean="0"/>
-              <a:t>2021. 05. 16.</a:t>
+              <a:t>2021. 05. 18.</a:t>
             </a:fld>
             <a:endParaRPr lang="hu-HU"/>
           </a:p>
@@ -6103,6 +6109,181 @@
           </a:p>
         </p:txBody>
       </p:sp>
+      <p:pic>
+        <p:nvPicPr>
+          <p:cNvPr id="1026" name="Picture 2">
+            <a:extLst>
+              <a:ext uri="{FF2B5EF4-FFF2-40B4-BE49-F238E27FC236}">
+                <a16:creationId xmlns:a16="http://schemas.microsoft.com/office/drawing/2014/main" id="{21B185BB-A7D0-46D5-A808-62A4BC5569C3}"/>
+              </a:ext>
+            </a:extLst>
+          </p:cNvPr>
+          <p:cNvPicPr>
+            <a:picLocks noChangeAspect="1" noChangeArrowheads="1"/>
+          </p:cNvPicPr>
+          <p:nvPr/>
+        </p:nvPicPr>
+        <p:blipFill>
+          <a:blip r:embed="rId2">
+            <a:extLst>
+              <a:ext uri="{28A0092B-C50C-407E-A947-70E740481C1C}">
+                <a14:useLocalDpi xmlns:a14="http://schemas.microsoft.com/office/drawing/2010/main" val="0"/>
+              </a:ext>
+            </a:extLst>
+          </a:blip>
+          <a:srcRect/>
+          <a:stretch>
+            <a:fillRect/>
+          </a:stretch>
+        </p:blipFill>
+        <p:spPr bwMode="auto">
+          <a:xfrm>
+            <a:off x="5281126" y="3324979"/>
+            <a:ext cx="3103984" cy="1551992"/>
+          </a:xfrm>
+          <a:prstGeom prst="rect">
+            <a:avLst/>
+          </a:prstGeom>
+          <a:noFill/>
+          <a:extLst>
+            <a:ext uri="{909E8E84-426E-40DD-AFC4-6F175D3DCCD1}">
+              <a14:hiddenFill xmlns:a14="http://schemas.microsoft.com/office/drawing/2010/main">
+                <a:solidFill>
+                  <a:srgbClr val="FFFFFF"/>
+                </a:solidFill>
+              </a14:hiddenFill>
+            </a:ext>
+          </a:extLst>
+        </p:spPr>
+      </p:pic>
+      <p:pic>
+        <p:nvPicPr>
+          <p:cNvPr id="1028" name="Picture 4">
+            <a:extLst>
+              <a:ext uri="{FF2B5EF4-FFF2-40B4-BE49-F238E27FC236}">
+                <a16:creationId xmlns:a16="http://schemas.microsoft.com/office/drawing/2014/main" id="{176B085D-6E08-4E11-88D6-4640BFAC8BD0}"/>
+              </a:ext>
+            </a:extLst>
+          </p:cNvPr>
+          <p:cNvPicPr>
+            <a:picLocks noChangeAspect="1" noChangeArrowheads="1"/>
+          </p:cNvPicPr>
+          <p:nvPr/>
+        </p:nvPicPr>
+        <p:blipFill>
+          <a:blip r:embed="rId3">
+            <a:extLst>
+              <a:ext uri="{28A0092B-C50C-407E-A947-70E740481C1C}">
+                <a14:useLocalDpi xmlns:a14="http://schemas.microsoft.com/office/drawing/2010/main" val="0"/>
+              </a:ext>
+            </a:extLst>
+          </a:blip>
+          <a:srcRect/>
+          <a:stretch>
+            <a:fillRect/>
+          </a:stretch>
+        </p:blipFill>
+        <p:spPr bwMode="auto">
+          <a:xfrm>
+            <a:off x="3488484" y="2203670"/>
+            <a:ext cx="2193589" cy="1233894"/>
+          </a:xfrm>
+          <a:prstGeom prst="rect">
+            <a:avLst/>
+          </a:prstGeom>
+          <a:noFill/>
+          <a:extLst>
+            <a:ext uri="{909E8E84-426E-40DD-AFC4-6F175D3DCCD1}">
+              <a14:hiddenFill xmlns:a14="http://schemas.microsoft.com/office/drawing/2010/main">
+                <a:solidFill>
+                  <a:srgbClr val="FFFFFF"/>
+                </a:solidFill>
+              </a14:hiddenFill>
+            </a:ext>
+          </a:extLst>
+        </p:spPr>
+      </p:pic>
+      <p:pic>
+        <p:nvPicPr>
+          <p:cNvPr id="1030" name="Picture 6">
+            <a:extLst>
+              <a:ext uri="{FF2B5EF4-FFF2-40B4-BE49-F238E27FC236}">
+                <a16:creationId xmlns:a16="http://schemas.microsoft.com/office/drawing/2014/main" id="{E1FE8AE7-E3E1-43AF-A5F5-DD78488B2DF2}"/>
+              </a:ext>
+            </a:extLst>
+          </p:cNvPr>
+          <p:cNvPicPr>
+            <a:picLocks noChangeAspect="1" noChangeArrowheads="1"/>
+          </p:cNvPicPr>
+          <p:nvPr/>
+        </p:nvPicPr>
+        <p:blipFill rotWithShape="1">
+          <a:blip r:embed="rId4">
+            <a:extLst>
+              <a:ext uri="{28A0092B-C50C-407E-A947-70E740481C1C}">
+                <a14:useLocalDpi xmlns:a14="http://schemas.microsoft.com/office/drawing/2010/main" val="0"/>
+              </a:ext>
+            </a:extLst>
+          </a:blip>
+          <a:srcRect l="2954" t="30007" r="2992" b="35139"/>
+          <a:stretch/>
+        </p:blipFill>
+        <p:spPr bwMode="auto">
+          <a:xfrm>
+            <a:off x="5451080" y="1793179"/>
+            <a:ext cx="2764075" cy="590794"/>
+          </a:xfrm>
+          <a:prstGeom prst="rect">
+            <a:avLst/>
+          </a:prstGeom>
+          <a:noFill/>
+          <a:extLst>
+            <a:ext uri="{909E8E84-426E-40DD-AFC4-6F175D3DCCD1}">
+              <a14:hiddenFill xmlns:a14="http://schemas.microsoft.com/office/drawing/2010/main">
+                <a:solidFill>
+                  <a:srgbClr val="FFFFFF"/>
+                </a:solidFill>
+              </a14:hiddenFill>
+            </a:ext>
+          </a:extLst>
+        </p:spPr>
+      </p:pic>
+      <p:pic>
+        <p:nvPicPr>
+          <p:cNvPr id="7" name="Kép 6">
+            <a:extLst>
+              <a:ext uri="{FF2B5EF4-FFF2-40B4-BE49-F238E27FC236}">
+                <a16:creationId xmlns:a16="http://schemas.microsoft.com/office/drawing/2014/main" id="{8E95C64A-60F8-47B6-8968-CF66132EBC02}"/>
+              </a:ext>
+            </a:extLst>
+          </p:cNvPr>
+          <p:cNvPicPr>
+            <a:picLocks noChangeAspect="1"/>
+          </p:cNvPicPr>
+          <p:nvPr/>
+        </p:nvPicPr>
+        <p:blipFill>
+          <a:blip r:embed="rId5">
+            <a:extLst>
+              <a:ext uri="{28A0092B-C50C-407E-A947-70E740481C1C}">
+                <a14:useLocalDpi xmlns:a14="http://schemas.microsoft.com/office/drawing/2010/main" val="0"/>
+              </a:ext>
+            </a:extLst>
+          </a:blip>
+          <a:stretch>
+            <a:fillRect/>
+          </a:stretch>
+        </p:blipFill>
+        <p:spPr>
+          <a:xfrm>
+            <a:off x="4016818" y="4722920"/>
+            <a:ext cx="1665255" cy="1665255"/>
+          </a:xfrm>
+          <a:prstGeom prst="rect">
+            <a:avLst/>
+          </a:prstGeom>
+        </p:spPr>
+      </p:pic>
     </p:spTree>
     <p:extLst>
       <p:ext uri="{BB962C8B-B14F-4D97-AF65-F5344CB8AC3E}">
@@ -6119,6 +6300,14 @@
 <file path=ppt/slides/slide3.xml><?xml version="1.0" encoding="utf-8"?>
 <p:sld xmlns:a="http://schemas.openxmlformats.org/drawingml/2006/main" xmlns:r="http://schemas.openxmlformats.org/officeDocument/2006/relationships" xmlns:p="http://schemas.openxmlformats.org/presentationml/2006/main">
   <p:cSld>
+    <p:bg>
+      <p:bgPr>
+        <a:solidFill>
+          <a:schemeClr val="bg1"/>
+        </a:solidFill>
+        <a:effectLst/>
+      </p:bgPr>
+    </p:bg>
     <p:spTree>
       <p:nvGrpSpPr>
         <p:cNvPr id="1" name=""/>
@@ -6133,58 +6322,1639 @@
           <a:chExt cx="0" cy="0"/>
         </a:xfrm>
       </p:grpSpPr>
-      <p:sp>
-        <p:nvSpPr>
-          <p:cNvPr id="2" name="Cím 1">
+      <p:grpSp>
+        <p:nvGrpSpPr>
+          <p:cNvPr id="44" name="Group 43">
             <a:extLst>
               <a:ext uri="{FF2B5EF4-FFF2-40B4-BE49-F238E27FC236}">
-                <a16:creationId xmlns:a16="http://schemas.microsoft.com/office/drawing/2014/main" id="{45C2A2BC-23C6-4163-AA7A-E28ED18D4975}"/>
+                <a16:creationId xmlns:a16="http://schemas.microsoft.com/office/drawing/2014/main" id="{7664F850-BA8B-47AE-B11A-225CAB8969F1}"/>
+              </a:ext>
+              <a:ext uri="{C183D7F6-B498-43B3-948B-1728B52AA6E4}">
+                <adec:decorative xmlns:adec="http://schemas.microsoft.com/office/drawing/2017/decorative" val="1"/>
+              </a:ext>
+            </a:extLst>
+          </p:cNvPr>
+          <p:cNvGrpSpPr>
+            <a:grpSpLocks noGrp="1" noUngrp="1" noRot="1" noChangeAspect="1" noMove="1" noResize="1"/>
+          </p:cNvGrpSpPr>
+          <p:nvPr>
+            <p:extLst>
+              <p:ext uri="{386F3935-93C4-4BCD-93E2-E3B085C9AB24}">
+                <p16:designElem xmlns:p16="http://schemas.microsoft.com/office/powerpoint/2015/main" val="1"/>
+              </p:ext>
+            </p:extLst>
+          </p:nvPr>
+        </p:nvGrpSpPr>
+        <p:grpSpPr>
+          <a:xfrm>
+            <a:off x="0" y="-8467"/>
+            <a:ext cx="12192000" cy="6866467"/>
+            <a:chOff x="0" y="-8467"/>
+            <a:chExt cx="12192000" cy="6866467"/>
+          </a:xfrm>
+        </p:grpSpPr>
+        <p:cxnSp>
+          <p:nvCxnSpPr>
+            <p:cNvPr id="45" name="Straight Connector 44">
+              <a:extLst>
+                <a:ext uri="{FF2B5EF4-FFF2-40B4-BE49-F238E27FC236}">
+                  <a16:creationId xmlns:a16="http://schemas.microsoft.com/office/drawing/2014/main" id="{634FC909-7343-4DEC-920F-098F56B476F0}"/>
+                </a:ext>
+                <a:ext uri="{C183D7F6-B498-43B3-948B-1728B52AA6E4}">
+                  <adec:decorative xmlns:adec="http://schemas.microsoft.com/office/drawing/2017/decorative" val="1"/>
+                </a:ext>
+              </a:extLst>
+            </p:cNvPr>
+            <p:cNvCxnSpPr/>
+            <p:nvPr>
+              <p:extLst>
+                <p:ext uri="{386F3935-93C4-4BCD-93E2-E3B085C9AB24}">
+                  <p16:designElem xmlns:p16="http://schemas.microsoft.com/office/powerpoint/2015/main" val="1"/>
+                </p:ext>
+              </p:extLst>
+            </p:nvPr>
+          </p:nvCxnSpPr>
+          <p:spPr>
+            <a:xfrm>
+              <a:off x="9371012" y="0"/>
+              <a:ext cx="1219200" cy="6858000"/>
+            </a:xfrm>
+            <a:prstGeom prst="line">
+              <a:avLst/>
+            </a:prstGeom>
+            <a:ln w="9525">
+              <a:solidFill>
+                <a:schemeClr val="bg1">
+                  <a:lumMod val="75000"/>
+                </a:schemeClr>
+              </a:solidFill>
+            </a:ln>
+          </p:spPr>
+          <p:style>
+            <a:lnRef idx="2">
+              <a:schemeClr val="accent1"/>
+            </a:lnRef>
+            <a:fillRef idx="0">
+              <a:schemeClr val="accent1"/>
+            </a:fillRef>
+            <a:effectRef idx="1">
+              <a:schemeClr val="accent1"/>
+            </a:effectRef>
+            <a:fontRef idx="minor">
+              <a:schemeClr val="tx1"/>
+            </a:fontRef>
+          </p:style>
+        </p:cxnSp>
+        <p:cxnSp>
+          <p:nvCxnSpPr>
+            <p:cNvPr id="46" name="Straight Connector 45">
+              <a:extLst>
+                <a:ext uri="{FF2B5EF4-FFF2-40B4-BE49-F238E27FC236}">
+                  <a16:creationId xmlns:a16="http://schemas.microsoft.com/office/drawing/2014/main" id="{24F22DB2-7E27-4CF7-8B17-254ECB9AE771}"/>
+                </a:ext>
+                <a:ext uri="{C183D7F6-B498-43B3-948B-1728B52AA6E4}">
+                  <adec:decorative xmlns:adec="http://schemas.microsoft.com/office/drawing/2017/decorative" val="1"/>
+                </a:ext>
+              </a:extLst>
+            </p:cNvPr>
+            <p:cNvCxnSpPr/>
+            <p:nvPr>
+              <p:extLst>
+                <p:ext uri="{386F3935-93C4-4BCD-93E2-E3B085C9AB24}">
+                  <p16:designElem xmlns:p16="http://schemas.microsoft.com/office/powerpoint/2015/main" val="1"/>
+                </p:ext>
+              </p:extLst>
+            </p:nvPr>
+          </p:nvCxnSpPr>
+          <p:spPr>
+            <a:xfrm flipH="1">
+              <a:off x="7425267" y="3681413"/>
+              <a:ext cx="4763558" cy="3176587"/>
+            </a:xfrm>
+            <a:prstGeom prst="line">
+              <a:avLst/>
+            </a:prstGeom>
+            <a:ln w="9525">
+              <a:solidFill>
+                <a:schemeClr val="bg1">
+                  <a:lumMod val="85000"/>
+                </a:schemeClr>
+              </a:solidFill>
+            </a:ln>
+          </p:spPr>
+          <p:style>
+            <a:lnRef idx="2">
+              <a:schemeClr val="accent1"/>
+            </a:lnRef>
+            <a:fillRef idx="0">
+              <a:schemeClr val="accent1"/>
+            </a:fillRef>
+            <a:effectRef idx="1">
+              <a:schemeClr val="accent1"/>
+            </a:effectRef>
+            <a:fontRef idx="minor">
+              <a:schemeClr val="tx1"/>
+            </a:fontRef>
+          </p:style>
+        </p:cxnSp>
+        <p:sp>
+          <p:nvSpPr>
+            <p:cNvPr id="47" name="Rectangle 23">
+              <a:extLst>
+                <a:ext uri="{FF2B5EF4-FFF2-40B4-BE49-F238E27FC236}">
+                  <a16:creationId xmlns:a16="http://schemas.microsoft.com/office/drawing/2014/main" id="{C6E593B3-91A3-4687-8B8D-FE37A3714FD2}"/>
+                </a:ext>
+                <a:ext uri="{C183D7F6-B498-43B3-948B-1728B52AA6E4}">
+                  <adec:decorative xmlns:adec="http://schemas.microsoft.com/office/drawing/2017/decorative" val="1"/>
+                </a:ext>
+              </a:extLst>
+            </p:cNvPr>
+            <p:cNvSpPr/>
+            <p:nvPr>
+              <p:extLst>
+                <p:ext uri="{386F3935-93C4-4BCD-93E2-E3B085C9AB24}">
+                  <p16:designElem xmlns:p16="http://schemas.microsoft.com/office/powerpoint/2015/main" val="1"/>
+                </p:ext>
+              </p:extLst>
+            </p:nvPr>
+          </p:nvSpPr>
+          <p:spPr>
+            <a:xfrm>
+              <a:off x="9181476" y="-8467"/>
+              <a:ext cx="3007349" cy="6866467"/>
+            </a:xfrm>
+            <a:custGeom>
+              <a:avLst/>
+              <a:gdLst/>
+              <a:ahLst/>
+              <a:cxnLst/>
+              <a:rect l="l" t="t" r="r" b="b"/>
+              <a:pathLst>
+                <a:path w="3007349" h="6866467">
+                  <a:moveTo>
+                    <a:pt x="2045532" y="0"/>
+                  </a:moveTo>
+                  <a:lnTo>
+                    <a:pt x="3007349" y="0"/>
+                  </a:lnTo>
+                  <a:lnTo>
+                    <a:pt x="3007349" y="6866467"/>
+                  </a:lnTo>
+                  <a:lnTo>
+                    <a:pt x="0" y="6866467"/>
+                  </a:lnTo>
+                  <a:lnTo>
+                    <a:pt x="2045532" y="0"/>
+                  </a:lnTo>
+                  <a:close/>
+                </a:path>
+              </a:pathLst>
+            </a:custGeom>
+            <a:solidFill>
+              <a:schemeClr val="accent1">
+                <a:alpha val="30000"/>
+              </a:schemeClr>
+            </a:solidFill>
+            <a:ln>
+              <a:noFill/>
+            </a:ln>
+            <a:effectLst/>
+          </p:spPr>
+          <p:style>
+            <a:lnRef idx="1">
+              <a:schemeClr val="accent1"/>
+            </a:lnRef>
+            <a:fillRef idx="3">
+              <a:schemeClr val="accent1"/>
+            </a:fillRef>
+            <a:effectRef idx="2">
+              <a:schemeClr val="accent1"/>
+            </a:effectRef>
+            <a:fontRef idx="minor">
+              <a:schemeClr val="lt1"/>
+            </a:fontRef>
+          </p:style>
+        </p:sp>
+        <p:sp>
+          <p:nvSpPr>
+            <p:cNvPr id="48" name="Rectangle 25">
+              <a:extLst>
+                <a:ext uri="{FF2B5EF4-FFF2-40B4-BE49-F238E27FC236}">
+                  <a16:creationId xmlns:a16="http://schemas.microsoft.com/office/drawing/2014/main" id="{0C25B431-5C97-4B8D-B0A3-BFB8133C7173}"/>
+                </a:ext>
+                <a:ext uri="{C183D7F6-B498-43B3-948B-1728B52AA6E4}">
+                  <adec:decorative xmlns:adec="http://schemas.microsoft.com/office/drawing/2017/decorative" val="1"/>
+                </a:ext>
+              </a:extLst>
+            </p:cNvPr>
+            <p:cNvSpPr/>
+            <p:nvPr>
+              <p:extLst>
+                <p:ext uri="{386F3935-93C4-4BCD-93E2-E3B085C9AB24}">
+                  <p16:designElem xmlns:p16="http://schemas.microsoft.com/office/powerpoint/2015/main" val="1"/>
+                </p:ext>
+              </p:extLst>
+            </p:nvPr>
+          </p:nvSpPr>
+          <p:spPr>
+            <a:xfrm>
+              <a:off x="9603442" y="-8467"/>
+              <a:ext cx="2588558" cy="6866467"/>
+            </a:xfrm>
+            <a:custGeom>
+              <a:avLst/>
+              <a:gdLst/>
+              <a:ahLst/>
+              <a:cxnLst/>
+              <a:rect l="l" t="t" r="r" b="b"/>
+              <a:pathLst>
+                <a:path w="2573311" h="6866467">
+                  <a:moveTo>
+                    <a:pt x="0" y="0"/>
+                  </a:moveTo>
+                  <a:lnTo>
+                    <a:pt x="2573311" y="0"/>
+                  </a:lnTo>
+                  <a:lnTo>
+                    <a:pt x="2573311" y="6866467"/>
+                  </a:lnTo>
+                  <a:lnTo>
+                    <a:pt x="1202336" y="6866467"/>
+                  </a:lnTo>
+                  <a:lnTo>
+                    <a:pt x="0" y="0"/>
+                  </a:lnTo>
+                  <a:close/>
+                </a:path>
+              </a:pathLst>
+            </a:custGeom>
+            <a:solidFill>
+              <a:schemeClr val="accent1">
+                <a:alpha val="20000"/>
+              </a:schemeClr>
+            </a:solidFill>
+            <a:ln>
+              <a:noFill/>
+            </a:ln>
+            <a:effectLst/>
+          </p:spPr>
+          <p:style>
+            <a:lnRef idx="1">
+              <a:schemeClr val="accent1"/>
+            </a:lnRef>
+            <a:fillRef idx="3">
+              <a:schemeClr val="accent1"/>
+            </a:fillRef>
+            <a:effectRef idx="2">
+              <a:schemeClr val="accent1"/>
+            </a:effectRef>
+            <a:fontRef idx="minor">
+              <a:schemeClr val="lt1"/>
+            </a:fontRef>
+          </p:style>
+        </p:sp>
+        <p:sp>
+          <p:nvSpPr>
+            <p:cNvPr id="49" name="Isosceles Triangle 48">
+              <a:extLst>
+                <a:ext uri="{FF2B5EF4-FFF2-40B4-BE49-F238E27FC236}">
+                  <a16:creationId xmlns:a16="http://schemas.microsoft.com/office/drawing/2014/main" id="{CA37B366-497E-4CB8-A678-A770CE2BD873}"/>
+                </a:ext>
+                <a:ext uri="{C183D7F6-B498-43B3-948B-1728B52AA6E4}">
+                  <adec:decorative xmlns:adec="http://schemas.microsoft.com/office/drawing/2017/decorative" val="1"/>
+                </a:ext>
+              </a:extLst>
+            </p:cNvPr>
+            <p:cNvSpPr/>
+            <p:nvPr>
+              <p:extLst>
+                <p:ext uri="{386F3935-93C4-4BCD-93E2-E3B085C9AB24}">
+                  <p16:designElem xmlns:p16="http://schemas.microsoft.com/office/powerpoint/2015/main" val="1"/>
+                </p:ext>
+              </p:extLst>
+            </p:nvPr>
+          </p:nvSpPr>
+          <p:spPr>
+            <a:xfrm>
+              <a:off x="8932333" y="3048000"/>
+              <a:ext cx="3259667" cy="3810000"/>
+            </a:xfrm>
+            <a:prstGeom prst="triangle">
+              <a:avLst>
+                <a:gd name="adj" fmla="val 100000"/>
+              </a:avLst>
+            </a:prstGeom>
+            <a:solidFill>
+              <a:schemeClr val="accent2">
+                <a:alpha val="72000"/>
+              </a:schemeClr>
+            </a:solidFill>
+            <a:ln>
+              <a:noFill/>
+            </a:ln>
+            <a:effectLst/>
+          </p:spPr>
+          <p:style>
+            <a:lnRef idx="1">
+              <a:schemeClr val="accent1"/>
+            </a:lnRef>
+            <a:fillRef idx="3">
+              <a:schemeClr val="accent1"/>
+            </a:fillRef>
+            <a:effectRef idx="2">
+              <a:schemeClr val="accent1"/>
+            </a:effectRef>
+            <a:fontRef idx="minor">
+              <a:schemeClr val="lt1"/>
+            </a:fontRef>
+          </p:style>
+        </p:sp>
+        <p:sp>
+          <p:nvSpPr>
+            <p:cNvPr id="50" name="Rectangle 27">
+              <a:extLst>
+                <a:ext uri="{FF2B5EF4-FFF2-40B4-BE49-F238E27FC236}">
+                  <a16:creationId xmlns:a16="http://schemas.microsoft.com/office/drawing/2014/main" id="{CF707EDC-52B2-4D5C-8EC3-71C66EE8B3F4}"/>
+                </a:ext>
+                <a:ext uri="{C183D7F6-B498-43B3-948B-1728B52AA6E4}">
+                  <adec:decorative xmlns:adec="http://schemas.microsoft.com/office/drawing/2017/decorative" val="1"/>
+                </a:ext>
+              </a:extLst>
+            </p:cNvPr>
+            <p:cNvSpPr/>
+            <p:nvPr>
+              <p:extLst>
+                <p:ext uri="{386F3935-93C4-4BCD-93E2-E3B085C9AB24}">
+                  <p16:designElem xmlns:p16="http://schemas.microsoft.com/office/powerpoint/2015/main" val="1"/>
+                </p:ext>
+              </p:extLst>
+            </p:nvPr>
+          </p:nvSpPr>
+          <p:spPr>
+            <a:xfrm>
+              <a:off x="9334500" y="-8467"/>
+              <a:ext cx="2854326" cy="6866467"/>
+            </a:xfrm>
+            <a:custGeom>
+              <a:avLst/>
+              <a:gdLst/>
+              <a:ahLst/>
+              <a:cxnLst/>
+              <a:rect l="l" t="t" r="r" b="b"/>
+              <a:pathLst>
+                <a:path w="2858013" h="6866467">
+                  <a:moveTo>
+                    <a:pt x="0" y="0"/>
+                  </a:moveTo>
+                  <a:lnTo>
+                    <a:pt x="2858013" y="0"/>
+                  </a:lnTo>
+                  <a:lnTo>
+                    <a:pt x="2858013" y="6866467"/>
+                  </a:lnTo>
+                  <a:lnTo>
+                    <a:pt x="2473942" y="6866467"/>
+                  </a:lnTo>
+                  <a:lnTo>
+                    <a:pt x="0" y="0"/>
+                  </a:lnTo>
+                  <a:close/>
+                </a:path>
+              </a:pathLst>
+            </a:custGeom>
+            <a:solidFill>
+              <a:schemeClr val="accent2">
+                <a:lumMod val="75000"/>
+                <a:alpha val="70000"/>
+              </a:schemeClr>
+            </a:solidFill>
+            <a:ln>
+              <a:noFill/>
+            </a:ln>
+            <a:effectLst/>
+          </p:spPr>
+          <p:style>
+            <a:lnRef idx="1">
+              <a:schemeClr val="accent1"/>
+            </a:lnRef>
+            <a:fillRef idx="3">
+              <a:schemeClr val="accent1"/>
+            </a:fillRef>
+            <a:effectRef idx="2">
+              <a:schemeClr val="accent1"/>
+            </a:effectRef>
+            <a:fontRef idx="minor">
+              <a:schemeClr val="lt1"/>
+            </a:fontRef>
+          </p:style>
+        </p:sp>
+        <p:sp>
+          <p:nvSpPr>
+            <p:cNvPr id="51" name="Rectangle 28">
+              <a:extLst>
+                <a:ext uri="{FF2B5EF4-FFF2-40B4-BE49-F238E27FC236}">
+                  <a16:creationId xmlns:a16="http://schemas.microsoft.com/office/drawing/2014/main" id="{BF8E2DE7-7466-4EDF-8D69-BCA91A88D360}"/>
+                </a:ext>
+                <a:ext uri="{C183D7F6-B498-43B3-948B-1728B52AA6E4}">
+                  <adec:decorative xmlns:adec="http://schemas.microsoft.com/office/drawing/2017/decorative" val="1"/>
+                </a:ext>
+              </a:extLst>
+            </p:cNvPr>
+            <p:cNvSpPr/>
+            <p:nvPr>
+              <p:extLst>
+                <p:ext uri="{386F3935-93C4-4BCD-93E2-E3B085C9AB24}">
+                  <p16:designElem xmlns:p16="http://schemas.microsoft.com/office/powerpoint/2015/main" val="1"/>
+                </p:ext>
+              </p:extLst>
+            </p:nvPr>
+          </p:nvSpPr>
+          <p:spPr>
+            <a:xfrm>
+              <a:off x="10898730" y="-8467"/>
+              <a:ext cx="1290094" cy="6866467"/>
+            </a:xfrm>
+            <a:custGeom>
+              <a:avLst/>
+              <a:gdLst/>
+              <a:ahLst/>
+              <a:cxnLst/>
+              <a:rect l="l" t="t" r="r" b="b"/>
+              <a:pathLst>
+                <a:path w="1290094" h="6858000">
+                  <a:moveTo>
+                    <a:pt x="1019735" y="0"/>
+                  </a:moveTo>
+                  <a:lnTo>
+                    <a:pt x="1290094" y="0"/>
+                  </a:lnTo>
+                  <a:lnTo>
+                    <a:pt x="1290094" y="6858000"/>
+                  </a:lnTo>
+                  <a:lnTo>
+                    <a:pt x="0" y="6858000"/>
+                  </a:lnTo>
+                  <a:lnTo>
+                    <a:pt x="1019735" y="0"/>
+                  </a:lnTo>
+                  <a:close/>
+                </a:path>
+              </a:pathLst>
+            </a:custGeom>
+            <a:solidFill>
+              <a:schemeClr val="accent1">
+                <a:lumMod val="60000"/>
+                <a:lumOff val="40000"/>
+                <a:alpha val="70000"/>
+              </a:schemeClr>
+            </a:solidFill>
+            <a:ln>
+              <a:noFill/>
+            </a:ln>
+            <a:effectLst/>
+          </p:spPr>
+          <p:style>
+            <a:lnRef idx="1">
+              <a:schemeClr val="accent1"/>
+            </a:lnRef>
+            <a:fillRef idx="3">
+              <a:schemeClr val="accent1"/>
+            </a:fillRef>
+            <a:effectRef idx="2">
+              <a:schemeClr val="accent1"/>
+            </a:effectRef>
+            <a:fontRef idx="minor">
+              <a:schemeClr val="lt1"/>
+            </a:fontRef>
+          </p:style>
+        </p:sp>
+        <p:sp>
+          <p:nvSpPr>
+            <p:cNvPr id="52" name="Rectangle 29">
+              <a:extLst>
+                <a:ext uri="{FF2B5EF4-FFF2-40B4-BE49-F238E27FC236}">
+                  <a16:creationId xmlns:a16="http://schemas.microsoft.com/office/drawing/2014/main" id="{229C2E15-76CD-409E-9D6B-10DAD8881EAB}"/>
+                </a:ext>
+                <a:ext uri="{C183D7F6-B498-43B3-948B-1728B52AA6E4}">
+                  <adec:decorative xmlns:adec="http://schemas.microsoft.com/office/drawing/2017/decorative" val="1"/>
+                </a:ext>
+              </a:extLst>
+            </p:cNvPr>
+            <p:cNvSpPr/>
+            <p:nvPr>
+              <p:extLst>
+                <p:ext uri="{386F3935-93C4-4BCD-93E2-E3B085C9AB24}">
+                  <p16:designElem xmlns:p16="http://schemas.microsoft.com/office/powerpoint/2015/main" val="1"/>
+                </p:ext>
+              </p:extLst>
+            </p:nvPr>
+          </p:nvSpPr>
+          <p:spPr>
+            <a:xfrm>
+              <a:off x="10938999" y="-8467"/>
+              <a:ext cx="1249825" cy="6866467"/>
+            </a:xfrm>
+            <a:custGeom>
+              <a:avLst/>
+              <a:gdLst/>
+              <a:ahLst/>
+              <a:cxnLst/>
+              <a:rect l="l" t="t" r="r" b="b"/>
+              <a:pathLst>
+                <a:path w="1249825" h="6858000">
+                  <a:moveTo>
+                    <a:pt x="0" y="0"/>
+                  </a:moveTo>
+                  <a:lnTo>
+                    <a:pt x="1249825" y="0"/>
+                  </a:lnTo>
+                  <a:lnTo>
+                    <a:pt x="1249825" y="6858000"/>
+                  </a:lnTo>
+                  <a:lnTo>
+                    <a:pt x="1109382" y="6858000"/>
+                  </a:lnTo>
+                  <a:lnTo>
+                    <a:pt x="0" y="0"/>
+                  </a:lnTo>
+                  <a:close/>
+                </a:path>
+              </a:pathLst>
+            </a:custGeom>
+            <a:solidFill>
+              <a:schemeClr val="accent1">
+                <a:alpha val="65000"/>
+              </a:schemeClr>
+            </a:solidFill>
+            <a:ln>
+              <a:noFill/>
+            </a:ln>
+            <a:effectLst/>
+          </p:spPr>
+          <p:style>
+            <a:lnRef idx="1">
+              <a:schemeClr val="accent1"/>
+            </a:lnRef>
+            <a:fillRef idx="3">
+              <a:schemeClr val="accent1"/>
+            </a:fillRef>
+            <a:effectRef idx="2">
+              <a:schemeClr val="accent1"/>
+            </a:effectRef>
+            <a:fontRef idx="minor">
+              <a:schemeClr val="lt1"/>
+            </a:fontRef>
+          </p:style>
+        </p:sp>
+        <p:sp>
+          <p:nvSpPr>
+            <p:cNvPr id="53" name="Isosceles Triangle 52">
+              <a:extLst>
+                <a:ext uri="{FF2B5EF4-FFF2-40B4-BE49-F238E27FC236}">
+                  <a16:creationId xmlns:a16="http://schemas.microsoft.com/office/drawing/2014/main" id="{89A24369-AC96-4A98-AD98-47A7217ECCE5}"/>
+                </a:ext>
+                <a:ext uri="{C183D7F6-B498-43B3-948B-1728B52AA6E4}">
+                  <adec:decorative xmlns:adec="http://schemas.microsoft.com/office/drawing/2017/decorative" val="1"/>
+                </a:ext>
+              </a:extLst>
+            </p:cNvPr>
+            <p:cNvSpPr/>
+            <p:nvPr>
+              <p:extLst>
+                <p:ext uri="{386F3935-93C4-4BCD-93E2-E3B085C9AB24}">
+                  <p16:designElem xmlns:p16="http://schemas.microsoft.com/office/powerpoint/2015/main" val="1"/>
+                </p:ext>
+              </p:extLst>
+            </p:nvPr>
+          </p:nvSpPr>
+          <p:spPr>
+            <a:xfrm>
+              <a:off x="10371666" y="3589867"/>
+              <a:ext cx="1817159" cy="3268133"/>
+            </a:xfrm>
+            <a:prstGeom prst="triangle">
+              <a:avLst>
+                <a:gd name="adj" fmla="val 100000"/>
+              </a:avLst>
+            </a:prstGeom>
+            <a:solidFill>
+              <a:schemeClr val="accent1">
+                <a:alpha val="80000"/>
+              </a:schemeClr>
+            </a:solidFill>
+            <a:ln>
+              <a:noFill/>
+            </a:ln>
+            <a:effectLst/>
+          </p:spPr>
+          <p:style>
+            <a:lnRef idx="1">
+              <a:schemeClr val="accent1"/>
+            </a:lnRef>
+            <a:fillRef idx="3">
+              <a:schemeClr val="accent1"/>
+            </a:fillRef>
+            <a:effectRef idx="2">
+              <a:schemeClr val="accent1"/>
+            </a:effectRef>
+            <a:fontRef idx="minor">
+              <a:schemeClr val="lt1"/>
+            </a:fontRef>
+          </p:style>
+        </p:sp>
+        <p:sp>
+          <p:nvSpPr>
+            <p:cNvPr id="54" name="Isosceles Triangle 53">
+              <a:extLst>
+                <a:ext uri="{FF2B5EF4-FFF2-40B4-BE49-F238E27FC236}">
+                  <a16:creationId xmlns:a16="http://schemas.microsoft.com/office/drawing/2014/main" id="{7D0DF9A3-4628-42F6-B0A4-44D97617E0E5}"/>
+                </a:ext>
+                <a:ext uri="{C183D7F6-B498-43B3-948B-1728B52AA6E4}">
+                  <adec:decorative xmlns:adec="http://schemas.microsoft.com/office/drawing/2017/decorative" val="1"/>
+                </a:ext>
+              </a:extLst>
+            </p:cNvPr>
+            <p:cNvSpPr/>
+            <p:nvPr>
+              <p:extLst>
+                <p:ext uri="{386F3935-93C4-4BCD-93E2-E3B085C9AB24}">
+                  <p16:designElem xmlns:p16="http://schemas.microsoft.com/office/powerpoint/2015/main" val="1"/>
+                </p:ext>
+              </p:extLst>
+            </p:nvPr>
+          </p:nvSpPr>
+          <p:spPr>
+            <a:xfrm>
+              <a:off x="0" y="4013200"/>
+              <a:ext cx="448733" cy="2844800"/>
+            </a:xfrm>
+            <a:prstGeom prst="triangle">
+              <a:avLst>
+                <a:gd name="adj" fmla="val 0"/>
+              </a:avLst>
+            </a:prstGeom>
+            <a:solidFill>
+              <a:schemeClr val="accent1">
+                <a:alpha val="85000"/>
+              </a:schemeClr>
+            </a:solidFill>
+            <a:ln>
+              <a:noFill/>
+            </a:ln>
+            <a:effectLst/>
+          </p:spPr>
+          <p:style>
+            <a:lnRef idx="1">
+              <a:schemeClr val="accent1"/>
+            </a:lnRef>
+            <a:fillRef idx="3">
+              <a:schemeClr val="accent1"/>
+            </a:fillRef>
+            <a:effectRef idx="2">
+              <a:schemeClr val="accent1"/>
+            </a:effectRef>
+            <a:fontRef idx="minor">
+              <a:schemeClr val="lt1"/>
+            </a:fontRef>
+          </p:style>
+        </p:sp>
+      </p:grpSp>
+      <p:sp>
+        <p:nvSpPr>
+          <p:cNvPr id="56" name="Rectangle 55">
+            <a:extLst>
+              <a:ext uri="{FF2B5EF4-FFF2-40B4-BE49-F238E27FC236}">
+                <a16:creationId xmlns:a16="http://schemas.microsoft.com/office/drawing/2014/main" id="{7459C506-5F4B-4B75-9218-C7C3F87FA8D3}"/>
+              </a:ext>
+              <a:ext uri="{C183D7F6-B498-43B3-948B-1728B52AA6E4}">
+                <adec:decorative xmlns:adec="http://schemas.microsoft.com/office/drawing/2017/decorative" val="1"/>
               </a:ext>
             </a:extLst>
           </p:cNvPr>
           <p:cNvSpPr>
-            <a:spLocks noGrp="1"/>
+            <a:spLocks noGrp="1" noRot="1" noChangeAspect="1" noMove="1" noResize="1" noEditPoints="1" noAdjustHandles="1" noChangeArrowheads="1" noChangeShapeType="1" noTextEdit="1"/>
           </p:cNvSpPr>
           <p:nvPr>
-            <p:ph type="title"/>
-          </p:nvPr>
-        </p:nvSpPr>
-        <p:spPr/>
-        <p:txBody>
-          <a:bodyPr/>
+            <p:extLst>
+              <p:ext uri="{386F3935-93C4-4BCD-93E2-E3B085C9AB24}">
+                <p16:designElem xmlns:p16="http://schemas.microsoft.com/office/powerpoint/2015/main" val="1"/>
+              </p:ext>
+            </p:extLst>
+          </p:nvPr>
+        </p:nvSpPr>
+        <p:spPr>
+          <a:xfrm>
+            <a:off x="0" y="0"/>
+            <a:ext cx="12192000" cy="6858000"/>
+          </a:xfrm>
+          <a:prstGeom prst="rect">
+            <a:avLst/>
+          </a:prstGeom>
+          <a:ln>
+            <a:noFill/>
+          </a:ln>
+        </p:spPr>
+        <p:style>
+          <a:lnRef idx="2">
+            <a:schemeClr val="accent1">
+              <a:shade val="50000"/>
+            </a:schemeClr>
+          </a:lnRef>
+          <a:fillRef idx="1">
+            <a:schemeClr val="accent1"/>
+          </a:fillRef>
+          <a:effectRef idx="0">
+            <a:schemeClr val="accent1"/>
+          </a:effectRef>
+          <a:fontRef idx="minor">
+            <a:schemeClr val="lt1"/>
+          </a:fontRef>
+        </p:style>
+        <p:txBody>
+          <a:bodyPr rtlCol="0" anchor="ctr"/>
           <a:lstStyle/>
           <a:p>
-            <a:r>
-              <a:rPr lang="hu-HU" dirty="0"/>
-              <a:t>Architektúra</a:t>
-            </a:r>
-          </a:p>
-        </p:txBody>
-      </p:sp>
-      <p:sp>
-        <p:nvSpPr>
-          <p:cNvPr id="3" name="Tartalom helye 2">
+            <a:pPr algn="ctr"/>
+            <a:endParaRPr lang="en-US"/>
+          </a:p>
+        </p:txBody>
+      </p:sp>
+      <p:grpSp>
+        <p:nvGrpSpPr>
+          <p:cNvPr id="58" name="Group 57">
             <a:extLst>
               <a:ext uri="{FF2B5EF4-FFF2-40B4-BE49-F238E27FC236}">
-                <a16:creationId xmlns:a16="http://schemas.microsoft.com/office/drawing/2014/main" id="{2CF9B8FD-7625-4873-8D27-BBAAA354D007}"/>
+                <a16:creationId xmlns:a16="http://schemas.microsoft.com/office/drawing/2014/main" id="{BC659EEB-C3AE-4544-8263-417009DCDF41}"/>
+              </a:ext>
+              <a:ext uri="{C183D7F6-B498-43B3-948B-1728B52AA6E4}">
+                <adec:decorative xmlns:adec="http://schemas.microsoft.com/office/drawing/2017/decorative" val="1"/>
+              </a:ext>
+            </a:extLst>
+          </p:cNvPr>
+          <p:cNvGrpSpPr>
+            <a:grpSpLocks noGrp="1" noUngrp="1" noRot="1" noChangeAspect="1" noMove="1" noResize="1"/>
+          </p:cNvGrpSpPr>
+          <p:nvPr>
+            <p:extLst>
+              <p:ext uri="{386F3935-93C4-4BCD-93E2-E3B085C9AB24}">
+                <p16:designElem xmlns:p16="http://schemas.microsoft.com/office/powerpoint/2015/main" val="1"/>
+              </p:ext>
+            </p:extLst>
+          </p:nvPr>
+        </p:nvGrpSpPr>
+        <p:grpSpPr>
+          <a:xfrm>
+            <a:off x="0" y="-8467"/>
+            <a:ext cx="12192000" cy="6866467"/>
+            <a:chOff x="0" y="-8467"/>
+            <a:chExt cx="12192000" cy="6866467"/>
+          </a:xfrm>
+        </p:grpSpPr>
+        <p:cxnSp>
+          <p:nvCxnSpPr>
+            <p:cNvPr id="59" name="Straight Connector 58">
+              <a:extLst>
+                <a:ext uri="{FF2B5EF4-FFF2-40B4-BE49-F238E27FC236}">
+                  <a16:creationId xmlns:a16="http://schemas.microsoft.com/office/drawing/2014/main" id="{D99DB6C6-36F9-4576-A558-95153EADBE41}"/>
+                </a:ext>
+                <a:ext uri="{C183D7F6-B498-43B3-948B-1728B52AA6E4}">
+                  <adec:decorative xmlns:adec="http://schemas.microsoft.com/office/drawing/2017/decorative" val="1"/>
+                </a:ext>
+              </a:extLst>
+            </p:cNvPr>
+            <p:cNvCxnSpPr/>
+            <p:nvPr>
+              <p:extLst>
+                <p:ext uri="{386F3935-93C4-4BCD-93E2-E3B085C9AB24}">
+                  <p16:designElem xmlns:p16="http://schemas.microsoft.com/office/powerpoint/2015/main" val="1"/>
+                </p:ext>
+              </p:extLst>
+            </p:nvPr>
+          </p:nvCxnSpPr>
+          <p:spPr>
+            <a:xfrm flipH="1">
+              <a:off x="7425267" y="3681413"/>
+              <a:ext cx="4763558" cy="3176587"/>
+            </a:xfrm>
+            <a:prstGeom prst="line">
+              <a:avLst/>
+            </a:prstGeom>
+            <a:ln w="9525">
+              <a:solidFill>
+                <a:schemeClr val="bg1">
+                  <a:lumMod val="85000"/>
+                </a:schemeClr>
+              </a:solidFill>
+            </a:ln>
+          </p:spPr>
+          <p:style>
+            <a:lnRef idx="2">
+              <a:schemeClr val="accent1"/>
+            </a:lnRef>
+            <a:fillRef idx="0">
+              <a:schemeClr val="accent1"/>
+            </a:fillRef>
+            <a:effectRef idx="1">
+              <a:schemeClr val="accent1"/>
+            </a:effectRef>
+            <a:fontRef idx="minor">
+              <a:schemeClr val="tx1"/>
+            </a:fontRef>
+          </p:style>
+        </p:cxnSp>
+        <p:sp>
+          <p:nvSpPr>
+            <p:cNvPr id="60" name="Rectangle 23">
+              <a:extLst>
+                <a:ext uri="{FF2B5EF4-FFF2-40B4-BE49-F238E27FC236}">
+                  <a16:creationId xmlns:a16="http://schemas.microsoft.com/office/drawing/2014/main" id="{694E7916-EDE4-4B50-A4A1-6B28FDD4D9B9}"/>
+                </a:ext>
+                <a:ext uri="{C183D7F6-B498-43B3-948B-1728B52AA6E4}">
+                  <adec:decorative xmlns:adec="http://schemas.microsoft.com/office/drawing/2017/decorative" val="1"/>
+                </a:ext>
+              </a:extLst>
+            </p:cNvPr>
+            <p:cNvSpPr/>
+            <p:nvPr>
+              <p:extLst>
+                <p:ext uri="{386F3935-93C4-4BCD-93E2-E3B085C9AB24}">
+                  <p16:designElem xmlns:p16="http://schemas.microsoft.com/office/powerpoint/2015/main" val="1"/>
+                </p:ext>
+              </p:extLst>
+            </p:nvPr>
+          </p:nvSpPr>
+          <p:spPr>
+            <a:xfrm>
+              <a:off x="9181476" y="-8467"/>
+              <a:ext cx="3007349" cy="6866467"/>
+            </a:xfrm>
+            <a:custGeom>
+              <a:avLst/>
+              <a:gdLst/>
+              <a:ahLst/>
+              <a:cxnLst/>
+              <a:rect l="l" t="t" r="r" b="b"/>
+              <a:pathLst>
+                <a:path w="3007349" h="6866467">
+                  <a:moveTo>
+                    <a:pt x="2045532" y="0"/>
+                  </a:moveTo>
+                  <a:lnTo>
+                    <a:pt x="3007349" y="0"/>
+                  </a:lnTo>
+                  <a:lnTo>
+                    <a:pt x="3007349" y="6866467"/>
+                  </a:lnTo>
+                  <a:lnTo>
+                    <a:pt x="0" y="6866467"/>
+                  </a:lnTo>
+                  <a:lnTo>
+                    <a:pt x="2045532" y="0"/>
+                  </a:lnTo>
+                  <a:close/>
+                </a:path>
+              </a:pathLst>
+            </a:custGeom>
+            <a:solidFill>
+              <a:schemeClr val="accent1">
+                <a:alpha val="30000"/>
+              </a:schemeClr>
+            </a:solidFill>
+            <a:ln>
+              <a:noFill/>
+            </a:ln>
+            <a:effectLst/>
+          </p:spPr>
+          <p:style>
+            <a:lnRef idx="1">
+              <a:schemeClr val="accent1"/>
+            </a:lnRef>
+            <a:fillRef idx="3">
+              <a:schemeClr val="accent1"/>
+            </a:fillRef>
+            <a:effectRef idx="2">
+              <a:schemeClr val="accent1"/>
+            </a:effectRef>
+            <a:fontRef idx="minor">
+              <a:schemeClr val="lt1"/>
+            </a:fontRef>
+          </p:style>
+        </p:sp>
+        <p:sp>
+          <p:nvSpPr>
+            <p:cNvPr id="61" name="Rectangle 25">
+              <a:extLst>
+                <a:ext uri="{FF2B5EF4-FFF2-40B4-BE49-F238E27FC236}">
+                  <a16:creationId xmlns:a16="http://schemas.microsoft.com/office/drawing/2014/main" id="{6F6CB7BB-4370-4173-97F8-F636C0F149F1}"/>
+                </a:ext>
+                <a:ext uri="{C183D7F6-B498-43B3-948B-1728B52AA6E4}">
+                  <adec:decorative xmlns:adec="http://schemas.microsoft.com/office/drawing/2017/decorative" val="1"/>
+                </a:ext>
+              </a:extLst>
+            </p:cNvPr>
+            <p:cNvSpPr/>
+            <p:nvPr>
+              <p:extLst>
+                <p:ext uri="{386F3935-93C4-4BCD-93E2-E3B085C9AB24}">
+                  <p16:designElem xmlns:p16="http://schemas.microsoft.com/office/powerpoint/2015/main" val="1"/>
+                </p:ext>
+              </p:extLst>
+            </p:nvPr>
+          </p:nvSpPr>
+          <p:spPr>
+            <a:xfrm>
+              <a:off x="9603442" y="-8467"/>
+              <a:ext cx="2588558" cy="6866467"/>
+            </a:xfrm>
+            <a:custGeom>
+              <a:avLst/>
+              <a:gdLst/>
+              <a:ahLst/>
+              <a:cxnLst/>
+              <a:rect l="l" t="t" r="r" b="b"/>
+              <a:pathLst>
+                <a:path w="2573311" h="6866467">
+                  <a:moveTo>
+                    <a:pt x="0" y="0"/>
+                  </a:moveTo>
+                  <a:lnTo>
+                    <a:pt x="2573311" y="0"/>
+                  </a:lnTo>
+                  <a:lnTo>
+                    <a:pt x="2573311" y="6866467"/>
+                  </a:lnTo>
+                  <a:lnTo>
+                    <a:pt x="1202336" y="6866467"/>
+                  </a:lnTo>
+                  <a:lnTo>
+                    <a:pt x="0" y="0"/>
+                  </a:lnTo>
+                  <a:close/>
+                </a:path>
+              </a:pathLst>
+            </a:custGeom>
+            <a:solidFill>
+              <a:schemeClr val="accent1">
+                <a:alpha val="20000"/>
+              </a:schemeClr>
+            </a:solidFill>
+            <a:ln>
+              <a:noFill/>
+            </a:ln>
+            <a:effectLst/>
+          </p:spPr>
+          <p:style>
+            <a:lnRef idx="1">
+              <a:schemeClr val="accent1"/>
+            </a:lnRef>
+            <a:fillRef idx="3">
+              <a:schemeClr val="accent1"/>
+            </a:fillRef>
+            <a:effectRef idx="2">
+              <a:schemeClr val="accent1"/>
+            </a:effectRef>
+            <a:fontRef idx="minor">
+              <a:schemeClr val="lt1"/>
+            </a:fontRef>
+          </p:style>
+        </p:sp>
+        <p:sp>
+          <p:nvSpPr>
+            <p:cNvPr id="62" name="Isosceles Triangle 61">
+              <a:extLst>
+                <a:ext uri="{FF2B5EF4-FFF2-40B4-BE49-F238E27FC236}">
+                  <a16:creationId xmlns:a16="http://schemas.microsoft.com/office/drawing/2014/main" id="{B0F590BB-1F51-4138-A2D4-2E483C84FB07}"/>
+                </a:ext>
+                <a:ext uri="{C183D7F6-B498-43B3-948B-1728B52AA6E4}">
+                  <adec:decorative xmlns:adec="http://schemas.microsoft.com/office/drawing/2017/decorative" val="1"/>
+                </a:ext>
+              </a:extLst>
+            </p:cNvPr>
+            <p:cNvSpPr/>
+            <p:nvPr>
+              <p:extLst>
+                <p:ext uri="{386F3935-93C4-4BCD-93E2-E3B085C9AB24}">
+                  <p16:designElem xmlns:p16="http://schemas.microsoft.com/office/powerpoint/2015/main" val="1"/>
+                </p:ext>
+              </p:extLst>
+            </p:nvPr>
+          </p:nvSpPr>
+          <p:spPr>
+            <a:xfrm>
+              <a:off x="8932333" y="3048000"/>
+              <a:ext cx="3259667" cy="3810000"/>
+            </a:xfrm>
+            <a:prstGeom prst="triangle">
+              <a:avLst>
+                <a:gd name="adj" fmla="val 100000"/>
+              </a:avLst>
+            </a:prstGeom>
+            <a:solidFill>
+              <a:schemeClr val="accent2">
+                <a:alpha val="72000"/>
+              </a:schemeClr>
+            </a:solidFill>
+            <a:ln>
+              <a:noFill/>
+            </a:ln>
+            <a:effectLst/>
+          </p:spPr>
+          <p:style>
+            <a:lnRef idx="1">
+              <a:schemeClr val="accent1"/>
+            </a:lnRef>
+            <a:fillRef idx="3">
+              <a:schemeClr val="accent1"/>
+            </a:fillRef>
+            <a:effectRef idx="2">
+              <a:schemeClr val="accent1"/>
+            </a:effectRef>
+            <a:fontRef idx="minor">
+              <a:schemeClr val="lt1"/>
+            </a:fontRef>
+          </p:style>
+        </p:sp>
+        <p:sp>
+          <p:nvSpPr>
+            <p:cNvPr id="63" name="Rectangle 27">
+              <a:extLst>
+                <a:ext uri="{FF2B5EF4-FFF2-40B4-BE49-F238E27FC236}">
+                  <a16:creationId xmlns:a16="http://schemas.microsoft.com/office/drawing/2014/main" id="{4A492863-9797-45A2-BAB3-514F10C5F254}"/>
+                </a:ext>
+                <a:ext uri="{C183D7F6-B498-43B3-948B-1728B52AA6E4}">
+                  <adec:decorative xmlns:adec="http://schemas.microsoft.com/office/drawing/2017/decorative" val="1"/>
+                </a:ext>
+              </a:extLst>
+            </p:cNvPr>
+            <p:cNvSpPr/>
+            <p:nvPr>
+              <p:extLst>
+                <p:ext uri="{386F3935-93C4-4BCD-93E2-E3B085C9AB24}">
+                  <p16:designElem xmlns:p16="http://schemas.microsoft.com/office/powerpoint/2015/main" val="1"/>
+                </p:ext>
+              </p:extLst>
+            </p:nvPr>
+          </p:nvSpPr>
+          <p:spPr>
+            <a:xfrm>
+              <a:off x="9334500" y="-8467"/>
+              <a:ext cx="2854326" cy="6866467"/>
+            </a:xfrm>
+            <a:custGeom>
+              <a:avLst/>
+              <a:gdLst/>
+              <a:ahLst/>
+              <a:cxnLst/>
+              <a:rect l="l" t="t" r="r" b="b"/>
+              <a:pathLst>
+                <a:path w="2858013" h="6866467">
+                  <a:moveTo>
+                    <a:pt x="0" y="0"/>
+                  </a:moveTo>
+                  <a:lnTo>
+                    <a:pt x="2858013" y="0"/>
+                  </a:lnTo>
+                  <a:lnTo>
+                    <a:pt x="2858013" y="6866467"/>
+                  </a:lnTo>
+                  <a:lnTo>
+                    <a:pt x="2473942" y="6866467"/>
+                  </a:lnTo>
+                  <a:lnTo>
+                    <a:pt x="0" y="0"/>
+                  </a:lnTo>
+                  <a:close/>
+                </a:path>
+              </a:pathLst>
+            </a:custGeom>
+            <a:solidFill>
+              <a:schemeClr val="accent2">
+                <a:lumMod val="75000"/>
+                <a:alpha val="70000"/>
+              </a:schemeClr>
+            </a:solidFill>
+            <a:ln>
+              <a:noFill/>
+            </a:ln>
+            <a:effectLst/>
+          </p:spPr>
+          <p:style>
+            <a:lnRef idx="1">
+              <a:schemeClr val="accent1"/>
+            </a:lnRef>
+            <a:fillRef idx="3">
+              <a:schemeClr val="accent1"/>
+            </a:fillRef>
+            <a:effectRef idx="2">
+              <a:schemeClr val="accent1"/>
+            </a:effectRef>
+            <a:fontRef idx="minor">
+              <a:schemeClr val="lt1"/>
+            </a:fontRef>
+          </p:style>
+        </p:sp>
+        <p:sp>
+          <p:nvSpPr>
+            <p:cNvPr id="64" name="Rectangle 28">
+              <a:extLst>
+                <a:ext uri="{FF2B5EF4-FFF2-40B4-BE49-F238E27FC236}">
+                  <a16:creationId xmlns:a16="http://schemas.microsoft.com/office/drawing/2014/main" id="{7C1E33F6-6D0F-4ECF-92F4-6F71D8BAF3D9}"/>
+                </a:ext>
+                <a:ext uri="{C183D7F6-B498-43B3-948B-1728B52AA6E4}">
+                  <adec:decorative xmlns:adec="http://schemas.microsoft.com/office/drawing/2017/decorative" val="1"/>
+                </a:ext>
+              </a:extLst>
+            </p:cNvPr>
+            <p:cNvSpPr/>
+            <p:nvPr>
+              <p:extLst>
+                <p:ext uri="{386F3935-93C4-4BCD-93E2-E3B085C9AB24}">
+                  <p16:designElem xmlns:p16="http://schemas.microsoft.com/office/powerpoint/2015/main" val="1"/>
+                </p:ext>
+              </p:extLst>
+            </p:nvPr>
+          </p:nvSpPr>
+          <p:spPr>
+            <a:xfrm>
+              <a:off x="10898730" y="-8467"/>
+              <a:ext cx="1290094" cy="6866467"/>
+            </a:xfrm>
+            <a:custGeom>
+              <a:avLst/>
+              <a:gdLst/>
+              <a:ahLst/>
+              <a:cxnLst/>
+              <a:rect l="l" t="t" r="r" b="b"/>
+              <a:pathLst>
+                <a:path w="1290094" h="6858000">
+                  <a:moveTo>
+                    <a:pt x="1019735" y="0"/>
+                  </a:moveTo>
+                  <a:lnTo>
+                    <a:pt x="1290094" y="0"/>
+                  </a:lnTo>
+                  <a:lnTo>
+                    <a:pt x="1290094" y="6858000"/>
+                  </a:lnTo>
+                  <a:lnTo>
+                    <a:pt x="0" y="6858000"/>
+                  </a:lnTo>
+                  <a:lnTo>
+                    <a:pt x="1019735" y="0"/>
+                  </a:lnTo>
+                  <a:close/>
+                </a:path>
+              </a:pathLst>
+            </a:custGeom>
+            <a:solidFill>
+              <a:schemeClr val="accent1">
+                <a:lumMod val="60000"/>
+                <a:lumOff val="40000"/>
+                <a:alpha val="70000"/>
+              </a:schemeClr>
+            </a:solidFill>
+            <a:ln>
+              <a:noFill/>
+            </a:ln>
+            <a:effectLst/>
+          </p:spPr>
+          <p:style>
+            <a:lnRef idx="1">
+              <a:schemeClr val="accent1"/>
+            </a:lnRef>
+            <a:fillRef idx="3">
+              <a:schemeClr val="accent1"/>
+            </a:fillRef>
+            <a:effectRef idx="2">
+              <a:schemeClr val="accent1"/>
+            </a:effectRef>
+            <a:fontRef idx="minor">
+              <a:schemeClr val="lt1"/>
+            </a:fontRef>
+          </p:style>
+        </p:sp>
+        <p:sp>
+          <p:nvSpPr>
+            <p:cNvPr id="65" name="Rectangle 29">
+              <a:extLst>
+                <a:ext uri="{FF2B5EF4-FFF2-40B4-BE49-F238E27FC236}">
+                  <a16:creationId xmlns:a16="http://schemas.microsoft.com/office/drawing/2014/main" id="{73EEEA64-7411-474B-BD0E-60C24B3F4E56}"/>
+                </a:ext>
+                <a:ext uri="{C183D7F6-B498-43B3-948B-1728B52AA6E4}">
+                  <adec:decorative xmlns:adec="http://schemas.microsoft.com/office/drawing/2017/decorative" val="1"/>
+                </a:ext>
+              </a:extLst>
+            </p:cNvPr>
+            <p:cNvSpPr/>
+            <p:nvPr>
+              <p:extLst>
+                <p:ext uri="{386F3935-93C4-4BCD-93E2-E3B085C9AB24}">
+                  <p16:designElem xmlns:p16="http://schemas.microsoft.com/office/powerpoint/2015/main" val="1"/>
+                </p:ext>
+              </p:extLst>
+            </p:nvPr>
+          </p:nvSpPr>
+          <p:spPr>
+            <a:xfrm>
+              <a:off x="10938999" y="-8467"/>
+              <a:ext cx="1249825" cy="6866467"/>
+            </a:xfrm>
+            <a:custGeom>
+              <a:avLst/>
+              <a:gdLst/>
+              <a:ahLst/>
+              <a:cxnLst/>
+              <a:rect l="l" t="t" r="r" b="b"/>
+              <a:pathLst>
+                <a:path w="1249825" h="6858000">
+                  <a:moveTo>
+                    <a:pt x="0" y="0"/>
+                  </a:moveTo>
+                  <a:lnTo>
+                    <a:pt x="1249825" y="0"/>
+                  </a:lnTo>
+                  <a:lnTo>
+                    <a:pt x="1249825" y="6858000"/>
+                  </a:lnTo>
+                  <a:lnTo>
+                    <a:pt x="1109382" y="6858000"/>
+                  </a:lnTo>
+                  <a:lnTo>
+                    <a:pt x="0" y="0"/>
+                  </a:lnTo>
+                  <a:close/>
+                </a:path>
+              </a:pathLst>
+            </a:custGeom>
+            <a:solidFill>
+              <a:schemeClr val="accent1">
+                <a:alpha val="65000"/>
+              </a:schemeClr>
+            </a:solidFill>
+            <a:ln>
+              <a:noFill/>
+            </a:ln>
+            <a:effectLst/>
+          </p:spPr>
+          <p:style>
+            <a:lnRef idx="1">
+              <a:schemeClr val="accent1"/>
+            </a:lnRef>
+            <a:fillRef idx="3">
+              <a:schemeClr val="accent1"/>
+            </a:fillRef>
+            <a:effectRef idx="2">
+              <a:schemeClr val="accent1"/>
+            </a:effectRef>
+            <a:fontRef idx="minor">
+              <a:schemeClr val="lt1"/>
+            </a:fontRef>
+          </p:style>
+        </p:sp>
+        <p:sp>
+          <p:nvSpPr>
+            <p:cNvPr id="66" name="Isosceles Triangle 65">
+              <a:extLst>
+                <a:ext uri="{FF2B5EF4-FFF2-40B4-BE49-F238E27FC236}">
+                  <a16:creationId xmlns:a16="http://schemas.microsoft.com/office/drawing/2014/main" id="{4F82A6DD-92BB-4443-B5A5-05240DD5580E}"/>
+                </a:ext>
+                <a:ext uri="{C183D7F6-B498-43B3-948B-1728B52AA6E4}">
+                  <adec:decorative xmlns:adec="http://schemas.microsoft.com/office/drawing/2017/decorative" val="1"/>
+                </a:ext>
+              </a:extLst>
+            </p:cNvPr>
+            <p:cNvSpPr/>
+            <p:nvPr>
+              <p:extLst>
+                <p:ext uri="{386F3935-93C4-4BCD-93E2-E3B085C9AB24}">
+                  <p16:designElem xmlns:p16="http://schemas.microsoft.com/office/powerpoint/2015/main" val="1"/>
+                </p:ext>
+              </p:extLst>
+            </p:nvPr>
+          </p:nvSpPr>
+          <p:spPr>
+            <a:xfrm>
+              <a:off x="10371666" y="3589867"/>
+              <a:ext cx="1817159" cy="3268133"/>
+            </a:xfrm>
+            <a:prstGeom prst="triangle">
+              <a:avLst>
+                <a:gd name="adj" fmla="val 100000"/>
+              </a:avLst>
+            </a:prstGeom>
+            <a:solidFill>
+              <a:schemeClr val="accent1">
+                <a:alpha val="80000"/>
+              </a:schemeClr>
+            </a:solidFill>
+            <a:ln>
+              <a:noFill/>
+            </a:ln>
+            <a:effectLst/>
+          </p:spPr>
+          <p:style>
+            <a:lnRef idx="1">
+              <a:schemeClr val="accent1"/>
+            </a:lnRef>
+            <a:fillRef idx="3">
+              <a:schemeClr val="accent1"/>
+            </a:fillRef>
+            <a:effectRef idx="2">
+              <a:schemeClr val="accent1"/>
+            </a:effectRef>
+            <a:fontRef idx="minor">
+              <a:schemeClr val="lt1"/>
+            </a:fontRef>
+          </p:style>
+        </p:sp>
+        <p:sp>
+          <p:nvSpPr>
+            <p:cNvPr id="67" name="Isosceles Triangle 66">
+              <a:extLst>
+                <a:ext uri="{FF2B5EF4-FFF2-40B4-BE49-F238E27FC236}">
+                  <a16:creationId xmlns:a16="http://schemas.microsoft.com/office/drawing/2014/main" id="{79832BCB-1DCF-46AC-9FFA-170791668D8C}"/>
+                </a:ext>
+                <a:ext uri="{C183D7F6-B498-43B3-948B-1728B52AA6E4}">
+                  <adec:decorative xmlns:adec="http://schemas.microsoft.com/office/drawing/2017/decorative" val="1"/>
+                </a:ext>
+              </a:extLst>
+            </p:cNvPr>
+            <p:cNvSpPr/>
+            <p:nvPr>
+              <p:extLst>
+                <p:ext uri="{386F3935-93C4-4BCD-93E2-E3B085C9AB24}">
+                  <p16:designElem xmlns:p16="http://schemas.microsoft.com/office/powerpoint/2015/main" val="1"/>
+                </p:ext>
+              </p:extLst>
+            </p:nvPr>
+          </p:nvSpPr>
+          <p:spPr>
+            <a:xfrm>
+              <a:off x="0" y="4013200"/>
+              <a:ext cx="448733" cy="2844800"/>
+            </a:xfrm>
+            <a:prstGeom prst="triangle">
+              <a:avLst>
+                <a:gd name="adj" fmla="val 0"/>
+              </a:avLst>
+            </a:prstGeom>
+            <a:solidFill>
+              <a:schemeClr val="accent1">
+                <a:alpha val="85000"/>
+              </a:schemeClr>
+            </a:solidFill>
+            <a:ln>
+              <a:noFill/>
+            </a:ln>
+            <a:effectLst/>
+          </p:spPr>
+          <p:style>
+            <a:lnRef idx="1">
+              <a:schemeClr val="accent1"/>
+            </a:lnRef>
+            <a:fillRef idx="3">
+              <a:schemeClr val="accent1"/>
+            </a:fillRef>
+            <a:effectRef idx="2">
+              <a:schemeClr val="accent1"/>
+            </a:effectRef>
+            <a:fontRef idx="minor">
+              <a:schemeClr val="lt1"/>
+            </a:fontRef>
+          </p:style>
+        </p:sp>
+      </p:grpSp>
+      <p:sp useBgFill="1">
+        <p:nvSpPr>
+          <p:cNvPr id="69" name="Rectangle 68">
+            <a:extLst>
+              <a:ext uri="{FF2B5EF4-FFF2-40B4-BE49-F238E27FC236}">
+                <a16:creationId xmlns:a16="http://schemas.microsoft.com/office/drawing/2014/main" id="{4E74DA95-CD7A-4D5E-9D27-67A759CE708D}"/>
+              </a:ext>
+              <a:ext uri="{C183D7F6-B498-43B3-948B-1728B52AA6E4}">
+                <adec:decorative xmlns:adec="http://schemas.microsoft.com/office/drawing/2017/decorative" val="1"/>
               </a:ext>
             </a:extLst>
           </p:cNvPr>
           <p:cNvSpPr>
-            <a:spLocks noGrp="1"/>
+            <a:spLocks noGrp="1" noRot="1" noChangeAspect="1" noMove="1" noResize="1" noEditPoints="1" noAdjustHandles="1" noChangeArrowheads="1" noChangeShapeType="1" noTextEdit="1"/>
           </p:cNvSpPr>
           <p:nvPr>
-            <p:ph idx="1"/>
-          </p:nvPr>
-        </p:nvSpPr>
-        <p:spPr/>
-        <p:txBody>
-          <a:bodyPr/>
+            <p:extLst>
+              <p:ext uri="{386F3935-93C4-4BCD-93E2-E3B085C9AB24}">
+                <p16:designElem xmlns:p16="http://schemas.microsoft.com/office/powerpoint/2015/main" val="1"/>
+              </p:ext>
+            </p:extLst>
+          </p:nvPr>
+        </p:nvSpPr>
+        <p:spPr>
+          <a:xfrm>
+            <a:off x="477012" y="480060"/>
+            <a:ext cx="11237976" cy="5897880"/>
+          </a:xfrm>
+          <a:prstGeom prst="rect">
+            <a:avLst/>
+          </a:prstGeom>
+          <a:ln w="22225">
+            <a:solidFill>
+              <a:srgbClr val="FFFFFF"/>
+            </a:solidFill>
+          </a:ln>
+        </p:spPr>
+        <p:style>
+          <a:lnRef idx="2">
+            <a:schemeClr val="accent1">
+              <a:shade val="50000"/>
+            </a:schemeClr>
+          </a:lnRef>
+          <a:fillRef idx="1">
+            <a:schemeClr val="accent1"/>
+          </a:fillRef>
+          <a:effectRef idx="0">
+            <a:schemeClr val="accent1"/>
+          </a:effectRef>
+          <a:fontRef idx="minor">
+            <a:schemeClr val="lt1"/>
+          </a:fontRef>
+        </p:style>
+        <p:txBody>
+          <a:bodyPr rtlCol="0" anchor="ctr"/>
           <a:lstStyle/>
           <a:p>
+            <a:pPr algn="ctr"/>
+            <a:endParaRPr lang="en-US"/>
+          </a:p>
+        </p:txBody>
+      </p:sp>
+      <p:pic>
+        <p:nvPicPr>
+          <p:cNvPr id="6" name="Kép 5" descr="A képen szöveg látható&#10;&#10;Automatikusan generált leírás">
+            <a:extLst>
+              <a:ext uri="{FF2B5EF4-FFF2-40B4-BE49-F238E27FC236}">
+                <a16:creationId xmlns:a16="http://schemas.microsoft.com/office/drawing/2014/main" id="{2B1E15CF-5B2F-41B8-A847-181A8739960F}"/>
+              </a:ext>
+            </a:extLst>
+          </p:cNvPr>
+          <p:cNvPicPr/>
+          <p:nvPr/>
+        </p:nvPicPr>
+        <p:blipFill>
+          <a:blip r:embed="rId2"/>
+          <a:stretch>
+            <a:fillRect/>
+          </a:stretch>
+        </p:blipFill>
+        <p:spPr>
+          <a:xfrm>
+            <a:off x="1926605" y="659479"/>
+            <a:ext cx="2705108" cy="4940839"/>
+          </a:xfrm>
+          <a:prstGeom prst="rect">
+            <a:avLst/>
+          </a:prstGeom>
+        </p:spPr>
+      </p:pic>
+      <p:cxnSp>
+        <p:nvCxnSpPr>
+          <p:cNvPr id="71" name="Straight Connector 70">
+            <a:extLst>
+              <a:ext uri="{FF2B5EF4-FFF2-40B4-BE49-F238E27FC236}">
+                <a16:creationId xmlns:a16="http://schemas.microsoft.com/office/drawing/2014/main" id="{14AA3B5C-0C55-4FFF-9C45-8F9F7C074A4E}"/>
+              </a:ext>
+              <a:ext uri="{C183D7F6-B498-43B3-948B-1728B52AA6E4}">
+                <adec:decorative xmlns:adec="http://schemas.microsoft.com/office/drawing/2017/decorative" val="1"/>
+              </a:ext>
+            </a:extLst>
+          </p:cNvPr>
+          <p:cNvCxnSpPr>
+            <a:cxnSpLocks noGrp="1" noRot="1" noChangeAspect="1" noMove="1" noResize="1" noEditPoints="1" noAdjustHandles="1" noChangeArrowheads="1" noChangeShapeType="1"/>
+          </p:cNvCxnSpPr>
+          <p:nvPr>
+            <p:extLst>
+              <p:ext uri="{386F3935-93C4-4BCD-93E2-E3B085C9AB24}">
+                <p16:designElem xmlns:p16="http://schemas.microsoft.com/office/powerpoint/2015/main" val="1"/>
+              </p:ext>
+            </p:extLst>
+          </p:nvPr>
+        </p:nvCxnSpPr>
+        <p:spPr>
+          <a:xfrm>
+            <a:off x="6081305" y="1650669"/>
+            <a:ext cx="0" cy="3431969"/>
+          </a:xfrm>
+          <a:prstGeom prst="line">
+            <a:avLst/>
+          </a:prstGeom>
+        </p:spPr>
+        <p:style>
+          <a:lnRef idx="1">
+            <a:schemeClr val="accent1"/>
+          </a:lnRef>
+          <a:fillRef idx="0">
+            <a:schemeClr val="accent1"/>
+          </a:fillRef>
+          <a:effectRef idx="0">
+            <a:schemeClr val="accent1"/>
+          </a:effectRef>
+          <a:fontRef idx="minor">
+            <a:schemeClr val="tx1"/>
+          </a:fontRef>
+        </p:style>
+      </p:cxnSp>
+      <p:pic>
+        <p:nvPicPr>
+          <p:cNvPr id="7" name="Kép 6" descr="A képen szöveg látható&#10;&#10;Automatikusan generált leírás">
+            <a:extLst>
+              <a:ext uri="{FF2B5EF4-FFF2-40B4-BE49-F238E27FC236}">
+                <a16:creationId xmlns:a16="http://schemas.microsoft.com/office/drawing/2014/main" id="{37CA21F0-07ED-4405-8626-80C6B6BD184E}"/>
+              </a:ext>
+            </a:extLst>
+          </p:cNvPr>
+          <p:cNvPicPr/>
+          <p:nvPr/>
+        </p:nvPicPr>
+        <p:blipFill>
+          <a:blip r:embed="rId3"/>
+          <a:stretch>
+            <a:fillRect/>
+          </a:stretch>
+        </p:blipFill>
+        <p:spPr>
+          <a:xfrm>
+            <a:off x="7530898" y="659479"/>
+            <a:ext cx="2746553" cy="4993736"/>
+          </a:xfrm>
+          <a:prstGeom prst="rect">
+            <a:avLst/>
+          </a:prstGeom>
+        </p:spPr>
+      </p:pic>
+      <p:sp>
+        <p:nvSpPr>
+          <p:cNvPr id="8" name="Szövegdoboz 7">
+            <a:extLst>
+              <a:ext uri="{FF2B5EF4-FFF2-40B4-BE49-F238E27FC236}">
+                <a16:creationId xmlns:a16="http://schemas.microsoft.com/office/drawing/2014/main" id="{D4B83F54-BF03-4AE4-8D2F-7AD7D2606192}"/>
+              </a:ext>
+            </a:extLst>
+          </p:cNvPr>
+          <p:cNvSpPr txBox="1"/>
+          <p:nvPr/>
+        </p:nvSpPr>
+        <p:spPr>
+          <a:xfrm>
+            <a:off x="2269106" y="5771229"/>
+            <a:ext cx="2020105" cy="369332"/>
+          </a:xfrm>
+          <a:prstGeom prst="rect">
+            <a:avLst/>
+          </a:prstGeom>
+          <a:noFill/>
+        </p:spPr>
+        <p:txBody>
+          <a:bodyPr wrap="none" rtlCol="0">
+            <a:spAutoFit/>
+          </a:bodyPr>
+          <a:lstStyle/>
+          <a:p>
             <a:r>
               <a:rPr lang="hu-HU" dirty="0"/>
-              <a:t>Model-View-ViewModel</a:t>
+              <a:t>Üdvözlő képernyő</a:t>
+            </a:r>
+          </a:p>
+        </p:txBody>
+      </p:sp>
+      <p:sp>
+        <p:nvSpPr>
+          <p:cNvPr id="9" name="Szövegdoboz 8">
+            <a:extLst>
+              <a:ext uri="{FF2B5EF4-FFF2-40B4-BE49-F238E27FC236}">
+                <a16:creationId xmlns:a16="http://schemas.microsoft.com/office/drawing/2014/main" id="{8D9FC61A-7662-459C-8D1D-1ACF669CC270}"/>
+              </a:ext>
+            </a:extLst>
+          </p:cNvPr>
+          <p:cNvSpPr txBox="1"/>
+          <p:nvPr/>
+        </p:nvSpPr>
+        <p:spPr>
+          <a:xfrm>
+            <a:off x="8034775" y="5771229"/>
+            <a:ext cx="1952779" cy="369332"/>
+          </a:xfrm>
+          <a:prstGeom prst="rect">
+            <a:avLst/>
+          </a:prstGeom>
+          <a:noFill/>
+        </p:spPr>
+        <p:txBody>
+          <a:bodyPr wrap="none" rtlCol="0">
+            <a:spAutoFit/>
+          </a:bodyPr>
+          <a:lstStyle/>
+          <a:p>
+            <a:r>
+              <a:rPr lang="hu-HU" dirty="0"/>
+              <a:t>Listáim képernyő</a:t>
             </a:r>
           </a:p>
         </p:txBody>
@@ -6192,7 +7962,7 @@
     </p:spTree>
     <p:extLst>
       <p:ext uri="{BB962C8B-B14F-4D97-AF65-F5344CB8AC3E}">
-        <p14:creationId xmlns:p14="http://schemas.microsoft.com/office/powerpoint/2010/main" val="1389676953"/>
+        <p14:creationId xmlns:p14="http://schemas.microsoft.com/office/powerpoint/2010/main" val="2905402411"/>
       </p:ext>
     </p:extLst>
   </p:cSld>
@@ -6205,6 +7975,14 @@
 <file path=ppt/slides/slide4.xml><?xml version="1.0" encoding="utf-8"?>
 <p:sld xmlns:a="http://schemas.openxmlformats.org/drawingml/2006/main" xmlns:r="http://schemas.openxmlformats.org/officeDocument/2006/relationships" xmlns:p="http://schemas.openxmlformats.org/presentationml/2006/main">
   <p:cSld>
+    <p:bg>
+      <p:bgPr>
+        <a:solidFill>
+          <a:schemeClr val="bg1"/>
+        </a:solidFill>
+        <a:effectLst/>
+      </p:bgPr>
+    </p:bg>
     <p:spTree>
       <p:nvGrpSpPr>
         <p:cNvPr id="1" name=""/>
@@ -6219,63 +7997,1647 @@
           <a:chExt cx="0" cy="0"/>
         </a:xfrm>
       </p:grpSpPr>
-      <p:sp>
-        <p:nvSpPr>
-          <p:cNvPr id="2" name="Cím 1">
+      <p:grpSp>
+        <p:nvGrpSpPr>
+          <p:cNvPr id="10" name="Group 9">
             <a:extLst>
               <a:ext uri="{FF2B5EF4-FFF2-40B4-BE49-F238E27FC236}">
-                <a16:creationId xmlns:a16="http://schemas.microsoft.com/office/drawing/2014/main" id="{B4933FED-545D-47E8-A75E-E9DEDF4825C0}"/>
+                <a16:creationId xmlns:a16="http://schemas.microsoft.com/office/drawing/2014/main" id="{7664F850-BA8B-47AE-B11A-225CAB8969F1}"/>
+              </a:ext>
+              <a:ext uri="{C183D7F6-B498-43B3-948B-1728B52AA6E4}">
+                <adec:decorative xmlns:adec="http://schemas.microsoft.com/office/drawing/2017/decorative" val="1"/>
+              </a:ext>
+            </a:extLst>
+          </p:cNvPr>
+          <p:cNvGrpSpPr>
+            <a:grpSpLocks noGrp="1" noUngrp="1" noRot="1" noChangeAspect="1" noMove="1" noResize="1"/>
+          </p:cNvGrpSpPr>
+          <p:nvPr>
+            <p:extLst>
+              <p:ext uri="{386F3935-93C4-4BCD-93E2-E3B085C9AB24}">
+                <p16:designElem xmlns:p16="http://schemas.microsoft.com/office/powerpoint/2015/main" val="1"/>
+              </p:ext>
+            </p:extLst>
+          </p:nvPr>
+        </p:nvGrpSpPr>
+        <p:grpSpPr>
+          <a:xfrm>
+            <a:off x="0" y="-8467"/>
+            <a:ext cx="12192000" cy="6866467"/>
+            <a:chOff x="0" y="-8467"/>
+            <a:chExt cx="12192000" cy="6866467"/>
+          </a:xfrm>
+        </p:grpSpPr>
+        <p:cxnSp>
+          <p:nvCxnSpPr>
+            <p:cNvPr id="11" name="Straight Connector 10">
+              <a:extLst>
+                <a:ext uri="{FF2B5EF4-FFF2-40B4-BE49-F238E27FC236}">
+                  <a16:creationId xmlns:a16="http://schemas.microsoft.com/office/drawing/2014/main" id="{634FC909-7343-4DEC-920F-098F56B476F0}"/>
+                </a:ext>
+                <a:ext uri="{C183D7F6-B498-43B3-948B-1728B52AA6E4}">
+                  <adec:decorative xmlns:adec="http://schemas.microsoft.com/office/drawing/2017/decorative" val="1"/>
+                </a:ext>
+              </a:extLst>
+            </p:cNvPr>
+            <p:cNvCxnSpPr/>
+            <p:nvPr>
+              <p:extLst>
+                <p:ext uri="{386F3935-93C4-4BCD-93E2-E3B085C9AB24}">
+                  <p16:designElem xmlns:p16="http://schemas.microsoft.com/office/powerpoint/2015/main" val="1"/>
+                </p:ext>
+              </p:extLst>
+            </p:nvPr>
+          </p:nvCxnSpPr>
+          <p:spPr>
+            <a:xfrm>
+              <a:off x="9371012" y="0"/>
+              <a:ext cx="1219200" cy="6858000"/>
+            </a:xfrm>
+            <a:prstGeom prst="line">
+              <a:avLst/>
+            </a:prstGeom>
+            <a:ln w="9525">
+              <a:solidFill>
+                <a:schemeClr val="bg1">
+                  <a:lumMod val="75000"/>
+                </a:schemeClr>
+              </a:solidFill>
+            </a:ln>
+          </p:spPr>
+          <p:style>
+            <a:lnRef idx="2">
+              <a:schemeClr val="accent1"/>
+            </a:lnRef>
+            <a:fillRef idx="0">
+              <a:schemeClr val="accent1"/>
+            </a:fillRef>
+            <a:effectRef idx="1">
+              <a:schemeClr val="accent1"/>
+            </a:effectRef>
+            <a:fontRef idx="minor">
+              <a:schemeClr val="tx1"/>
+            </a:fontRef>
+          </p:style>
+        </p:cxnSp>
+        <p:cxnSp>
+          <p:nvCxnSpPr>
+            <p:cNvPr id="12" name="Straight Connector 11">
+              <a:extLst>
+                <a:ext uri="{FF2B5EF4-FFF2-40B4-BE49-F238E27FC236}">
+                  <a16:creationId xmlns:a16="http://schemas.microsoft.com/office/drawing/2014/main" id="{24F22DB2-7E27-4CF7-8B17-254ECB9AE771}"/>
+                </a:ext>
+                <a:ext uri="{C183D7F6-B498-43B3-948B-1728B52AA6E4}">
+                  <adec:decorative xmlns:adec="http://schemas.microsoft.com/office/drawing/2017/decorative" val="1"/>
+                </a:ext>
+              </a:extLst>
+            </p:cNvPr>
+            <p:cNvCxnSpPr/>
+            <p:nvPr>
+              <p:extLst>
+                <p:ext uri="{386F3935-93C4-4BCD-93E2-E3B085C9AB24}">
+                  <p16:designElem xmlns:p16="http://schemas.microsoft.com/office/powerpoint/2015/main" val="1"/>
+                </p:ext>
+              </p:extLst>
+            </p:nvPr>
+          </p:nvCxnSpPr>
+          <p:spPr>
+            <a:xfrm flipH="1">
+              <a:off x="7425267" y="3681413"/>
+              <a:ext cx="4763558" cy="3176587"/>
+            </a:xfrm>
+            <a:prstGeom prst="line">
+              <a:avLst/>
+            </a:prstGeom>
+            <a:ln w="9525">
+              <a:solidFill>
+                <a:schemeClr val="bg1">
+                  <a:lumMod val="85000"/>
+                </a:schemeClr>
+              </a:solidFill>
+            </a:ln>
+          </p:spPr>
+          <p:style>
+            <a:lnRef idx="2">
+              <a:schemeClr val="accent1"/>
+            </a:lnRef>
+            <a:fillRef idx="0">
+              <a:schemeClr val="accent1"/>
+            </a:fillRef>
+            <a:effectRef idx="1">
+              <a:schemeClr val="accent1"/>
+            </a:effectRef>
+            <a:fontRef idx="minor">
+              <a:schemeClr val="tx1"/>
+            </a:fontRef>
+          </p:style>
+        </p:cxnSp>
+        <p:sp>
+          <p:nvSpPr>
+            <p:cNvPr id="13" name="Rectangle 23">
+              <a:extLst>
+                <a:ext uri="{FF2B5EF4-FFF2-40B4-BE49-F238E27FC236}">
+                  <a16:creationId xmlns:a16="http://schemas.microsoft.com/office/drawing/2014/main" id="{C6E593B3-91A3-4687-8B8D-FE37A3714FD2}"/>
+                </a:ext>
+                <a:ext uri="{C183D7F6-B498-43B3-948B-1728B52AA6E4}">
+                  <adec:decorative xmlns:adec="http://schemas.microsoft.com/office/drawing/2017/decorative" val="1"/>
+                </a:ext>
+              </a:extLst>
+            </p:cNvPr>
+            <p:cNvSpPr/>
+            <p:nvPr>
+              <p:extLst>
+                <p:ext uri="{386F3935-93C4-4BCD-93E2-E3B085C9AB24}">
+                  <p16:designElem xmlns:p16="http://schemas.microsoft.com/office/powerpoint/2015/main" val="1"/>
+                </p:ext>
+              </p:extLst>
+            </p:nvPr>
+          </p:nvSpPr>
+          <p:spPr>
+            <a:xfrm>
+              <a:off x="9181476" y="-8467"/>
+              <a:ext cx="3007349" cy="6866467"/>
+            </a:xfrm>
+            <a:custGeom>
+              <a:avLst/>
+              <a:gdLst/>
+              <a:ahLst/>
+              <a:cxnLst/>
+              <a:rect l="l" t="t" r="r" b="b"/>
+              <a:pathLst>
+                <a:path w="3007349" h="6866467">
+                  <a:moveTo>
+                    <a:pt x="2045532" y="0"/>
+                  </a:moveTo>
+                  <a:lnTo>
+                    <a:pt x="3007349" y="0"/>
+                  </a:lnTo>
+                  <a:lnTo>
+                    <a:pt x="3007349" y="6866467"/>
+                  </a:lnTo>
+                  <a:lnTo>
+                    <a:pt x="0" y="6866467"/>
+                  </a:lnTo>
+                  <a:lnTo>
+                    <a:pt x="2045532" y="0"/>
+                  </a:lnTo>
+                  <a:close/>
+                </a:path>
+              </a:pathLst>
+            </a:custGeom>
+            <a:solidFill>
+              <a:schemeClr val="accent1">
+                <a:alpha val="30000"/>
+              </a:schemeClr>
+            </a:solidFill>
+            <a:ln>
+              <a:noFill/>
+            </a:ln>
+            <a:effectLst/>
+          </p:spPr>
+          <p:style>
+            <a:lnRef idx="1">
+              <a:schemeClr val="accent1"/>
+            </a:lnRef>
+            <a:fillRef idx="3">
+              <a:schemeClr val="accent1"/>
+            </a:fillRef>
+            <a:effectRef idx="2">
+              <a:schemeClr val="accent1"/>
+            </a:effectRef>
+            <a:fontRef idx="minor">
+              <a:schemeClr val="lt1"/>
+            </a:fontRef>
+          </p:style>
+        </p:sp>
+        <p:sp>
+          <p:nvSpPr>
+            <p:cNvPr id="14" name="Rectangle 25">
+              <a:extLst>
+                <a:ext uri="{FF2B5EF4-FFF2-40B4-BE49-F238E27FC236}">
+                  <a16:creationId xmlns:a16="http://schemas.microsoft.com/office/drawing/2014/main" id="{0C25B431-5C97-4B8D-B0A3-BFB8133C7173}"/>
+                </a:ext>
+                <a:ext uri="{C183D7F6-B498-43B3-948B-1728B52AA6E4}">
+                  <adec:decorative xmlns:adec="http://schemas.microsoft.com/office/drawing/2017/decorative" val="1"/>
+                </a:ext>
+              </a:extLst>
+            </p:cNvPr>
+            <p:cNvSpPr/>
+            <p:nvPr>
+              <p:extLst>
+                <p:ext uri="{386F3935-93C4-4BCD-93E2-E3B085C9AB24}">
+                  <p16:designElem xmlns:p16="http://schemas.microsoft.com/office/powerpoint/2015/main" val="1"/>
+                </p:ext>
+              </p:extLst>
+            </p:nvPr>
+          </p:nvSpPr>
+          <p:spPr>
+            <a:xfrm>
+              <a:off x="9603442" y="-8467"/>
+              <a:ext cx="2588558" cy="6866467"/>
+            </a:xfrm>
+            <a:custGeom>
+              <a:avLst/>
+              <a:gdLst/>
+              <a:ahLst/>
+              <a:cxnLst/>
+              <a:rect l="l" t="t" r="r" b="b"/>
+              <a:pathLst>
+                <a:path w="2573311" h="6866467">
+                  <a:moveTo>
+                    <a:pt x="0" y="0"/>
+                  </a:moveTo>
+                  <a:lnTo>
+                    <a:pt x="2573311" y="0"/>
+                  </a:lnTo>
+                  <a:lnTo>
+                    <a:pt x="2573311" y="6866467"/>
+                  </a:lnTo>
+                  <a:lnTo>
+                    <a:pt x="1202336" y="6866467"/>
+                  </a:lnTo>
+                  <a:lnTo>
+                    <a:pt x="0" y="0"/>
+                  </a:lnTo>
+                  <a:close/>
+                </a:path>
+              </a:pathLst>
+            </a:custGeom>
+            <a:solidFill>
+              <a:schemeClr val="accent1">
+                <a:alpha val="20000"/>
+              </a:schemeClr>
+            </a:solidFill>
+            <a:ln>
+              <a:noFill/>
+            </a:ln>
+            <a:effectLst/>
+          </p:spPr>
+          <p:style>
+            <a:lnRef idx="1">
+              <a:schemeClr val="accent1"/>
+            </a:lnRef>
+            <a:fillRef idx="3">
+              <a:schemeClr val="accent1"/>
+            </a:fillRef>
+            <a:effectRef idx="2">
+              <a:schemeClr val="accent1"/>
+            </a:effectRef>
+            <a:fontRef idx="minor">
+              <a:schemeClr val="lt1"/>
+            </a:fontRef>
+          </p:style>
+        </p:sp>
+        <p:sp>
+          <p:nvSpPr>
+            <p:cNvPr id="15" name="Isosceles Triangle 14">
+              <a:extLst>
+                <a:ext uri="{FF2B5EF4-FFF2-40B4-BE49-F238E27FC236}">
+                  <a16:creationId xmlns:a16="http://schemas.microsoft.com/office/drawing/2014/main" id="{CA37B366-497E-4CB8-A678-A770CE2BD873}"/>
+                </a:ext>
+                <a:ext uri="{C183D7F6-B498-43B3-948B-1728B52AA6E4}">
+                  <adec:decorative xmlns:adec="http://schemas.microsoft.com/office/drawing/2017/decorative" val="1"/>
+                </a:ext>
+              </a:extLst>
+            </p:cNvPr>
+            <p:cNvSpPr/>
+            <p:nvPr>
+              <p:extLst>
+                <p:ext uri="{386F3935-93C4-4BCD-93E2-E3B085C9AB24}">
+                  <p16:designElem xmlns:p16="http://schemas.microsoft.com/office/powerpoint/2015/main" val="1"/>
+                </p:ext>
+              </p:extLst>
+            </p:nvPr>
+          </p:nvSpPr>
+          <p:spPr>
+            <a:xfrm>
+              <a:off x="8932333" y="3048000"/>
+              <a:ext cx="3259667" cy="3810000"/>
+            </a:xfrm>
+            <a:prstGeom prst="triangle">
+              <a:avLst>
+                <a:gd name="adj" fmla="val 100000"/>
+              </a:avLst>
+            </a:prstGeom>
+            <a:solidFill>
+              <a:schemeClr val="accent2">
+                <a:alpha val="72000"/>
+              </a:schemeClr>
+            </a:solidFill>
+            <a:ln>
+              <a:noFill/>
+            </a:ln>
+            <a:effectLst/>
+          </p:spPr>
+          <p:style>
+            <a:lnRef idx="1">
+              <a:schemeClr val="accent1"/>
+            </a:lnRef>
+            <a:fillRef idx="3">
+              <a:schemeClr val="accent1"/>
+            </a:fillRef>
+            <a:effectRef idx="2">
+              <a:schemeClr val="accent1"/>
+            </a:effectRef>
+            <a:fontRef idx="minor">
+              <a:schemeClr val="lt1"/>
+            </a:fontRef>
+          </p:style>
+        </p:sp>
+        <p:sp>
+          <p:nvSpPr>
+            <p:cNvPr id="16" name="Rectangle 27">
+              <a:extLst>
+                <a:ext uri="{FF2B5EF4-FFF2-40B4-BE49-F238E27FC236}">
+                  <a16:creationId xmlns:a16="http://schemas.microsoft.com/office/drawing/2014/main" id="{CF707EDC-52B2-4D5C-8EC3-71C66EE8B3F4}"/>
+                </a:ext>
+                <a:ext uri="{C183D7F6-B498-43B3-948B-1728B52AA6E4}">
+                  <adec:decorative xmlns:adec="http://schemas.microsoft.com/office/drawing/2017/decorative" val="1"/>
+                </a:ext>
+              </a:extLst>
+            </p:cNvPr>
+            <p:cNvSpPr/>
+            <p:nvPr>
+              <p:extLst>
+                <p:ext uri="{386F3935-93C4-4BCD-93E2-E3B085C9AB24}">
+                  <p16:designElem xmlns:p16="http://schemas.microsoft.com/office/powerpoint/2015/main" val="1"/>
+                </p:ext>
+              </p:extLst>
+            </p:nvPr>
+          </p:nvSpPr>
+          <p:spPr>
+            <a:xfrm>
+              <a:off x="9334500" y="-8467"/>
+              <a:ext cx="2854326" cy="6866467"/>
+            </a:xfrm>
+            <a:custGeom>
+              <a:avLst/>
+              <a:gdLst/>
+              <a:ahLst/>
+              <a:cxnLst/>
+              <a:rect l="l" t="t" r="r" b="b"/>
+              <a:pathLst>
+                <a:path w="2858013" h="6866467">
+                  <a:moveTo>
+                    <a:pt x="0" y="0"/>
+                  </a:moveTo>
+                  <a:lnTo>
+                    <a:pt x="2858013" y="0"/>
+                  </a:lnTo>
+                  <a:lnTo>
+                    <a:pt x="2858013" y="6866467"/>
+                  </a:lnTo>
+                  <a:lnTo>
+                    <a:pt x="2473942" y="6866467"/>
+                  </a:lnTo>
+                  <a:lnTo>
+                    <a:pt x="0" y="0"/>
+                  </a:lnTo>
+                  <a:close/>
+                </a:path>
+              </a:pathLst>
+            </a:custGeom>
+            <a:solidFill>
+              <a:schemeClr val="accent2">
+                <a:lumMod val="75000"/>
+                <a:alpha val="70000"/>
+              </a:schemeClr>
+            </a:solidFill>
+            <a:ln>
+              <a:noFill/>
+            </a:ln>
+            <a:effectLst/>
+          </p:spPr>
+          <p:style>
+            <a:lnRef idx="1">
+              <a:schemeClr val="accent1"/>
+            </a:lnRef>
+            <a:fillRef idx="3">
+              <a:schemeClr val="accent1"/>
+            </a:fillRef>
+            <a:effectRef idx="2">
+              <a:schemeClr val="accent1"/>
+            </a:effectRef>
+            <a:fontRef idx="minor">
+              <a:schemeClr val="lt1"/>
+            </a:fontRef>
+          </p:style>
+        </p:sp>
+        <p:sp>
+          <p:nvSpPr>
+            <p:cNvPr id="17" name="Rectangle 28">
+              <a:extLst>
+                <a:ext uri="{FF2B5EF4-FFF2-40B4-BE49-F238E27FC236}">
+                  <a16:creationId xmlns:a16="http://schemas.microsoft.com/office/drawing/2014/main" id="{BF8E2DE7-7466-4EDF-8D69-BCA91A88D360}"/>
+                </a:ext>
+                <a:ext uri="{C183D7F6-B498-43B3-948B-1728B52AA6E4}">
+                  <adec:decorative xmlns:adec="http://schemas.microsoft.com/office/drawing/2017/decorative" val="1"/>
+                </a:ext>
+              </a:extLst>
+            </p:cNvPr>
+            <p:cNvSpPr/>
+            <p:nvPr>
+              <p:extLst>
+                <p:ext uri="{386F3935-93C4-4BCD-93E2-E3B085C9AB24}">
+                  <p16:designElem xmlns:p16="http://schemas.microsoft.com/office/powerpoint/2015/main" val="1"/>
+                </p:ext>
+              </p:extLst>
+            </p:nvPr>
+          </p:nvSpPr>
+          <p:spPr>
+            <a:xfrm>
+              <a:off x="10898730" y="-8467"/>
+              <a:ext cx="1290094" cy="6866467"/>
+            </a:xfrm>
+            <a:custGeom>
+              <a:avLst/>
+              <a:gdLst/>
+              <a:ahLst/>
+              <a:cxnLst/>
+              <a:rect l="l" t="t" r="r" b="b"/>
+              <a:pathLst>
+                <a:path w="1290094" h="6858000">
+                  <a:moveTo>
+                    <a:pt x="1019735" y="0"/>
+                  </a:moveTo>
+                  <a:lnTo>
+                    <a:pt x="1290094" y="0"/>
+                  </a:lnTo>
+                  <a:lnTo>
+                    <a:pt x="1290094" y="6858000"/>
+                  </a:lnTo>
+                  <a:lnTo>
+                    <a:pt x="0" y="6858000"/>
+                  </a:lnTo>
+                  <a:lnTo>
+                    <a:pt x="1019735" y="0"/>
+                  </a:lnTo>
+                  <a:close/>
+                </a:path>
+              </a:pathLst>
+            </a:custGeom>
+            <a:solidFill>
+              <a:schemeClr val="accent1">
+                <a:lumMod val="60000"/>
+                <a:lumOff val="40000"/>
+                <a:alpha val="70000"/>
+              </a:schemeClr>
+            </a:solidFill>
+            <a:ln>
+              <a:noFill/>
+            </a:ln>
+            <a:effectLst/>
+          </p:spPr>
+          <p:style>
+            <a:lnRef idx="1">
+              <a:schemeClr val="accent1"/>
+            </a:lnRef>
+            <a:fillRef idx="3">
+              <a:schemeClr val="accent1"/>
+            </a:fillRef>
+            <a:effectRef idx="2">
+              <a:schemeClr val="accent1"/>
+            </a:effectRef>
+            <a:fontRef idx="minor">
+              <a:schemeClr val="lt1"/>
+            </a:fontRef>
+          </p:style>
+        </p:sp>
+        <p:sp>
+          <p:nvSpPr>
+            <p:cNvPr id="18" name="Rectangle 29">
+              <a:extLst>
+                <a:ext uri="{FF2B5EF4-FFF2-40B4-BE49-F238E27FC236}">
+                  <a16:creationId xmlns:a16="http://schemas.microsoft.com/office/drawing/2014/main" id="{229C2E15-76CD-409E-9D6B-10DAD8881EAB}"/>
+                </a:ext>
+                <a:ext uri="{C183D7F6-B498-43B3-948B-1728B52AA6E4}">
+                  <adec:decorative xmlns:adec="http://schemas.microsoft.com/office/drawing/2017/decorative" val="1"/>
+                </a:ext>
+              </a:extLst>
+            </p:cNvPr>
+            <p:cNvSpPr/>
+            <p:nvPr>
+              <p:extLst>
+                <p:ext uri="{386F3935-93C4-4BCD-93E2-E3B085C9AB24}">
+                  <p16:designElem xmlns:p16="http://schemas.microsoft.com/office/powerpoint/2015/main" val="1"/>
+                </p:ext>
+              </p:extLst>
+            </p:nvPr>
+          </p:nvSpPr>
+          <p:spPr>
+            <a:xfrm>
+              <a:off x="10938999" y="-8467"/>
+              <a:ext cx="1249825" cy="6866467"/>
+            </a:xfrm>
+            <a:custGeom>
+              <a:avLst/>
+              <a:gdLst/>
+              <a:ahLst/>
+              <a:cxnLst/>
+              <a:rect l="l" t="t" r="r" b="b"/>
+              <a:pathLst>
+                <a:path w="1249825" h="6858000">
+                  <a:moveTo>
+                    <a:pt x="0" y="0"/>
+                  </a:moveTo>
+                  <a:lnTo>
+                    <a:pt x="1249825" y="0"/>
+                  </a:lnTo>
+                  <a:lnTo>
+                    <a:pt x="1249825" y="6858000"/>
+                  </a:lnTo>
+                  <a:lnTo>
+                    <a:pt x="1109382" y="6858000"/>
+                  </a:lnTo>
+                  <a:lnTo>
+                    <a:pt x="0" y="0"/>
+                  </a:lnTo>
+                  <a:close/>
+                </a:path>
+              </a:pathLst>
+            </a:custGeom>
+            <a:solidFill>
+              <a:schemeClr val="accent1">
+                <a:alpha val="65000"/>
+              </a:schemeClr>
+            </a:solidFill>
+            <a:ln>
+              <a:noFill/>
+            </a:ln>
+            <a:effectLst/>
+          </p:spPr>
+          <p:style>
+            <a:lnRef idx="1">
+              <a:schemeClr val="accent1"/>
+            </a:lnRef>
+            <a:fillRef idx="3">
+              <a:schemeClr val="accent1"/>
+            </a:fillRef>
+            <a:effectRef idx="2">
+              <a:schemeClr val="accent1"/>
+            </a:effectRef>
+            <a:fontRef idx="minor">
+              <a:schemeClr val="lt1"/>
+            </a:fontRef>
+          </p:style>
+        </p:sp>
+        <p:sp>
+          <p:nvSpPr>
+            <p:cNvPr id="19" name="Isosceles Triangle 18">
+              <a:extLst>
+                <a:ext uri="{FF2B5EF4-FFF2-40B4-BE49-F238E27FC236}">
+                  <a16:creationId xmlns:a16="http://schemas.microsoft.com/office/drawing/2014/main" id="{89A24369-AC96-4A98-AD98-47A7217ECCE5}"/>
+                </a:ext>
+                <a:ext uri="{C183D7F6-B498-43B3-948B-1728B52AA6E4}">
+                  <adec:decorative xmlns:adec="http://schemas.microsoft.com/office/drawing/2017/decorative" val="1"/>
+                </a:ext>
+              </a:extLst>
+            </p:cNvPr>
+            <p:cNvSpPr/>
+            <p:nvPr>
+              <p:extLst>
+                <p:ext uri="{386F3935-93C4-4BCD-93E2-E3B085C9AB24}">
+                  <p16:designElem xmlns:p16="http://schemas.microsoft.com/office/powerpoint/2015/main" val="1"/>
+                </p:ext>
+              </p:extLst>
+            </p:nvPr>
+          </p:nvSpPr>
+          <p:spPr>
+            <a:xfrm>
+              <a:off x="10371666" y="3589867"/>
+              <a:ext cx="1817159" cy="3268133"/>
+            </a:xfrm>
+            <a:prstGeom prst="triangle">
+              <a:avLst>
+                <a:gd name="adj" fmla="val 100000"/>
+              </a:avLst>
+            </a:prstGeom>
+            <a:solidFill>
+              <a:schemeClr val="accent1">
+                <a:alpha val="80000"/>
+              </a:schemeClr>
+            </a:solidFill>
+            <a:ln>
+              <a:noFill/>
+            </a:ln>
+            <a:effectLst/>
+          </p:spPr>
+          <p:style>
+            <a:lnRef idx="1">
+              <a:schemeClr val="accent1"/>
+            </a:lnRef>
+            <a:fillRef idx="3">
+              <a:schemeClr val="accent1"/>
+            </a:fillRef>
+            <a:effectRef idx="2">
+              <a:schemeClr val="accent1"/>
+            </a:effectRef>
+            <a:fontRef idx="minor">
+              <a:schemeClr val="lt1"/>
+            </a:fontRef>
+          </p:style>
+        </p:sp>
+        <p:sp>
+          <p:nvSpPr>
+            <p:cNvPr id="20" name="Isosceles Triangle 19">
+              <a:extLst>
+                <a:ext uri="{FF2B5EF4-FFF2-40B4-BE49-F238E27FC236}">
+                  <a16:creationId xmlns:a16="http://schemas.microsoft.com/office/drawing/2014/main" id="{7D0DF9A3-4628-42F6-B0A4-44D97617E0E5}"/>
+                </a:ext>
+                <a:ext uri="{C183D7F6-B498-43B3-948B-1728B52AA6E4}">
+                  <adec:decorative xmlns:adec="http://schemas.microsoft.com/office/drawing/2017/decorative" val="1"/>
+                </a:ext>
+              </a:extLst>
+            </p:cNvPr>
+            <p:cNvSpPr/>
+            <p:nvPr>
+              <p:extLst>
+                <p:ext uri="{386F3935-93C4-4BCD-93E2-E3B085C9AB24}">
+                  <p16:designElem xmlns:p16="http://schemas.microsoft.com/office/powerpoint/2015/main" val="1"/>
+                </p:ext>
+              </p:extLst>
+            </p:nvPr>
+          </p:nvSpPr>
+          <p:spPr>
+            <a:xfrm>
+              <a:off x="0" y="4013200"/>
+              <a:ext cx="448733" cy="2844800"/>
+            </a:xfrm>
+            <a:prstGeom prst="triangle">
+              <a:avLst>
+                <a:gd name="adj" fmla="val 0"/>
+              </a:avLst>
+            </a:prstGeom>
+            <a:solidFill>
+              <a:schemeClr val="accent1">
+                <a:alpha val="85000"/>
+              </a:schemeClr>
+            </a:solidFill>
+            <a:ln>
+              <a:noFill/>
+            </a:ln>
+            <a:effectLst/>
+          </p:spPr>
+          <p:style>
+            <a:lnRef idx="1">
+              <a:schemeClr val="accent1"/>
+            </a:lnRef>
+            <a:fillRef idx="3">
+              <a:schemeClr val="accent1"/>
+            </a:fillRef>
+            <a:effectRef idx="2">
+              <a:schemeClr val="accent1"/>
+            </a:effectRef>
+            <a:fontRef idx="minor">
+              <a:schemeClr val="lt1"/>
+            </a:fontRef>
+          </p:style>
+        </p:sp>
+      </p:grpSp>
+      <p:sp>
+        <p:nvSpPr>
+          <p:cNvPr id="22" name="Rectangle 21">
+            <a:extLst>
+              <a:ext uri="{FF2B5EF4-FFF2-40B4-BE49-F238E27FC236}">
+                <a16:creationId xmlns:a16="http://schemas.microsoft.com/office/drawing/2014/main" id="{7459C506-5F4B-4B75-9218-C7C3F87FA8D3}"/>
+              </a:ext>
+              <a:ext uri="{C183D7F6-B498-43B3-948B-1728B52AA6E4}">
+                <adec:decorative xmlns:adec="http://schemas.microsoft.com/office/drawing/2017/decorative" val="1"/>
               </a:ext>
             </a:extLst>
           </p:cNvPr>
           <p:cNvSpPr>
-            <a:spLocks noGrp="1"/>
+            <a:spLocks noGrp="1" noRot="1" noChangeAspect="1" noMove="1" noResize="1" noEditPoints="1" noAdjustHandles="1" noChangeArrowheads="1" noChangeShapeType="1" noTextEdit="1"/>
           </p:cNvSpPr>
           <p:nvPr>
-            <p:ph type="title"/>
-          </p:nvPr>
-        </p:nvSpPr>
-        <p:spPr/>
-        <p:txBody>
-          <a:bodyPr/>
+            <p:extLst>
+              <p:ext uri="{386F3935-93C4-4BCD-93E2-E3B085C9AB24}">
+                <p16:designElem xmlns:p16="http://schemas.microsoft.com/office/powerpoint/2015/main" val="1"/>
+              </p:ext>
+            </p:extLst>
+          </p:nvPr>
+        </p:nvSpPr>
+        <p:spPr>
+          <a:xfrm>
+            <a:off x="0" y="0"/>
+            <a:ext cx="12192000" cy="6858000"/>
+          </a:xfrm>
+          <a:prstGeom prst="rect">
+            <a:avLst/>
+          </a:prstGeom>
+          <a:ln>
+            <a:noFill/>
+          </a:ln>
+        </p:spPr>
+        <p:style>
+          <a:lnRef idx="2">
+            <a:schemeClr val="accent1">
+              <a:shade val="50000"/>
+            </a:schemeClr>
+          </a:lnRef>
+          <a:fillRef idx="1">
+            <a:schemeClr val="accent1"/>
+          </a:fillRef>
+          <a:effectRef idx="0">
+            <a:schemeClr val="accent1"/>
+          </a:effectRef>
+          <a:fontRef idx="minor">
+            <a:schemeClr val="lt1"/>
+          </a:fontRef>
+        </p:style>
+        <p:txBody>
+          <a:bodyPr rtlCol="0" anchor="ctr"/>
           <a:lstStyle/>
           <a:p>
-            <a:r>
-              <a:rPr lang="hu-HU" dirty="0"/>
-              <a:t>Képek a használatról</a:t>
-            </a:r>
-          </a:p>
-        </p:txBody>
-      </p:sp>
-      <p:sp>
-        <p:nvSpPr>
-          <p:cNvPr id="3" name="Tartalom helye 2">
+            <a:pPr algn="ctr"/>
+            <a:endParaRPr lang="en-US"/>
+          </a:p>
+        </p:txBody>
+      </p:sp>
+      <p:grpSp>
+        <p:nvGrpSpPr>
+          <p:cNvPr id="24" name="Group 23">
             <a:extLst>
               <a:ext uri="{FF2B5EF4-FFF2-40B4-BE49-F238E27FC236}">
-                <a16:creationId xmlns:a16="http://schemas.microsoft.com/office/drawing/2014/main" id="{1F0A1EC4-C3E3-4448-9276-DB75CF1BA552}"/>
+                <a16:creationId xmlns:a16="http://schemas.microsoft.com/office/drawing/2014/main" id="{BC659EEB-C3AE-4544-8263-417009DCDF41}"/>
+              </a:ext>
+              <a:ext uri="{C183D7F6-B498-43B3-948B-1728B52AA6E4}">
+                <adec:decorative xmlns:adec="http://schemas.microsoft.com/office/drawing/2017/decorative" val="1"/>
+              </a:ext>
+            </a:extLst>
+          </p:cNvPr>
+          <p:cNvGrpSpPr>
+            <a:grpSpLocks noGrp="1" noUngrp="1" noRot="1" noChangeAspect="1" noMove="1" noResize="1"/>
+          </p:cNvGrpSpPr>
+          <p:nvPr>
+            <p:extLst>
+              <p:ext uri="{386F3935-93C4-4BCD-93E2-E3B085C9AB24}">
+                <p16:designElem xmlns:p16="http://schemas.microsoft.com/office/powerpoint/2015/main" val="1"/>
+              </p:ext>
+            </p:extLst>
+          </p:nvPr>
+        </p:nvGrpSpPr>
+        <p:grpSpPr>
+          <a:xfrm>
+            <a:off x="0" y="-8467"/>
+            <a:ext cx="12192000" cy="6866467"/>
+            <a:chOff x="0" y="-8467"/>
+            <a:chExt cx="12192000" cy="6866467"/>
+          </a:xfrm>
+        </p:grpSpPr>
+        <p:cxnSp>
+          <p:nvCxnSpPr>
+            <p:cNvPr id="25" name="Straight Connector 24">
+              <a:extLst>
+                <a:ext uri="{FF2B5EF4-FFF2-40B4-BE49-F238E27FC236}">
+                  <a16:creationId xmlns:a16="http://schemas.microsoft.com/office/drawing/2014/main" id="{D99DB6C6-36F9-4576-A558-95153EADBE41}"/>
+                </a:ext>
+                <a:ext uri="{C183D7F6-B498-43B3-948B-1728B52AA6E4}">
+                  <adec:decorative xmlns:adec="http://schemas.microsoft.com/office/drawing/2017/decorative" val="1"/>
+                </a:ext>
+              </a:extLst>
+            </p:cNvPr>
+            <p:cNvCxnSpPr/>
+            <p:nvPr>
+              <p:extLst>
+                <p:ext uri="{386F3935-93C4-4BCD-93E2-E3B085C9AB24}">
+                  <p16:designElem xmlns:p16="http://schemas.microsoft.com/office/powerpoint/2015/main" val="1"/>
+                </p:ext>
+              </p:extLst>
+            </p:nvPr>
+          </p:nvCxnSpPr>
+          <p:spPr>
+            <a:xfrm flipH="1">
+              <a:off x="7425267" y="3681413"/>
+              <a:ext cx="4763558" cy="3176587"/>
+            </a:xfrm>
+            <a:prstGeom prst="line">
+              <a:avLst/>
+            </a:prstGeom>
+            <a:ln w="9525">
+              <a:solidFill>
+                <a:schemeClr val="bg1">
+                  <a:lumMod val="85000"/>
+                </a:schemeClr>
+              </a:solidFill>
+            </a:ln>
+          </p:spPr>
+          <p:style>
+            <a:lnRef idx="2">
+              <a:schemeClr val="accent1"/>
+            </a:lnRef>
+            <a:fillRef idx="0">
+              <a:schemeClr val="accent1"/>
+            </a:fillRef>
+            <a:effectRef idx="1">
+              <a:schemeClr val="accent1"/>
+            </a:effectRef>
+            <a:fontRef idx="minor">
+              <a:schemeClr val="tx1"/>
+            </a:fontRef>
+          </p:style>
+        </p:cxnSp>
+        <p:sp>
+          <p:nvSpPr>
+            <p:cNvPr id="26" name="Rectangle 23">
+              <a:extLst>
+                <a:ext uri="{FF2B5EF4-FFF2-40B4-BE49-F238E27FC236}">
+                  <a16:creationId xmlns:a16="http://schemas.microsoft.com/office/drawing/2014/main" id="{694E7916-EDE4-4B50-A4A1-6B28FDD4D9B9}"/>
+                </a:ext>
+                <a:ext uri="{C183D7F6-B498-43B3-948B-1728B52AA6E4}">
+                  <adec:decorative xmlns:adec="http://schemas.microsoft.com/office/drawing/2017/decorative" val="1"/>
+                </a:ext>
+              </a:extLst>
+            </p:cNvPr>
+            <p:cNvSpPr/>
+            <p:nvPr>
+              <p:extLst>
+                <p:ext uri="{386F3935-93C4-4BCD-93E2-E3B085C9AB24}">
+                  <p16:designElem xmlns:p16="http://schemas.microsoft.com/office/powerpoint/2015/main" val="1"/>
+                </p:ext>
+              </p:extLst>
+            </p:nvPr>
+          </p:nvSpPr>
+          <p:spPr>
+            <a:xfrm>
+              <a:off x="9181476" y="-8467"/>
+              <a:ext cx="3007349" cy="6866467"/>
+            </a:xfrm>
+            <a:custGeom>
+              <a:avLst/>
+              <a:gdLst/>
+              <a:ahLst/>
+              <a:cxnLst/>
+              <a:rect l="l" t="t" r="r" b="b"/>
+              <a:pathLst>
+                <a:path w="3007349" h="6866467">
+                  <a:moveTo>
+                    <a:pt x="2045532" y="0"/>
+                  </a:moveTo>
+                  <a:lnTo>
+                    <a:pt x="3007349" y="0"/>
+                  </a:lnTo>
+                  <a:lnTo>
+                    <a:pt x="3007349" y="6866467"/>
+                  </a:lnTo>
+                  <a:lnTo>
+                    <a:pt x="0" y="6866467"/>
+                  </a:lnTo>
+                  <a:lnTo>
+                    <a:pt x="2045532" y="0"/>
+                  </a:lnTo>
+                  <a:close/>
+                </a:path>
+              </a:pathLst>
+            </a:custGeom>
+            <a:solidFill>
+              <a:schemeClr val="accent1">
+                <a:alpha val="30000"/>
+              </a:schemeClr>
+            </a:solidFill>
+            <a:ln>
+              <a:noFill/>
+            </a:ln>
+            <a:effectLst/>
+          </p:spPr>
+          <p:style>
+            <a:lnRef idx="1">
+              <a:schemeClr val="accent1"/>
+            </a:lnRef>
+            <a:fillRef idx="3">
+              <a:schemeClr val="accent1"/>
+            </a:fillRef>
+            <a:effectRef idx="2">
+              <a:schemeClr val="accent1"/>
+            </a:effectRef>
+            <a:fontRef idx="minor">
+              <a:schemeClr val="lt1"/>
+            </a:fontRef>
+          </p:style>
+        </p:sp>
+        <p:sp>
+          <p:nvSpPr>
+            <p:cNvPr id="27" name="Rectangle 25">
+              <a:extLst>
+                <a:ext uri="{FF2B5EF4-FFF2-40B4-BE49-F238E27FC236}">
+                  <a16:creationId xmlns:a16="http://schemas.microsoft.com/office/drawing/2014/main" id="{6F6CB7BB-4370-4173-97F8-F636C0F149F1}"/>
+                </a:ext>
+                <a:ext uri="{C183D7F6-B498-43B3-948B-1728B52AA6E4}">
+                  <adec:decorative xmlns:adec="http://schemas.microsoft.com/office/drawing/2017/decorative" val="1"/>
+                </a:ext>
+              </a:extLst>
+            </p:cNvPr>
+            <p:cNvSpPr/>
+            <p:nvPr>
+              <p:extLst>
+                <p:ext uri="{386F3935-93C4-4BCD-93E2-E3B085C9AB24}">
+                  <p16:designElem xmlns:p16="http://schemas.microsoft.com/office/powerpoint/2015/main" val="1"/>
+                </p:ext>
+              </p:extLst>
+            </p:nvPr>
+          </p:nvSpPr>
+          <p:spPr>
+            <a:xfrm>
+              <a:off x="9603442" y="-8467"/>
+              <a:ext cx="2588558" cy="6866467"/>
+            </a:xfrm>
+            <a:custGeom>
+              <a:avLst/>
+              <a:gdLst/>
+              <a:ahLst/>
+              <a:cxnLst/>
+              <a:rect l="l" t="t" r="r" b="b"/>
+              <a:pathLst>
+                <a:path w="2573311" h="6866467">
+                  <a:moveTo>
+                    <a:pt x="0" y="0"/>
+                  </a:moveTo>
+                  <a:lnTo>
+                    <a:pt x="2573311" y="0"/>
+                  </a:lnTo>
+                  <a:lnTo>
+                    <a:pt x="2573311" y="6866467"/>
+                  </a:lnTo>
+                  <a:lnTo>
+                    <a:pt x="1202336" y="6866467"/>
+                  </a:lnTo>
+                  <a:lnTo>
+                    <a:pt x="0" y="0"/>
+                  </a:lnTo>
+                  <a:close/>
+                </a:path>
+              </a:pathLst>
+            </a:custGeom>
+            <a:solidFill>
+              <a:schemeClr val="accent1">
+                <a:alpha val="20000"/>
+              </a:schemeClr>
+            </a:solidFill>
+            <a:ln>
+              <a:noFill/>
+            </a:ln>
+            <a:effectLst/>
+          </p:spPr>
+          <p:style>
+            <a:lnRef idx="1">
+              <a:schemeClr val="accent1"/>
+            </a:lnRef>
+            <a:fillRef idx="3">
+              <a:schemeClr val="accent1"/>
+            </a:fillRef>
+            <a:effectRef idx="2">
+              <a:schemeClr val="accent1"/>
+            </a:effectRef>
+            <a:fontRef idx="minor">
+              <a:schemeClr val="lt1"/>
+            </a:fontRef>
+          </p:style>
+        </p:sp>
+        <p:sp>
+          <p:nvSpPr>
+            <p:cNvPr id="28" name="Isosceles Triangle 27">
+              <a:extLst>
+                <a:ext uri="{FF2B5EF4-FFF2-40B4-BE49-F238E27FC236}">
+                  <a16:creationId xmlns:a16="http://schemas.microsoft.com/office/drawing/2014/main" id="{B0F590BB-1F51-4138-A2D4-2E483C84FB07}"/>
+                </a:ext>
+                <a:ext uri="{C183D7F6-B498-43B3-948B-1728B52AA6E4}">
+                  <adec:decorative xmlns:adec="http://schemas.microsoft.com/office/drawing/2017/decorative" val="1"/>
+                </a:ext>
+              </a:extLst>
+            </p:cNvPr>
+            <p:cNvSpPr/>
+            <p:nvPr>
+              <p:extLst>
+                <p:ext uri="{386F3935-93C4-4BCD-93E2-E3B085C9AB24}">
+                  <p16:designElem xmlns:p16="http://schemas.microsoft.com/office/powerpoint/2015/main" val="1"/>
+                </p:ext>
+              </p:extLst>
+            </p:nvPr>
+          </p:nvSpPr>
+          <p:spPr>
+            <a:xfrm>
+              <a:off x="8932333" y="3048000"/>
+              <a:ext cx="3259667" cy="3810000"/>
+            </a:xfrm>
+            <a:prstGeom prst="triangle">
+              <a:avLst>
+                <a:gd name="adj" fmla="val 100000"/>
+              </a:avLst>
+            </a:prstGeom>
+            <a:solidFill>
+              <a:schemeClr val="accent2">
+                <a:alpha val="72000"/>
+              </a:schemeClr>
+            </a:solidFill>
+            <a:ln>
+              <a:noFill/>
+            </a:ln>
+            <a:effectLst/>
+          </p:spPr>
+          <p:style>
+            <a:lnRef idx="1">
+              <a:schemeClr val="accent1"/>
+            </a:lnRef>
+            <a:fillRef idx="3">
+              <a:schemeClr val="accent1"/>
+            </a:fillRef>
+            <a:effectRef idx="2">
+              <a:schemeClr val="accent1"/>
+            </a:effectRef>
+            <a:fontRef idx="minor">
+              <a:schemeClr val="lt1"/>
+            </a:fontRef>
+          </p:style>
+        </p:sp>
+        <p:sp>
+          <p:nvSpPr>
+            <p:cNvPr id="29" name="Rectangle 27">
+              <a:extLst>
+                <a:ext uri="{FF2B5EF4-FFF2-40B4-BE49-F238E27FC236}">
+                  <a16:creationId xmlns:a16="http://schemas.microsoft.com/office/drawing/2014/main" id="{4A492863-9797-45A2-BAB3-514F10C5F254}"/>
+                </a:ext>
+                <a:ext uri="{C183D7F6-B498-43B3-948B-1728B52AA6E4}">
+                  <adec:decorative xmlns:adec="http://schemas.microsoft.com/office/drawing/2017/decorative" val="1"/>
+                </a:ext>
+              </a:extLst>
+            </p:cNvPr>
+            <p:cNvSpPr/>
+            <p:nvPr>
+              <p:extLst>
+                <p:ext uri="{386F3935-93C4-4BCD-93E2-E3B085C9AB24}">
+                  <p16:designElem xmlns:p16="http://schemas.microsoft.com/office/powerpoint/2015/main" val="1"/>
+                </p:ext>
+              </p:extLst>
+            </p:nvPr>
+          </p:nvSpPr>
+          <p:spPr>
+            <a:xfrm>
+              <a:off x="9334500" y="-8467"/>
+              <a:ext cx="2854326" cy="6866467"/>
+            </a:xfrm>
+            <a:custGeom>
+              <a:avLst/>
+              <a:gdLst/>
+              <a:ahLst/>
+              <a:cxnLst/>
+              <a:rect l="l" t="t" r="r" b="b"/>
+              <a:pathLst>
+                <a:path w="2858013" h="6866467">
+                  <a:moveTo>
+                    <a:pt x="0" y="0"/>
+                  </a:moveTo>
+                  <a:lnTo>
+                    <a:pt x="2858013" y="0"/>
+                  </a:lnTo>
+                  <a:lnTo>
+                    <a:pt x="2858013" y="6866467"/>
+                  </a:lnTo>
+                  <a:lnTo>
+                    <a:pt x="2473942" y="6866467"/>
+                  </a:lnTo>
+                  <a:lnTo>
+                    <a:pt x="0" y="0"/>
+                  </a:lnTo>
+                  <a:close/>
+                </a:path>
+              </a:pathLst>
+            </a:custGeom>
+            <a:solidFill>
+              <a:schemeClr val="accent2">
+                <a:lumMod val="75000"/>
+                <a:alpha val="70000"/>
+              </a:schemeClr>
+            </a:solidFill>
+            <a:ln>
+              <a:noFill/>
+            </a:ln>
+            <a:effectLst/>
+          </p:spPr>
+          <p:style>
+            <a:lnRef idx="1">
+              <a:schemeClr val="accent1"/>
+            </a:lnRef>
+            <a:fillRef idx="3">
+              <a:schemeClr val="accent1"/>
+            </a:fillRef>
+            <a:effectRef idx="2">
+              <a:schemeClr val="accent1"/>
+            </a:effectRef>
+            <a:fontRef idx="minor">
+              <a:schemeClr val="lt1"/>
+            </a:fontRef>
+          </p:style>
+        </p:sp>
+        <p:sp>
+          <p:nvSpPr>
+            <p:cNvPr id="30" name="Rectangle 28">
+              <a:extLst>
+                <a:ext uri="{FF2B5EF4-FFF2-40B4-BE49-F238E27FC236}">
+                  <a16:creationId xmlns:a16="http://schemas.microsoft.com/office/drawing/2014/main" id="{7C1E33F6-6D0F-4ECF-92F4-6F71D8BAF3D9}"/>
+                </a:ext>
+                <a:ext uri="{C183D7F6-B498-43B3-948B-1728B52AA6E4}">
+                  <adec:decorative xmlns:adec="http://schemas.microsoft.com/office/drawing/2017/decorative" val="1"/>
+                </a:ext>
+              </a:extLst>
+            </p:cNvPr>
+            <p:cNvSpPr/>
+            <p:nvPr>
+              <p:extLst>
+                <p:ext uri="{386F3935-93C4-4BCD-93E2-E3B085C9AB24}">
+                  <p16:designElem xmlns:p16="http://schemas.microsoft.com/office/powerpoint/2015/main" val="1"/>
+                </p:ext>
+              </p:extLst>
+            </p:nvPr>
+          </p:nvSpPr>
+          <p:spPr>
+            <a:xfrm>
+              <a:off x="10898730" y="-8467"/>
+              <a:ext cx="1290094" cy="6866467"/>
+            </a:xfrm>
+            <a:custGeom>
+              <a:avLst/>
+              <a:gdLst/>
+              <a:ahLst/>
+              <a:cxnLst/>
+              <a:rect l="l" t="t" r="r" b="b"/>
+              <a:pathLst>
+                <a:path w="1290094" h="6858000">
+                  <a:moveTo>
+                    <a:pt x="1019735" y="0"/>
+                  </a:moveTo>
+                  <a:lnTo>
+                    <a:pt x="1290094" y="0"/>
+                  </a:lnTo>
+                  <a:lnTo>
+                    <a:pt x="1290094" y="6858000"/>
+                  </a:lnTo>
+                  <a:lnTo>
+                    <a:pt x="0" y="6858000"/>
+                  </a:lnTo>
+                  <a:lnTo>
+                    <a:pt x="1019735" y="0"/>
+                  </a:lnTo>
+                  <a:close/>
+                </a:path>
+              </a:pathLst>
+            </a:custGeom>
+            <a:solidFill>
+              <a:schemeClr val="accent1">
+                <a:lumMod val="60000"/>
+                <a:lumOff val="40000"/>
+                <a:alpha val="70000"/>
+              </a:schemeClr>
+            </a:solidFill>
+            <a:ln>
+              <a:noFill/>
+            </a:ln>
+            <a:effectLst/>
+          </p:spPr>
+          <p:style>
+            <a:lnRef idx="1">
+              <a:schemeClr val="accent1"/>
+            </a:lnRef>
+            <a:fillRef idx="3">
+              <a:schemeClr val="accent1"/>
+            </a:fillRef>
+            <a:effectRef idx="2">
+              <a:schemeClr val="accent1"/>
+            </a:effectRef>
+            <a:fontRef idx="minor">
+              <a:schemeClr val="lt1"/>
+            </a:fontRef>
+          </p:style>
+        </p:sp>
+        <p:sp>
+          <p:nvSpPr>
+            <p:cNvPr id="31" name="Rectangle 29">
+              <a:extLst>
+                <a:ext uri="{FF2B5EF4-FFF2-40B4-BE49-F238E27FC236}">
+                  <a16:creationId xmlns:a16="http://schemas.microsoft.com/office/drawing/2014/main" id="{73EEEA64-7411-474B-BD0E-60C24B3F4E56}"/>
+                </a:ext>
+                <a:ext uri="{C183D7F6-B498-43B3-948B-1728B52AA6E4}">
+                  <adec:decorative xmlns:adec="http://schemas.microsoft.com/office/drawing/2017/decorative" val="1"/>
+                </a:ext>
+              </a:extLst>
+            </p:cNvPr>
+            <p:cNvSpPr/>
+            <p:nvPr>
+              <p:extLst>
+                <p:ext uri="{386F3935-93C4-4BCD-93E2-E3B085C9AB24}">
+                  <p16:designElem xmlns:p16="http://schemas.microsoft.com/office/powerpoint/2015/main" val="1"/>
+                </p:ext>
+              </p:extLst>
+            </p:nvPr>
+          </p:nvSpPr>
+          <p:spPr>
+            <a:xfrm>
+              <a:off x="10938999" y="-8467"/>
+              <a:ext cx="1249825" cy="6866467"/>
+            </a:xfrm>
+            <a:custGeom>
+              <a:avLst/>
+              <a:gdLst/>
+              <a:ahLst/>
+              <a:cxnLst/>
+              <a:rect l="l" t="t" r="r" b="b"/>
+              <a:pathLst>
+                <a:path w="1249825" h="6858000">
+                  <a:moveTo>
+                    <a:pt x="0" y="0"/>
+                  </a:moveTo>
+                  <a:lnTo>
+                    <a:pt x="1249825" y="0"/>
+                  </a:lnTo>
+                  <a:lnTo>
+                    <a:pt x="1249825" y="6858000"/>
+                  </a:lnTo>
+                  <a:lnTo>
+                    <a:pt x="1109382" y="6858000"/>
+                  </a:lnTo>
+                  <a:lnTo>
+                    <a:pt x="0" y="0"/>
+                  </a:lnTo>
+                  <a:close/>
+                </a:path>
+              </a:pathLst>
+            </a:custGeom>
+            <a:solidFill>
+              <a:schemeClr val="accent1">
+                <a:alpha val="65000"/>
+              </a:schemeClr>
+            </a:solidFill>
+            <a:ln>
+              <a:noFill/>
+            </a:ln>
+            <a:effectLst/>
+          </p:spPr>
+          <p:style>
+            <a:lnRef idx="1">
+              <a:schemeClr val="accent1"/>
+            </a:lnRef>
+            <a:fillRef idx="3">
+              <a:schemeClr val="accent1"/>
+            </a:fillRef>
+            <a:effectRef idx="2">
+              <a:schemeClr val="accent1"/>
+            </a:effectRef>
+            <a:fontRef idx="minor">
+              <a:schemeClr val="lt1"/>
+            </a:fontRef>
+          </p:style>
+        </p:sp>
+        <p:sp>
+          <p:nvSpPr>
+            <p:cNvPr id="32" name="Isosceles Triangle 31">
+              <a:extLst>
+                <a:ext uri="{FF2B5EF4-FFF2-40B4-BE49-F238E27FC236}">
+                  <a16:creationId xmlns:a16="http://schemas.microsoft.com/office/drawing/2014/main" id="{4F82A6DD-92BB-4443-B5A5-05240DD5580E}"/>
+                </a:ext>
+                <a:ext uri="{C183D7F6-B498-43B3-948B-1728B52AA6E4}">
+                  <adec:decorative xmlns:adec="http://schemas.microsoft.com/office/drawing/2017/decorative" val="1"/>
+                </a:ext>
+              </a:extLst>
+            </p:cNvPr>
+            <p:cNvSpPr/>
+            <p:nvPr>
+              <p:extLst>
+                <p:ext uri="{386F3935-93C4-4BCD-93E2-E3B085C9AB24}">
+                  <p16:designElem xmlns:p16="http://schemas.microsoft.com/office/powerpoint/2015/main" val="1"/>
+                </p:ext>
+              </p:extLst>
+            </p:nvPr>
+          </p:nvSpPr>
+          <p:spPr>
+            <a:xfrm>
+              <a:off x="10371666" y="3589867"/>
+              <a:ext cx="1817159" cy="3268133"/>
+            </a:xfrm>
+            <a:prstGeom prst="triangle">
+              <a:avLst>
+                <a:gd name="adj" fmla="val 100000"/>
+              </a:avLst>
+            </a:prstGeom>
+            <a:solidFill>
+              <a:schemeClr val="accent1">
+                <a:alpha val="80000"/>
+              </a:schemeClr>
+            </a:solidFill>
+            <a:ln>
+              <a:noFill/>
+            </a:ln>
+            <a:effectLst/>
+          </p:spPr>
+          <p:style>
+            <a:lnRef idx="1">
+              <a:schemeClr val="accent1"/>
+            </a:lnRef>
+            <a:fillRef idx="3">
+              <a:schemeClr val="accent1"/>
+            </a:fillRef>
+            <a:effectRef idx="2">
+              <a:schemeClr val="accent1"/>
+            </a:effectRef>
+            <a:fontRef idx="minor">
+              <a:schemeClr val="lt1"/>
+            </a:fontRef>
+          </p:style>
+        </p:sp>
+        <p:sp>
+          <p:nvSpPr>
+            <p:cNvPr id="33" name="Isosceles Triangle 32">
+              <a:extLst>
+                <a:ext uri="{FF2B5EF4-FFF2-40B4-BE49-F238E27FC236}">
+                  <a16:creationId xmlns:a16="http://schemas.microsoft.com/office/drawing/2014/main" id="{79832BCB-1DCF-46AC-9FFA-170791668D8C}"/>
+                </a:ext>
+                <a:ext uri="{C183D7F6-B498-43B3-948B-1728B52AA6E4}">
+                  <adec:decorative xmlns:adec="http://schemas.microsoft.com/office/drawing/2017/decorative" val="1"/>
+                </a:ext>
+              </a:extLst>
+            </p:cNvPr>
+            <p:cNvSpPr/>
+            <p:nvPr>
+              <p:extLst>
+                <p:ext uri="{386F3935-93C4-4BCD-93E2-E3B085C9AB24}">
+                  <p16:designElem xmlns:p16="http://schemas.microsoft.com/office/powerpoint/2015/main" val="1"/>
+                </p:ext>
+              </p:extLst>
+            </p:nvPr>
+          </p:nvSpPr>
+          <p:spPr>
+            <a:xfrm>
+              <a:off x="0" y="4013200"/>
+              <a:ext cx="448733" cy="2844800"/>
+            </a:xfrm>
+            <a:prstGeom prst="triangle">
+              <a:avLst>
+                <a:gd name="adj" fmla="val 0"/>
+              </a:avLst>
+            </a:prstGeom>
+            <a:solidFill>
+              <a:schemeClr val="accent1">
+                <a:alpha val="85000"/>
+              </a:schemeClr>
+            </a:solidFill>
+            <a:ln>
+              <a:noFill/>
+            </a:ln>
+            <a:effectLst/>
+          </p:spPr>
+          <p:style>
+            <a:lnRef idx="1">
+              <a:schemeClr val="accent1"/>
+            </a:lnRef>
+            <a:fillRef idx="3">
+              <a:schemeClr val="accent1"/>
+            </a:fillRef>
+            <a:effectRef idx="2">
+              <a:schemeClr val="accent1"/>
+            </a:effectRef>
+            <a:fontRef idx="minor">
+              <a:schemeClr val="lt1"/>
+            </a:fontRef>
+          </p:style>
+        </p:sp>
+      </p:grpSp>
+      <p:sp useBgFill="1">
+        <p:nvSpPr>
+          <p:cNvPr id="35" name="Rectangle 34">
+            <a:extLst>
+              <a:ext uri="{FF2B5EF4-FFF2-40B4-BE49-F238E27FC236}">
+                <a16:creationId xmlns:a16="http://schemas.microsoft.com/office/drawing/2014/main" id="{4E74DA95-CD7A-4D5E-9D27-67A759CE708D}"/>
+              </a:ext>
+              <a:ext uri="{C183D7F6-B498-43B3-948B-1728B52AA6E4}">
+                <adec:decorative xmlns:adec="http://schemas.microsoft.com/office/drawing/2017/decorative" val="1"/>
               </a:ext>
             </a:extLst>
           </p:cNvPr>
           <p:cNvSpPr>
-            <a:spLocks noGrp="1"/>
+            <a:spLocks noGrp="1" noRot="1" noChangeAspect="1" noMove="1" noResize="1" noEditPoints="1" noAdjustHandles="1" noChangeArrowheads="1" noChangeShapeType="1" noTextEdit="1"/>
           </p:cNvSpPr>
           <p:nvPr>
-            <p:ph idx="1"/>
-          </p:nvPr>
-        </p:nvSpPr>
-        <p:spPr/>
-        <p:txBody>
-          <a:bodyPr/>
+            <p:extLst>
+              <p:ext uri="{386F3935-93C4-4BCD-93E2-E3B085C9AB24}">
+                <p16:designElem xmlns:p16="http://schemas.microsoft.com/office/powerpoint/2015/main" val="1"/>
+              </p:ext>
+            </p:extLst>
+          </p:nvPr>
+        </p:nvSpPr>
+        <p:spPr>
+          <a:xfrm>
+            <a:off x="477012" y="480060"/>
+            <a:ext cx="11237976" cy="5897880"/>
+          </a:xfrm>
+          <a:prstGeom prst="rect">
+            <a:avLst/>
+          </a:prstGeom>
+          <a:ln w="22225">
+            <a:solidFill>
+              <a:srgbClr val="FFFFFF"/>
+            </a:solidFill>
+          </a:ln>
+        </p:spPr>
+        <p:style>
+          <a:lnRef idx="2">
+            <a:schemeClr val="accent1">
+              <a:shade val="50000"/>
+            </a:schemeClr>
+          </a:lnRef>
+          <a:fillRef idx="1">
+            <a:schemeClr val="accent1"/>
+          </a:fillRef>
+          <a:effectRef idx="0">
+            <a:schemeClr val="accent1"/>
+          </a:effectRef>
+          <a:fontRef idx="minor">
+            <a:schemeClr val="lt1"/>
+          </a:fontRef>
+        </p:style>
+        <p:txBody>
+          <a:bodyPr rtlCol="0" anchor="ctr"/>
           <a:lstStyle/>
           <a:p>
-            <a:endParaRPr lang="hu-HU"/>
+            <a:pPr algn="ctr"/>
+            <a:endParaRPr lang="en-US"/>
+          </a:p>
+        </p:txBody>
+      </p:sp>
+      <p:pic>
+        <p:nvPicPr>
+          <p:cNvPr id="5" name="Kép 4" descr="A képen szöveg, elektronika, képernyőkép látható&#10;&#10;Automatikusan generált leírás">
+            <a:extLst>
+              <a:ext uri="{FF2B5EF4-FFF2-40B4-BE49-F238E27FC236}">
+                <a16:creationId xmlns:a16="http://schemas.microsoft.com/office/drawing/2014/main" id="{875EF0CC-DF34-456D-BA42-E342897E2552}"/>
+              </a:ext>
+            </a:extLst>
+          </p:cNvPr>
+          <p:cNvPicPr/>
+          <p:nvPr/>
+        </p:nvPicPr>
+        <p:blipFill>
+          <a:blip r:embed="rId2"/>
+          <a:stretch>
+            <a:fillRect/>
+          </a:stretch>
+        </p:blipFill>
+        <p:spPr>
+          <a:xfrm>
+            <a:off x="1817742" y="621885"/>
+            <a:ext cx="2764899" cy="5004343"/>
+          </a:xfrm>
+          <a:prstGeom prst="rect">
+            <a:avLst/>
+          </a:prstGeom>
+        </p:spPr>
+      </p:pic>
+      <p:cxnSp>
+        <p:nvCxnSpPr>
+          <p:cNvPr id="37" name="Straight Connector 36">
+            <a:extLst>
+              <a:ext uri="{FF2B5EF4-FFF2-40B4-BE49-F238E27FC236}">
+                <a16:creationId xmlns:a16="http://schemas.microsoft.com/office/drawing/2014/main" id="{14AA3B5C-0C55-4FFF-9C45-8F9F7C074A4E}"/>
+              </a:ext>
+              <a:ext uri="{C183D7F6-B498-43B3-948B-1728B52AA6E4}">
+                <adec:decorative xmlns:adec="http://schemas.microsoft.com/office/drawing/2017/decorative" val="1"/>
+              </a:ext>
+            </a:extLst>
+          </p:cNvPr>
+          <p:cNvCxnSpPr>
+            <a:cxnSpLocks noGrp="1" noRot="1" noChangeAspect="1" noMove="1" noResize="1" noEditPoints="1" noAdjustHandles="1" noChangeArrowheads="1" noChangeShapeType="1"/>
+          </p:cNvCxnSpPr>
+          <p:nvPr>
+            <p:extLst>
+              <p:ext uri="{386F3935-93C4-4BCD-93E2-E3B085C9AB24}">
+                <p16:designElem xmlns:p16="http://schemas.microsoft.com/office/powerpoint/2015/main" val="1"/>
+              </p:ext>
+            </p:extLst>
+          </p:nvPr>
+        </p:nvCxnSpPr>
+        <p:spPr>
+          <a:xfrm>
+            <a:off x="6081305" y="1650669"/>
+            <a:ext cx="0" cy="3431969"/>
+          </a:xfrm>
+          <a:prstGeom prst="line">
+            <a:avLst/>
+          </a:prstGeom>
+        </p:spPr>
+        <p:style>
+          <a:lnRef idx="1">
+            <a:schemeClr val="accent1"/>
+          </a:lnRef>
+          <a:fillRef idx="0">
+            <a:schemeClr val="accent1"/>
+          </a:fillRef>
+          <a:effectRef idx="0">
+            <a:schemeClr val="accent1"/>
+          </a:effectRef>
+          <a:fontRef idx="minor">
+            <a:schemeClr val="tx1"/>
+          </a:fontRef>
+        </p:style>
+      </p:cxnSp>
+      <p:pic>
+        <p:nvPicPr>
+          <p:cNvPr id="4" name="Kép 3">
+            <a:extLst>
+              <a:ext uri="{FF2B5EF4-FFF2-40B4-BE49-F238E27FC236}">
+                <a16:creationId xmlns:a16="http://schemas.microsoft.com/office/drawing/2014/main" id="{7912170B-A362-4E20-987E-3D12C380AA02}"/>
+              </a:ext>
+            </a:extLst>
+          </p:cNvPr>
+          <p:cNvPicPr/>
+          <p:nvPr/>
+        </p:nvPicPr>
+        <p:blipFill>
+          <a:blip r:embed="rId3"/>
+          <a:stretch>
+            <a:fillRect/>
+          </a:stretch>
+        </p:blipFill>
+        <p:spPr>
+          <a:xfrm>
+            <a:off x="7604980" y="621885"/>
+            <a:ext cx="2764899" cy="4959462"/>
+          </a:xfrm>
+          <a:prstGeom prst="rect">
+            <a:avLst/>
+          </a:prstGeom>
+        </p:spPr>
+      </p:pic>
+      <p:sp>
+        <p:nvSpPr>
+          <p:cNvPr id="6" name="Szövegdoboz 5">
+            <a:extLst>
+              <a:ext uri="{FF2B5EF4-FFF2-40B4-BE49-F238E27FC236}">
+                <a16:creationId xmlns:a16="http://schemas.microsoft.com/office/drawing/2014/main" id="{03BCEE03-8B1D-4B13-B09E-7B4087E60F45}"/>
+              </a:ext>
+            </a:extLst>
+          </p:cNvPr>
+          <p:cNvSpPr txBox="1"/>
+          <p:nvPr/>
+        </p:nvSpPr>
+        <p:spPr>
+          <a:xfrm>
+            <a:off x="2352843" y="5817418"/>
+            <a:ext cx="1694695" cy="369332"/>
+          </a:xfrm>
+          <a:prstGeom prst="rect">
+            <a:avLst/>
+          </a:prstGeom>
+          <a:noFill/>
+        </p:spPr>
+        <p:txBody>
+          <a:bodyPr wrap="none" rtlCol="0">
+            <a:spAutoFit/>
+          </a:bodyPr>
+          <a:lstStyle/>
+          <a:p>
+            <a:r>
+              <a:rPr lang="hu-HU" dirty="0"/>
+              <a:t>Lista képernyő</a:t>
+            </a:r>
+          </a:p>
+        </p:txBody>
+      </p:sp>
+      <p:sp>
+        <p:nvSpPr>
+          <p:cNvPr id="34" name="Szövegdoboz 33">
+            <a:extLst>
+              <a:ext uri="{FF2B5EF4-FFF2-40B4-BE49-F238E27FC236}">
+                <a16:creationId xmlns:a16="http://schemas.microsoft.com/office/drawing/2014/main" id="{C380C795-3770-4040-8975-B3FE2269CA1E}"/>
+              </a:ext>
+            </a:extLst>
+          </p:cNvPr>
+          <p:cNvSpPr txBox="1"/>
+          <p:nvPr/>
+        </p:nvSpPr>
+        <p:spPr>
+          <a:xfrm>
+            <a:off x="8213870" y="5817418"/>
+            <a:ext cx="1754391" cy="369332"/>
+          </a:xfrm>
+          <a:prstGeom prst="rect">
+            <a:avLst/>
+          </a:prstGeom>
+          <a:noFill/>
+        </p:spPr>
+        <p:txBody>
+          <a:bodyPr wrap="none" rtlCol="0">
+            <a:spAutoFit/>
+          </a:bodyPr>
+          <a:lstStyle/>
+          <a:p>
+            <a:r>
+              <a:rPr lang="hu-HU" dirty="0"/>
+              <a:t>Profil képernyő</a:t>
+            </a:r>
           </a:p>
         </p:txBody>
       </p:sp>
     </p:spTree>
     <p:extLst>
       <p:ext uri="{BB962C8B-B14F-4D97-AF65-F5344CB8AC3E}">
-        <p14:creationId xmlns:p14="http://schemas.microsoft.com/office/powerpoint/2010/main" val="2905402411"/>
+        <p14:creationId xmlns:p14="http://schemas.microsoft.com/office/powerpoint/2010/main" val="3522377686"/>
       </p:ext>
     </p:extLst>
   </p:cSld>
@@ -6307,7 +9669,7 @@
           <p:cNvPr id="2" name="Cím 1">
             <a:extLst>
               <a:ext uri="{FF2B5EF4-FFF2-40B4-BE49-F238E27FC236}">
-                <a16:creationId xmlns:a16="http://schemas.microsoft.com/office/drawing/2014/main" id="{F61AE183-AC81-4A76-9D32-12EC6257CB2E}"/>
+                <a16:creationId xmlns:a16="http://schemas.microsoft.com/office/drawing/2014/main" id="{45C2A2BC-23C6-4163-AA7A-E28ED18D4975}"/>
               </a:ext>
             </a:extLst>
           </p:cNvPr>
@@ -6325,40 +9687,43 @@
           <a:p>
             <a:r>
               <a:rPr lang="hu-HU" dirty="0"/>
-              <a:t>Egy funkció részletes bemutatása</a:t>
-            </a:r>
-          </a:p>
-        </p:txBody>
-      </p:sp>
-      <p:sp>
-        <p:nvSpPr>
-          <p:cNvPr id="3" name="Tartalom helye 2">
+              <a:t>Model-View-ViewModel</a:t>
+            </a:r>
+          </a:p>
+        </p:txBody>
+      </p:sp>
+      <p:pic>
+        <p:nvPicPr>
+          <p:cNvPr id="6" name="Kép 5">
             <a:extLst>
               <a:ext uri="{FF2B5EF4-FFF2-40B4-BE49-F238E27FC236}">
-                <a16:creationId xmlns:a16="http://schemas.microsoft.com/office/drawing/2014/main" id="{4F44AEB1-C688-4C50-B7F9-573A3B0D2DDB}"/>
+                <a16:creationId xmlns:a16="http://schemas.microsoft.com/office/drawing/2014/main" id="{A43AA056-C2FD-4995-9A76-087C3E37C294}"/>
               </a:ext>
             </a:extLst>
           </p:cNvPr>
-          <p:cNvSpPr>
-            <a:spLocks noGrp="1"/>
-          </p:cNvSpPr>
-          <p:nvPr>
-            <p:ph idx="1"/>
-          </p:nvPr>
-        </p:nvSpPr>
-        <p:spPr/>
-        <p:txBody>
-          <a:bodyPr/>
-          <a:lstStyle/>
-          <a:p>
-            <a:endParaRPr lang="hu-HU"/>
-          </a:p>
-        </p:txBody>
-      </p:sp>
+          <p:cNvPicPr/>
+          <p:nvPr/>
+        </p:nvPicPr>
+        <p:blipFill>
+          <a:blip r:embed="rId2"/>
+          <a:stretch>
+            <a:fillRect/>
+          </a:stretch>
+        </p:blipFill>
+        <p:spPr>
+          <a:xfrm>
+            <a:off x="1002393" y="1270000"/>
+            <a:ext cx="6472857" cy="5251712"/>
+          </a:xfrm>
+          <a:prstGeom prst="rect">
+            <a:avLst/>
+          </a:prstGeom>
+        </p:spPr>
+      </p:pic>
     </p:spTree>
     <p:extLst>
       <p:ext uri="{BB962C8B-B14F-4D97-AF65-F5344CB8AC3E}">
-        <p14:creationId xmlns:p14="http://schemas.microsoft.com/office/powerpoint/2010/main" val="1584678057"/>
+        <p14:creationId xmlns:p14="http://schemas.microsoft.com/office/powerpoint/2010/main" val="1389676953"/>
       </p:ext>
     </p:extLst>
   </p:cSld>
@@ -6390,7 +9755,7 @@
           <p:cNvPr id="2" name="Cím 1">
             <a:extLst>
               <a:ext uri="{FF2B5EF4-FFF2-40B4-BE49-F238E27FC236}">
-                <a16:creationId xmlns:a16="http://schemas.microsoft.com/office/drawing/2014/main" id="{299C0593-F82C-456C-A044-C91D00FB9C3B}"/>
+                <a16:creationId xmlns:a16="http://schemas.microsoft.com/office/drawing/2014/main" id="{F61AE183-AC81-4A76-9D32-12EC6257CB2E}"/>
               </a:ext>
             </a:extLst>
           </p:cNvPr>
@@ -6408,7 +9773,7 @@
           <a:p>
             <a:r>
               <a:rPr lang="hu-HU" dirty="0"/>
-              <a:t>Továbbfejlesztési lehetőségek</a:t>
+              <a:t>Egy funkció részletes bemutatása</a:t>
             </a:r>
           </a:p>
         </p:txBody>
@@ -6418,7 +9783,7 @@
           <p:cNvPr id="3" name="Tartalom helye 2">
             <a:extLst>
               <a:ext uri="{FF2B5EF4-FFF2-40B4-BE49-F238E27FC236}">
-                <a16:creationId xmlns:a16="http://schemas.microsoft.com/office/drawing/2014/main" id="{4806DC32-AC57-442A-99F7-409BFC6DCD63}"/>
+                <a16:creationId xmlns:a16="http://schemas.microsoft.com/office/drawing/2014/main" id="{4F44AEB1-C688-4C50-B7F9-573A3B0D2DDB}"/>
               </a:ext>
             </a:extLst>
           </p:cNvPr>
@@ -6434,65 +9799,14 @@
           <a:bodyPr/>
           <a:lstStyle/>
           <a:p>
-            <a:r>
-              <a:rPr lang="hu-HU" dirty="0" err="1"/>
-              <a:t>Push</a:t>
-            </a:r>
-            <a:r>
-              <a:rPr lang="hu-HU" dirty="0"/>
-              <a:t> </a:t>
-            </a:r>
-            <a:r>
-              <a:rPr lang="hu-HU" dirty="0" err="1"/>
-              <a:t>Notifications</a:t>
-            </a:r>
-            <a:r>
-              <a:rPr lang="hu-HU" dirty="0"/>
-              <a:t> (</a:t>
-            </a:r>
-            <a:r>
-              <a:rPr lang="hu-HU" dirty="0" err="1"/>
-              <a:t>Firebase</a:t>
-            </a:r>
-            <a:r>
-              <a:rPr lang="hu-HU" dirty="0"/>
-              <a:t> </a:t>
-            </a:r>
-            <a:r>
-              <a:rPr lang="hu-HU" dirty="0" err="1"/>
-              <a:t>Cloud</a:t>
-            </a:r>
-            <a:r>
-              <a:rPr lang="hu-HU" dirty="0"/>
-              <a:t> </a:t>
-            </a:r>
-            <a:r>
-              <a:rPr lang="hu-HU" dirty="0" err="1"/>
-              <a:t>Messaging</a:t>
-            </a:r>
-            <a:r>
-              <a:rPr lang="hu-HU" dirty="0"/>
-              <a:t>)</a:t>
-            </a:r>
-          </a:p>
-          <a:p>
-            <a:r>
-              <a:rPr lang="hu-HU" dirty="0"/>
-              <a:t>Különböző szerepek és szabályok definiálása a listákhoz</a:t>
-            </a:r>
-          </a:p>
-          <a:p>
-            <a:r>
-              <a:rPr lang="hu-HU" dirty="0"/>
-              <a:t>Saját backend készítése</a:t>
-            </a:r>
+            <a:endParaRPr lang="hu-HU"/>
           </a:p>
         </p:txBody>
       </p:sp>
     </p:spTree>
     <p:extLst>
       <p:ext uri="{BB962C8B-B14F-4D97-AF65-F5344CB8AC3E}">
-        <p14:creationId xmlns:p14="http://schemas.microsoft.com/office/powerpoint/2010/main" val="2139121225"/>
+        <p14:creationId xmlns:p14="http://schemas.microsoft.com/office/powerpoint/2010/main" val="1584678057"/>
       </p:ext>
     </p:extLst>
   </p:cSld>
@@ -6524,6 +9838,140 @@
           <p:cNvPr id="2" name="Cím 1">
             <a:extLst>
               <a:ext uri="{FF2B5EF4-FFF2-40B4-BE49-F238E27FC236}">
+                <a16:creationId xmlns:a16="http://schemas.microsoft.com/office/drawing/2014/main" id="{299C0593-F82C-456C-A044-C91D00FB9C3B}"/>
+              </a:ext>
+            </a:extLst>
+          </p:cNvPr>
+          <p:cNvSpPr>
+            <a:spLocks noGrp="1"/>
+          </p:cNvSpPr>
+          <p:nvPr>
+            <p:ph type="title"/>
+          </p:nvPr>
+        </p:nvSpPr>
+        <p:spPr/>
+        <p:txBody>
+          <a:bodyPr/>
+          <a:lstStyle/>
+          <a:p>
+            <a:r>
+              <a:rPr lang="hu-HU" dirty="0"/>
+              <a:t>Továbbfejlesztési lehetőségek</a:t>
+            </a:r>
+          </a:p>
+        </p:txBody>
+      </p:sp>
+      <p:sp>
+        <p:nvSpPr>
+          <p:cNvPr id="3" name="Tartalom helye 2">
+            <a:extLst>
+              <a:ext uri="{FF2B5EF4-FFF2-40B4-BE49-F238E27FC236}">
+                <a16:creationId xmlns:a16="http://schemas.microsoft.com/office/drawing/2014/main" id="{4806DC32-AC57-442A-99F7-409BFC6DCD63}"/>
+              </a:ext>
+            </a:extLst>
+          </p:cNvPr>
+          <p:cNvSpPr>
+            <a:spLocks noGrp="1"/>
+          </p:cNvSpPr>
+          <p:nvPr>
+            <p:ph idx="1"/>
+          </p:nvPr>
+        </p:nvSpPr>
+        <p:spPr/>
+        <p:txBody>
+          <a:bodyPr/>
+          <a:lstStyle/>
+          <a:p>
+            <a:r>
+              <a:rPr lang="hu-HU" dirty="0" err="1"/>
+              <a:t>Push</a:t>
+            </a:r>
+            <a:r>
+              <a:rPr lang="hu-HU" dirty="0"/>
+              <a:t> </a:t>
+            </a:r>
+            <a:r>
+              <a:rPr lang="hu-HU" dirty="0" err="1"/>
+              <a:t>Notifications</a:t>
+            </a:r>
+            <a:r>
+              <a:rPr lang="hu-HU" dirty="0"/>
+              <a:t> (</a:t>
+            </a:r>
+            <a:r>
+              <a:rPr lang="hu-HU" dirty="0" err="1"/>
+              <a:t>Firebase</a:t>
+            </a:r>
+            <a:r>
+              <a:rPr lang="hu-HU" dirty="0"/>
+              <a:t> </a:t>
+            </a:r>
+            <a:r>
+              <a:rPr lang="hu-HU" dirty="0" err="1"/>
+              <a:t>Cloud</a:t>
+            </a:r>
+            <a:r>
+              <a:rPr lang="hu-HU" dirty="0"/>
+              <a:t> </a:t>
+            </a:r>
+            <a:r>
+              <a:rPr lang="hu-HU" dirty="0" err="1"/>
+              <a:t>Messaging</a:t>
+            </a:r>
+            <a:r>
+              <a:rPr lang="hu-HU" dirty="0"/>
+              <a:t>)</a:t>
+            </a:r>
+          </a:p>
+          <a:p>
+            <a:r>
+              <a:rPr lang="hu-HU" dirty="0"/>
+              <a:t>Különböző szerepek és szabályok definiálása a listákhoz</a:t>
+            </a:r>
+          </a:p>
+          <a:p>
+            <a:r>
+              <a:rPr lang="hu-HU" dirty="0"/>
+              <a:t>Saját backend készítése</a:t>
+            </a:r>
+          </a:p>
+        </p:txBody>
+      </p:sp>
+    </p:spTree>
+    <p:extLst>
+      <p:ext uri="{BB962C8B-B14F-4D97-AF65-F5344CB8AC3E}">
+        <p14:creationId xmlns:p14="http://schemas.microsoft.com/office/powerpoint/2010/main" val="2139121225"/>
+      </p:ext>
+    </p:extLst>
+  </p:cSld>
+  <p:clrMapOvr>
+    <a:masterClrMapping/>
+  </p:clrMapOvr>
+</p:sld>
+</file>
+
+<file path=ppt/slides/slide8.xml><?xml version="1.0" encoding="utf-8"?>
+<p:sld xmlns:a="http://schemas.openxmlformats.org/drawingml/2006/main" xmlns:r="http://schemas.openxmlformats.org/officeDocument/2006/relationships" xmlns:p="http://schemas.openxmlformats.org/presentationml/2006/main">
+  <p:cSld>
+    <p:spTree>
+      <p:nvGrpSpPr>
+        <p:cNvPr id="1" name=""/>
+        <p:cNvGrpSpPr/>
+        <p:nvPr/>
+      </p:nvGrpSpPr>
+      <p:grpSpPr>
+        <a:xfrm>
+          <a:off x="0" y="0"/>
+          <a:ext cx="0" cy="0"/>
+          <a:chOff x="0" y="0"/>
+          <a:chExt cx="0" cy="0"/>
+        </a:xfrm>
+      </p:grpSpPr>
+      <p:sp>
+        <p:nvSpPr>
+          <p:cNvPr id="2" name="Cím 1">
+            <a:extLst>
+              <a:ext uri="{FF2B5EF4-FFF2-40B4-BE49-F238E27FC236}">
                 <a16:creationId xmlns:a16="http://schemas.microsoft.com/office/drawing/2014/main" id="{114BC86C-FC5F-4323-B7E6-CD8B2FAAE210}"/>
               </a:ext>
             </a:extLst>
@@ -6609,6 +10057,181 @@
           </a:p>
         </p:txBody>
       </p:sp>
+      <p:pic>
+        <p:nvPicPr>
+          <p:cNvPr id="5" name="Picture 2">
+            <a:extLst>
+              <a:ext uri="{FF2B5EF4-FFF2-40B4-BE49-F238E27FC236}">
+                <a16:creationId xmlns:a16="http://schemas.microsoft.com/office/drawing/2014/main" id="{D8CA0E6A-9BB5-40EA-B172-1F67E91522AF}"/>
+              </a:ext>
+            </a:extLst>
+          </p:cNvPr>
+          <p:cNvPicPr>
+            <a:picLocks noChangeAspect="1" noChangeArrowheads="1"/>
+          </p:cNvPicPr>
+          <p:nvPr/>
+        </p:nvPicPr>
+        <p:blipFill>
+          <a:blip r:embed="rId2">
+            <a:extLst>
+              <a:ext uri="{28A0092B-C50C-407E-A947-70E740481C1C}">
+                <a14:useLocalDpi xmlns:a14="http://schemas.microsoft.com/office/drawing/2010/main" val="0"/>
+              </a:ext>
+            </a:extLst>
+          </a:blip>
+          <a:srcRect/>
+          <a:stretch>
+            <a:fillRect/>
+          </a:stretch>
+        </p:blipFill>
+        <p:spPr bwMode="auto">
+          <a:xfrm>
+            <a:off x="6096000" y="695866"/>
+            <a:ext cx="3103984" cy="1551992"/>
+          </a:xfrm>
+          <a:prstGeom prst="rect">
+            <a:avLst/>
+          </a:prstGeom>
+          <a:noFill/>
+          <a:extLst>
+            <a:ext uri="{909E8E84-426E-40DD-AFC4-6F175D3DCCD1}">
+              <a14:hiddenFill xmlns:a14="http://schemas.microsoft.com/office/drawing/2010/main">
+                <a:solidFill>
+                  <a:srgbClr val="FFFFFF"/>
+                </a:solidFill>
+              </a14:hiddenFill>
+            </a:ext>
+          </a:extLst>
+        </p:spPr>
+      </p:pic>
+      <p:pic>
+        <p:nvPicPr>
+          <p:cNvPr id="6" name="Picture 4">
+            <a:extLst>
+              <a:ext uri="{FF2B5EF4-FFF2-40B4-BE49-F238E27FC236}">
+                <a16:creationId xmlns:a16="http://schemas.microsoft.com/office/drawing/2014/main" id="{372BAF82-B278-4653-9BE0-60CF2680FE51}"/>
+              </a:ext>
+            </a:extLst>
+          </p:cNvPr>
+          <p:cNvPicPr>
+            <a:picLocks noChangeAspect="1" noChangeArrowheads="1"/>
+          </p:cNvPicPr>
+          <p:nvPr/>
+        </p:nvPicPr>
+        <p:blipFill>
+          <a:blip r:embed="rId3">
+            <a:extLst>
+              <a:ext uri="{28A0092B-C50C-407E-A947-70E740481C1C}">
+                <a14:useLocalDpi xmlns:a14="http://schemas.microsoft.com/office/drawing/2010/main" val="0"/>
+              </a:ext>
+            </a:extLst>
+          </a:blip>
+          <a:srcRect/>
+          <a:stretch>
+            <a:fillRect/>
+          </a:stretch>
+        </p:blipFill>
+        <p:spPr bwMode="auto">
+          <a:xfrm>
+            <a:off x="6096000" y="4946219"/>
+            <a:ext cx="2193589" cy="1233894"/>
+          </a:xfrm>
+          <a:prstGeom prst="rect">
+            <a:avLst/>
+          </a:prstGeom>
+          <a:noFill/>
+          <a:extLst>
+            <a:ext uri="{909E8E84-426E-40DD-AFC4-6F175D3DCCD1}">
+              <a14:hiddenFill xmlns:a14="http://schemas.microsoft.com/office/drawing/2010/main">
+                <a:solidFill>
+                  <a:srgbClr val="FFFFFF"/>
+                </a:solidFill>
+              </a14:hiddenFill>
+            </a:ext>
+          </a:extLst>
+        </p:spPr>
+      </p:pic>
+      <p:pic>
+        <p:nvPicPr>
+          <p:cNvPr id="7" name="Picture 6">
+            <a:extLst>
+              <a:ext uri="{FF2B5EF4-FFF2-40B4-BE49-F238E27FC236}">
+                <a16:creationId xmlns:a16="http://schemas.microsoft.com/office/drawing/2014/main" id="{CA5A2093-0DC7-40E1-BFCF-A138EC04B349}"/>
+              </a:ext>
+            </a:extLst>
+          </p:cNvPr>
+          <p:cNvPicPr>
+            <a:picLocks noChangeAspect="1" noChangeArrowheads="1"/>
+          </p:cNvPicPr>
+          <p:nvPr/>
+        </p:nvPicPr>
+        <p:blipFill rotWithShape="1">
+          <a:blip r:embed="rId4">
+            <a:extLst>
+              <a:ext uri="{28A0092B-C50C-407E-A947-70E740481C1C}">
+                <a14:useLocalDpi xmlns:a14="http://schemas.microsoft.com/office/drawing/2010/main" val="0"/>
+              </a:ext>
+            </a:extLst>
+          </a:blip>
+          <a:srcRect l="2954" t="30007" r="2992" b="35139"/>
+          <a:stretch/>
+        </p:blipFill>
+        <p:spPr bwMode="auto">
+          <a:xfrm>
+            <a:off x="975400" y="4503388"/>
+            <a:ext cx="2764075" cy="590794"/>
+          </a:xfrm>
+          <a:prstGeom prst="rect">
+            <a:avLst/>
+          </a:prstGeom>
+          <a:noFill/>
+          <a:extLst>
+            <a:ext uri="{909E8E84-426E-40DD-AFC4-6F175D3DCCD1}">
+              <a14:hiddenFill xmlns:a14="http://schemas.microsoft.com/office/drawing/2010/main">
+                <a:solidFill>
+                  <a:srgbClr val="FFFFFF"/>
+                </a:solidFill>
+              </a14:hiddenFill>
+            </a:ext>
+          </a:extLst>
+        </p:spPr>
+      </p:pic>
+      <p:pic>
+        <p:nvPicPr>
+          <p:cNvPr id="8" name="Kép 7">
+            <a:extLst>
+              <a:ext uri="{FF2B5EF4-FFF2-40B4-BE49-F238E27FC236}">
+                <a16:creationId xmlns:a16="http://schemas.microsoft.com/office/drawing/2014/main" id="{1B096D15-638E-4F84-9EC2-B7277F077A44}"/>
+              </a:ext>
+            </a:extLst>
+          </p:cNvPr>
+          <p:cNvPicPr>
+            <a:picLocks noChangeAspect="1"/>
+          </p:cNvPicPr>
+          <p:nvPr/>
+        </p:nvPicPr>
+        <p:blipFill>
+          <a:blip r:embed="rId5">
+            <a:extLst>
+              <a:ext uri="{28A0092B-C50C-407E-A947-70E740481C1C}">
+                <a14:useLocalDpi xmlns:a14="http://schemas.microsoft.com/office/drawing/2010/main" val="0"/>
+              </a:ext>
+            </a:extLst>
+          </a:blip>
+          <a:stretch>
+            <a:fillRect/>
+          </a:stretch>
+        </p:blipFill>
+        <p:spPr>
+          <a:xfrm>
+            <a:off x="975400" y="493221"/>
+            <a:ext cx="2032970" cy="2032970"/>
+          </a:xfrm>
+          <a:prstGeom prst="rect">
+            <a:avLst/>
+          </a:prstGeom>
+        </p:spPr>
+      </p:pic>
     </p:spTree>
     <p:extLst>
       <p:ext uri="{BB962C8B-B14F-4D97-AF65-F5344CB8AC3E}">

--- a/bemutato.pptx
+++ b/bemutato.pptx
@@ -11,8 +11,10 @@
     <p:sldId id="263" r:id="rId5"/>
     <p:sldId id="258" r:id="rId6"/>
     <p:sldId id="260" r:id="rId7"/>
-    <p:sldId id="261" r:id="rId8"/>
-    <p:sldId id="262" r:id="rId9"/>
+    <p:sldId id="264" r:id="rId8"/>
+    <p:sldId id="265" r:id="rId9"/>
+    <p:sldId id="261" r:id="rId10"/>
+    <p:sldId id="262" r:id="rId11"/>
   </p:sldIdLst>
   <p:sldSz cx="12192000" cy="6858000"/>
   <p:notesSz cx="6858000" cy="9144000"/>
@@ -5963,10 +5965,335 @@
           </a:p>
         </p:txBody>
       </p:sp>
+      <p:pic>
+        <p:nvPicPr>
+          <p:cNvPr id="5" name="Kép 4">
+            <a:extLst>
+              <a:ext uri="{FF2B5EF4-FFF2-40B4-BE49-F238E27FC236}">
+                <a16:creationId xmlns:a16="http://schemas.microsoft.com/office/drawing/2014/main" id="{06747167-4EA5-463B-B254-97384E5363EC}"/>
+              </a:ext>
+            </a:extLst>
+          </p:cNvPr>
+          <p:cNvPicPr>
+            <a:picLocks noChangeAspect="1"/>
+          </p:cNvPicPr>
+          <p:nvPr/>
+        </p:nvPicPr>
+        <p:blipFill>
+          <a:blip r:embed="rId2"/>
+          <a:stretch>
+            <a:fillRect/>
+          </a:stretch>
+        </p:blipFill>
+        <p:spPr>
+          <a:xfrm>
+            <a:off x="681135" y="3016750"/>
+            <a:ext cx="1318963" cy="1299178"/>
+          </a:xfrm>
+          <a:prstGeom prst="rect">
+            <a:avLst/>
+          </a:prstGeom>
+        </p:spPr>
+      </p:pic>
     </p:spTree>
     <p:extLst>
       <p:ext uri="{BB962C8B-B14F-4D97-AF65-F5344CB8AC3E}">
         <p14:creationId xmlns:p14="http://schemas.microsoft.com/office/powerpoint/2010/main" val="1193244205"/>
+      </p:ext>
+    </p:extLst>
+  </p:cSld>
+  <p:clrMapOvr>
+    <a:masterClrMapping/>
+  </p:clrMapOvr>
+</p:sld>
+</file>
+
+<file path=ppt/slides/slide10.xml><?xml version="1.0" encoding="utf-8"?>
+<p:sld xmlns:a="http://schemas.openxmlformats.org/drawingml/2006/main" xmlns:r="http://schemas.openxmlformats.org/officeDocument/2006/relationships" xmlns:p="http://schemas.openxmlformats.org/presentationml/2006/main">
+  <p:cSld>
+    <p:spTree>
+      <p:nvGrpSpPr>
+        <p:cNvPr id="1" name=""/>
+        <p:cNvGrpSpPr/>
+        <p:nvPr/>
+      </p:nvGrpSpPr>
+      <p:grpSpPr>
+        <a:xfrm>
+          <a:off x="0" y="0"/>
+          <a:ext cx="0" cy="0"/>
+          <a:chOff x="0" y="0"/>
+          <a:chExt cx="0" cy="0"/>
+        </a:xfrm>
+      </p:grpSpPr>
+      <p:sp>
+        <p:nvSpPr>
+          <p:cNvPr id="2" name="Cím 1">
+            <a:extLst>
+              <a:ext uri="{FF2B5EF4-FFF2-40B4-BE49-F238E27FC236}">
+                <a16:creationId xmlns:a16="http://schemas.microsoft.com/office/drawing/2014/main" id="{114BC86C-FC5F-4323-B7E6-CD8B2FAAE210}"/>
+              </a:ext>
+            </a:extLst>
+          </p:cNvPr>
+          <p:cNvSpPr>
+            <a:spLocks noGrp="1"/>
+          </p:cNvSpPr>
+          <p:nvPr>
+            <p:ph type="title"/>
+          </p:nvPr>
+        </p:nvSpPr>
+        <p:spPr>
+          <a:xfrm>
+            <a:off x="922430" y="2768600"/>
+            <a:ext cx="8596668" cy="1320800"/>
+          </a:xfrm>
+        </p:spPr>
+        <p:txBody>
+          <a:bodyPr/>
+          <a:lstStyle/>
+          <a:p>
+            <a:pPr algn="ctr"/>
+            <a:r>
+              <a:rPr lang="hu-HU"/>
+              <a:t>Köszönöm a figyelmet!</a:t>
+            </a:r>
+            <a:br>
+              <a:rPr lang="hu-HU"/>
+            </a:br>
+            <a:r>
+              <a:rPr lang="hu-HU"/>
+              <a:t>Kérdések?</a:t>
+            </a:r>
+            <a:endParaRPr lang="hu-HU" dirty="0"/>
+          </a:p>
+        </p:txBody>
+      </p:sp>
+      <p:sp>
+        <p:nvSpPr>
+          <p:cNvPr id="4" name="Szövegdoboz 3">
+            <a:extLst>
+              <a:ext uri="{FF2B5EF4-FFF2-40B4-BE49-F238E27FC236}">
+                <a16:creationId xmlns:a16="http://schemas.microsoft.com/office/drawing/2014/main" id="{5595CB3F-0E9D-4C4B-8008-C230D58C22C4}"/>
+              </a:ext>
+            </a:extLst>
+          </p:cNvPr>
+          <p:cNvSpPr txBox="1"/>
+          <p:nvPr/>
+        </p:nvSpPr>
+        <p:spPr>
+          <a:xfrm>
+            <a:off x="922430" y="5995447"/>
+            <a:ext cx="1435008" cy="369332"/>
+          </a:xfrm>
+          <a:prstGeom prst="rect">
+            <a:avLst/>
+          </a:prstGeom>
+          <a:noFill/>
+        </p:spPr>
+        <p:txBody>
+          <a:bodyPr wrap="none" rtlCol="0">
+            <a:spAutoFit/>
+          </a:bodyPr>
+          <a:lstStyle/>
+          <a:p>
+            <a:r>
+              <a:rPr lang="hu-HU">
+                <a:solidFill>
+                  <a:schemeClr val="accent1">
+                    <a:lumMod val="75000"/>
+                  </a:schemeClr>
+                </a:solidFill>
+              </a:rPr>
+              <a:t>Schütz Máté</a:t>
+            </a:r>
+            <a:endParaRPr lang="hu-HU" dirty="0">
+              <a:solidFill>
+                <a:schemeClr val="accent1">
+                  <a:lumMod val="75000"/>
+                </a:schemeClr>
+              </a:solidFill>
+            </a:endParaRPr>
+          </a:p>
+        </p:txBody>
+      </p:sp>
+      <p:pic>
+        <p:nvPicPr>
+          <p:cNvPr id="5" name="Picture 2">
+            <a:extLst>
+              <a:ext uri="{FF2B5EF4-FFF2-40B4-BE49-F238E27FC236}">
+                <a16:creationId xmlns:a16="http://schemas.microsoft.com/office/drawing/2014/main" id="{D8CA0E6A-9BB5-40EA-B172-1F67E91522AF}"/>
+              </a:ext>
+            </a:extLst>
+          </p:cNvPr>
+          <p:cNvPicPr>
+            <a:picLocks noChangeAspect="1" noChangeArrowheads="1"/>
+          </p:cNvPicPr>
+          <p:nvPr/>
+        </p:nvPicPr>
+        <p:blipFill>
+          <a:blip r:embed="rId2">
+            <a:extLst>
+              <a:ext uri="{28A0092B-C50C-407E-A947-70E740481C1C}">
+                <a14:useLocalDpi xmlns:a14="http://schemas.microsoft.com/office/drawing/2010/main" val="0"/>
+              </a:ext>
+            </a:extLst>
+          </a:blip>
+          <a:srcRect/>
+          <a:stretch>
+            <a:fillRect/>
+          </a:stretch>
+        </p:blipFill>
+        <p:spPr bwMode="auto">
+          <a:xfrm>
+            <a:off x="6096000" y="695866"/>
+            <a:ext cx="3103984" cy="1551992"/>
+          </a:xfrm>
+          <a:prstGeom prst="rect">
+            <a:avLst/>
+          </a:prstGeom>
+          <a:noFill/>
+          <a:extLst>
+            <a:ext uri="{909E8E84-426E-40DD-AFC4-6F175D3DCCD1}">
+              <a14:hiddenFill xmlns:a14="http://schemas.microsoft.com/office/drawing/2010/main">
+                <a:solidFill>
+                  <a:srgbClr val="FFFFFF"/>
+                </a:solidFill>
+              </a14:hiddenFill>
+            </a:ext>
+          </a:extLst>
+        </p:spPr>
+      </p:pic>
+      <p:pic>
+        <p:nvPicPr>
+          <p:cNvPr id="6" name="Picture 4">
+            <a:extLst>
+              <a:ext uri="{FF2B5EF4-FFF2-40B4-BE49-F238E27FC236}">
+                <a16:creationId xmlns:a16="http://schemas.microsoft.com/office/drawing/2014/main" id="{372BAF82-B278-4653-9BE0-60CF2680FE51}"/>
+              </a:ext>
+            </a:extLst>
+          </p:cNvPr>
+          <p:cNvPicPr>
+            <a:picLocks noChangeAspect="1" noChangeArrowheads="1"/>
+          </p:cNvPicPr>
+          <p:nvPr/>
+        </p:nvPicPr>
+        <p:blipFill>
+          <a:blip r:embed="rId3">
+            <a:extLst>
+              <a:ext uri="{28A0092B-C50C-407E-A947-70E740481C1C}">
+                <a14:useLocalDpi xmlns:a14="http://schemas.microsoft.com/office/drawing/2010/main" val="0"/>
+              </a:ext>
+            </a:extLst>
+          </a:blip>
+          <a:srcRect/>
+          <a:stretch>
+            <a:fillRect/>
+          </a:stretch>
+        </p:blipFill>
+        <p:spPr bwMode="auto">
+          <a:xfrm>
+            <a:off x="6096000" y="4946219"/>
+            <a:ext cx="2193589" cy="1233894"/>
+          </a:xfrm>
+          <a:prstGeom prst="rect">
+            <a:avLst/>
+          </a:prstGeom>
+          <a:noFill/>
+          <a:extLst>
+            <a:ext uri="{909E8E84-426E-40DD-AFC4-6F175D3DCCD1}">
+              <a14:hiddenFill xmlns:a14="http://schemas.microsoft.com/office/drawing/2010/main">
+                <a:solidFill>
+                  <a:srgbClr val="FFFFFF"/>
+                </a:solidFill>
+              </a14:hiddenFill>
+            </a:ext>
+          </a:extLst>
+        </p:spPr>
+      </p:pic>
+      <p:pic>
+        <p:nvPicPr>
+          <p:cNvPr id="7" name="Picture 6">
+            <a:extLst>
+              <a:ext uri="{FF2B5EF4-FFF2-40B4-BE49-F238E27FC236}">
+                <a16:creationId xmlns:a16="http://schemas.microsoft.com/office/drawing/2014/main" id="{CA5A2093-0DC7-40E1-BFCF-A138EC04B349}"/>
+              </a:ext>
+            </a:extLst>
+          </p:cNvPr>
+          <p:cNvPicPr>
+            <a:picLocks noChangeAspect="1" noChangeArrowheads="1"/>
+          </p:cNvPicPr>
+          <p:nvPr/>
+        </p:nvPicPr>
+        <p:blipFill rotWithShape="1">
+          <a:blip r:embed="rId4">
+            <a:extLst>
+              <a:ext uri="{28A0092B-C50C-407E-A947-70E740481C1C}">
+                <a14:useLocalDpi xmlns:a14="http://schemas.microsoft.com/office/drawing/2010/main" val="0"/>
+              </a:ext>
+            </a:extLst>
+          </a:blip>
+          <a:srcRect l="2954" t="30007" r="2992" b="35139"/>
+          <a:stretch/>
+        </p:blipFill>
+        <p:spPr bwMode="auto">
+          <a:xfrm>
+            <a:off x="975400" y="4503388"/>
+            <a:ext cx="2764075" cy="590794"/>
+          </a:xfrm>
+          <a:prstGeom prst="rect">
+            <a:avLst/>
+          </a:prstGeom>
+          <a:noFill/>
+          <a:extLst>
+            <a:ext uri="{909E8E84-426E-40DD-AFC4-6F175D3DCCD1}">
+              <a14:hiddenFill xmlns:a14="http://schemas.microsoft.com/office/drawing/2010/main">
+                <a:solidFill>
+                  <a:srgbClr val="FFFFFF"/>
+                </a:solidFill>
+              </a14:hiddenFill>
+            </a:ext>
+          </a:extLst>
+        </p:spPr>
+      </p:pic>
+      <p:pic>
+        <p:nvPicPr>
+          <p:cNvPr id="8" name="Kép 7">
+            <a:extLst>
+              <a:ext uri="{FF2B5EF4-FFF2-40B4-BE49-F238E27FC236}">
+                <a16:creationId xmlns:a16="http://schemas.microsoft.com/office/drawing/2014/main" id="{1B096D15-638E-4F84-9EC2-B7277F077A44}"/>
+              </a:ext>
+            </a:extLst>
+          </p:cNvPr>
+          <p:cNvPicPr>
+            <a:picLocks noChangeAspect="1"/>
+          </p:cNvPicPr>
+          <p:nvPr/>
+        </p:nvPicPr>
+        <p:blipFill>
+          <a:blip r:embed="rId5">
+            <a:extLst>
+              <a:ext uri="{28A0092B-C50C-407E-A947-70E740481C1C}">
+                <a14:useLocalDpi xmlns:a14="http://schemas.microsoft.com/office/drawing/2010/main" val="0"/>
+              </a:ext>
+            </a:extLst>
+          </a:blip>
+          <a:stretch>
+            <a:fillRect/>
+          </a:stretch>
+        </p:blipFill>
+        <p:spPr>
+          <a:xfrm>
+            <a:off x="975400" y="493221"/>
+            <a:ext cx="2032970" cy="2032970"/>
+          </a:xfrm>
+          <a:prstGeom prst="rect">
+            <a:avLst/>
+          </a:prstGeom>
+        </p:spPr>
+      </p:pic>
+    </p:spTree>
+    <p:extLst>
+      <p:ext uri="{BB962C8B-B14F-4D97-AF65-F5344CB8AC3E}">
+        <p14:creationId xmlns:p14="http://schemas.microsoft.com/office/powerpoint/2010/main" val="3590688300"/>
       </p:ext>
     </p:extLst>
   </p:cSld>
@@ -6009,13 +6336,20 @@
             <p:ph type="title"/>
           </p:nvPr>
         </p:nvSpPr>
-        <p:spPr/>
+        <p:spPr>
+          <a:xfrm>
+            <a:off x="677334" y="609601"/>
+            <a:ext cx="8596668" cy="836766"/>
+          </a:xfrm>
+        </p:spPr>
         <p:txBody>
-          <a:bodyPr/>
+          <a:bodyPr>
+            <a:normAutofit/>
+          </a:bodyPr>
           <a:lstStyle/>
           <a:p>
             <a:r>
-              <a:rPr lang="hu-HU" dirty="0"/>
+              <a:rPr lang="hu-HU" sz="4000" dirty="0"/>
               <a:t>Felhasznált technológiák</a:t>
             </a:r>
           </a:p>
@@ -6037,75 +6371,82 @@
             <p:ph idx="1"/>
           </p:nvPr>
         </p:nvSpPr>
-        <p:spPr/>
+        <p:spPr>
+          <a:xfrm>
+            <a:off x="677334" y="1610174"/>
+            <a:ext cx="8596668" cy="3880773"/>
+          </a:xfrm>
+        </p:spPr>
         <p:txBody>
-          <a:bodyPr/>
+          <a:bodyPr>
+            <a:normAutofit/>
+          </a:bodyPr>
           <a:lstStyle/>
           <a:p>
             <a:r>
-              <a:rPr lang="hu-HU" dirty="0"/>
+              <a:rPr lang="hu-HU" sz="2000" dirty="0"/>
               <a:t>Android</a:t>
             </a:r>
           </a:p>
           <a:p>
             <a:r>
-              <a:rPr lang="hu-HU" dirty="0" err="1"/>
+              <a:rPr lang="hu-HU" sz="2000" dirty="0" err="1"/>
               <a:t>Kotlin</a:t>
             </a:r>
-            <a:endParaRPr lang="hu-HU" dirty="0"/>
-          </a:p>
-          <a:p>
-            <a:r>
-              <a:rPr lang="hu-HU" dirty="0" err="1"/>
+            <a:endParaRPr lang="hu-HU" sz="2000" dirty="0"/>
+          </a:p>
+          <a:p>
+            <a:r>
+              <a:rPr lang="hu-HU" sz="2000" dirty="0" err="1"/>
               <a:t>Firebase</a:t>
             </a:r>
             <a:r>
-              <a:rPr lang="hu-HU" dirty="0"/>
+              <a:rPr lang="hu-HU" sz="2000" dirty="0"/>
               <a:t>:</a:t>
             </a:r>
           </a:p>
           <a:p>
             <a:pPr lvl="1"/>
             <a:r>
-              <a:rPr lang="hu-HU" dirty="0" err="1"/>
+              <a:rPr lang="hu-HU" sz="1800" dirty="0" err="1"/>
               <a:t>Authentication</a:t>
             </a:r>
             <a:r>
-              <a:rPr lang="hu-HU" dirty="0"/>
+              <a:rPr lang="hu-HU" sz="1800" dirty="0"/>
               <a:t> – felhasználó kezelés</a:t>
             </a:r>
           </a:p>
           <a:p>
             <a:pPr lvl="1"/>
             <a:r>
-              <a:rPr lang="hu-HU" dirty="0" err="1"/>
+              <a:rPr lang="hu-HU" sz="1800" dirty="0" err="1"/>
               <a:t>Firestore</a:t>
             </a:r>
             <a:r>
-              <a:rPr lang="hu-HU" dirty="0"/>
+              <a:rPr lang="hu-HU" sz="1800" dirty="0"/>
               <a:t> – listák, termékek</a:t>
             </a:r>
           </a:p>
           <a:p>
             <a:pPr lvl="1"/>
             <a:r>
-              <a:rPr lang="hu-HU" dirty="0"/>
+              <a:rPr lang="hu-HU" sz="1800" dirty="0"/>
               <a:t>Storage – profilkép</a:t>
             </a:r>
           </a:p>
           <a:p>
             <a:r>
-              <a:rPr lang="hu-HU" dirty="0" err="1"/>
+              <a:rPr lang="hu-HU" sz="2000" dirty="0" err="1"/>
               <a:t>Glide</a:t>
             </a:r>
-            <a:endParaRPr lang="hu-HU" dirty="0"/>
-          </a:p>
-          <a:p>
-            <a:r>
-              <a:rPr lang="hu-HU" dirty="0" err="1"/>
+            <a:endParaRPr lang="hu-HU" sz="2000" dirty="0"/>
+          </a:p>
+          <a:p>
+            <a:r>
+              <a:rPr lang="hu-HU" sz="2000" dirty="0" err="1"/>
               <a:t>MaterialDialogs</a:t>
             </a:r>
-            <a:endParaRPr lang="hu-HU" dirty="0"/>
+            <a:endParaRPr lang="hu-HU" sz="2000" dirty="0"/>
           </a:p>
         </p:txBody>
       </p:sp>
@@ -6138,7 +6479,7 @@
         </p:blipFill>
         <p:spPr bwMode="auto">
           <a:xfrm>
-            <a:off x="5281126" y="3324979"/>
+            <a:off x="5350443" y="3455311"/>
             <a:ext cx="3103984" cy="1551992"/>
           </a:xfrm>
           <a:prstGeom prst="rect">
@@ -6185,7 +6526,7 @@
         </p:blipFill>
         <p:spPr bwMode="auto">
           <a:xfrm>
-            <a:off x="3488484" y="2203670"/>
+            <a:off x="6260838" y="2354720"/>
             <a:ext cx="2193589" cy="1233894"/>
           </a:xfrm>
           <a:prstGeom prst="rect">
@@ -6230,7 +6571,7 @@
         </p:blipFill>
         <p:spPr bwMode="auto">
           <a:xfrm>
-            <a:off x="5451080" y="1793179"/>
+            <a:off x="5520398" y="1571395"/>
             <a:ext cx="2764075" cy="590794"/>
           </a:xfrm>
           <a:prstGeom prst="rect">
@@ -6246,42 +6587,6 @@
               </a14:hiddenFill>
             </a:ext>
           </a:extLst>
-        </p:spPr>
-      </p:pic>
-      <p:pic>
-        <p:nvPicPr>
-          <p:cNvPr id="7" name="Kép 6">
-            <a:extLst>
-              <a:ext uri="{FF2B5EF4-FFF2-40B4-BE49-F238E27FC236}">
-                <a16:creationId xmlns:a16="http://schemas.microsoft.com/office/drawing/2014/main" id="{8E95C64A-60F8-47B6-8968-CF66132EBC02}"/>
-              </a:ext>
-            </a:extLst>
-          </p:cNvPr>
-          <p:cNvPicPr>
-            <a:picLocks noChangeAspect="1"/>
-          </p:cNvPicPr>
-          <p:nvPr/>
-        </p:nvPicPr>
-        <p:blipFill>
-          <a:blip r:embed="rId5">
-            <a:extLst>
-              <a:ext uri="{28A0092B-C50C-407E-A947-70E740481C1C}">
-                <a14:useLocalDpi xmlns:a14="http://schemas.microsoft.com/office/drawing/2010/main" val="0"/>
-              </a:ext>
-            </a:extLst>
-          </a:blip>
-          <a:stretch>
-            <a:fillRect/>
-          </a:stretch>
-        </p:blipFill>
-        <p:spPr>
-          <a:xfrm>
-            <a:off x="4016818" y="4722920"/>
-            <a:ext cx="1665255" cy="1665255"/>
-          </a:xfrm>
-          <a:prstGeom prst="rect">
-            <a:avLst/>
-          </a:prstGeom>
         </p:spPr>
       </p:pic>
     </p:spTree>
@@ -9766,40 +10071,2358 @@
             <p:ph type="title"/>
           </p:nvPr>
         </p:nvSpPr>
-        <p:spPr/>
+        <p:spPr>
+          <a:xfrm>
+            <a:off x="677334" y="609600"/>
+            <a:ext cx="8596668" cy="757561"/>
+          </a:xfrm>
+        </p:spPr>
         <p:txBody>
           <a:bodyPr/>
           <a:lstStyle/>
           <a:p>
             <a:r>
+              <a:rPr lang="hu-HU" dirty="0" err="1"/>
+              <a:t>Valósidejű</a:t>
+            </a:r>
+            <a:r>
               <a:rPr lang="hu-HU" dirty="0"/>
-              <a:t>Egy funkció részletes bemutatása</a:t>
-            </a:r>
+              <a:t> frissítések </a:t>
+            </a:r>
+            <a:r>
+              <a:rPr lang="hu-HU" dirty="0" err="1"/>
+              <a:t>Firestore-ral</a:t>
+            </a:r>
+            <a:endParaRPr lang="hu-HU" dirty="0"/>
           </a:p>
         </p:txBody>
       </p:sp>
       <p:sp>
         <p:nvSpPr>
-          <p:cNvPr id="3" name="Tartalom helye 2">
+          <p:cNvPr id="5" name="Rectangle 2">
             <a:extLst>
               <a:ext uri="{FF2B5EF4-FFF2-40B4-BE49-F238E27FC236}">
-                <a16:creationId xmlns:a16="http://schemas.microsoft.com/office/drawing/2014/main" id="{4F44AEB1-C688-4C50-B7F9-573A3B0D2DDB}"/>
+                <a16:creationId xmlns:a16="http://schemas.microsoft.com/office/drawing/2014/main" id="{D4A47FF2-0FCC-4426-B66C-8A5FBFBA4EA4}"/>
               </a:ext>
             </a:extLst>
           </p:cNvPr>
           <p:cNvSpPr>
-            <a:spLocks noGrp="1"/>
+            <a:spLocks noGrp="1" noChangeArrowheads="1"/>
           </p:cNvSpPr>
           <p:nvPr>
             <p:ph idx="1"/>
           </p:nvPr>
         </p:nvSpPr>
-        <p:spPr/>
+        <p:spPr bwMode="auto">
+          <a:xfrm>
+            <a:off x="677334" y="1831083"/>
+            <a:ext cx="6664499" cy="4524315"/>
+          </a:xfrm>
+          <a:prstGeom prst="rect">
+            <a:avLst/>
+          </a:prstGeom>
+          <a:solidFill>
+            <a:srgbClr val="2B2B2B"/>
+          </a:solidFill>
+          <a:ln>
+            <a:noFill/>
+          </a:ln>
+          <a:effectLst/>
+          <a:extLst>
+            <a:ext uri="{91240B29-F687-4F45-9708-019B960494DF}">
+              <a14:hiddenLine xmlns:a14="http://schemas.microsoft.com/office/drawing/2010/main" w="9525">
+                <a:solidFill>
+                  <a:schemeClr val="tx1"/>
+                </a:solidFill>
+                <a:miter lim="800000"/>
+                <a:headEnd/>
+                <a:tailEnd/>
+              </a14:hiddenLine>
+            </a:ext>
+            <a:ext uri="{AF507438-7753-43E0-B8FC-AC1667EBCBE1}">
+              <a14:hiddenEffects xmlns:a14="http://schemas.microsoft.com/office/drawing/2010/main">
+                <a:effectLst>
+                  <a:outerShdw dist="35921" dir="2700000" algn="ctr" rotWithShape="0">
+                    <a:schemeClr val="bg2"/>
+                  </a:outerShdw>
+                </a:effectLst>
+              </a14:hiddenEffects>
+            </a:ext>
+          </a:extLst>
+        </p:spPr>
         <p:txBody>
-          <a:bodyPr/>
+          <a:bodyPr vert="horz" wrap="square" lIns="91440" tIns="45720" rIns="91440" bIns="45720" numCol="1" anchor="ctr" anchorCtr="0" compatLnSpc="1">
+            <a:prstTxWarp prst="textNoShape">
+              <a:avLst/>
+            </a:prstTxWarp>
+            <a:spAutoFit/>
+          </a:bodyPr>
           <a:lstStyle/>
           <a:p>
-            <a:endParaRPr lang="hu-HU"/>
+            <a:pPr marL="0" indent="0" defTabSz="914400" eaLnBrk="0" fontAlgn="base" hangingPunct="0">
+              <a:spcBef>
+                <a:spcPct val="0"/>
+              </a:spcBef>
+              <a:spcAft>
+                <a:spcPct val="0"/>
+              </a:spcAft>
+              <a:buClrTx/>
+              <a:buSzTx/>
+              <a:buNone/>
+            </a:pPr>
+            <a:r>
+              <a:rPr kumimoji="0" lang="hu-HU" altLang="hu-HU" sz="1200" b="0" i="0" u="none" strike="noStrike" cap="none" normalizeH="0" baseline="0" dirty="0" err="1">
+                <a:ln>
+                  <a:noFill/>
+                </a:ln>
+                <a:solidFill>
+                  <a:srgbClr val="CC7832"/>
+                </a:solidFill>
+                <a:effectLst/>
+                <a:latin typeface="JetBrains Mono"/>
+              </a:rPr>
+              <a:t>private</a:t>
+            </a:r>
+            <a:r>
+              <a:rPr kumimoji="0" lang="hu-HU" altLang="hu-HU" sz="1200" b="0" i="0" u="none" strike="noStrike" cap="none" normalizeH="0" baseline="0" dirty="0">
+                <a:ln>
+                  <a:noFill/>
+                </a:ln>
+                <a:solidFill>
+                  <a:srgbClr val="CC7832"/>
+                </a:solidFill>
+                <a:effectLst/>
+                <a:latin typeface="JetBrains Mono"/>
+              </a:rPr>
+              <a:t> </a:t>
+            </a:r>
+            <a:r>
+              <a:rPr kumimoji="0" lang="hu-HU" altLang="hu-HU" sz="1200" b="0" i="0" u="none" strike="noStrike" cap="none" normalizeH="0" baseline="0" dirty="0" err="1">
+                <a:ln>
+                  <a:noFill/>
+                </a:ln>
+                <a:solidFill>
+                  <a:srgbClr val="CC7832"/>
+                </a:solidFill>
+                <a:effectLst/>
+                <a:latin typeface="JetBrains Mono"/>
+              </a:rPr>
+              <a:t>val</a:t>
+            </a:r>
+            <a:r>
+              <a:rPr kumimoji="0" lang="hu-HU" altLang="hu-HU" sz="1200" b="0" i="0" u="none" strike="noStrike" cap="none" normalizeH="0" baseline="0" dirty="0">
+                <a:ln>
+                  <a:noFill/>
+                </a:ln>
+                <a:solidFill>
+                  <a:srgbClr val="CC7832"/>
+                </a:solidFill>
+                <a:effectLst/>
+                <a:latin typeface="JetBrains Mono"/>
+              </a:rPr>
+              <a:t> </a:t>
+            </a:r>
+            <a:r>
+              <a:rPr kumimoji="0" lang="hu-HU" altLang="hu-HU" sz="1200" b="0" i="0" u="none" strike="noStrike" cap="none" normalizeH="0" baseline="0" dirty="0" err="1">
+                <a:ln>
+                  <a:noFill/>
+                </a:ln>
+                <a:solidFill>
+                  <a:srgbClr val="9876AA"/>
+                </a:solidFill>
+                <a:effectLst/>
+                <a:latin typeface="JetBrains Mono"/>
+              </a:rPr>
+              <a:t>itemsCollectionReference</a:t>
+            </a:r>
+            <a:r>
+              <a:rPr kumimoji="0" lang="hu-HU" altLang="hu-HU" sz="1200" b="0" i="0" u="none" strike="noStrike" cap="none" normalizeH="0" baseline="0" dirty="0">
+                <a:ln>
+                  <a:noFill/>
+                </a:ln>
+                <a:solidFill>
+                  <a:srgbClr val="9876AA"/>
+                </a:solidFill>
+                <a:effectLst/>
+                <a:latin typeface="JetBrains Mono"/>
+              </a:rPr>
+              <a:t> </a:t>
+            </a:r>
+            <a:r>
+              <a:rPr kumimoji="0" lang="hu-HU" altLang="hu-HU" sz="1200" b="0" i="0" u="none" strike="noStrike" cap="none" normalizeH="0" baseline="0" dirty="0">
+                <a:ln>
+                  <a:noFill/>
+                </a:ln>
+                <a:solidFill>
+                  <a:srgbClr val="A9B7C6"/>
+                </a:solidFill>
+                <a:effectLst/>
+                <a:latin typeface="JetBrains Mono"/>
+              </a:rPr>
+              <a:t>= </a:t>
+            </a:r>
+            <a:r>
+              <a:rPr kumimoji="0" lang="hu-HU" altLang="hu-HU" sz="1200" b="0" i="0" u="none" strike="noStrike" cap="none" normalizeH="0" baseline="0" dirty="0" err="1">
+                <a:ln>
+                  <a:noFill/>
+                </a:ln>
+                <a:solidFill>
+                  <a:srgbClr val="9876AA"/>
+                </a:solidFill>
+                <a:effectLst/>
+                <a:latin typeface="JetBrains Mono"/>
+              </a:rPr>
+              <a:t>firebaseDb</a:t>
+            </a:r>
+            <a:r>
+              <a:rPr kumimoji="0" lang="hu-HU" altLang="hu-HU" sz="1200" b="0" i="0" u="none" strike="noStrike" cap="none" normalizeH="0" baseline="0" dirty="0" err="1">
+                <a:ln>
+                  <a:noFill/>
+                </a:ln>
+                <a:solidFill>
+                  <a:srgbClr val="A9B7C6"/>
+                </a:solidFill>
+                <a:effectLst/>
+                <a:latin typeface="JetBrains Mono"/>
+              </a:rPr>
+              <a:t>.collection</a:t>
+            </a:r>
+            <a:r>
+              <a:rPr kumimoji="0" lang="hu-HU" altLang="hu-HU" sz="1200" b="0" i="0" u="none" strike="noStrike" cap="none" normalizeH="0" baseline="0" dirty="0">
+                <a:ln>
+                  <a:noFill/>
+                </a:ln>
+                <a:solidFill>
+                  <a:srgbClr val="A9B7C6"/>
+                </a:solidFill>
+                <a:effectLst/>
+                <a:latin typeface="JetBrains Mono"/>
+              </a:rPr>
+              <a:t>(</a:t>
+            </a:r>
+            <a:r>
+              <a:rPr kumimoji="0" lang="hu-HU" altLang="hu-HU" sz="1200" b="0" i="0" u="none" strike="noStrike" cap="none" normalizeH="0" baseline="0" dirty="0">
+                <a:ln>
+                  <a:noFill/>
+                </a:ln>
+                <a:solidFill>
+                  <a:srgbClr val="6A8759"/>
+                </a:solidFill>
+                <a:effectLst/>
+                <a:latin typeface="JetBrains Mono"/>
+              </a:rPr>
+              <a:t>"</a:t>
+            </a:r>
+            <a:r>
+              <a:rPr kumimoji="0" lang="hu-HU" altLang="hu-HU" sz="1200" b="0" i="0" u="none" strike="noStrike" cap="none" normalizeH="0" baseline="0" dirty="0" err="1">
+                <a:ln>
+                  <a:noFill/>
+                </a:ln>
+                <a:solidFill>
+                  <a:srgbClr val="6A8759"/>
+                </a:solidFill>
+                <a:effectLst/>
+                <a:latin typeface="JetBrains Mono"/>
+              </a:rPr>
+              <a:t>lists</a:t>
+            </a:r>
+            <a:r>
+              <a:rPr kumimoji="0" lang="hu-HU" altLang="hu-HU" sz="1200" b="0" i="0" u="none" strike="noStrike" cap="none" normalizeH="0" baseline="0" dirty="0">
+                <a:ln>
+                  <a:noFill/>
+                </a:ln>
+                <a:solidFill>
+                  <a:srgbClr val="6A8759"/>
+                </a:solidFill>
+                <a:effectLst/>
+                <a:latin typeface="JetBrains Mono"/>
+              </a:rPr>
+              <a:t>"</a:t>
+            </a:r>
+            <a:r>
+              <a:rPr kumimoji="0" lang="hu-HU" altLang="hu-HU" sz="1200" b="0" i="0" u="none" strike="noStrike" cap="none" normalizeH="0" baseline="0" dirty="0">
+                <a:ln>
+                  <a:noFill/>
+                </a:ln>
+                <a:solidFill>
+                  <a:srgbClr val="A9B7C6"/>
+                </a:solidFill>
+                <a:effectLst/>
+                <a:latin typeface="JetBrains Mono"/>
+              </a:rPr>
+              <a:t>).</a:t>
+            </a:r>
+            <a:r>
+              <a:rPr kumimoji="0" lang="hu-HU" altLang="hu-HU" sz="1200" b="0" i="0" u="none" strike="noStrike" cap="none" normalizeH="0" baseline="0" dirty="0" err="1">
+                <a:ln>
+                  <a:noFill/>
+                </a:ln>
+                <a:solidFill>
+                  <a:srgbClr val="A9B7C6"/>
+                </a:solidFill>
+                <a:effectLst/>
+                <a:latin typeface="JetBrains Mono"/>
+              </a:rPr>
+              <a:t>document</a:t>
+            </a:r>
+            <a:r>
+              <a:rPr kumimoji="0" lang="hu-HU" altLang="hu-HU" sz="1200" b="0" i="0" u="none" strike="noStrike" cap="none" normalizeH="0" baseline="0" dirty="0">
+                <a:ln>
+                  <a:noFill/>
+                </a:ln>
+                <a:solidFill>
+                  <a:srgbClr val="A9B7C6"/>
+                </a:solidFill>
+                <a:effectLst/>
+                <a:latin typeface="JetBrains Mono"/>
+              </a:rPr>
+              <a:t>(</a:t>
+            </a:r>
+            <a:r>
+              <a:rPr kumimoji="0" lang="hu-HU" altLang="hu-HU" sz="1200" b="0" i="0" u="none" strike="noStrike" cap="none" normalizeH="0" baseline="0" dirty="0" err="1">
+                <a:ln>
+                  <a:noFill/>
+                </a:ln>
+                <a:solidFill>
+                  <a:srgbClr val="A9B7C6"/>
+                </a:solidFill>
+                <a:effectLst/>
+                <a:latin typeface="JetBrains Mono"/>
+              </a:rPr>
+              <a:t>listId</a:t>
+            </a:r>
+            <a:r>
+              <a:rPr kumimoji="0" lang="hu-HU" altLang="hu-HU" sz="1200" b="0" i="0" u="none" strike="noStrike" cap="none" normalizeH="0" baseline="0" dirty="0">
+                <a:ln>
+                  <a:noFill/>
+                </a:ln>
+                <a:solidFill>
+                  <a:srgbClr val="A9B7C6"/>
+                </a:solidFill>
+                <a:effectLst/>
+                <a:latin typeface="JetBrains Mono"/>
+              </a:rPr>
+              <a:t>).</a:t>
+            </a:r>
+            <a:r>
+              <a:rPr kumimoji="0" lang="hu-HU" altLang="hu-HU" sz="1200" b="0" i="0" u="none" strike="noStrike" cap="none" normalizeH="0" baseline="0" dirty="0" err="1">
+                <a:ln>
+                  <a:noFill/>
+                </a:ln>
+                <a:solidFill>
+                  <a:srgbClr val="A9B7C6"/>
+                </a:solidFill>
+                <a:effectLst/>
+                <a:latin typeface="JetBrains Mono"/>
+              </a:rPr>
+              <a:t>collection</a:t>
+            </a:r>
+            <a:r>
+              <a:rPr kumimoji="0" lang="hu-HU" altLang="hu-HU" sz="1200" b="0" i="0" u="none" strike="noStrike" cap="none" normalizeH="0" baseline="0" dirty="0">
+                <a:ln>
+                  <a:noFill/>
+                </a:ln>
+                <a:solidFill>
+                  <a:srgbClr val="A9B7C6"/>
+                </a:solidFill>
+                <a:effectLst/>
+                <a:latin typeface="JetBrains Mono"/>
+              </a:rPr>
+              <a:t>(</a:t>
+            </a:r>
+            <a:r>
+              <a:rPr kumimoji="0" lang="hu-HU" altLang="hu-HU" sz="1200" b="0" i="0" u="none" strike="noStrike" cap="none" normalizeH="0" baseline="0" dirty="0">
+                <a:ln>
+                  <a:noFill/>
+                </a:ln>
+                <a:solidFill>
+                  <a:srgbClr val="6A8759"/>
+                </a:solidFill>
+                <a:effectLst/>
+                <a:latin typeface="JetBrains Mono"/>
+              </a:rPr>
+              <a:t>"</a:t>
+            </a:r>
+            <a:r>
+              <a:rPr kumimoji="0" lang="hu-HU" altLang="hu-HU" sz="1200" b="0" i="0" u="none" strike="noStrike" cap="none" normalizeH="0" baseline="0" dirty="0" err="1">
+                <a:ln>
+                  <a:noFill/>
+                </a:ln>
+                <a:solidFill>
+                  <a:srgbClr val="6A8759"/>
+                </a:solidFill>
+                <a:effectLst/>
+                <a:latin typeface="JetBrains Mono"/>
+              </a:rPr>
+              <a:t>items</a:t>
+            </a:r>
+            <a:r>
+              <a:rPr kumimoji="0" lang="hu-HU" altLang="hu-HU" sz="1200" b="0" i="0" u="none" strike="noStrike" cap="none" normalizeH="0" baseline="0" dirty="0">
+                <a:ln>
+                  <a:noFill/>
+                </a:ln>
+                <a:solidFill>
+                  <a:srgbClr val="6A8759"/>
+                </a:solidFill>
+                <a:effectLst/>
+                <a:latin typeface="JetBrains Mono"/>
+              </a:rPr>
+              <a:t>"</a:t>
+            </a:r>
+            <a:r>
+              <a:rPr kumimoji="0" lang="hu-HU" altLang="hu-HU" sz="1200" b="0" i="0" u="none" strike="noStrike" cap="none" normalizeH="0" baseline="0" dirty="0">
+                <a:ln>
+                  <a:noFill/>
+                </a:ln>
+                <a:solidFill>
+                  <a:srgbClr val="A9B7C6"/>
+                </a:solidFill>
+                <a:effectLst/>
+                <a:latin typeface="JetBrains Mono"/>
+              </a:rPr>
+              <a:t>)</a:t>
+            </a:r>
+          </a:p>
+          <a:p>
+            <a:pPr marL="0" marR="0" lvl="0" indent="0" algn="l" defTabSz="914400" rtl="0" eaLnBrk="0" fontAlgn="base" latinLnBrk="0" hangingPunct="0">
+              <a:lnSpc>
+                <a:spcPct val="100000"/>
+              </a:lnSpc>
+              <a:spcBef>
+                <a:spcPct val="0"/>
+              </a:spcBef>
+              <a:spcAft>
+                <a:spcPct val="0"/>
+              </a:spcAft>
+              <a:buClrTx/>
+              <a:buSzTx/>
+              <a:buFontTx/>
+              <a:buNone/>
+              <a:tabLst/>
+              <a:defRPr/>
+            </a:pPr>
+            <a:r>
+              <a:rPr kumimoji="0" lang="hu-HU" altLang="hu-HU" sz="1200" b="0" i="0" u="none" strike="noStrike" kern="1200" cap="none" spc="0" normalizeH="0" baseline="0" noProof="0" dirty="0">
+                <a:ln>
+                  <a:noFill/>
+                </a:ln>
+                <a:solidFill>
+                  <a:srgbClr val="CC7832"/>
+                </a:solidFill>
+                <a:effectLst/>
+                <a:uLnTx/>
+                <a:uFillTx/>
+                <a:latin typeface="JetBrains Mono"/>
+                <a:ea typeface="+mn-ea"/>
+                <a:cs typeface="+mn-cs"/>
+              </a:rPr>
+              <a:t>var </a:t>
+            </a:r>
+            <a:r>
+              <a:rPr kumimoji="0" lang="hu-HU" altLang="hu-HU" sz="1200" b="0" i="0" u="none" strike="noStrike" kern="1200" cap="none" spc="0" normalizeH="0" baseline="0" noProof="0" dirty="0" err="1">
+                <a:ln>
+                  <a:noFill/>
+                </a:ln>
+                <a:solidFill>
+                  <a:srgbClr val="9876AA"/>
+                </a:solidFill>
+                <a:effectLst/>
+                <a:uLnTx/>
+                <a:uFillTx/>
+                <a:latin typeface="JetBrains Mono"/>
+                <a:ea typeface="+mn-ea"/>
+                <a:cs typeface="+mn-cs"/>
+              </a:rPr>
+              <a:t>items</a:t>
+            </a:r>
+            <a:r>
+              <a:rPr kumimoji="0" lang="hu-HU" altLang="hu-HU" sz="1200" b="0" i="0" u="none" strike="noStrike" kern="1200" cap="none" spc="0" normalizeH="0" baseline="0" noProof="0" dirty="0">
+                <a:ln>
+                  <a:noFill/>
+                </a:ln>
+                <a:solidFill>
+                  <a:srgbClr val="A9B7C6"/>
+                </a:solidFill>
+                <a:effectLst/>
+                <a:uLnTx/>
+                <a:uFillTx/>
+                <a:latin typeface="JetBrains Mono"/>
+                <a:ea typeface="+mn-ea"/>
+                <a:cs typeface="+mn-cs"/>
+              </a:rPr>
+              <a:t>: </a:t>
+            </a:r>
+            <a:r>
+              <a:rPr kumimoji="0" lang="hu-HU" altLang="hu-HU" sz="1200" b="0" i="0" u="none" strike="noStrike" kern="1200" cap="none" spc="0" normalizeH="0" baseline="0" noProof="0" dirty="0" err="1">
+                <a:ln>
+                  <a:noFill/>
+                </a:ln>
+                <a:solidFill>
+                  <a:srgbClr val="A9B7C6"/>
+                </a:solidFill>
+                <a:effectLst/>
+                <a:uLnTx/>
+                <a:uFillTx/>
+                <a:latin typeface="JetBrains Mono"/>
+                <a:ea typeface="+mn-ea"/>
+                <a:cs typeface="+mn-cs"/>
+              </a:rPr>
+              <a:t>MutableLiveData</a:t>
+            </a:r>
+            <a:r>
+              <a:rPr kumimoji="0" lang="hu-HU" altLang="hu-HU" sz="1200" b="0" i="0" u="none" strike="noStrike" kern="1200" cap="none" spc="0" normalizeH="0" baseline="0" noProof="0" dirty="0">
+                <a:ln>
+                  <a:noFill/>
+                </a:ln>
+                <a:solidFill>
+                  <a:srgbClr val="A9B7C6"/>
+                </a:solidFill>
+                <a:effectLst/>
+                <a:uLnTx/>
+                <a:uFillTx/>
+                <a:latin typeface="JetBrains Mono"/>
+                <a:ea typeface="+mn-ea"/>
+                <a:cs typeface="+mn-cs"/>
+              </a:rPr>
+              <a:t>&lt;List&lt;</a:t>
+            </a:r>
+            <a:r>
+              <a:rPr kumimoji="0" lang="hu-HU" altLang="hu-HU" sz="1200" b="0" i="0" u="none" strike="noStrike" kern="1200" cap="none" spc="0" normalizeH="0" baseline="0" noProof="0" dirty="0" err="1">
+                <a:ln>
+                  <a:noFill/>
+                </a:ln>
+                <a:solidFill>
+                  <a:srgbClr val="A9B7C6"/>
+                </a:solidFill>
+                <a:effectLst/>
+                <a:uLnTx/>
+                <a:uFillTx/>
+                <a:latin typeface="JetBrains Mono"/>
+                <a:ea typeface="+mn-ea"/>
+                <a:cs typeface="+mn-cs"/>
+              </a:rPr>
+              <a:t>ShoppingItem</a:t>
+            </a:r>
+            <a:r>
+              <a:rPr kumimoji="0" lang="hu-HU" altLang="hu-HU" sz="1200" b="0" i="0" u="none" strike="noStrike" kern="1200" cap="none" spc="0" normalizeH="0" baseline="0" noProof="0" dirty="0">
+                <a:ln>
+                  <a:noFill/>
+                </a:ln>
+                <a:solidFill>
+                  <a:srgbClr val="A9B7C6"/>
+                </a:solidFill>
+                <a:effectLst/>
+                <a:uLnTx/>
+                <a:uFillTx/>
+                <a:latin typeface="JetBrains Mono"/>
+                <a:ea typeface="+mn-ea"/>
+                <a:cs typeface="+mn-cs"/>
+              </a:rPr>
+              <a:t>&gt;&gt; = </a:t>
+            </a:r>
+            <a:r>
+              <a:rPr kumimoji="0" lang="hu-HU" altLang="hu-HU" sz="1200" b="0" i="0" u="none" strike="noStrike" kern="1200" cap="none" spc="0" normalizeH="0" baseline="0" noProof="0" dirty="0" err="1">
+                <a:ln>
+                  <a:noFill/>
+                </a:ln>
+                <a:solidFill>
+                  <a:srgbClr val="A9B7C6"/>
+                </a:solidFill>
+                <a:effectLst/>
+                <a:uLnTx/>
+                <a:uFillTx/>
+                <a:latin typeface="JetBrains Mono"/>
+                <a:ea typeface="+mn-ea"/>
+                <a:cs typeface="+mn-cs"/>
+              </a:rPr>
+              <a:t>MutableLiveData</a:t>
+            </a:r>
+            <a:r>
+              <a:rPr kumimoji="0" lang="hu-HU" altLang="hu-HU" sz="1200" b="0" i="0" u="none" strike="noStrike" kern="1200" cap="none" spc="0" normalizeH="0" baseline="0" noProof="0" dirty="0">
+                <a:ln>
+                  <a:noFill/>
+                </a:ln>
+                <a:solidFill>
+                  <a:srgbClr val="A9B7C6"/>
+                </a:solidFill>
+                <a:effectLst/>
+                <a:uLnTx/>
+                <a:uFillTx/>
+                <a:latin typeface="JetBrains Mono"/>
+                <a:ea typeface="+mn-ea"/>
+                <a:cs typeface="+mn-cs"/>
+              </a:rPr>
+              <a:t>()</a:t>
+            </a:r>
+            <a:endParaRPr kumimoji="0" lang="hu-HU" altLang="hu-HU" sz="2800" b="0" i="0" u="none" strike="noStrike" cap="none" normalizeH="0" baseline="0" dirty="0">
+              <a:ln>
+                <a:noFill/>
+              </a:ln>
+              <a:solidFill>
+                <a:schemeClr val="tx1"/>
+              </a:solidFill>
+              <a:effectLst/>
+              <a:latin typeface="Arial" panose="020B0604020202020204" pitchFamily="34" charset="0"/>
+            </a:endParaRPr>
+          </a:p>
+          <a:p>
+            <a:pPr marL="0" marR="0" lvl="0" indent="0" algn="l" defTabSz="914400" rtl="0" eaLnBrk="0" fontAlgn="base" latinLnBrk="0" hangingPunct="0">
+              <a:lnSpc>
+                <a:spcPct val="100000"/>
+              </a:lnSpc>
+              <a:spcBef>
+                <a:spcPct val="0"/>
+              </a:spcBef>
+              <a:spcAft>
+                <a:spcPct val="0"/>
+              </a:spcAft>
+              <a:buClrTx/>
+              <a:buSzTx/>
+              <a:buFontTx/>
+              <a:buNone/>
+              <a:tabLst/>
+            </a:pPr>
+            <a:endParaRPr kumimoji="0" lang="hu-HU" altLang="hu-HU" sz="1200" b="0" i="0" u="none" strike="noStrike" cap="none" normalizeH="0" baseline="0" dirty="0">
+              <a:ln>
+                <a:noFill/>
+              </a:ln>
+              <a:solidFill>
+                <a:srgbClr val="CC7832"/>
+              </a:solidFill>
+              <a:effectLst/>
+              <a:latin typeface="JetBrains Mono"/>
+            </a:endParaRPr>
+          </a:p>
+          <a:p>
+            <a:pPr marL="0" marR="0" lvl="0" indent="0" algn="l" defTabSz="914400" rtl="0" eaLnBrk="0" fontAlgn="base" latinLnBrk="0" hangingPunct="0">
+              <a:lnSpc>
+                <a:spcPct val="100000"/>
+              </a:lnSpc>
+              <a:spcBef>
+                <a:spcPct val="0"/>
+              </a:spcBef>
+              <a:spcAft>
+                <a:spcPct val="0"/>
+              </a:spcAft>
+              <a:buClrTx/>
+              <a:buSzTx/>
+              <a:buFontTx/>
+              <a:buNone/>
+              <a:tabLst/>
+            </a:pPr>
+            <a:r>
+              <a:rPr kumimoji="0" lang="hu-HU" altLang="hu-HU" sz="1200" b="0" i="0" u="none" strike="noStrike" cap="none" normalizeH="0" baseline="0" dirty="0" err="1">
+                <a:ln>
+                  <a:noFill/>
+                </a:ln>
+                <a:solidFill>
+                  <a:srgbClr val="CC7832"/>
+                </a:solidFill>
+                <a:effectLst/>
+                <a:latin typeface="JetBrains Mono"/>
+              </a:rPr>
+              <a:t>private</a:t>
+            </a:r>
+            <a:r>
+              <a:rPr kumimoji="0" lang="hu-HU" altLang="hu-HU" sz="1200" b="0" i="0" u="none" strike="noStrike" cap="none" normalizeH="0" baseline="0" dirty="0">
+                <a:ln>
+                  <a:noFill/>
+                </a:ln>
+                <a:solidFill>
+                  <a:srgbClr val="CC7832"/>
+                </a:solidFill>
+                <a:effectLst/>
+                <a:latin typeface="JetBrains Mono"/>
+              </a:rPr>
+              <a:t> </a:t>
+            </a:r>
+            <a:r>
+              <a:rPr kumimoji="0" lang="hu-HU" altLang="hu-HU" sz="1200" b="0" i="0" u="none" strike="noStrike" cap="none" normalizeH="0" baseline="0" dirty="0" err="1">
+                <a:ln>
+                  <a:noFill/>
+                </a:ln>
+                <a:solidFill>
+                  <a:srgbClr val="CC7832"/>
+                </a:solidFill>
+                <a:effectLst/>
+                <a:latin typeface="JetBrains Mono"/>
+              </a:rPr>
+              <a:t>fun</a:t>
+            </a:r>
+            <a:r>
+              <a:rPr kumimoji="0" lang="hu-HU" altLang="hu-HU" sz="1200" b="0" i="0" u="none" strike="noStrike" cap="none" normalizeH="0" baseline="0" dirty="0">
+                <a:ln>
+                  <a:noFill/>
+                </a:ln>
+                <a:solidFill>
+                  <a:srgbClr val="CC7832"/>
+                </a:solidFill>
+                <a:effectLst/>
+                <a:latin typeface="JetBrains Mono"/>
+              </a:rPr>
+              <a:t> </a:t>
+            </a:r>
+            <a:r>
+              <a:rPr kumimoji="0" lang="hu-HU" altLang="hu-HU" sz="1200" b="0" i="0" u="none" strike="noStrike" cap="none" normalizeH="0" baseline="0" dirty="0" err="1">
+                <a:ln>
+                  <a:noFill/>
+                </a:ln>
+                <a:solidFill>
+                  <a:srgbClr val="FFC66D"/>
+                </a:solidFill>
+                <a:effectLst/>
+                <a:latin typeface="JetBrains Mono"/>
+              </a:rPr>
+              <a:t>listenToShoppingItems</a:t>
+            </a:r>
+            <a:r>
+              <a:rPr kumimoji="0" lang="hu-HU" altLang="hu-HU" sz="1200" b="0" i="0" u="none" strike="noStrike" cap="none" normalizeH="0" baseline="0" dirty="0">
+                <a:ln>
+                  <a:noFill/>
+                </a:ln>
+                <a:solidFill>
+                  <a:srgbClr val="A9B7C6"/>
+                </a:solidFill>
+                <a:effectLst/>
+                <a:latin typeface="JetBrains Mono"/>
+              </a:rPr>
+              <a:t>() {</a:t>
+            </a:r>
+            <a:br>
+              <a:rPr kumimoji="0" lang="hu-HU" altLang="hu-HU" sz="1200" b="0" i="0" u="none" strike="noStrike" cap="none" normalizeH="0" baseline="0" dirty="0">
+                <a:ln>
+                  <a:noFill/>
+                </a:ln>
+                <a:solidFill>
+                  <a:srgbClr val="A9B7C6"/>
+                </a:solidFill>
+                <a:effectLst/>
+                <a:latin typeface="JetBrains Mono"/>
+              </a:rPr>
+            </a:br>
+            <a:r>
+              <a:rPr kumimoji="0" lang="hu-HU" altLang="hu-HU" sz="1200" b="0" i="0" u="none" strike="noStrike" cap="none" normalizeH="0" baseline="0" dirty="0">
+                <a:ln>
+                  <a:noFill/>
+                </a:ln>
+                <a:solidFill>
+                  <a:srgbClr val="A9B7C6"/>
+                </a:solidFill>
+                <a:effectLst/>
+                <a:latin typeface="JetBrains Mono"/>
+              </a:rPr>
+              <a:t>    </a:t>
+            </a:r>
+            <a:r>
+              <a:rPr kumimoji="0" lang="hu-HU" altLang="hu-HU" sz="1200" b="0" i="0" u="none" strike="noStrike" cap="none" normalizeH="0" baseline="0" dirty="0" err="1">
+                <a:ln>
+                  <a:noFill/>
+                </a:ln>
+                <a:solidFill>
+                  <a:srgbClr val="9876AA"/>
+                </a:solidFill>
+                <a:effectLst/>
+                <a:latin typeface="JetBrains Mono"/>
+              </a:rPr>
+              <a:t>itemsCollectionReference</a:t>
+            </a:r>
+            <a:br>
+              <a:rPr kumimoji="0" lang="hu-HU" altLang="hu-HU" sz="1200" b="0" i="0" u="none" strike="noStrike" cap="none" normalizeH="0" baseline="0" dirty="0">
+                <a:ln>
+                  <a:noFill/>
+                </a:ln>
+                <a:solidFill>
+                  <a:srgbClr val="9876AA"/>
+                </a:solidFill>
+                <a:effectLst/>
+                <a:latin typeface="JetBrains Mono"/>
+              </a:rPr>
+            </a:br>
+            <a:r>
+              <a:rPr kumimoji="0" lang="hu-HU" altLang="hu-HU" sz="1200" b="0" i="0" u="none" strike="noStrike" cap="none" normalizeH="0" baseline="0" dirty="0">
+                <a:ln>
+                  <a:noFill/>
+                </a:ln>
+                <a:solidFill>
+                  <a:srgbClr val="9876AA"/>
+                </a:solidFill>
+                <a:effectLst/>
+                <a:latin typeface="JetBrains Mono"/>
+              </a:rPr>
+              <a:t>        </a:t>
+            </a:r>
+            <a:r>
+              <a:rPr kumimoji="0" lang="hu-HU" altLang="hu-HU" sz="1200" b="0" i="0" u="none" strike="noStrike" cap="none" normalizeH="0" baseline="0" dirty="0">
+                <a:ln>
+                  <a:noFill/>
+                </a:ln>
+                <a:solidFill>
+                  <a:srgbClr val="A9B7C6"/>
+                </a:solidFill>
+                <a:effectLst/>
+                <a:latin typeface="JetBrains Mono"/>
+              </a:rPr>
+              <a:t>.</a:t>
+            </a:r>
+            <a:r>
+              <a:rPr kumimoji="0" lang="hu-HU" altLang="hu-HU" sz="1200" b="0" i="0" u="none" strike="noStrike" cap="none" normalizeH="0" baseline="0" dirty="0" err="1">
+                <a:ln>
+                  <a:noFill/>
+                </a:ln>
+                <a:solidFill>
+                  <a:srgbClr val="A9B7C6"/>
+                </a:solidFill>
+                <a:effectLst/>
+                <a:latin typeface="JetBrains Mono"/>
+              </a:rPr>
+              <a:t>orderBy</a:t>
+            </a:r>
+            <a:r>
+              <a:rPr kumimoji="0" lang="hu-HU" altLang="hu-HU" sz="1200" b="0" i="0" u="none" strike="noStrike" cap="none" normalizeH="0" baseline="0" dirty="0">
+                <a:ln>
+                  <a:noFill/>
+                </a:ln>
+                <a:solidFill>
+                  <a:srgbClr val="A9B7C6"/>
+                </a:solidFill>
+                <a:effectLst/>
+                <a:latin typeface="JetBrains Mono"/>
+              </a:rPr>
+              <a:t>(</a:t>
+            </a:r>
+            <a:r>
+              <a:rPr kumimoji="0" lang="hu-HU" altLang="hu-HU" sz="1200" b="0" i="0" u="none" strike="noStrike" cap="none" normalizeH="0" baseline="0" dirty="0">
+                <a:ln>
+                  <a:noFill/>
+                </a:ln>
+                <a:solidFill>
+                  <a:srgbClr val="6A8759"/>
+                </a:solidFill>
+                <a:effectLst/>
+                <a:latin typeface="JetBrains Mono"/>
+              </a:rPr>
+              <a:t>"</a:t>
+            </a:r>
+            <a:r>
+              <a:rPr kumimoji="0" lang="hu-HU" altLang="hu-HU" sz="1200" b="0" i="0" u="none" strike="noStrike" cap="none" normalizeH="0" baseline="0" dirty="0" err="1">
+                <a:ln>
+                  <a:noFill/>
+                </a:ln>
+                <a:solidFill>
+                  <a:srgbClr val="6A8759"/>
+                </a:solidFill>
+                <a:effectLst/>
+                <a:latin typeface="JetBrains Mono"/>
+              </a:rPr>
+              <a:t>name</a:t>
+            </a:r>
+            <a:r>
+              <a:rPr kumimoji="0" lang="hu-HU" altLang="hu-HU" sz="1200" b="0" i="0" u="none" strike="noStrike" cap="none" normalizeH="0" baseline="0" dirty="0">
+                <a:ln>
+                  <a:noFill/>
+                </a:ln>
+                <a:solidFill>
+                  <a:srgbClr val="6A8759"/>
+                </a:solidFill>
+                <a:effectLst/>
+                <a:latin typeface="JetBrains Mono"/>
+              </a:rPr>
+              <a:t>"</a:t>
+            </a:r>
+            <a:r>
+              <a:rPr kumimoji="0" lang="hu-HU" altLang="hu-HU" sz="1200" b="0" i="0" u="none" strike="noStrike" cap="none" normalizeH="0" baseline="0" dirty="0">
+                <a:ln>
+                  <a:noFill/>
+                </a:ln>
+                <a:solidFill>
+                  <a:srgbClr val="A9B7C6"/>
+                </a:solidFill>
+                <a:effectLst/>
+                <a:latin typeface="JetBrains Mono"/>
+              </a:rPr>
+              <a:t>)</a:t>
+            </a:r>
+            <a:br>
+              <a:rPr kumimoji="0" lang="hu-HU" altLang="hu-HU" sz="1200" b="0" i="0" u="none" strike="noStrike" cap="none" normalizeH="0" baseline="0" dirty="0">
+                <a:ln>
+                  <a:noFill/>
+                </a:ln>
+                <a:solidFill>
+                  <a:srgbClr val="A9B7C6"/>
+                </a:solidFill>
+                <a:effectLst/>
+                <a:latin typeface="JetBrains Mono"/>
+              </a:rPr>
+            </a:br>
+            <a:r>
+              <a:rPr kumimoji="0" lang="hu-HU" altLang="hu-HU" sz="1200" b="0" i="0" u="none" strike="noStrike" cap="none" normalizeH="0" baseline="0" dirty="0">
+                <a:ln>
+                  <a:noFill/>
+                </a:ln>
+                <a:solidFill>
+                  <a:srgbClr val="A9B7C6"/>
+                </a:solidFill>
+                <a:effectLst/>
+                <a:latin typeface="JetBrains Mono"/>
+              </a:rPr>
+              <a:t>        .</a:t>
+            </a:r>
+            <a:r>
+              <a:rPr kumimoji="0" lang="hu-HU" altLang="hu-HU" sz="1200" b="0" i="0" u="none" strike="noStrike" cap="none" normalizeH="0" baseline="0" dirty="0" err="1">
+                <a:ln>
+                  <a:noFill/>
+                </a:ln>
+                <a:solidFill>
+                  <a:srgbClr val="A9B7C6"/>
+                </a:solidFill>
+                <a:effectLst/>
+                <a:latin typeface="JetBrains Mono"/>
+              </a:rPr>
+              <a:t>addSnapshotListener</a:t>
+            </a:r>
+            <a:r>
+              <a:rPr kumimoji="0" lang="hu-HU" altLang="hu-HU" sz="1200" b="0" i="0" u="none" strike="noStrike" cap="none" normalizeH="0" baseline="0" dirty="0">
+                <a:ln>
+                  <a:noFill/>
+                </a:ln>
+                <a:solidFill>
+                  <a:srgbClr val="A9B7C6"/>
+                </a:solidFill>
+                <a:effectLst/>
+                <a:latin typeface="JetBrains Mono"/>
+              </a:rPr>
+              <a:t>(</a:t>
+            </a:r>
+            <a:r>
+              <a:rPr kumimoji="0" lang="hu-HU" altLang="hu-HU" sz="1200" b="0" i="0" u="none" strike="noStrike" cap="none" normalizeH="0" baseline="0" dirty="0" err="1">
+                <a:ln>
+                  <a:noFill/>
+                </a:ln>
+                <a:solidFill>
+                  <a:srgbClr val="A9B7C6"/>
+                </a:solidFill>
+                <a:effectLst/>
+                <a:latin typeface="JetBrains Mono"/>
+              </a:rPr>
+              <a:t>MetadataChanges.</a:t>
+            </a:r>
+            <a:r>
+              <a:rPr kumimoji="0" lang="hu-HU" altLang="hu-HU" sz="1200" b="0" i="1" u="none" strike="noStrike" cap="none" normalizeH="0" baseline="0" dirty="0" err="1">
+                <a:ln>
+                  <a:noFill/>
+                </a:ln>
+                <a:solidFill>
+                  <a:srgbClr val="9876AA"/>
+                </a:solidFill>
+                <a:effectLst/>
+                <a:latin typeface="JetBrains Mono"/>
+              </a:rPr>
+              <a:t>INCLUDE</a:t>
+            </a:r>
+            <a:r>
+              <a:rPr kumimoji="0" lang="hu-HU" altLang="hu-HU" sz="1200" b="0" i="0" u="none" strike="noStrike" cap="none" normalizeH="0" baseline="0" dirty="0">
+                <a:ln>
+                  <a:noFill/>
+                </a:ln>
+                <a:solidFill>
+                  <a:srgbClr val="A9B7C6"/>
+                </a:solidFill>
+                <a:effectLst/>
+                <a:latin typeface="JetBrains Mono"/>
+              </a:rPr>
+              <a:t>) </a:t>
+            </a:r>
+            <a:r>
+              <a:rPr kumimoji="0" lang="hu-HU" altLang="hu-HU" sz="1200" b="1" i="0" u="none" strike="noStrike" cap="none" normalizeH="0" baseline="0" dirty="0">
+                <a:ln>
+                  <a:noFill/>
+                </a:ln>
+                <a:solidFill>
+                  <a:srgbClr val="A9B7C6"/>
+                </a:solidFill>
+                <a:effectLst/>
+                <a:latin typeface="JetBrains Mono"/>
+              </a:rPr>
+              <a:t>{ </a:t>
+            </a:r>
+            <a:r>
+              <a:rPr kumimoji="0" lang="hu-HU" altLang="hu-HU" sz="1200" b="0" i="0" u="none" strike="noStrike" cap="none" normalizeH="0" baseline="0" dirty="0" err="1">
+                <a:ln>
+                  <a:noFill/>
+                </a:ln>
+                <a:solidFill>
+                  <a:srgbClr val="A9B7C6"/>
+                </a:solidFill>
+                <a:effectLst/>
+                <a:latin typeface="JetBrains Mono"/>
+              </a:rPr>
+              <a:t>value</a:t>
+            </a:r>
+            <a:r>
+              <a:rPr kumimoji="0" lang="hu-HU" altLang="hu-HU" sz="1200" b="0" i="0" u="none" strike="noStrike" cap="none" normalizeH="0" baseline="0" dirty="0">
+                <a:ln>
+                  <a:noFill/>
+                </a:ln>
+                <a:solidFill>
+                  <a:srgbClr val="CC7832"/>
+                </a:solidFill>
+                <a:effectLst/>
+                <a:latin typeface="JetBrains Mono"/>
+              </a:rPr>
+              <a:t>, </a:t>
+            </a:r>
+            <a:r>
+              <a:rPr kumimoji="0" lang="hu-HU" altLang="hu-HU" sz="1200" b="0" i="0" u="none" strike="noStrike" cap="none" normalizeH="0" baseline="0" dirty="0" err="1">
+                <a:ln>
+                  <a:noFill/>
+                </a:ln>
+                <a:solidFill>
+                  <a:srgbClr val="A9B7C6"/>
+                </a:solidFill>
+                <a:effectLst/>
+                <a:latin typeface="JetBrains Mono"/>
+              </a:rPr>
+              <a:t>error</a:t>
+            </a:r>
+            <a:r>
+              <a:rPr kumimoji="0" lang="hu-HU" altLang="hu-HU" sz="1200" b="0" i="0" u="none" strike="noStrike" cap="none" normalizeH="0" baseline="0" dirty="0">
+                <a:ln>
+                  <a:noFill/>
+                </a:ln>
+                <a:solidFill>
+                  <a:srgbClr val="A9B7C6"/>
+                </a:solidFill>
+                <a:effectLst/>
+                <a:latin typeface="JetBrains Mono"/>
+              </a:rPr>
+              <a:t> </a:t>
+            </a:r>
+            <a:r>
+              <a:rPr kumimoji="0" lang="hu-HU" altLang="hu-HU" sz="1200" b="1" i="0" u="none" strike="noStrike" cap="none" normalizeH="0" baseline="0" dirty="0">
+                <a:ln>
+                  <a:noFill/>
+                </a:ln>
+                <a:solidFill>
+                  <a:srgbClr val="A9B7C6"/>
+                </a:solidFill>
+                <a:effectLst/>
+                <a:latin typeface="JetBrains Mono"/>
+              </a:rPr>
+              <a:t>-&gt;</a:t>
+            </a:r>
+            <a:br>
+              <a:rPr kumimoji="0" lang="hu-HU" altLang="hu-HU" sz="1200" b="1" i="0" u="none" strike="noStrike" cap="none" normalizeH="0" baseline="0" dirty="0">
+                <a:ln>
+                  <a:noFill/>
+                </a:ln>
+                <a:solidFill>
+                  <a:srgbClr val="A9B7C6"/>
+                </a:solidFill>
+                <a:effectLst/>
+                <a:latin typeface="JetBrains Mono"/>
+              </a:rPr>
+            </a:br>
+            <a:r>
+              <a:rPr kumimoji="0" lang="hu-HU" altLang="hu-HU" sz="1200" b="1" i="0" u="none" strike="noStrike" cap="none" normalizeH="0" baseline="0" dirty="0">
+                <a:ln>
+                  <a:noFill/>
+                </a:ln>
+                <a:solidFill>
+                  <a:srgbClr val="A9B7C6"/>
+                </a:solidFill>
+                <a:effectLst/>
+                <a:latin typeface="JetBrains Mono"/>
+              </a:rPr>
+              <a:t>            </a:t>
+            </a:r>
+            <a:r>
+              <a:rPr kumimoji="0" lang="hu-HU" altLang="hu-HU" sz="1200" b="0" i="0" u="none" strike="noStrike" cap="none" normalizeH="0" baseline="0" dirty="0" err="1">
+                <a:ln>
+                  <a:noFill/>
+                </a:ln>
+                <a:solidFill>
+                  <a:srgbClr val="CC7832"/>
+                </a:solidFill>
+                <a:effectLst/>
+                <a:latin typeface="JetBrains Mono"/>
+              </a:rPr>
+              <a:t>if</a:t>
+            </a:r>
+            <a:r>
+              <a:rPr kumimoji="0" lang="hu-HU" altLang="hu-HU" sz="1200" b="0" i="0" u="none" strike="noStrike" cap="none" normalizeH="0" baseline="0" dirty="0">
+                <a:ln>
+                  <a:noFill/>
+                </a:ln>
+                <a:solidFill>
+                  <a:srgbClr val="CC7832"/>
+                </a:solidFill>
+                <a:effectLst/>
+                <a:latin typeface="JetBrains Mono"/>
+              </a:rPr>
+              <a:t> </a:t>
+            </a:r>
+            <a:r>
+              <a:rPr kumimoji="0" lang="hu-HU" altLang="hu-HU" sz="1200" b="0" i="0" u="none" strike="noStrike" cap="none" normalizeH="0" baseline="0" dirty="0">
+                <a:ln>
+                  <a:noFill/>
+                </a:ln>
+                <a:solidFill>
+                  <a:srgbClr val="A9B7C6"/>
+                </a:solidFill>
+                <a:effectLst/>
+                <a:latin typeface="JetBrains Mono"/>
+              </a:rPr>
+              <a:t>(</a:t>
+            </a:r>
+            <a:r>
+              <a:rPr kumimoji="0" lang="hu-HU" altLang="hu-HU" sz="1200" b="0" i="0" u="none" strike="noStrike" cap="none" normalizeH="0" baseline="0" dirty="0" err="1">
+                <a:ln>
+                  <a:noFill/>
+                </a:ln>
+                <a:solidFill>
+                  <a:srgbClr val="A9B7C6"/>
+                </a:solidFill>
+                <a:effectLst/>
+                <a:latin typeface="JetBrains Mono"/>
+              </a:rPr>
+              <a:t>error</a:t>
+            </a:r>
+            <a:r>
+              <a:rPr kumimoji="0" lang="hu-HU" altLang="hu-HU" sz="1200" b="0" i="0" u="none" strike="noStrike" cap="none" normalizeH="0" baseline="0" dirty="0">
+                <a:ln>
+                  <a:noFill/>
+                </a:ln>
+                <a:solidFill>
+                  <a:srgbClr val="A9B7C6"/>
+                </a:solidFill>
+                <a:effectLst/>
+                <a:latin typeface="JetBrains Mono"/>
+              </a:rPr>
+              <a:t> != </a:t>
+            </a:r>
+            <a:r>
+              <a:rPr kumimoji="0" lang="hu-HU" altLang="hu-HU" sz="1200" b="0" i="0" u="none" strike="noStrike" cap="none" normalizeH="0" baseline="0" dirty="0">
+                <a:ln>
+                  <a:noFill/>
+                </a:ln>
+                <a:solidFill>
+                  <a:srgbClr val="CC7832"/>
+                </a:solidFill>
+                <a:effectLst/>
+                <a:latin typeface="JetBrains Mono"/>
+              </a:rPr>
+              <a:t>null</a:t>
+            </a:r>
+            <a:r>
+              <a:rPr kumimoji="0" lang="hu-HU" altLang="hu-HU" sz="1200" b="0" i="0" u="none" strike="noStrike" cap="none" normalizeH="0" baseline="0" dirty="0">
+                <a:ln>
+                  <a:noFill/>
+                </a:ln>
+                <a:solidFill>
+                  <a:srgbClr val="A9B7C6"/>
+                </a:solidFill>
+                <a:effectLst/>
+                <a:latin typeface="JetBrains Mono"/>
+              </a:rPr>
+              <a:t>) {</a:t>
+            </a:r>
+            <a:br>
+              <a:rPr kumimoji="0" lang="hu-HU" altLang="hu-HU" sz="1200" b="0" i="0" u="none" strike="noStrike" cap="none" normalizeH="0" baseline="0" dirty="0">
+                <a:ln>
+                  <a:noFill/>
+                </a:ln>
+                <a:solidFill>
+                  <a:srgbClr val="A9B7C6"/>
+                </a:solidFill>
+                <a:effectLst/>
+                <a:latin typeface="JetBrains Mono"/>
+              </a:rPr>
+            </a:br>
+            <a:r>
+              <a:rPr kumimoji="0" lang="hu-HU" altLang="hu-HU" sz="1200" b="0" i="0" u="none" strike="noStrike" cap="none" normalizeH="0" baseline="0" dirty="0">
+                <a:ln>
+                  <a:noFill/>
+                </a:ln>
+                <a:solidFill>
+                  <a:srgbClr val="A9B7C6"/>
+                </a:solidFill>
+                <a:effectLst/>
+                <a:latin typeface="JetBrains Mono"/>
+              </a:rPr>
+              <a:t>                </a:t>
+            </a:r>
+            <a:r>
+              <a:rPr kumimoji="0" lang="hu-HU" altLang="hu-HU" sz="1200" b="0" i="0" u="none" strike="noStrike" cap="none" normalizeH="0" baseline="0" dirty="0" err="1">
+                <a:ln>
+                  <a:noFill/>
+                </a:ln>
+                <a:solidFill>
+                  <a:srgbClr val="9876AA"/>
+                </a:solidFill>
+                <a:effectLst/>
+                <a:latin typeface="JetBrains Mono"/>
+              </a:rPr>
+              <a:t>items</a:t>
+            </a:r>
+            <a:r>
+              <a:rPr kumimoji="0" lang="hu-HU" altLang="hu-HU" sz="1200" b="0" i="0" u="none" strike="noStrike" cap="none" normalizeH="0" baseline="0" dirty="0" err="1">
+                <a:ln>
+                  <a:noFill/>
+                </a:ln>
+                <a:solidFill>
+                  <a:srgbClr val="A9B7C6"/>
+                </a:solidFill>
+                <a:effectLst/>
+                <a:latin typeface="JetBrains Mono"/>
+              </a:rPr>
+              <a:t>.</a:t>
+            </a:r>
+            <a:r>
+              <a:rPr kumimoji="0" lang="hu-HU" altLang="hu-HU" sz="1200" b="0" i="1" u="none" strike="noStrike" cap="none" normalizeH="0" baseline="0" dirty="0" err="1">
+                <a:ln>
+                  <a:noFill/>
+                </a:ln>
+                <a:solidFill>
+                  <a:srgbClr val="9876AA"/>
+                </a:solidFill>
+                <a:effectLst/>
+                <a:latin typeface="JetBrains Mono"/>
+              </a:rPr>
+              <a:t>value</a:t>
+            </a:r>
+            <a:r>
+              <a:rPr kumimoji="0" lang="hu-HU" altLang="hu-HU" sz="1200" b="0" i="1" u="none" strike="noStrike" cap="none" normalizeH="0" baseline="0" dirty="0">
+                <a:ln>
+                  <a:noFill/>
+                </a:ln>
+                <a:solidFill>
+                  <a:srgbClr val="9876AA"/>
+                </a:solidFill>
+                <a:effectLst/>
+                <a:latin typeface="JetBrains Mono"/>
+              </a:rPr>
+              <a:t> </a:t>
+            </a:r>
+            <a:r>
+              <a:rPr kumimoji="0" lang="hu-HU" altLang="hu-HU" sz="1200" b="0" i="0" u="none" strike="noStrike" cap="none" normalizeH="0" baseline="0" dirty="0">
+                <a:ln>
+                  <a:noFill/>
+                </a:ln>
+                <a:solidFill>
+                  <a:srgbClr val="A9B7C6"/>
+                </a:solidFill>
+                <a:effectLst/>
+                <a:latin typeface="JetBrains Mono"/>
+              </a:rPr>
+              <a:t>= </a:t>
+            </a:r>
+            <a:r>
+              <a:rPr kumimoji="0" lang="hu-HU" altLang="hu-HU" sz="1200" b="0" i="0" u="none" strike="noStrike" cap="none" normalizeH="0" baseline="0" dirty="0">
+                <a:ln>
+                  <a:noFill/>
+                </a:ln>
+                <a:solidFill>
+                  <a:srgbClr val="CC7832"/>
+                </a:solidFill>
+                <a:effectLst/>
+                <a:latin typeface="JetBrains Mono"/>
+              </a:rPr>
+              <a:t>null</a:t>
+            </a:r>
+            <a:br>
+              <a:rPr kumimoji="0" lang="hu-HU" altLang="hu-HU" sz="1200" b="0" i="0" u="none" strike="noStrike" cap="none" normalizeH="0" baseline="0" dirty="0">
+                <a:ln>
+                  <a:noFill/>
+                </a:ln>
+                <a:solidFill>
+                  <a:srgbClr val="CC7832"/>
+                </a:solidFill>
+                <a:effectLst/>
+                <a:latin typeface="JetBrains Mono"/>
+              </a:rPr>
+            </a:br>
+            <a:r>
+              <a:rPr kumimoji="0" lang="hu-HU" altLang="hu-HU" sz="1200" b="0" i="0" u="none" strike="noStrike" cap="none" normalizeH="0" baseline="0" dirty="0">
+                <a:ln>
+                  <a:noFill/>
+                </a:ln>
+                <a:solidFill>
+                  <a:srgbClr val="CC7832"/>
+                </a:solidFill>
+                <a:effectLst/>
+                <a:latin typeface="JetBrains Mono"/>
+              </a:rPr>
+              <a:t>                </a:t>
+            </a:r>
+            <a:r>
+              <a:rPr kumimoji="0" lang="hu-HU" altLang="hu-HU" sz="1200" b="0" i="0" u="none" strike="noStrike" cap="none" normalizeH="0" baseline="0" dirty="0" err="1">
+                <a:ln>
+                  <a:noFill/>
+                </a:ln>
+                <a:solidFill>
+                  <a:srgbClr val="CC7832"/>
+                </a:solidFill>
+                <a:effectLst/>
+                <a:latin typeface="JetBrains Mono"/>
+              </a:rPr>
+              <a:t>return</a:t>
+            </a:r>
+            <a:r>
+              <a:rPr kumimoji="0" lang="hu-HU" altLang="hu-HU" sz="1200" b="0" i="0" u="none" strike="noStrike" cap="none" normalizeH="0" baseline="0" dirty="0" err="1">
+                <a:ln>
+                  <a:noFill/>
+                </a:ln>
+                <a:solidFill>
+                  <a:srgbClr val="467CDA"/>
+                </a:solidFill>
+                <a:effectLst/>
+                <a:latin typeface="JetBrains Mono"/>
+              </a:rPr>
+              <a:t>@addSnapshotListener</a:t>
+            </a:r>
+            <a:br>
+              <a:rPr kumimoji="0" lang="hu-HU" altLang="hu-HU" sz="1200" b="0" i="0" u="none" strike="noStrike" cap="none" normalizeH="0" baseline="0" dirty="0">
+                <a:ln>
+                  <a:noFill/>
+                </a:ln>
+                <a:solidFill>
+                  <a:srgbClr val="467CDA"/>
+                </a:solidFill>
+                <a:effectLst/>
+                <a:latin typeface="JetBrains Mono"/>
+              </a:rPr>
+            </a:br>
+            <a:r>
+              <a:rPr kumimoji="0" lang="hu-HU" altLang="hu-HU" sz="1200" b="0" i="0" u="none" strike="noStrike" cap="none" normalizeH="0" baseline="0" dirty="0">
+                <a:ln>
+                  <a:noFill/>
+                </a:ln>
+                <a:solidFill>
+                  <a:srgbClr val="467CDA"/>
+                </a:solidFill>
+                <a:effectLst/>
+                <a:latin typeface="JetBrains Mono"/>
+              </a:rPr>
+              <a:t>            </a:t>
+            </a:r>
+            <a:r>
+              <a:rPr kumimoji="0" lang="hu-HU" altLang="hu-HU" sz="1200" b="0" i="0" u="none" strike="noStrike" cap="none" normalizeH="0" baseline="0" dirty="0">
+                <a:ln>
+                  <a:noFill/>
+                </a:ln>
+                <a:solidFill>
+                  <a:srgbClr val="A9B7C6"/>
+                </a:solidFill>
+                <a:effectLst/>
+                <a:latin typeface="JetBrains Mono"/>
+              </a:rPr>
+              <a:t>}</a:t>
+            </a:r>
+            <a:br>
+              <a:rPr kumimoji="0" lang="hu-HU" altLang="hu-HU" sz="1200" b="0" i="0" u="none" strike="noStrike" cap="none" normalizeH="0" baseline="0" dirty="0">
+                <a:ln>
+                  <a:noFill/>
+                </a:ln>
+                <a:solidFill>
+                  <a:srgbClr val="A9B7C6"/>
+                </a:solidFill>
+                <a:effectLst/>
+                <a:latin typeface="JetBrains Mono"/>
+              </a:rPr>
+            </a:br>
+            <a:br>
+              <a:rPr kumimoji="0" lang="hu-HU" altLang="hu-HU" sz="1200" b="0" i="0" u="none" strike="noStrike" cap="none" normalizeH="0" baseline="0" dirty="0">
+                <a:ln>
+                  <a:noFill/>
+                </a:ln>
+                <a:solidFill>
+                  <a:srgbClr val="A9B7C6"/>
+                </a:solidFill>
+                <a:effectLst/>
+                <a:latin typeface="JetBrains Mono"/>
+              </a:rPr>
+            </a:br>
+            <a:r>
+              <a:rPr kumimoji="0" lang="hu-HU" altLang="hu-HU" sz="1200" b="0" i="0" u="none" strike="noStrike" cap="none" normalizeH="0" baseline="0" dirty="0">
+                <a:ln>
+                  <a:noFill/>
+                </a:ln>
+                <a:solidFill>
+                  <a:srgbClr val="A9B7C6"/>
+                </a:solidFill>
+                <a:effectLst/>
+                <a:latin typeface="JetBrains Mono"/>
+              </a:rPr>
+              <a:t>            </a:t>
+            </a:r>
+            <a:r>
+              <a:rPr kumimoji="0" lang="hu-HU" altLang="hu-HU" sz="1200" b="0" i="0" u="none" strike="noStrike" cap="none" normalizeH="0" baseline="0" dirty="0" err="1">
+                <a:ln>
+                  <a:noFill/>
+                </a:ln>
+                <a:solidFill>
+                  <a:srgbClr val="CC7832"/>
+                </a:solidFill>
+                <a:effectLst/>
+                <a:latin typeface="JetBrains Mono"/>
+              </a:rPr>
+              <a:t>if</a:t>
+            </a:r>
+            <a:r>
+              <a:rPr kumimoji="0" lang="hu-HU" altLang="hu-HU" sz="1200" b="0" i="0" u="none" strike="noStrike" cap="none" normalizeH="0" baseline="0" dirty="0">
+                <a:ln>
+                  <a:noFill/>
+                </a:ln>
+                <a:solidFill>
+                  <a:srgbClr val="CC7832"/>
+                </a:solidFill>
+                <a:effectLst/>
+                <a:latin typeface="JetBrains Mono"/>
+              </a:rPr>
+              <a:t> </a:t>
+            </a:r>
+            <a:r>
+              <a:rPr kumimoji="0" lang="hu-HU" altLang="hu-HU" sz="1200" b="0" i="0" u="none" strike="noStrike" cap="none" normalizeH="0" baseline="0" dirty="0">
+                <a:ln>
+                  <a:noFill/>
+                </a:ln>
+                <a:solidFill>
+                  <a:srgbClr val="A9B7C6"/>
+                </a:solidFill>
+                <a:effectLst/>
+                <a:latin typeface="JetBrains Mono"/>
+              </a:rPr>
+              <a:t>(</a:t>
+            </a:r>
+            <a:r>
+              <a:rPr kumimoji="0" lang="hu-HU" altLang="hu-HU" sz="1200" b="0" i="0" u="none" strike="noStrike" cap="none" normalizeH="0" baseline="0" dirty="0" err="1">
+                <a:ln>
+                  <a:noFill/>
+                </a:ln>
+                <a:solidFill>
+                  <a:srgbClr val="A9B7C6"/>
+                </a:solidFill>
+                <a:effectLst/>
+                <a:latin typeface="JetBrains Mono"/>
+              </a:rPr>
+              <a:t>value</a:t>
+            </a:r>
+            <a:r>
+              <a:rPr kumimoji="0" lang="hu-HU" altLang="hu-HU" sz="1200" b="0" i="0" u="none" strike="noStrike" cap="none" normalizeH="0" baseline="0" dirty="0">
+                <a:ln>
+                  <a:noFill/>
+                </a:ln>
+                <a:solidFill>
+                  <a:srgbClr val="A9B7C6"/>
+                </a:solidFill>
+                <a:effectLst/>
+                <a:latin typeface="JetBrains Mono"/>
+              </a:rPr>
+              <a:t> != </a:t>
+            </a:r>
+            <a:r>
+              <a:rPr kumimoji="0" lang="hu-HU" altLang="hu-HU" sz="1200" b="0" i="0" u="none" strike="noStrike" cap="none" normalizeH="0" baseline="0" dirty="0">
+                <a:ln>
+                  <a:noFill/>
+                </a:ln>
+                <a:solidFill>
+                  <a:srgbClr val="CC7832"/>
+                </a:solidFill>
+                <a:effectLst/>
+                <a:latin typeface="JetBrains Mono"/>
+              </a:rPr>
+              <a:t>null</a:t>
+            </a:r>
+            <a:r>
+              <a:rPr kumimoji="0" lang="hu-HU" altLang="hu-HU" sz="1200" b="0" i="0" u="none" strike="noStrike" cap="none" normalizeH="0" baseline="0" dirty="0">
+                <a:ln>
+                  <a:noFill/>
+                </a:ln>
+                <a:solidFill>
+                  <a:srgbClr val="A9B7C6"/>
+                </a:solidFill>
+                <a:effectLst/>
+                <a:latin typeface="JetBrains Mono"/>
+              </a:rPr>
+              <a:t>) {</a:t>
+            </a:r>
+            <a:br>
+              <a:rPr kumimoji="0" lang="hu-HU" altLang="hu-HU" sz="1200" b="0" i="0" u="none" strike="noStrike" cap="none" normalizeH="0" baseline="0" dirty="0">
+                <a:ln>
+                  <a:noFill/>
+                </a:ln>
+                <a:solidFill>
+                  <a:srgbClr val="A9B7C6"/>
+                </a:solidFill>
+                <a:effectLst/>
+                <a:latin typeface="JetBrains Mono"/>
+              </a:rPr>
+            </a:br>
+            <a:r>
+              <a:rPr kumimoji="0" lang="hu-HU" altLang="hu-HU" sz="1200" b="0" i="0" u="none" strike="noStrike" cap="none" normalizeH="0" baseline="0" dirty="0">
+                <a:ln>
+                  <a:noFill/>
+                </a:ln>
+                <a:solidFill>
+                  <a:srgbClr val="A9B7C6"/>
+                </a:solidFill>
+                <a:effectLst/>
+                <a:latin typeface="JetBrains Mono"/>
+              </a:rPr>
+              <a:t>                </a:t>
+            </a:r>
+            <a:r>
+              <a:rPr kumimoji="0" lang="hu-HU" altLang="hu-HU" sz="1200" b="0" i="0" u="none" strike="noStrike" cap="none" normalizeH="0" baseline="0" dirty="0" err="1">
+                <a:ln>
+                  <a:noFill/>
+                </a:ln>
+                <a:solidFill>
+                  <a:srgbClr val="CC7832"/>
+                </a:solidFill>
+                <a:effectLst/>
+                <a:latin typeface="JetBrains Mono"/>
+              </a:rPr>
+              <a:t>val</a:t>
+            </a:r>
+            <a:r>
+              <a:rPr kumimoji="0" lang="hu-HU" altLang="hu-HU" sz="1200" b="0" i="0" u="none" strike="noStrike" cap="none" normalizeH="0" baseline="0" dirty="0">
+                <a:ln>
+                  <a:noFill/>
+                </a:ln>
+                <a:solidFill>
+                  <a:srgbClr val="CC7832"/>
+                </a:solidFill>
+                <a:effectLst/>
+                <a:latin typeface="JetBrains Mono"/>
+              </a:rPr>
+              <a:t> </a:t>
+            </a:r>
+            <a:r>
+              <a:rPr kumimoji="0" lang="hu-HU" altLang="hu-HU" sz="1200" b="0" i="0" u="none" strike="noStrike" cap="none" normalizeH="0" baseline="0" dirty="0" err="1">
+                <a:ln>
+                  <a:noFill/>
+                </a:ln>
+                <a:solidFill>
+                  <a:srgbClr val="A9B7C6"/>
+                </a:solidFill>
+                <a:effectLst/>
+                <a:latin typeface="JetBrains Mono"/>
+              </a:rPr>
+              <a:t>itemList</a:t>
+            </a:r>
+            <a:r>
+              <a:rPr kumimoji="0" lang="hu-HU" altLang="hu-HU" sz="1200" b="0" i="0" u="none" strike="noStrike" cap="none" normalizeH="0" baseline="0" dirty="0">
+                <a:ln>
+                  <a:noFill/>
+                </a:ln>
+                <a:solidFill>
+                  <a:srgbClr val="A9B7C6"/>
+                </a:solidFill>
+                <a:effectLst/>
+                <a:latin typeface="JetBrains Mono"/>
+              </a:rPr>
+              <a:t>: </a:t>
+            </a:r>
+            <a:r>
+              <a:rPr kumimoji="0" lang="hu-HU" altLang="hu-HU" sz="1200" b="0" i="0" u="none" strike="noStrike" cap="none" normalizeH="0" baseline="0" dirty="0" err="1">
+                <a:ln>
+                  <a:noFill/>
+                </a:ln>
+                <a:solidFill>
+                  <a:srgbClr val="A9B7C6"/>
+                </a:solidFill>
+                <a:effectLst/>
+                <a:latin typeface="JetBrains Mono"/>
+              </a:rPr>
+              <a:t>MutableList</a:t>
+            </a:r>
+            <a:r>
+              <a:rPr kumimoji="0" lang="hu-HU" altLang="hu-HU" sz="1200" b="0" i="0" u="none" strike="noStrike" cap="none" normalizeH="0" baseline="0" dirty="0">
+                <a:ln>
+                  <a:noFill/>
+                </a:ln>
+                <a:solidFill>
+                  <a:srgbClr val="A9B7C6"/>
+                </a:solidFill>
+                <a:effectLst/>
+                <a:latin typeface="JetBrains Mono"/>
+              </a:rPr>
+              <a:t>&lt;</a:t>
+            </a:r>
+            <a:r>
+              <a:rPr kumimoji="0" lang="hu-HU" altLang="hu-HU" sz="1200" b="0" i="0" u="none" strike="noStrike" cap="none" normalizeH="0" baseline="0" dirty="0" err="1">
+                <a:ln>
+                  <a:noFill/>
+                </a:ln>
+                <a:solidFill>
+                  <a:srgbClr val="A9B7C6"/>
+                </a:solidFill>
+                <a:effectLst/>
+                <a:latin typeface="JetBrains Mono"/>
+              </a:rPr>
+              <a:t>ShoppingItem</a:t>
+            </a:r>
+            <a:r>
+              <a:rPr kumimoji="0" lang="hu-HU" altLang="hu-HU" sz="1200" b="0" i="0" u="none" strike="noStrike" cap="none" normalizeH="0" baseline="0" dirty="0">
+                <a:ln>
+                  <a:noFill/>
+                </a:ln>
+                <a:solidFill>
+                  <a:srgbClr val="A9B7C6"/>
+                </a:solidFill>
+                <a:effectLst/>
+                <a:latin typeface="JetBrains Mono"/>
+              </a:rPr>
+              <a:t>&gt; = </a:t>
+            </a:r>
+            <a:r>
+              <a:rPr kumimoji="0" lang="hu-HU" altLang="hu-HU" sz="1200" b="0" i="1" u="none" strike="noStrike" cap="none" normalizeH="0" baseline="0" dirty="0" err="1">
+                <a:ln>
+                  <a:noFill/>
+                </a:ln>
+                <a:solidFill>
+                  <a:srgbClr val="A9B7C6"/>
+                </a:solidFill>
+                <a:effectLst/>
+                <a:latin typeface="JetBrains Mono"/>
+              </a:rPr>
+              <a:t>mutableListOf</a:t>
+            </a:r>
+            <a:r>
+              <a:rPr kumimoji="0" lang="hu-HU" altLang="hu-HU" sz="1200" b="0" i="0" u="none" strike="noStrike" cap="none" normalizeH="0" baseline="0" dirty="0">
+                <a:ln>
+                  <a:noFill/>
+                </a:ln>
+                <a:solidFill>
+                  <a:srgbClr val="A9B7C6"/>
+                </a:solidFill>
+                <a:effectLst/>
+                <a:latin typeface="JetBrains Mono"/>
+              </a:rPr>
+              <a:t>()</a:t>
+            </a:r>
+            <a:br>
+              <a:rPr kumimoji="0" lang="hu-HU" altLang="hu-HU" sz="1200" b="0" i="0" u="none" strike="noStrike" cap="none" normalizeH="0" baseline="0" dirty="0">
+                <a:ln>
+                  <a:noFill/>
+                </a:ln>
+                <a:solidFill>
+                  <a:srgbClr val="A9B7C6"/>
+                </a:solidFill>
+                <a:effectLst/>
+                <a:latin typeface="JetBrains Mono"/>
+              </a:rPr>
+            </a:br>
+            <a:br>
+              <a:rPr kumimoji="0" lang="hu-HU" altLang="hu-HU" sz="1200" b="0" i="0" u="none" strike="noStrike" cap="none" normalizeH="0" baseline="0" dirty="0">
+                <a:ln>
+                  <a:noFill/>
+                </a:ln>
+                <a:solidFill>
+                  <a:srgbClr val="A9B7C6"/>
+                </a:solidFill>
+                <a:effectLst/>
+                <a:latin typeface="JetBrains Mono"/>
+              </a:rPr>
+            </a:br>
+            <a:r>
+              <a:rPr kumimoji="0" lang="hu-HU" altLang="hu-HU" sz="1200" b="0" i="0" u="none" strike="noStrike" cap="none" normalizeH="0" baseline="0" dirty="0">
+                <a:ln>
+                  <a:noFill/>
+                </a:ln>
+                <a:solidFill>
+                  <a:srgbClr val="A9B7C6"/>
+                </a:solidFill>
+                <a:effectLst/>
+                <a:latin typeface="JetBrains Mono"/>
+              </a:rPr>
+              <a:t>                </a:t>
+            </a:r>
+            <a:r>
+              <a:rPr kumimoji="0" lang="hu-HU" altLang="hu-HU" sz="1200" b="0" i="0" u="none" strike="noStrike" cap="none" normalizeH="0" baseline="0" dirty="0">
+                <a:ln>
+                  <a:noFill/>
+                </a:ln>
+                <a:solidFill>
+                  <a:srgbClr val="CC7832"/>
+                </a:solidFill>
+                <a:effectLst/>
+                <a:latin typeface="JetBrains Mono"/>
+              </a:rPr>
+              <a:t>for </a:t>
+            </a:r>
+            <a:r>
+              <a:rPr kumimoji="0" lang="hu-HU" altLang="hu-HU" sz="1200" b="0" i="0" u="none" strike="noStrike" cap="none" normalizeH="0" baseline="0" dirty="0">
+                <a:ln>
+                  <a:noFill/>
+                </a:ln>
+                <a:solidFill>
+                  <a:srgbClr val="A9B7C6"/>
+                </a:solidFill>
+                <a:effectLst/>
+                <a:latin typeface="JetBrains Mono"/>
+              </a:rPr>
+              <a:t>(</a:t>
+            </a:r>
+            <a:r>
+              <a:rPr kumimoji="0" lang="hu-HU" altLang="hu-HU" sz="1200" b="0" i="0" u="none" strike="noStrike" cap="none" normalizeH="0" baseline="0" dirty="0" err="1">
+                <a:ln>
+                  <a:noFill/>
+                </a:ln>
+                <a:solidFill>
+                  <a:srgbClr val="A9B7C6"/>
+                </a:solidFill>
+                <a:effectLst/>
+                <a:latin typeface="JetBrains Mono"/>
+              </a:rPr>
+              <a:t>doc</a:t>
+            </a:r>
+            <a:r>
+              <a:rPr kumimoji="0" lang="hu-HU" altLang="hu-HU" sz="1200" b="0" i="0" u="none" strike="noStrike" cap="none" normalizeH="0" baseline="0" dirty="0">
+                <a:ln>
+                  <a:noFill/>
+                </a:ln>
+                <a:solidFill>
+                  <a:srgbClr val="A9B7C6"/>
+                </a:solidFill>
+                <a:effectLst/>
+                <a:latin typeface="JetBrains Mono"/>
+              </a:rPr>
+              <a:t> </a:t>
+            </a:r>
+            <a:r>
+              <a:rPr kumimoji="0" lang="hu-HU" altLang="hu-HU" sz="1200" b="0" i="0" u="none" strike="noStrike" cap="none" normalizeH="0" baseline="0" dirty="0">
+                <a:ln>
+                  <a:noFill/>
+                </a:ln>
+                <a:solidFill>
+                  <a:srgbClr val="CC7832"/>
+                </a:solidFill>
+                <a:effectLst/>
+                <a:latin typeface="JetBrains Mono"/>
+              </a:rPr>
+              <a:t>in </a:t>
+            </a:r>
+            <a:r>
+              <a:rPr kumimoji="0" lang="hu-HU" altLang="hu-HU" sz="1200" b="0" i="0" u="none" strike="noStrike" cap="none" normalizeH="0" baseline="0" dirty="0" err="1">
+                <a:ln>
+                  <a:noFill/>
+                </a:ln>
+                <a:solidFill>
+                  <a:srgbClr val="A9B7C6"/>
+                </a:solidFill>
+                <a:effectLst/>
+                <a:latin typeface="JetBrains Mono"/>
+              </a:rPr>
+              <a:t>value</a:t>
+            </a:r>
+            <a:r>
+              <a:rPr kumimoji="0" lang="hu-HU" altLang="hu-HU" sz="1200" b="0" i="0" u="none" strike="noStrike" cap="none" normalizeH="0" baseline="0" dirty="0">
+                <a:ln>
+                  <a:noFill/>
+                </a:ln>
+                <a:solidFill>
+                  <a:srgbClr val="A9B7C6"/>
+                </a:solidFill>
+                <a:effectLst/>
+                <a:latin typeface="JetBrains Mono"/>
+              </a:rPr>
+              <a:t>) {</a:t>
+            </a:r>
+            <a:br>
+              <a:rPr kumimoji="0" lang="hu-HU" altLang="hu-HU" sz="1200" b="0" i="0" u="none" strike="noStrike" cap="none" normalizeH="0" baseline="0" dirty="0">
+                <a:ln>
+                  <a:noFill/>
+                </a:ln>
+                <a:solidFill>
+                  <a:srgbClr val="A9B7C6"/>
+                </a:solidFill>
+                <a:effectLst/>
+                <a:latin typeface="JetBrains Mono"/>
+              </a:rPr>
+            </a:br>
+            <a:r>
+              <a:rPr kumimoji="0" lang="hu-HU" altLang="hu-HU" sz="1200" b="0" i="0" u="none" strike="noStrike" cap="none" normalizeH="0" baseline="0" dirty="0">
+                <a:ln>
+                  <a:noFill/>
+                </a:ln>
+                <a:solidFill>
+                  <a:srgbClr val="A9B7C6"/>
+                </a:solidFill>
+                <a:effectLst/>
+                <a:latin typeface="JetBrains Mono"/>
+              </a:rPr>
+              <a:t>                    </a:t>
+            </a:r>
+            <a:r>
+              <a:rPr kumimoji="0" lang="hu-HU" altLang="hu-HU" sz="1200" b="0" i="0" u="none" strike="noStrike" cap="none" normalizeH="0" baseline="0" dirty="0" err="1">
+                <a:ln>
+                  <a:noFill/>
+                </a:ln>
+                <a:solidFill>
+                  <a:srgbClr val="CC7832"/>
+                </a:solidFill>
+                <a:effectLst/>
+                <a:latin typeface="JetBrains Mono"/>
+              </a:rPr>
+              <a:t>val</a:t>
+            </a:r>
+            <a:r>
+              <a:rPr kumimoji="0" lang="hu-HU" altLang="hu-HU" sz="1200" b="0" i="0" u="none" strike="noStrike" cap="none" normalizeH="0" baseline="0" dirty="0">
+                <a:ln>
+                  <a:noFill/>
+                </a:ln>
+                <a:solidFill>
+                  <a:srgbClr val="CC7832"/>
+                </a:solidFill>
+                <a:effectLst/>
+                <a:latin typeface="JetBrains Mono"/>
+              </a:rPr>
+              <a:t> </a:t>
+            </a:r>
+            <a:r>
+              <a:rPr kumimoji="0" lang="hu-HU" altLang="hu-HU" sz="1200" b="0" i="0" u="none" strike="noStrike" cap="none" normalizeH="0" baseline="0" dirty="0" err="1">
+                <a:ln>
+                  <a:noFill/>
+                </a:ln>
+                <a:solidFill>
+                  <a:srgbClr val="A9B7C6"/>
+                </a:solidFill>
+                <a:effectLst/>
+                <a:latin typeface="JetBrains Mono"/>
+              </a:rPr>
+              <a:t>item</a:t>
+            </a:r>
+            <a:r>
+              <a:rPr kumimoji="0" lang="hu-HU" altLang="hu-HU" sz="1200" b="0" i="0" u="none" strike="noStrike" cap="none" normalizeH="0" baseline="0" dirty="0">
+                <a:ln>
+                  <a:noFill/>
+                </a:ln>
+                <a:solidFill>
+                  <a:srgbClr val="A9B7C6"/>
+                </a:solidFill>
+                <a:effectLst/>
+                <a:latin typeface="JetBrains Mono"/>
+              </a:rPr>
+              <a:t> = </a:t>
+            </a:r>
+            <a:r>
+              <a:rPr kumimoji="0" lang="hu-HU" altLang="hu-HU" sz="1200" b="0" i="0" u="none" strike="noStrike" cap="none" normalizeH="0" baseline="0" dirty="0" err="1">
+                <a:ln>
+                  <a:noFill/>
+                </a:ln>
+                <a:solidFill>
+                  <a:srgbClr val="A9B7C6"/>
+                </a:solidFill>
+                <a:effectLst/>
+                <a:latin typeface="JetBrains Mono"/>
+              </a:rPr>
+              <a:t>doc.</a:t>
+            </a:r>
+            <a:r>
+              <a:rPr kumimoji="0" lang="hu-HU" altLang="hu-HU" sz="1200" b="0" i="1" u="none" strike="noStrike" cap="none" normalizeH="0" baseline="0" dirty="0" err="1">
+                <a:ln>
+                  <a:noFill/>
+                </a:ln>
+                <a:solidFill>
+                  <a:srgbClr val="FFC66D"/>
+                </a:solidFill>
+                <a:effectLst/>
+                <a:latin typeface="JetBrains Mono"/>
+              </a:rPr>
+              <a:t>toObject</a:t>
+            </a:r>
+            <a:r>
+              <a:rPr kumimoji="0" lang="hu-HU" altLang="hu-HU" sz="1200" b="0" i="0" u="none" strike="noStrike" cap="none" normalizeH="0" baseline="0" dirty="0">
+                <a:ln>
+                  <a:noFill/>
+                </a:ln>
+                <a:solidFill>
+                  <a:srgbClr val="A9B7C6"/>
+                </a:solidFill>
+                <a:effectLst/>
+                <a:latin typeface="JetBrains Mono"/>
+              </a:rPr>
+              <a:t>&lt;</a:t>
+            </a:r>
+            <a:r>
+              <a:rPr kumimoji="0" lang="hu-HU" altLang="hu-HU" sz="1200" b="0" i="0" u="none" strike="noStrike" cap="none" normalizeH="0" baseline="0" dirty="0" err="1">
+                <a:ln>
+                  <a:noFill/>
+                </a:ln>
+                <a:solidFill>
+                  <a:srgbClr val="A9B7C6"/>
+                </a:solidFill>
+                <a:effectLst/>
+                <a:latin typeface="JetBrains Mono"/>
+              </a:rPr>
+              <a:t>ShoppingItem</a:t>
+            </a:r>
+            <a:r>
+              <a:rPr kumimoji="0" lang="hu-HU" altLang="hu-HU" sz="1200" b="0" i="0" u="none" strike="noStrike" cap="none" normalizeH="0" baseline="0" dirty="0">
+                <a:ln>
+                  <a:noFill/>
+                </a:ln>
+                <a:solidFill>
+                  <a:srgbClr val="A9B7C6"/>
+                </a:solidFill>
+                <a:effectLst/>
+                <a:latin typeface="JetBrains Mono"/>
+              </a:rPr>
+              <a:t>&gt;()</a:t>
+            </a:r>
+            <a:br>
+              <a:rPr kumimoji="0" lang="hu-HU" altLang="hu-HU" sz="1200" b="0" i="0" u="none" strike="noStrike" cap="none" normalizeH="0" baseline="0" dirty="0">
+                <a:ln>
+                  <a:noFill/>
+                </a:ln>
+                <a:solidFill>
+                  <a:srgbClr val="A9B7C6"/>
+                </a:solidFill>
+                <a:effectLst/>
+                <a:latin typeface="JetBrains Mono"/>
+              </a:rPr>
+            </a:br>
+            <a:r>
+              <a:rPr kumimoji="0" lang="hu-HU" altLang="hu-HU" sz="1200" b="0" i="0" u="none" strike="noStrike" cap="none" normalizeH="0" baseline="0" dirty="0">
+                <a:ln>
+                  <a:noFill/>
+                </a:ln>
+                <a:solidFill>
+                  <a:srgbClr val="A9B7C6"/>
+                </a:solidFill>
+                <a:effectLst/>
+                <a:latin typeface="JetBrains Mono"/>
+              </a:rPr>
+              <a:t>                    item.</a:t>
+            </a:r>
+            <a:r>
+              <a:rPr kumimoji="0" lang="hu-HU" altLang="hu-HU" sz="1200" b="0" i="0" u="none" strike="noStrike" cap="none" normalizeH="0" baseline="0" dirty="0">
+                <a:ln>
+                  <a:noFill/>
+                </a:ln>
+                <a:solidFill>
+                  <a:srgbClr val="9876AA"/>
+                </a:solidFill>
+                <a:effectLst/>
+                <a:latin typeface="JetBrains Mono"/>
+              </a:rPr>
+              <a:t>id </a:t>
+            </a:r>
+            <a:r>
+              <a:rPr kumimoji="0" lang="hu-HU" altLang="hu-HU" sz="1200" b="0" i="0" u="none" strike="noStrike" cap="none" normalizeH="0" baseline="0" dirty="0">
+                <a:ln>
+                  <a:noFill/>
+                </a:ln>
+                <a:solidFill>
+                  <a:srgbClr val="A9B7C6"/>
+                </a:solidFill>
+                <a:effectLst/>
+                <a:latin typeface="JetBrains Mono"/>
+              </a:rPr>
+              <a:t>= doc.</a:t>
+            </a:r>
+            <a:r>
+              <a:rPr kumimoji="0" lang="hu-HU" altLang="hu-HU" sz="1200" b="0" i="1" u="none" strike="noStrike" cap="none" normalizeH="0" baseline="0" dirty="0">
+                <a:ln>
+                  <a:noFill/>
+                </a:ln>
+                <a:solidFill>
+                  <a:srgbClr val="9876AA"/>
+                </a:solidFill>
+                <a:effectLst/>
+                <a:latin typeface="JetBrains Mono"/>
+              </a:rPr>
+              <a:t>id</a:t>
+            </a:r>
+            <a:br>
+              <a:rPr kumimoji="0" lang="hu-HU" altLang="hu-HU" sz="1200" b="0" i="1" u="none" strike="noStrike" cap="none" normalizeH="0" baseline="0" dirty="0">
+                <a:ln>
+                  <a:noFill/>
+                </a:ln>
+                <a:solidFill>
+                  <a:srgbClr val="9876AA"/>
+                </a:solidFill>
+                <a:effectLst/>
+                <a:latin typeface="JetBrains Mono"/>
+              </a:rPr>
+            </a:br>
+            <a:r>
+              <a:rPr kumimoji="0" lang="hu-HU" altLang="hu-HU" sz="1200" b="0" i="1" u="none" strike="noStrike" cap="none" normalizeH="0" baseline="0" dirty="0">
+                <a:ln>
+                  <a:noFill/>
+                </a:ln>
+                <a:solidFill>
+                  <a:srgbClr val="9876AA"/>
+                </a:solidFill>
+                <a:effectLst/>
+                <a:latin typeface="JetBrains Mono"/>
+              </a:rPr>
+              <a:t>                    </a:t>
+            </a:r>
+            <a:r>
+              <a:rPr kumimoji="0" lang="hu-HU" altLang="hu-HU" sz="1200" b="0" i="0" u="none" strike="noStrike" cap="none" normalizeH="0" baseline="0" dirty="0" err="1">
+                <a:ln>
+                  <a:noFill/>
+                </a:ln>
+                <a:solidFill>
+                  <a:srgbClr val="A9B7C6"/>
+                </a:solidFill>
+                <a:effectLst/>
+                <a:latin typeface="JetBrains Mono"/>
+              </a:rPr>
+              <a:t>itemList.add</a:t>
+            </a:r>
+            <a:r>
+              <a:rPr kumimoji="0" lang="hu-HU" altLang="hu-HU" sz="1200" b="0" i="0" u="none" strike="noStrike" cap="none" normalizeH="0" baseline="0" dirty="0">
+                <a:ln>
+                  <a:noFill/>
+                </a:ln>
+                <a:solidFill>
+                  <a:srgbClr val="A9B7C6"/>
+                </a:solidFill>
+                <a:effectLst/>
+                <a:latin typeface="JetBrains Mono"/>
+              </a:rPr>
+              <a:t>(</a:t>
+            </a:r>
+            <a:r>
+              <a:rPr kumimoji="0" lang="hu-HU" altLang="hu-HU" sz="1200" b="0" i="0" u="none" strike="noStrike" cap="none" normalizeH="0" baseline="0" dirty="0" err="1">
+                <a:ln>
+                  <a:noFill/>
+                </a:ln>
+                <a:solidFill>
+                  <a:srgbClr val="A9B7C6"/>
+                </a:solidFill>
+                <a:effectLst/>
+                <a:latin typeface="JetBrains Mono"/>
+              </a:rPr>
+              <a:t>item</a:t>
+            </a:r>
+            <a:r>
+              <a:rPr kumimoji="0" lang="hu-HU" altLang="hu-HU" sz="1200" b="0" i="0" u="none" strike="noStrike" cap="none" normalizeH="0" baseline="0" dirty="0">
+                <a:ln>
+                  <a:noFill/>
+                </a:ln>
+                <a:solidFill>
+                  <a:srgbClr val="A9B7C6"/>
+                </a:solidFill>
+                <a:effectLst/>
+                <a:latin typeface="JetBrains Mono"/>
+              </a:rPr>
+              <a:t>)</a:t>
+            </a:r>
+            <a:br>
+              <a:rPr kumimoji="0" lang="hu-HU" altLang="hu-HU" sz="1200" b="0" i="0" u="none" strike="noStrike" cap="none" normalizeH="0" baseline="0" dirty="0">
+                <a:ln>
+                  <a:noFill/>
+                </a:ln>
+                <a:solidFill>
+                  <a:srgbClr val="A9B7C6"/>
+                </a:solidFill>
+                <a:effectLst/>
+                <a:latin typeface="JetBrains Mono"/>
+              </a:rPr>
+            </a:br>
+            <a:r>
+              <a:rPr kumimoji="0" lang="hu-HU" altLang="hu-HU" sz="1200" b="0" i="0" u="none" strike="noStrike" cap="none" normalizeH="0" baseline="0" dirty="0">
+                <a:ln>
+                  <a:noFill/>
+                </a:ln>
+                <a:solidFill>
+                  <a:srgbClr val="A9B7C6"/>
+                </a:solidFill>
+                <a:effectLst/>
+                <a:latin typeface="JetBrains Mono"/>
+              </a:rPr>
+              <a:t>                }</a:t>
+            </a:r>
+            <a:br>
+              <a:rPr kumimoji="0" lang="hu-HU" altLang="hu-HU" sz="1200" b="0" i="0" u="none" strike="noStrike" cap="none" normalizeH="0" baseline="0" dirty="0">
+                <a:ln>
+                  <a:noFill/>
+                </a:ln>
+                <a:solidFill>
+                  <a:srgbClr val="A9B7C6"/>
+                </a:solidFill>
+                <a:effectLst/>
+                <a:latin typeface="JetBrains Mono"/>
+              </a:rPr>
+            </a:br>
+            <a:r>
+              <a:rPr kumimoji="0" lang="hu-HU" altLang="hu-HU" sz="1200" b="0" i="0" u="none" strike="noStrike" cap="none" normalizeH="0" baseline="0" dirty="0">
+                <a:ln>
+                  <a:noFill/>
+                </a:ln>
+                <a:solidFill>
+                  <a:srgbClr val="A9B7C6"/>
+                </a:solidFill>
+                <a:effectLst/>
+                <a:latin typeface="JetBrains Mono"/>
+              </a:rPr>
+              <a:t>                </a:t>
+            </a:r>
+            <a:r>
+              <a:rPr kumimoji="0" lang="hu-HU" altLang="hu-HU" sz="1200" b="0" i="0" u="none" strike="noStrike" cap="none" normalizeH="0" baseline="0" dirty="0" err="1">
+                <a:ln>
+                  <a:noFill/>
+                </a:ln>
+                <a:solidFill>
+                  <a:srgbClr val="9876AA"/>
+                </a:solidFill>
+                <a:effectLst/>
+                <a:latin typeface="JetBrains Mono"/>
+              </a:rPr>
+              <a:t>items</a:t>
+            </a:r>
+            <a:r>
+              <a:rPr kumimoji="0" lang="hu-HU" altLang="hu-HU" sz="1200" b="0" i="0" u="none" strike="noStrike" cap="none" normalizeH="0" baseline="0" dirty="0" err="1">
+                <a:ln>
+                  <a:noFill/>
+                </a:ln>
+                <a:solidFill>
+                  <a:srgbClr val="A9B7C6"/>
+                </a:solidFill>
+                <a:effectLst/>
+                <a:latin typeface="JetBrains Mono"/>
+              </a:rPr>
+              <a:t>.</a:t>
+            </a:r>
+            <a:r>
+              <a:rPr kumimoji="0" lang="hu-HU" altLang="hu-HU" sz="1200" b="0" i="1" u="none" strike="noStrike" cap="none" normalizeH="0" baseline="0" dirty="0" err="1">
+                <a:ln>
+                  <a:noFill/>
+                </a:ln>
+                <a:solidFill>
+                  <a:srgbClr val="9876AA"/>
+                </a:solidFill>
+                <a:effectLst/>
+                <a:latin typeface="JetBrains Mono"/>
+              </a:rPr>
+              <a:t>value</a:t>
+            </a:r>
+            <a:r>
+              <a:rPr kumimoji="0" lang="hu-HU" altLang="hu-HU" sz="1200" b="0" i="1" u="none" strike="noStrike" cap="none" normalizeH="0" baseline="0" dirty="0">
+                <a:ln>
+                  <a:noFill/>
+                </a:ln>
+                <a:solidFill>
+                  <a:srgbClr val="9876AA"/>
+                </a:solidFill>
+                <a:effectLst/>
+                <a:latin typeface="JetBrains Mono"/>
+              </a:rPr>
+              <a:t> </a:t>
+            </a:r>
+            <a:r>
+              <a:rPr kumimoji="0" lang="hu-HU" altLang="hu-HU" sz="1200" b="0" i="0" u="none" strike="noStrike" cap="none" normalizeH="0" baseline="0" dirty="0">
+                <a:ln>
+                  <a:noFill/>
+                </a:ln>
+                <a:solidFill>
+                  <a:srgbClr val="A9B7C6"/>
+                </a:solidFill>
+                <a:effectLst/>
+                <a:latin typeface="JetBrains Mono"/>
+              </a:rPr>
+              <a:t>= </a:t>
+            </a:r>
+            <a:r>
+              <a:rPr kumimoji="0" lang="hu-HU" altLang="hu-HU" sz="1200" b="0" i="0" u="none" strike="noStrike" cap="none" normalizeH="0" baseline="0" dirty="0" err="1">
+                <a:ln>
+                  <a:noFill/>
+                </a:ln>
+                <a:solidFill>
+                  <a:srgbClr val="A9B7C6"/>
+                </a:solidFill>
+                <a:effectLst/>
+                <a:latin typeface="JetBrains Mono"/>
+              </a:rPr>
+              <a:t>itemList</a:t>
+            </a:r>
+            <a:br>
+              <a:rPr kumimoji="0" lang="hu-HU" altLang="hu-HU" sz="1200" b="0" i="0" u="none" strike="noStrike" cap="none" normalizeH="0" baseline="0" dirty="0">
+                <a:ln>
+                  <a:noFill/>
+                </a:ln>
+                <a:solidFill>
+                  <a:srgbClr val="A9B7C6"/>
+                </a:solidFill>
+                <a:effectLst/>
+                <a:latin typeface="JetBrains Mono"/>
+              </a:rPr>
+            </a:br>
+            <a:r>
+              <a:rPr kumimoji="0" lang="hu-HU" altLang="hu-HU" sz="1200" b="0" i="0" u="none" strike="noStrike" cap="none" normalizeH="0" baseline="0" dirty="0">
+                <a:ln>
+                  <a:noFill/>
+                </a:ln>
+                <a:solidFill>
+                  <a:srgbClr val="A9B7C6"/>
+                </a:solidFill>
+                <a:effectLst/>
+                <a:latin typeface="JetBrains Mono"/>
+              </a:rPr>
+              <a:t>            }</a:t>
+            </a:r>
+            <a:br>
+              <a:rPr kumimoji="0" lang="hu-HU" altLang="hu-HU" sz="1200" b="0" i="0" u="none" strike="noStrike" cap="none" normalizeH="0" baseline="0" dirty="0">
+                <a:ln>
+                  <a:noFill/>
+                </a:ln>
+                <a:solidFill>
+                  <a:srgbClr val="A9B7C6"/>
+                </a:solidFill>
+                <a:effectLst/>
+                <a:latin typeface="JetBrains Mono"/>
+              </a:rPr>
+            </a:br>
+            <a:r>
+              <a:rPr kumimoji="0" lang="hu-HU" altLang="hu-HU" sz="1200" b="0" i="0" u="none" strike="noStrike" cap="none" normalizeH="0" baseline="0" dirty="0">
+                <a:ln>
+                  <a:noFill/>
+                </a:ln>
+                <a:solidFill>
+                  <a:srgbClr val="A9B7C6"/>
+                </a:solidFill>
+                <a:effectLst/>
+                <a:latin typeface="JetBrains Mono"/>
+              </a:rPr>
+              <a:t>        </a:t>
+            </a:r>
+            <a:r>
+              <a:rPr kumimoji="0" lang="hu-HU" altLang="hu-HU" sz="1200" b="1" i="0" u="none" strike="noStrike" cap="none" normalizeH="0" baseline="0" dirty="0">
+                <a:ln>
+                  <a:noFill/>
+                </a:ln>
+                <a:solidFill>
+                  <a:srgbClr val="A9B7C6"/>
+                </a:solidFill>
+                <a:effectLst/>
+                <a:latin typeface="JetBrains Mono"/>
+              </a:rPr>
+              <a:t>}</a:t>
+            </a:r>
+            <a:br>
+              <a:rPr kumimoji="0" lang="hu-HU" altLang="hu-HU" sz="1200" b="1" i="0" u="none" strike="noStrike" cap="none" normalizeH="0" baseline="0" dirty="0">
+                <a:ln>
+                  <a:noFill/>
+                </a:ln>
+                <a:solidFill>
+                  <a:srgbClr val="A9B7C6"/>
+                </a:solidFill>
+                <a:effectLst/>
+                <a:latin typeface="JetBrains Mono"/>
+              </a:rPr>
+            </a:br>
+            <a:r>
+              <a:rPr kumimoji="0" lang="hu-HU" altLang="hu-HU" sz="1200" b="0" i="0" u="none" strike="noStrike" cap="none" normalizeH="0" baseline="0" dirty="0">
+                <a:ln>
+                  <a:noFill/>
+                </a:ln>
+                <a:solidFill>
+                  <a:srgbClr val="A9B7C6"/>
+                </a:solidFill>
+                <a:effectLst/>
+                <a:latin typeface="JetBrains Mono"/>
+              </a:rPr>
+              <a:t>}</a:t>
+            </a:r>
+            <a:endParaRPr kumimoji="0" lang="hu-HU" altLang="hu-HU" sz="2800" b="0" i="0" u="none" strike="noStrike" cap="none" normalizeH="0" baseline="0" dirty="0">
+              <a:ln>
+                <a:noFill/>
+              </a:ln>
+              <a:solidFill>
+                <a:schemeClr val="tx1"/>
+              </a:solidFill>
+              <a:effectLst/>
+              <a:latin typeface="Arial" panose="020B0604020202020204" pitchFamily="34" charset="0"/>
+            </a:endParaRPr>
+          </a:p>
+        </p:txBody>
+      </p:sp>
+      <p:pic>
+        <p:nvPicPr>
+          <p:cNvPr id="13" name="2021-05-18 13-34-49 (online-video-cutter.com)">
+            <a:hlinkClick r:id="" action="ppaction://media"/>
+            <a:extLst>
+              <a:ext uri="{FF2B5EF4-FFF2-40B4-BE49-F238E27FC236}">
+                <a16:creationId xmlns:a16="http://schemas.microsoft.com/office/drawing/2014/main" id="{D601DBFE-9B6D-40C8-A75F-D4CA761FD594}"/>
+              </a:ext>
+            </a:extLst>
+          </p:cNvPr>
+          <p:cNvPicPr>
+            <a:picLocks noChangeAspect="1"/>
+          </p:cNvPicPr>
+          <p:nvPr>
+            <a:videoFile r:link="rId2"/>
+            <p:extLst>
+              <p:ext uri="{DAA4B4D4-6D71-4841-9C94-3DE7FCFB9230}">
+                <p14:media xmlns:p14="http://schemas.microsoft.com/office/powerpoint/2010/main" r:embed="rId1"/>
+              </p:ext>
+            </p:extLst>
+          </p:nvPr>
+        </p:nvPicPr>
+        <p:blipFill>
+          <a:blip r:embed="rId4"/>
+          <a:stretch>
+            <a:fillRect/>
+          </a:stretch>
+        </p:blipFill>
+        <p:spPr>
+          <a:xfrm>
+            <a:off x="8470308" y="645581"/>
+            <a:ext cx="2813209" cy="5899545"/>
+          </a:xfrm>
+          <a:prstGeom prst="rect">
+            <a:avLst/>
+          </a:prstGeom>
+        </p:spPr>
+      </p:pic>
+      <p:sp>
+        <p:nvSpPr>
+          <p:cNvPr id="14" name="Szövegdoboz 13">
+            <a:extLst>
+              <a:ext uri="{FF2B5EF4-FFF2-40B4-BE49-F238E27FC236}">
+                <a16:creationId xmlns:a16="http://schemas.microsoft.com/office/drawing/2014/main" id="{41182139-D16B-4522-855E-220AEB0045BC}"/>
+              </a:ext>
+            </a:extLst>
+          </p:cNvPr>
+          <p:cNvSpPr txBox="1"/>
+          <p:nvPr/>
+        </p:nvSpPr>
+        <p:spPr>
+          <a:xfrm>
+            <a:off x="677334" y="1414456"/>
+            <a:ext cx="2666756" cy="369332"/>
+          </a:xfrm>
+          <a:prstGeom prst="rect">
+            <a:avLst/>
+          </a:prstGeom>
+          <a:noFill/>
+        </p:spPr>
+        <p:txBody>
+          <a:bodyPr wrap="none" rtlCol="0">
+            <a:spAutoFit/>
+          </a:bodyPr>
+          <a:lstStyle/>
+          <a:p>
+            <a:r>
+              <a:rPr lang="hu-HU" dirty="0" err="1">
+                <a:solidFill>
+                  <a:schemeClr val="accent1"/>
+                </a:solidFill>
+              </a:rPr>
+              <a:t>ShoppingListViewModel</a:t>
+            </a:r>
+            <a:r>
+              <a:rPr lang="hu-HU" dirty="0">
+                <a:solidFill>
+                  <a:schemeClr val="accent1"/>
+                </a:solidFill>
+              </a:rPr>
+              <a:t>:</a:t>
+            </a:r>
           </a:p>
         </p:txBody>
       </p:sp>
@@ -9813,10 +12436,3906 @@
   <p:clrMapOvr>
     <a:masterClrMapping/>
   </p:clrMapOvr>
+  <p:timing>
+    <p:tnLst>
+      <p:par>
+        <p:cTn id="1" dur="indefinite" restart="never" nodeType="tmRoot">
+          <p:childTnLst>
+            <p:seq concurrent="1" nextAc="seek">
+              <p:cTn id="2" dur="indefinite" nodeType="mainSeq">
+                <p:childTnLst>
+                  <p:par>
+                    <p:cTn id="3" fill="hold">
+                      <p:stCondLst>
+                        <p:cond delay="indefinite"/>
+                        <p:cond evt="onBegin" delay="0">
+                          <p:tn val="2"/>
+                        </p:cond>
+                      </p:stCondLst>
+                      <p:childTnLst>
+                        <p:par>
+                          <p:cTn id="4" fill="hold">
+                            <p:stCondLst>
+                              <p:cond delay="0"/>
+                            </p:stCondLst>
+                            <p:childTnLst>
+                              <p:par>
+                                <p:cTn id="5" presetID="1" presetClass="mediacall" presetSubtype="0" fill="hold" nodeType="afterEffect">
+                                  <p:stCondLst>
+                                    <p:cond delay="0"/>
+                                  </p:stCondLst>
+                                  <p:childTnLst>
+                                    <p:cmd type="call" cmd="playFrom(0.0)">
+                                      <p:cBhvr>
+                                        <p:cTn id="6" dur="3912" fill="hold"/>
+                                        <p:tgtEl>
+                                          <p:spTgt spid="13"/>
+                                        </p:tgtEl>
+                                      </p:cBhvr>
+                                    </p:cmd>
+                                  </p:childTnLst>
+                                </p:cTn>
+                              </p:par>
+                            </p:childTnLst>
+                          </p:cTn>
+                        </p:par>
+                      </p:childTnLst>
+                    </p:cTn>
+                  </p:par>
+                </p:childTnLst>
+              </p:cTn>
+              <p:prevCondLst>
+                <p:cond evt="onPrev" delay="0">
+                  <p:tgtEl>
+                    <p:sldTgt/>
+                  </p:tgtEl>
+                </p:cond>
+              </p:prevCondLst>
+              <p:nextCondLst>
+                <p:cond evt="onNext" delay="0">
+                  <p:tgtEl>
+                    <p:sldTgt/>
+                  </p:tgtEl>
+                </p:cond>
+              </p:nextCondLst>
+            </p:seq>
+            <p:video>
+              <p:cMediaNode vol="80000">
+                <p:cTn id="7" repeatCount="indefinite" fill="hold" display="0">
+                  <p:stCondLst>
+                    <p:cond delay="indefinite"/>
+                  </p:stCondLst>
+                </p:cTn>
+                <p:tgtEl>
+                  <p:spTgt spid="13"/>
+                </p:tgtEl>
+              </p:cMediaNode>
+            </p:video>
+            <p:seq concurrent="1" nextAc="seek">
+              <p:cTn id="8" restart="whenNotActive" fill="hold" evtFilter="cancelBubble" nodeType="interactiveSeq">
+                <p:stCondLst>
+                  <p:cond evt="onClick" delay="0">
+                    <p:tgtEl>
+                      <p:spTgt spid="13"/>
+                    </p:tgtEl>
+                  </p:cond>
+                </p:stCondLst>
+                <p:endSync evt="end" delay="0">
+                  <p:rtn val="all"/>
+                </p:endSync>
+                <p:childTnLst>
+                  <p:par>
+                    <p:cTn id="9" fill="hold">
+                      <p:stCondLst>
+                        <p:cond delay="0"/>
+                      </p:stCondLst>
+                      <p:childTnLst>
+                        <p:par>
+                          <p:cTn id="10" fill="hold">
+                            <p:stCondLst>
+                              <p:cond delay="0"/>
+                            </p:stCondLst>
+                            <p:childTnLst>
+                              <p:par>
+                                <p:cTn id="11" presetID="2" presetClass="mediacall" presetSubtype="0" fill="hold" nodeType="clickEffect">
+                                  <p:stCondLst>
+                                    <p:cond delay="0"/>
+                                  </p:stCondLst>
+                                  <p:childTnLst>
+                                    <p:cmd type="call" cmd="togglePause">
+                                      <p:cBhvr>
+                                        <p:cTn id="12" dur="1" fill="hold"/>
+                                        <p:tgtEl>
+                                          <p:spTgt spid="13"/>
+                                        </p:tgtEl>
+                                      </p:cBhvr>
+                                    </p:cmd>
+                                  </p:childTnLst>
+                                </p:cTn>
+                              </p:par>
+                            </p:childTnLst>
+                          </p:cTn>
+                        </p:par>
+                      </p:childTnLst>
+                    </p:cTn>
+                  </p:par>
+                </p:childTnLst>
+              </p:cTn>
+              <p:nextCondLst>
+                <p:cond evt="onClick" delay="0">
+                  <p:tgtEl>
+                    <p:spTgt spid="13"/>
+                  </p:tgtEl>
+                </p:cond>
+              </p:nextCondLst>
+            </p:seq>
+          </p:childTnLst>
+        </p:cTn>
+      </p:par>
+    </p:tnLst>
+  </p:timing>
 </p:sld>
 </file>
 
 <file path=ppt/slides/slide7.xml><?xml version="1.0" encoding="utf-8"?>
+<p:sld xmlns:a="http://schemas.openxmlformats.org/drawingml/2006/main" xmlns:r="http://schemas.openxmlformats.org/officeDocument/2006/relationships" xmlns:p="http://schemas.openxmlformats.org/presentationml/2006/main">
+  <p:cSld>
+    <p:spTree>
+      <p:nvGrpSpPr>
+        <p:cNvPr id="1" name=""/>
+        <p:cNvGrpSpPr/>
+        <p:nvPr/>
+      </p:nvGrpSpPr>
+      <p:grpSpPr>
+        <a:xfrm>
+          <a:off x="0" y="0"/>
+          <a:ext cx="0" cy="0"/>
+          <a:chOff x="0" y="0"/>
+          <a:chExt cx="0" cy="0"/>
+        </a:xfrm>
+      </p:grpSpPr>
+      <p:sp>
+        <p:nvSpPr>
+          <p:cNvPr id="2" name="Cím 1">
+            <a:extLst>
+              <a:ext uri="{FF2B5EF4-FFF2-40B4-BE49-F238E27FC236}">
+                <a16:creationId xmlns:a16="http://schemas.microsoft.com/office/drawing/2014/main" id="{FB5EED7B-1D7A-41A9-BE33-250E50E21F61}"/>
+              </a:ext>
+            </a:extLst>
+          </p:cNvPr>
+          <p:cNvSpPr>
+            <a:spLocks noGrp="1"/>
+          </p:cNvSpPr>
+          <p:nvPr>
+            <p:ph type="title"/>
+          </p:nvPr>
+        </p:nvSpPr>
+        <p:spPr/>
+        <p:txBody>
+          <a:bodyPr/>
+          <a:lstStyle/>
+          <a:p>
+            <a:r>
+              <a:rPr lang="hu-HU" dirty="0" err="1"/>
+              <a:t>Material</a:t>
+            </a:r>
+            <a:r>
+              <a:rPr lang="hu-HU" dirty="0"/>
+              <a:t> Dialogs</a:t>
+            </a:r>
+          </a:p>
+        </p:txBody>
+      </p:sp>
+      <p:sp>
+        <p:nvSpPr>
+          <p:cNvPr id="8" name="Rectangle 2">
+            <a:extLst>
+              <a:ext uri="{FF2B5EF4-FFF2-40B4-BE49-F238E27FC236}">
+                <a16:creationId xmlns:a16="http://schemas.microsoft.com/office/drawing/2014/main" id="{9C7CAB55-900D-434A-928B-150614C206CC}"/>
+              </a:ext>
+            </a:extLst>
+          </p:cNvPr>
+          <p:cNvSpPr>
+            <a:spLocks noChangeArrowheads="1"/>
+          </p:cNvSpPr>
+          <p:nvPr/>
+        </p:nvSpPr>
+        <p:spPr bwMode="auto">
+          <a:xfrm>
+            <a:off x="677334" y="1952144"/>
+            <a:ext cx="6043062" cy="2492990"/>
+          </a:xfrm>
+          <a:prstGeom prst="rect">
+            <a:avLst/>
+          </a:prstGeom>
+          <a:solidFill>
+            <a:srgbClr val="2B2B2B"/>
+          </a:solidFill>
+          <a:ln>
+            <a:noFill/>
+          </a:ln>
+          <a:effectLst/>
+          <a:extLst>
+            <a:ext uri="{91240B29-F687-4F45-9708-019B960494DF}">
+              <a14:hiddenLine xmlns:a14="http://schemas.microsoft.com/office/drawing/2010/main" w="9525">
+                <a:solidFill>
+                  <a:schemeClr val="tx1"/>
+                </a:solidFill>
+                <a:miter lim="800000"/>
+                <a:headEnd/>
+                <a:tailEnd/>
+              </a14:hiddenLine>
+            </a:ext>
+            <a:ext uri="{AF507438-7753-43E0-B8FC-AC1667EBCBE1}">
+              <a14:hiddenEffects xmlns:a14="http://schemas.microsoft.com/office/drawing/2010/main">
+                <a:effectLst>
+                  <a:outerShdw dist="35921" dir="2700000" algn="ctr" rotWithShape="0">
+                    <a:schemeClr val="bg2"/>
+                  </a:outerShdw>
+                </a:effectLst>
+              </a14:hiddenEffects>
+            </a:ext>
+          </a:extLst>
+        </p:spPr>
+        <p:txBody>
+          <a:bodyPr vert="horz" wrap="square" lIns="91440" tIns="45720" rIns="91440" bIns="45720" numCol="1" anchor="ctr" anchorCtr="0" compatLnSpc="1">
+            <a:prstTxWarp prst="textNoShape">
+              <a:avLst/>
+            </a:prstTxWarp>
+            <a:spAutoFit/>
+          </a:bodyPr>
+          <a:lstStyle/>
+          <a:p>
+            <a:pPr marL="0" marR="0" lvl="0" indent="0" algn="l" defTabSz="914400" rtl="0" eaLnBrk="0" fontAlgn="base" latinLnBrk="0" hangingPunct="0">
+              <a:lnSpc>
+                <a:spcPct val="100000"/>
+              </a:lnSpc>
+              <a:spcBef>
+                <a:spcPct val="0"/>
+              </a:spcBef>
+              <a:spcAft>
+                <a:spcPct val="0"/>
+              </a:spcAft>
+              <a:buClrTx/>
+              <a:buSzTx/>
+              <a:buFontTx/>
+              <a:buNone/>
+              <a:tabLst/>
+            </a:pPr>
+            <a:r>
+              <a:rPr kumimoji="0" lang="hu-HU" altLang="hu-HU" sz="1200" b="0" i="0" u="none" strike="noStrike" cap="none" normalizeH="0" baseline="0" dirty="0" err="1">
+                <a:ln>
+                  <a:noFill/>
+                </a:ln>
+                <a:solidFill>
+                  <a:srgbClr val="CC7832"/>
+                </a:solidFill>
+                <a:effectLst/>
+                <a:latin typeface="JetBrains Mono"/>
+              </a:rPr>
+              <a:t>private</a:t>
+            </a:r>
+            <a:r>
+              <a:rPr kumimoji="0" lang="hu-HU" altLang="hu-HU" sz="1200" b="0" i="0" u="none" strike="noStrike" cap="none" normalizeH="0" baseline="0" dirty="0">
+                <a:ln>
+                  <a:noFill/>
+                </a:ln>
+                <a:solidFill>
+                  <a:srgbClr val="CC7832"/>
+                </a:solidFill>
+                <a:effectLst/>
+                <a:latin typeface="JetBrains Mono"/>
+              </a:rPr>
+              <a:t> </a:t>
+            </a:r>
+            <a:r>
+              <a:rPr kumimoji="0" lang="hu-HU" altLang="hu-HU" sz="1200" b="0" i="0" u="none" strike="noStrike" cap="none" normalizeH="0" baseline="0" dirty="0" err="1">
+                <a:ln>
+                  <a:noFill/>
+                </a:ln>
+                <a:solidFill>
+                  <a:srgbClr val="CC7832"/>
+                </a:solidFill>
+                <a:effectLst/>
+                <a:latin typeface="JetBrains Mono"/>
+              </a:rPr>
+              <a:t>fun</a:t>
+            </a:r>
+            <a:r>
+              <a:rPr kumimoji="0" lang="hu-HU" altLang="hu-HU" sz="1200" b="0" i="0" u="none" strike="noStrike" cap="none" normalizeH="0" baseline="0" dirty="0">
+                <a:ln>
+                  <a:noFill/>
+                </a:ln>
+                <a:solidFill>
+                  <a:srgbClr val="CC7832"/>
+                </a:solidFill>
+                <a:effectLst/>
+                <a:latin typeface="JetBrains Mono"/>
+              </a:rPr>
+              <a:t> </a:t>
+            </a:r>
+            <a:r>
+              <a:rPr kumimoji="0" lang="hu-HU" altLang="hu-HU" sz="1200" b="0" i="0" u="none" strike="noStrike" cap="none" normalizeH="0" baseline="0" dirty="0" err="1">
+                <a:ln>
+                  <a:noFill/>
+                </a:ln>
+                <a:solidFill>
+                  <a:srgbClr val="FFC66D"/>
+                </a:solidFill>
+                <a:effectLst/>
+                <a:latin typeface="JetBrains Mono"/>
+              </a:rPr>
+              <a:t>onShoppingItemLongPressed</a:t>
+            </a:r>
+            <a:r>
+              <a:rPr kumimoji="0" lang="hu-HU" altLang="hu-HU" sz="1200" b="0" i="0" u="none" strike="noStrike" cap="none" normalizeH="0" baseline="0" dirty="0">
+                <a:ln>
+                  <a:noFill/>
+                </a:ln>
+                <a:solidFill>
+                  <a:srgbClr val="A9B7C6"/>
+                </a:solidFill>
+                <a:effectLst/>
+                <a:latin typeface="JetBrains Mono"/>
+              </a:rPr>
+              <a:t>(</a:t>
+            </a:r>
+            <a:r>
+              <a:rPr kumimoji="0" lang="hu-HU" altLang="hu-HU" sz="1200" b="0" i="0" u="none" strike="noStrike" cap="none" normalizeH="0" baseline="0" dirty="0" err="1">
+                <a:ln>
+                  <a:noFill/>
+                </a:ln>
+                <a:solidFill>
+                  <a:srgbClr val="A9B7C6"/>
+                </a:solidFill>
+                <a:effectLst/>
+                <a:latin typeface="JetBrains Mono"/>
+              </a:rPr>
+              <a:t>shoppingItem</a:t>
+            </a:r>
+            <a:r>
+              <a:rPr kumimoji="0" lang="hu-HU" altLang="hu-HU" sz="1200" b="0" i="0" u="none" strike="noStrike" cap="none" normalizeH="0" baseline="0" dirty="0">
+                <a:ln>
+                  <a:noFill/>
+                </a:ln>
+                <a:solidFill>
+                  <a:srgbClr val="A9B7C6"/>
+                </a:solidFill>
+                <a:effectLst/>
+                <a:latin typeface="JetBrains Mono"/>
+              </a:rPr>
+              <a:t>: </a:t>
+            </a:r>
+            <a:r>
+              <a:rPr kumimoji="0" lang="hu-HU" altLang="hu-HU" sz="1200" b="0" i="0" u="none" strike="noStrike" cap="none" normalizeH="0" baseline="0" dirty="0" err="1">
+                <a:ln>
+                  <a:noFill/>
+                </a:ln>
+                <a:solidFill>
+                  <a:srgbClr val="A9B7C6"/>
+                </a:solidFill>
+                <a:effectLst/>
+                <a:latin typeface="JetBrains Mono"/>
+              </a:rPr>
+              <a:t>ShoppingItem</a:t>
+            </a:r>
+            <a:r>
+              <a:rPr kumimoji="0" lang="hu-HU" altLang="hu-HU" sz="1200" b="0" i="0" u="none" strike="noStrike" cap="none" normalizeH="0" baseline="0" dirty="0">
+                <a:ln>
+                  <a:noFill/>
+                </a:ln>
+                <a:solidFill>
+                  <a:srgbClr val="A9B7C6"/>
+                </a:solidFill>
+                <a:effectLst/>
+                <a:latin typeface="JetBrains Mono"/>
+              </a:rPr>
+              <a:t>) {</a:t>
+            </a:r>
+            <a:br>
+              <a:rPr kumimoji="0" lang="hu-HU" altLang="hu-HU" sz="1200" b="0" i="0" u="none" strike="noStrike" cap="none" normalizeH="0" baseline="0" dirty="0">
+                <a:ln>
+                  <a:noFill/>
+                </a:ln>
+                <a:solidFill>
+                  <a:srgbClr val="A9B7C6"/>
+                </a:solidFill>
+                <a:effectLst/>
+                <a:latin typeface="JetBrains Mono"/>
+              </a:rPr>
+            </a:br>
+            <a:r>
+              <a:rPr kumimoji="0" lang="hu-HU" altLang="hu-HU" sz="1200" b="0" i="0" u="none" strike="noStrike" cap="none" normalizeH="0" baseline="0" dirty="0">
+                <a:ln>
+                  <a:noFill/>
+                </a:ln>
+                <a:solidFill>
+                  <a:srgbClr val="A9B7C6"/>
+                </a:solidFill>
+                <a:effectLst/>
+                <a:latin typeface="JetBrains Mono"/>
+              </a:rPr>
+              <a:t>    </a:t>
+            </a:r>
+            <a:r>
+              <a:rPr kumimoji="0" lang="hu-HU" altLang="hu-HU" sz="1200" b="0" i="0" u="none" strike="noStrike" cap="none" normalizeH="0" baseline="0" dirty="0" err="1">
+                <a:ln>
+                  <a:noFill/>
+                </a:ln>
+                <a:solidFill>
+                  <a:srgbClr val="CC7832"/>
+                </a:solidFill>
+                <a:effectLst/>
+                <a:latin typeface="JetBrains Mono"/>
+              </a:rPr>
+              <a:t>val</a:t>
+            </a:r>
+            <a:r>
+              <a:rPr kumimoji="0" lang="hu-HU" altLang="hu-HU" sz="1200" b="0" i="0" u="none" strike="noStrike" cap="none" normalizeH="0" baseline="0" dirty="0">
+                <a:ln>
+                  <a:noFill/>
+                </a:ln>
+                <a:solidFill>
+                  <a:srgbClr val="CC7832"/>
+                </a:solidFill>
+                <a:effectLst/>
+                <a:latin typeface="JetBrains Mono"/>
+              </a:rPr>
+              <a:t> </a:t>
+            </a:r>
+            <a:r>
+              <a:rPr kumimoji="0" lang="hu-HU" altLang="hu-HU" sz="1200" b="0" i="0" u="none" strike="noStrike" cap="none" normalizeH="0" baseline="0" dirty="0" err="1">
+                <a:ln>
+                  <a:noFill/>
+                </a:ln>
+                <a:solidFill>
+                  <a:srgbClr val="A9B7C6"/>
+                </a:solidFill>
+                <a:effectLst/>
+                <a:latin typeface="JetBrains Mono"/>
+              </a:rPr>
+              <a:t>options</a:t>
+            </a:r>
+            <a:r>
+              <a:rPr kumimoji="0" lang="hu-HU" altLang="hu-HU" sz="1200" b="0" i="0" u="none" strike="noStrike" cap="none" normalizeH="0" baseline="0" dirty="0">
+                <a:ln>
+                  <a:noFill/>
+                </a:ln>
+                <a:solidFill>
+                  <a:srgbClr val="A9B7C6"/>
+                </a:solidFill>
+                <a:effectLst/>
+                <a:latin typeface="JetBrains Mono"/>
+              </a:rPr>
+              <a:t> = </a:t>
+            </a:r>
+            <a:r>
+              <a:rPr kumimoji="0" lang="hu-HU" altLang="hu-HU" sz="1200" b="0" i="1" u="none" strike="noStrike" cap="none" normalizeH="0" baseline="0" dirty="0" err="1">
+                <a:ln>
+                  <a:noFill/>
+                </a:ln>
+                <a:solidFill>
+                  <a:srgbClr val="A9B7C6"/>
+                </a:solidFill>
+                <a:effectLst/>
+                <a:latin typeface="JetBrains Mono"/>
+              </a:rPr>
+              <a:t>listOf</a:t>
+            </a:r>
+            <a:r>
+              <a:rPr kumimoji="0" lang="hu-HU" altLang="hu-HU" sz="1200" b="0" i="0" u="none" strike="noStrike" cap="none" normalizeH="0" baseline="0" dirty="0">
+                <a:ln>
+                  <a:noFill/>
+                </a:ln>
+                <a:solidFill>
+                  <a:srgbClr val="A9B7C6"/>
+                </a:solidFill>
+                <a:effectLst/>
+                <a:latin typeface="JetBrains Mono"/>
+              </a:rPr>
+              <a:t>(</a:t>
+            </a:r>
+            <a:r>
+              <a:rPr kumimoji="0" lang="hu-HU" altLang="hu-HU" sz="1200" b="0" i="0" u="none" strike="noStrike" cap="none" normalizeH="0" baseline="0" dirty="0">
+                <a:ln>
+                  <a:noFill/>
+                </a:ln>
+                <a:solidFill>
+                  <a:srgbClr val="6A8759"/>
+                </a:solidFill>
+                <a:effectLst/>
+                <a:latin typeface="JetBrains Mono"/>
+              </a:rPr>
+              <a:t>"Szerkesztés"</a:t>
+            </a:r>
+            <a:r>
+              <a:rPr kumimoji="0" lang="hu-HU" altLang="hu-HU" sz="1200" b="0" i="0" u="none" strike="noStrike" cap="none" normalizeH="0" baseline="0" dirty="0">
+                <a:ln>
+                  <a:noFill/>
+                </a:ln>
+                <a:solidFill>
+                  <a:srgbClr val="CC7832"/>
+                </a:solidFill>
+                <a:effectLst/>
+                <a:latin typeface="JetBrains Mono"/>
+              </a:rPr>
+              <a:t>, </a:t>
+            </a:r>
+            <a:r>
+              <a:rPr kumimoji="0" lang="hu-HU" altLang="hu-HU" sz="1200" b="0" i="0" u="none" strike="noStrike" cap="none" normalizeH="0" baseline="0" dirty="0">
+                <a:ln>
+                  <a:noFill/>
+                </a:ln>
+                <a:solidFill>
+                  <a:srgbClr val="6A8759"/>
+                </a:solidFill>
+                <a:effectLst/>
+                <a:latin typeface="JetBrains Mono"/>
+              </a:rPr>
+              <a:t>"Törlés"</a:t>
+            </a:r>
+            <a:r>
+              <a:rPr kumimoji="0" lang="hu-HU" altLang="hu-HU" sz="1200" b="0" i="0" u="none" strike="noStrike" cap="none" normalizeH="0" baseline="0" dirty="0">
+                <a:ln>
+                  <a:noFill/>
+                </a:ln>
+                <a:solidFill>
+                  <a:srgbClr val="A9B7C6"/>
+                </a:solidFill>
+                <a:effectLst/>
+                <a:latin typeface="JetBrains Mono"/>
+              </a:rPr>
+              <a:t>)</a:t>
+            </a:r>
+            <a:br>
+              <a:rPr kumimoji="0" lang="hu-HU" altLang="hu-HU" sz="1200" b="0" i="0" u="none" strike="noStrike" cap="none" normalizeH="0" baseline="0" dirty="0">
+                <a:ln>
+                  <a:noFill/>
+                </a:ln>
+                <a:solidFill>
+                  <a:srgbClr val="A9B7C6"/>
+                </a:solidFill>
+                <a:effectLst/>
+                <a:latin typeface="JetBrains Mono"/>
+              </a:rPr>
+            </a:br>
+            <a:r>
+              <a:rPr kumimoji="0" lang="hu-HU" altLang="hu-HU" sz="1200" b="0" i="0" u="none" strike="noStrike" cap="none" normalizeH="0" baseline="0" dirty="0">
+                <a:ln>
+                  <a:noFill/>
+                </a:ln>
+                <a:solidFill>
+                  <a:srgbClr val="A9B7C6"/>
+                </a:solidFill>
+                <a:effectLst/>
+                <a:latin typeface="JetBrains Mono"/>
+              </a:rPr>
+              <a:t>    </a:t>
+            </a:r>
+            <a:r>
+              <a:rPr kumimoji="0" lang="hu-HU" altLang="hu-HU" sz="1200" b="0" i="0" u="none" strike="noStrike" cap="none" normalizeH="0" baseline="0" dirty="0" err="1">
+                <a:ln>
+                  <a:noFill/>
+                </a:ln>
+                <a:solidFill>
+                  <a:srgbClr val="CC7832"/>
+                </a:solidFill>
+                <a:effectLst/>
+                <a:latin typeface="JetBrains Mono"/>
+              </a:rPr>
+              <a:t>val</a:t>
+            </a:r>
+            <a:r>
+              <a:rPr kumimoji="0" lang="hu-HU" altLang="hu-HU" sz="1200" b="0" i="0" u="none" strike="noStrike" cap="none" normalizeH="0" baseline="0" dirty="0">
+                <a:ln>
+                  <a:noFill/>
+                </a:ln>
+                <a:solidFill>
+                  <a:srgbClr val="CC7832"/>
+                </a:solidFill>
+                <a:effectLst/>
+                <a:latin typeface="JetBrains Mono"/>
+              </a:rPr>
+              <a:t> </a:t>
+            </a:r>
+            <a:r>
+              <a:rPr kumimoji="0" lang="hu-HU" altLang="hu-HU" sz="1200" b="0" i="0" u="none" strike="noStrike" cap="none" normalizeH="0" baseline="0" dirty="0">
+                <a:ln>
+                  <a:noFill/>
+                </a:ln>
+                <a:solidFill>
+                  <a:srgbClr val="A9B7C6"/>
+                </a:solidFill>
+                <a:effectLst/>
+                <a:latin typeface="JetBrains Mono"/>
+              </a:rPr>
+              <a:t>dialog = </a:t>
+            </a:r>
+            <a:r>
+              <a:rPr kumimoji="0" lang="hu-HU" altLang="hu-HU" sz="1200" b="0" i="0" u="none" strike="noStrike" cap="none" normalizeH="0" baseline="0" dirty="0" err="1">
+                <a:ln>
+                  <a:noFill/>
+                </a:ln>
+                <a:solidFill>
+                  <a:srgbClr val="A9B7C6"/>
+                </a:solidFill>
+                <a:effectLst/>
+                <a:latin typeface="JetBrains Mono"/>
+              </a:rPr>
+              <a:t>MaterialDialog</a:t>
+            </a:r>
+            <a:r>
+              <a:rPr kumimoji="0" lang="hu-HU" altLang="hu-HU" sz="1200" b="0" i="0" u="none" strike="noStrike" cap="none" normalizeH="0" baseline="0" dirty="0">
+                <a:ln>
+                  <a:noFill/>
+                </a:ln>
+                <a:solidFill>
+                  <a:srgbClr val="A9B7C6"/>
+                </a:solidFill>
+                <a:effectLst/>
+                <a:latin typeface="JetBrains Mono"/>
+              </a:rPr>
+              <a:t>(</a:t>
+            </a:r>
+            <a:r>
+              <a:rPr kumimoji="0" lang="hu-HU" altLang="hu-HU" sz="1200" b="0" i="0" u="none" strike="noStrike" cap="none" normalizeH="0" baseline="0" dirty="0" err="1">
+                <a:ln>
+                  <a:noFill/>
+                </a:ln>
+                <a:solidFill>
+                  <a:srgbClr val="A9B7C6"/>
+                </a:solidFill>
+                <a:effectLst/>
+                <a:latin typeface="JetBrains Mono"/>
+              </a:rPr>
+              <a:t>requireContext</a:t>
+            </a:r>
+            <a:r>
+              <a:rPr kumimoji="0" lang="hu-HU" altLang="hu-HU" sz="1200" b="0" i="0" u="none" strike="noStrike" cap="none" normalizeH="0" baseline="0" dirty="0">
+                <a:ln>
+                  <a:noFill/>
+                </a:ln>
+                <a:solidFill>
+                  <a:srgbClr val="A9B7C6"/>
+                </a:solidFill>
+                <a:effectLst/>
+                <a:latin typeface="JetBrains Mono"/>
+              </a:rPr>
+              <a:t>()</a:t>
+            </a:r>
+            <a:r>
+              <a:rPr kumimoji="0" lang="hu-HU" altLang="hu-HU" sz="1200" b="0" i="0" u="none" strike="noStrike" cap="none" normalizeH="0" baseline="0" dirty="0">
+                <a:ln>
+                  <a:noFill/>
+                </a:ln>
+                <a:solidFill>
+                  <a:srgbClr val="CC7832"/>
+                </a:solidFill>
+                <a:effectLst/>
+                <a:latin typeface="JetBrains Mono"/>
+              </a:rPr>
+              <a:t>, </a:t>
+            </a:r>
+            <a:r>
+              <a:rPr kumimoji="0" lang="hu-HU" altLang="hu-HU" sz="1200" b="0" i="0" u="none" strike="noStrike" cap="none" normalizeH="0" baseline="0" dirty="0" err="1">
+                <a:ln>
+                  <a:noFill/>
+                </a:ln>
+                <a:solidFill>
+                  <a:srgbClr val="A9B7C6"/>
+                </a:solidFill>
+                <a:effectLst/>
+                <a:latin typeface="JetBrains Mono"/>
+              </a:rPr>
+              <a:t>BottomSheet</a:t>
+            </a:r>
+            <a:r>
+              <a:rPr kumimoji="0" lang="hu-HU" altLang="hu-HU" sz="1200" b="0" i="0" u="none" strike="noStrike" cap="none" normalizeH="0" baseline="0" dirty="0">
+                <a:ln>
+                  <a:noFill/>
+                </a:ln>
+                <a:solidFill>
+                  <a:srgbClr val="A9B7C6"/>
+                </a:solidFill>
+                <a:effectLst/>
+                <a:latin typeface="JetBrains Mono"/>
+              </a:rPr>
+              <a:t>(</a:t>
+            </a:r>
+            <a:r>
+              <a:rPr kumimoji="0" lang="hu-HU" altLang="hu-HU" sz="1200" b="0" i="0" u="none" strike="noStrike" cap="none" normalizeH="0" baseline="0" dirty="0" err="1">
+                <a:ln>
+                  <a:noFill/>
+                </a:ln>
+                <a:solidFill>
+                  <a:srgbClr val="A9B7C6"/>
+                </a:solidFill>
+                <a:effectLst/>
+                <a:latin typeface="JetBrains Mono"/>
+              </a:rPr>
+              <a:t>LayoutMode.</a:t>
+            </a:r>
+            <a:r>
+              <a:rPr kumimoji="0" lang="hu-HU" altLang="hu-HU" sz="1200" b="0" i="1" u="none" strike="noStrike" cap="none" normalizeH="0" baseline="0" dirty="0" err="1">
+                <a:ln>
+                  <a:noFill/>
+                </a:ln>
+                <a:solidFill>
+                  <a:srgbClr val="9876AA"/>
+                </a:solidFill>
+                <a:effectLst/>
+                <a:latin typeface="JetBrains Mono"/>
+              </a:rPr>
+              <a:t>WRAP_CONTENT</a:t>
+            </a:r>
+            <a:r>
+              <a:rPr kumimoji="0" lang="hu-HU" altLang="hu-HU" sz="1200" b="0" i="0" u="none" strike="noStrike" cap="none" normalizeH="0" baseline="0" dirty="0">
+                <a:ln>
+                  <a:noFill/>
+                </a:ln>
+                <a:solidFill>
+                  <a:srgbClr val="A9B7C6"/>
+                </a:solidFill>
+                <a:effectLst/>
+                <a:latin typeface="JetBrains Mono"/>
+              </a:rPr>
+              <a:t>))</a:t>
+            </a:r>
+            <a:br>
+              <a:rPr kumimoji="0" lang="hu-HU" altLang="hu-HU" sz="1200" b="0" i="0" u="none" strike="noStrike" cap="none" normalizeH="0" baseline="0" dirty="0">
+                <a:ln>
+                  <a:noFill/>
+                </a:ln>
+                <a:solidFill>
+                  <a:srgbClr val="A9B7C6"/>
+                </a:solidFill>
+                <a:effectLst/>
+                <a:latin typeface="JetBrains Mono"/>
+              </a:rPr>
+            </a:br>
+            <a:r>
+              <a:rPr kumimoji="0" lang="hu-HU" altLang="hu-HU" sz="1200" b="0" i="0" u="none" strike="noStrike" cap="none" normalizeH="0" baseline="0" dirty="0">
+                <a:ln>
+                  <a:noFill/>
+                </a:ln>
+                <a:solidFill>
+                  <a:srgbClr val="A9B7C6"/>
+                </a:solidFill>
+                <a:effectLst/>
+                <a:latin typeface="JetBrains Mono"/>
+              </a:rPr>
+              <a:t>    </a:t>
+            </a:r>
+            <a:r>
+              <a:rPr kumimoji="0" lang="hu-HU" altLang="hu-HU" sz="1200" b="0" i="0" u="none" strike="noStrike" cap="none" normalizeH="0" baseline="0" dirty="0" err="1">
+                <a:ln>
+                  <a:noFill/>
+                </a:ln>
+                <a:solidFill>
+                  <a:srgbClr val="A9B7C6"/>
+                </a:solidFill>
+                <a:effectLst/>
+                <a:latin typeface="JetBrains Mono"/>
+              </a:rPr>
+              <a:t>dialog.show</a:t>
+            </a:r>
+            <a:r>
+              <a:rPr kumimoji="0" lang="hu-HU" altLang="hu-HU" sz="1200" b="0" i="0" u="none" strike="noStrike" cap="none" normalizeH="0" baseline="0" dirty="0">
+                <a:ln>
+                  <a:noFill/>
+                </a:ln>
+                <a:solidFill>
+                  <a:srgbClr val="A9B7C6"/>
+                </a:solidFill>
+                <a:effectLst/>
+                <a:latin typeface="JetBrains Mono"/>
+              </a:rPr>
+              <a:t> </a:t>
+            </a:r>
+            <a:r>
+              <a:rPr kumimoji="0" lang="hu-HU" altLang="hu-HU" sz="1200" b="1" i="0" u="none" strike="noStrike" cap="none" normalizeH="0" baseline="0" dirty="0">
+                <a:ln>
+                  <a:noFill/>
+                </a:ln>
+                <a:solidFill>
+                  <a:srgbClr val="A9B7C6"/>
+                </a:solidFill>
+                <a:effectLst/>
+                <a:latin typeface="JetBrains Mono"/>
+              </a:rPr>
+              <a:t>{</a:t>
+            </a:r>
+            <a:br>
+              <a:rPr kumimoji="0" lang="hu-HU" altLang="hu-HU" sz="1200" b="1" i="0" u="none" strike="noStrike" cap="none" normalizeH="0" baseline="0" dirty="0">
+                <a:ln>
+                  <a:noFill/>
+                </a:ln>
+                <a:solidFill>
+                  <a:srgbClr val="A9B7C6"/>
+                </a:solidFill>
+                <a:effectLst/>
+                <a:latin typeface="JetBrains Mono"/>
+              </a:rPr>
+            </a:br>
+            <a:r>
+              <a:rPr kumimoji="0" lang="hu-HU" altLang="hu-HU" sz="1200" b="1" i="0" u="none" strike="noStrike" cap="none" normalizeH="0" baseline="0" dirty="0">
+                <a:ln>
+                  <a:noFill/>
+                </a:ln>
+                <a:solidFill>
+                  <a:srgbClr val="A9B7C6"/>
+                </a:solidFill>
+                <a:effectLst/>
+                <a:latin typeface="JetBrains Mono"/>
+              </a:rPr>
+              <a:t>        </a:t>
+            </a:r>
+            <a:r>
+              <a:rPr kumimoji="0" lang="hu-HU" altLang="hu-HU" sz="1200" b="0" i="0" u="none" strike="noStrike" cap="none" normalizeH="0" baseline="0" dirty="0" err="1">
+                <a:ln>
+                  <a:noFill/>
+                </a:ln>
+                <a:solidFill>
+                  <a:srgbClr val="A9B7C6"/>
+                </a:solidFill>
+                <a:effectLst/>
+                <a:latin typeface="JetBrains Mono"/>
+              </a:rPr>
+              <a:t>title</a:t>
+            </a:r>
+            <a:r>
+              <a:rPr kumimoji="0" lang="hu-HU" altLang="hu-HU" sz="1200" b="0" i="0" u="none" strike="noStrike" cap="none" normalizeH="0" baseline="0" dirty="0">
+                <a:ln>
+                  <a:noFill/>
+                </a:ln>
+                <a:solidFill>
+                  <a:srgbClr val="A9B7C6"/>
+                </a:solidFill>
+                <a:effectLst/>
+                <a:latin typeface="JetBrains Mono"/>
+              </a:rPr>
+              <a:t>(</a:t>
+            </a:r>
+            <a:r>
+              <a:rPr kumimoji="0" lang="hu-HU" altLang="hu-HU" sz="1200" b="0" i="0" u="none" strike="noStrike" cap="none" normalizeH="0" baseline="0" dirty="0">
+                <a:ln>
+                  <a:noFill/>
+                </a:ln>
+                <a:solidFill>
+                  <a:srgbClr val="467CDA"/>
+                </a:solidFill>
+                <a:effectLst/>
+                <a:latin typeface="JetBrains Mono"/>
+              </a:rPr>
+              <a:t>text = </a:t>
+            </a:r>
+            <a:r>
+              <a:rPr kumimoji="0" lang="hu-HU" altLang="hu-HU" sz="1200" b="0" i="0" u="none" strike="noStrike" cap="none" normalizeH="0" baseline="0" dirty="0">
+                <a:ln>
+                  <a:noFill/>
+                </a:ln>
+                <a:solidFill>
+                  <a:srgbClr val="A9B7C6"/>
+                </a:solidFill>
+                <a:effectLst/>
+                <a:latin typeface="JetBrains Mono"/>
+              </a:rPr>
+              <a:t>shoppingItem.</a:t>
+            </a:r>
+            <a:r>
+              <a:rPr kumimoji="0" lang="hu-HU" altLang="hu-HU" sz="1200" b="0" i="0" u="none" strike="noStrike" cap="none" normalizeH="0" baseline="0" dirty="0">
+                <a:ln>
+                  <a:noFill/>
+                </a:ln>
+                <a:solidFill>
+                  <a:srgbClr val="9876AA"/>
+                </a:solidFill>
+                <a:effectLst/>
+                <a:latin typeface="JetBrains Mono"/>
+              </a:rPr>
+              <a:t>name</a:t>
+            </a:r>
+            <a:r>
+              <a:rPr kumimoji="0" lang="hu-HU" altLang="hu-HU" sz="1200" b="0" i="0" u="none" strike="noStrike" cap="none" normalizeH="0" baseline="0" dirty="0">
+                <a:ln>
+                  <a:noFill/>
+                </a:ln>
+                <a:solidFill>
+                  <a:srgbClr val="A9B7C6"/>
+                </a:solidFill>
+                <a:effectLst/>
+                <a:latin typeface="JetBrains Mono"/>
+              </a:rPr>
+              <a:t>)</a:t>
+            </a:r>
+            <a:br>
+              <a:rPr kumimoji="0" lang="hu-HU" altLang="hu-HU" sz="1200" b="0" i="0" u="none" strike="noStrike" cap="none" normalizeH="0" baseline="0" dirty="0">
+                <a:ln>
+                  <a:noFill/>
+                </a:ln>
+                <a:solidFill>
+                  <a:srgbClr val="A9B7C6"/>
+                </a:solidFill>
+                <a:effectLst/>
+                <a:latin typeface="JetBrains Mono"/>
+              </a:rPr>
+            </a:br>
+            <a:r>
+              <a:rPr kumimoji="0" lang="hu-HU" altLang="hu-HU" sz="1200" b="0" i="0" u="none" strike="noStrike" cap="none" normalizeH="0" baseline="0" dirty="0">
+                <a:ln>
+                  <a:noFill/>
+                </a:ln>
+                <a:solidFill>
+                  <a:srgbClr val="A9B7C6"/>
+                </a:solidFill>
+                <a:effectLst/>
+                <a:latin typeface="JetBrains Mono"/>
+              </a:rPr>
+              <a:t>        </a:t>
+            </a:r>
+            <a:r>
+              <a:rPr kumimoji="0" lang="hu-HU" altLang="hu-HU" sz="1200" b="0" i="1" u="none" strike="noStrike" cap="none" normalizeH="0" baseline="0" dirty="0" err="1">
+                <a:ln>
+                  <a:noFill/>
+                </a:ln>
+                <a:solidFill>
+                  <a:srgbClr val="FFC66D"/>
+                </a:solidFill>
+                <a:effectLst/>
+                <a:latin typeface="JetBrains Mono"/>
+              </a:rPr>
+              <a:t>listItems</a:t>
+            </a:r>
+            <a:r>
+              <a:rPr kumimoji="0" lang="hu-HU" altLang="hu-HU" sz="1200" b="0" i="0" u="none" strike="noStrike" cap="none" normalizeH="0" baseline="0" dirty="0">
+                <a:ln>
+                  <a:noFill/>
+                </a:ln>
+                <a:solidFill>
+                  <a:srgbClr val="A9B7C6"/>
+                </a:solidFill>
+                <a:effectLst/>
+                <a:latin typeface="JetBrains Mono"/>
+              </a:rPr>
+              <a:t>(</a:t>
+            </a:r>
+            <a:r>
+              <a:rPr kumimoji="0" lang="hu-HU" altLang="hu-HU" sz="1200" b="0" i="0" u="none" strike="noStrike" cap="none" normalizeH="0" baseline="0" dirty="0" err="1">
+                <a:ln>
+                  <a:noFill/>
+                </a:ln>
+                <a:solidFill>
+                  <a:srgbClr val="467CDA"/>
+                </a:solidFill>
+                <a:effectLst/>
+                <a:latin typeface="JetBrains Mono"/>
+              </a:rPr>
+              <a:t>items</a:t>
+            </a:r>
+            <a:r>
+              <a:rPr kumimoji="0" lang="hu-HU" altLang="hu-HU" sz="1200" b="0" i="0" u="none" strike="noStrike" cap="none" normalizeH="0" baseline="0" dirty="0">
+                <a:ln>
+                  <a:noFill/>
+                </a:ln>
+                <a:solidFill>
+                  <a:srgbClr val="467CDA"/>
+                </a:solidFill>
+                <a:effectLst/>
+                <a:latin typeface="JetBrains Mono"/>
+              </a:rPr>
+              <a:t> = </a:t>
+            </a:r>
+            <a:r>
+              <a:rPr kumimoji="0" lang="hu-HU" altLang="hu-HU" sz="1200" b="0" i="0" u="none" strike="noStrike" cap="none" normalizeH="0" baseline="0" dirty="0" err="1">
+                <a:ln>
+                  <a:noFill/>
+                </a:ln>
+                <a:solidFill>
+                  <a:srgbClr val="A9B7C6"/>
+                </a:solidFill>
+                <a:effectLst/>
+                <a:latin typeface="JetBrains Mono"/>
+              </a:rPr>
+              <a:t>options</a:t>
+            </a:r>
+            <a:r>
+              <a:rPr kumimoji="0" lang="hu-HU" altLang="hu-HU" sz="1200" b="0" i="0" u="none" strike="noStrike" cap="none" normalizeH="0" baseline="0" dirty="0">
+                <a:ln>
+                  <a:noFill/>
+                </a:ln>
+                <a:solidFill>
+                  <a:srgbClr val="A9B7C6"/>
+                </a:solidFill>
+                <a:effectLst/>
+                <a:latin typeface="JetBrains Mono"/>
+              </a:rPr>
+              <a:t>) </a:t>
+            </a:r>
+            <a:r>
+              <a:rPr kumimoji="0" lang="hu-HU" altLang="hu-HU" sz="1200" b="1" i="0" u="none" strike="noStrike" cap="none" normalizeH="0" baseline="0" dirty="0">
+                <a:ln>
+                  <a:noFill/>
+                </a:ln>
+                <a:solidFill>
+                  <a:srgbClr val="A9B7C6"/>
+                </a:solidFill>
+                <a:effectLst/>
+                <a:latin typeface="JetBrains Mono"/>
+              </a:rPr>
+              <a:t>{ </a:t>
+            </a:r>
+            <a:r>
+              <a:rPr kumimoji="0" lang="hu-HU" altLang="hu-HU" sz="1200" b="0" i="0" u="none" strike="noStrike" cap="none" normalizeH="0" baseline="0" dirty="0">
+                <a:ln>
+                  <a:noFill/>
+                </a:ln>
+                <a:solidFill>
+                  <a:srgbClr val="A9B7C6"/>
+                </a:solidFill>
+                <a:effectLst/>
+                <a:latin typeface="JetBrains Mono"/>
+              </a:rPr>
+              <a:t>dialog</a:t>
+            </a:r>
+            <a:r>
+              <a:rPr kumimoji="0" lang="hu-HU" altLang="hu-HU" sz="1200" b="0" i="0" u="none" strike="noStrike" cap="none" normalizeH="0" baseline="0" dirty="0">
+                <a:ln>
+                  <a:noFill/>
+                </a:ln>
+                <a:solidFill>
+                  <a:srgbClr val="CC7832"/>
+                </a:solidFill>
+                <a:effectLst/>
+                <a:latin typeface="JetBrains Mono"/>
+              </a:rPr>
+              <a:t>, </a:t>
+            </a:r>
+            <a:r>
+              <a:rPr kumimoji="0" lang="hu-HU" altLang="hu-HU" sz="1200" b="0" i="0" u="none" strike="noStrike" cap="none" normalizeH="0" baseline="0" dirty="0">
+                <a:ln>
+                  <a:noFill/>
+                </a:ln>
+                <a:solidFill>
+                  <a:srgbClr val="A9B7C6"/>
+                </a:solidFill>
+                <a:effectLst/>
+                <a:latin typeface="JetBrains Mono"/>
+              </a:rPr>
+              <a:t>index</a:t>
+            </a:r>
+            <a:r>
+              <a:rPr kumimoji="0" lang="hu-HU" altLang="hu-HU" sz="1200" b="0" i="0" u="none" strike="noStrike" cap="none" normalizeH="0" baseline="0" dirty="0">
+                <a:ln>
+                  <a:noFill/>
+                </a:ln>
+                <a:solidFill>
+                  <a:srgbClr val="CC7832"/>
+                </a:solidFill>
+                <a:effectLst/>
+                <a:latin typeface="JetBrains Mono"/>
+              </a:rPr>
+              <a:t>, </a:t>
+            </a:r>
+            <a:r>
+              <a:rPr kumimoji="0" lang="hu-HU" altLang="hu-HU" sz="1200" b="0" i="0" u="none" strike="noStrike" cap="none" normalizeH="0" baseline="0" dirty="0">
+                <a:ln>
+                  <a:noFill/>
+                </a:ln>
+                <a:solidFill>
+                  <a:srgbClr val="A9B7C6"/>
+                </a:solidFill>
+                <a:effectLst/>
+                <a:latin typeface="JetBrains Mono"/>
+              </a:rPr>
+              <a:t>text </a:t>
+            </a:r>
+            <a:r>
+              <a:rPr kumimoji="0" lang="hu-HU" altLang="hu-HU" sz="1200" b="1" i="0" u="none" strike="noStrike" cap="none" normalizeH="0" baseline="0" dirty="0">
+                <a:ln>
+                  <a:noFill/>
+                </a:ln>
+                <a:solidFill>
+                  <a:srgbClr val="A9B7C6"/>
+                </a:solidFill>
+                <a:effectLst/>
+                <a:latin typeface="JetBrains Mono"/>
+              </a:rPr>
+              <a:t>-&gt;</a:t>
+            </a:r>
+            <a:br>
+              <a:rPr kumimoji="0" lang="hu-HU" altLang="hu-HU" sz="1200" b="1" i="0" u="none" strike="noStrike" cap="none" normalizeH="0" baseline="0" dirty="0">
+                <a:ln>
+                  <a:noFill/>
+                </a:ln>
+                <a:solidFill>
+                  <a:srgbClr val="A9B7C6"/>
+                </a:solidFill>
+                <a:effectLst/>
+                <a:latin typeface="JetBrains Mono"/>
+              </a:rPr>
+            </a:br>
+            <a:r>
+              <a:rPr kumimoji="0" lang="hu-HU" altLang="hu-HU" sz="1200" b="1" i="0" u="none" strike="noStrike" cap="none" normalizeH="0" baseline="0" dirty="0">
+                <a:ln>
+                  <a:noFill/>
+                </a:ln>
+                <a:solidFill>
+                  <a:srgbClr val="A9B7C6"/>
+                </a:solidFill>
+                <a:effectLst/>
+                <a:latin typeface="JetBrains Mono"/>
+              </a:rPr>
+              <a:t>            </a:t>
+            </a:r>
+            <a:r>
+              <a:rPr kumimoji="0" lang="hu-HU" altLang="hu-HU" sz="1200" b="0" i="0" u="none" strike="noStrike" cap="none" normalizeH="0" baseline="0" dirty="0" err="1">
+                <a:ln>
+                  <a:noFill/>
+                </a:ln>
+                <a:solidFill>
+                  <a:srgbClr val="CC7832"/>
+                </a:solidFill>
+                <a:effectLst/>
+                <a:latin typeface="JetBrains Mono"/>
+              </a:rPr>
+              <a:t>when</a:t>
+            </a:r>
+            <a:r>
+              <a:rPr kumimoji="0" lang="hu-HU" altLang="hu-HU" sz="1200" b="0" i="0" u="none" strike="noStrike" cap="none" normalizeH="0" baseline="0" dirty="0">
+                <a:ln>
+                  <a:noFill/>
+                </a:ln>
+                <a:solidFill>
+                  <a:srgbClr val="CC7832"/>
+                </a:solidFill>
+                <a:effectLst/>
+                <a:latin typeface="JetBrains Mono"/>
+              </a:rPr>
+              <a:t> </a:t>
+            </a:r>
+            <a:r>
+              <a:rPr kumimoji="0" lang="hu-HU" altLang="hu-HU" sz="1200" b="0" i="0" u="none" strike="noStrike" cap="none" normalizeH="0" baseline="0" dirty="0">
+                <a:ln>
+                  <a:noFill/>
+                </a:ln>
+                <a:solidFill>
+                  <a:srgbClr val="A9B7C6"/>
+                </a:solidFill>
+                <a:effectLst/>
+                <a:latin typeface="JetBrains Mono"/>
+              </a:rPr>
+              <a:t>(index) {</a:t>
+            </a:r>
+            <a:br>
+              <a:rPr kumimoji="0" lang="hu-HU" altLang="hu-HU" sz="1200" b="0" i="0" u="none" strike="noStrike" cap="none" normalizeH="0" baseline="0" dirty="0">
+                <a:ln>
+                  <a:noFill/>
+                </a:ln>
+                <a:solidFill>
+                  <a:srgbClr val="A9B7C6"/>
+                </a:solidFill>
+                <a:effectLst/>
+                <a:latin typeface="JetBrains Mono"/>
+              </a:rPr>
+            </a:br>
+            <a:r>
+              <a:rPr kumimoji="0" lang="hu-HU" altLang="hu-HU" sz="1200" b="0" i="0" u="none" strike="noStrike" cap="none" normalizeH="0" baseline="0" dirty="0">
+                <a:ln>
+                  <a:noFill/>
+                </a:ln>
+                <a:solidFill>
+                  <a:srgbClr val="A9B7C6"/>
+                </a:solidFill>
+                <a:effectLst/>
+                <a:latin typeface="JetBrains Mono"/>
+              </a:rPr>
+              <a:t>                </a:t>
+            </a:r>
+            <a:r>
+              <a:rPr kumimoji="0" lang="hu-HU" altLang="hu-HU" sz="1200" b="0" i="0" u="none" strike="noStrike" cap="none" normalizeH="0" baseline="0" dirty="0">
+                <a:ln>
+                  <a:noFill/>
+                </a:ln>
+                <a:solidFill>
+                  <a:srgbClr val="6897BB"/>
+                </a:solidFill>
+                <a:effectLst/>
+                <a:latin typeface="JetBrains Mono"/>
+              </a:rPr>
+              <a:t>0 </a:t>
+            </a:r>
+            <a:r>
+              <a:rPr kumimoji="0" lang="hu-HU" altLang="hu-HU" sz="1200" b="0" i="0" u="none" strike="noStrike" cap="none" normalizeH="0" baseline="0" dirty="0">
+                <a:ln>
+                  <a:noFill/>
+                </a:ln>
+                <a:solidFill>
+                  <a:srgbClr val="A9B7C6"/>
+                </a:solidFill>
+                <a:effectLst/>
+                <a:latin typeface="JetBrains Mono"/>
+              </a:rPr>
+              <a:t>-&gt; </a:t>
+            </a:r>
+            <a:r>
+              <a:rPr kumimoji="0" lang="hu-HU" altLang="hu-HU" sz="1200" b="0" i="0" u="none" strike="noStrike" cap="none" normalizeH="0" baseline="0" dirty="0" err="1">
+                <a:ln>
+                  <a:noFill/>
+                </a:ln>
+                <a:solidFill>
+                  <a:srgbClr val="A9B7C6"/>
+                </a:solidFill>
+                <a:effectLst/>
+                <a:latin typeface="JetBrains Mono"/>
+              </a:rPr>
+              <a:t>showEditDialog</a:t>
+            </a:r>
+            <a:r>
+              <a:rPr kumimoji="0" lang="hu-HU" altLang="hu-HU" sz="1200" b="0" i="0" u="none" strike="noStrike" cap="none" normalizeH="0" baseline="0" dirty="0">
+                <a:ln>
+                  <a:noFill/>
+                </a:ln>
+                <a:solidFill>
+                  <a:srgbClr val="A9B7C6"/>
+                </a:solidFill>
+                <a:effectLst/>
+                <a:latin typeface="JetBrains Mono"/>
+              </a:rPr>
+              <a:t>(</a:t>
+            </a:r>
+            <a:r>
+              <a:rPr kumimoji="0" lang="hu-HU" altLang="hu-HU" sz="1200" b="0" i="0" u="none" strike="noStrike" cap="none" normalizeH="0" baseline="0" dirty="0" err="1">
+                <a:ln>
+                  <a:noFill/>
+                </a:ln>
+                <a:solidFill>
+                  <a:srgbClr val="A9B7C6"/>
+                </a:solidFill>
+                <a:effectLst/>
+                <a:latin typeface="JetBrains Mono"/>
+              </a:rPr>
+              <a:t>shoppingItem</a:t>
+            </a:r>
+            <a:r>
+              <a:rPr kumimoji="0" lang="hu-HU" altLang="hu-HU" sz="1200" b="0" i="0" u="none" strike="noStrike" cap="none" normalizeH="0" baseline="0" dirty="0">
+                <a:ln>
+                  <a:noFill/>
+                </a:ln>
+                <a:solidFill>
+                  <a:srgbClr val="A9B7C6"/>
+                </a:solidFill>
+                <a:effectLst/>
+                <a:latin typeface="JetBrains Mono"/>
+              </a:rPr>
+              <a:t>)</a:t>
+            </a:r>
+            <a:br>
+              <a:rPr kumimoji="0" lang="hu-HU" altLang="hu-HU" sz="1200" b="0" i="0" u="none" strike="noStrike" cap="none" normalizeH="0" baseline="0" dirty="0">
+                <a:ln>
+                  <a:noFill/>
+                </a:ln>
+                <a:solidFill>
+                  <a:srgbClr val="A9B7C6"/>
+                </a:solidFill>
+                <a:effectLst/>
+                <a:latin typeface="JetBrains Mono"/>
+              </a:rPr>
+            </a:br>
+            <a:r>
+              <a:rPr kumimoji="0" lang="hu-HU" altLang="hu-HU" sz="1200" b="0" i="0" u="none" strike="noStrike" cap="none" normalizeH="0" baseline="0" dirty="0">
+                <a:ln>
+                  <a:noFill/>
+                </a:ln>
+                <a:solidFill>
+                  <a:srgbClr val="A9B7C6"/>
+                </a:solidFill>
+                <a:effectLst/>
+                <a:latin typeface="JetBrains Mono"/>
+              </a:rPr>
+              <a:t>                </a:t>
+            </a:r>
+            <a:r>
+              <a:rPr kumimoji="0" lang="hu-HU" altLang="hu-HU" sz="1200" b="0" i="0" u="none" strike="noStrike" cap="none" normalizeH="0" baseline="0" dirty="0">
+                <a:ln>
+                  <a:noFill/>
+                </a:ln>
+                <a:solidFill>
+                  <a:srgbClr val="6897BB"/>
+                </a:solidFill>
+                <a:effectLst/>
+                <a:latin typeface="JetBrains Mono"/>
+              </a:rPr>
+              <a:t>1 </a:t>
+            </a:r>
+            <a:r>
+              <a:rPr kumimoji="0" lang="hu-HU" altLang="hu-HU" sz="1200" b="0" i="0" u="none" strike="noStrike" cap="none" normalizeH="0" baseline="0" dirty="0">
+                <a:ln>
+                  <a:noFill/>
+                </a:ln>
+                <a:solidFill>
+                  <a:srgbClr val="A9B7C6"/>
+                </a:solidFill>
+                <a:effectLst/>
+                <a:latin typeface="JetBrains Mono"/>
+              </a:rPr>
+              <a:t>-&gt; </a:t>
+            </a:r>
+            <a:r>
+              <a:rPr kumimoji="0" lang="hu-HU" altLang="hu-HU" sz="1200" b="0" i="0" u="none" strike="noStrike" cap="none" normalizeH="0" baseline="0" dirty="0" err="1">
+                <a:ln>
+                  <a:noFill/>
+                </a:ln>
+                <a:solidFill>
+                  <a:srgbClr val="9876AA"/>
+                </a:solidFill>
+                <a:effectLst/>
+                <a:latin typeface="JetBrains Mono"/>
+              </a:rPr>
+              <a:t>shoppingListViewModel</a:t>
+            </a:r>
+            <a:r>
+              <a:rPr kumimoji="0" lang="hu-HU" altLang="hu-HU" sz="1200" b="0" i="0" u="none" strike="noStrike" cap="none" normalizeH="0" baseline="0" dirty="0" err="1">
+                <a:ln>
+                  <a:noFill/>
+                </a:ln>
+                <a:solidFill>
+                  <a:srgbClr val="A9B7C6"/>
+                </a:solidFill>
+                <a:effectLst/>
+                <a:latin typeface="JetBrains Mono"/>
+              </a:rPr>
+              <a:t>.deleteItem</a:t>
+            </a:r>
+            <a:r>
+              <a:rPr kumimoji="0" lang="hu-HU" altLang="hu-HU" sz="1200" b="0" i="0" u="none" strike="noStrike" cap="none" normalizeH="0" baseline="0" dirty="0">
+                <a:ln>
+                  <a:noFill/>
+                </a:ln>
+                <a:solidFill>
+                  <a:srgbClr val="A9B7C6"/>
+                </a:solidFill>
+                <a:effectLst/>
+                <a:latin typeface="JetBrains Mono"/>
+              </a:rPr>
+              <a:t>(</a:t>
+            </a:r>
+            <a:r>
+              <a:rPr kumimoji="0" lang="hu-HU" altLang="hu-HU" sz="1200" b="0" i="0" u="none" strike="noStrike" cap="none" normalizeH="0" baseline="0" dirty="0" err="1">
+                <a:ln>
+                  <a:noFill/>
+                </a:ln>
+                <a:solidFill>
+                  <a:srgbClr val="A9B7C6"/>
+                </a:solidFill>
+                <a:effectLst/>
+                <a:latin typeface="JetBrains Mono"/>
+              </a:rPr>
+              <a:t>shoppingItem</a:t>
+            </a:r>
+            <a:r>
+              <a:rPr kumimoji="0" lang="hu-HU" altLang="hu-HU" sz="1200" b="0" i="0" u="none" strike="noStrike" cap="none" normalizeH="0" baseline="0" dirty="0">
+                <a:ln>
+                  <a:noFill/>
+                </a:ln>
+                <a:solidFill>
+                  <a:srgbClr val="A9B7C6"/>
+                </a:solidFill>
+                <a:effectLst/>
+                <a:latin typeface="JetBrains Mono"/>
+              </a:rPr>
+              <a:t>)</a:t>
+            </a:r>
+            <a:br>
+              <a:rPr kumimoji="0" lang="hu-HU" altLang="hu-HU" sz="1200" b="0" i="0" u="none" strike="noStrike" cap="none" normalizeH="0" baseline="0" dirty="0">
+                <a:ln>
+                  <a:noFill/>
+                </a:ln>
+                <a:solidFill>
+                  <a:srgbClr val="A9B7C6"/>
+                </a:solidFill>
+                <a:effectLst/>
+                <a:latin typeface="JetBrains Mono"/>
+              </a:rPr>
+            </a:br>
+            <a:r>
+              <a:rPr kumimoji="0" lang="hu-HU" altLang="hu-HU" sz="1200" b="0" i="0" u="none" strike="noStrike" cap="none" normalizeH="0" baseline="0" dirty="0">
+                <a:ln>
+                  <a:noFill/>
+                </a:ln>
+                <a:solidFill>
+                  <a:srgbClr val="A9B7C6"/>
+                </a:solidFill>
+                <a:effectLst/>
+                <a:latin typeface="JetBrains Mono"/>
+              </a:rPr>
+              <a:t>            }</a:t>
+            </a:r>
+            <a:br>
+              <a:rPr kumimoji="0" lang="hu-HU" altLang="hu-HU" sz="1200" b="0" i="0" u="none" strike="noStrike" cap="none" normalizeH="0" baseline="0" dirty="0">
+                <a:ln>
+                  <a:noFill/>
+                </a:ln>
+                <a:solidFill>
+                  <a:srgbClr val="A9B7C6"/>
+                </a:solidFill>
+                <a:effectLst/>
+                <a:latin typeface="JetBrains Mono"/>
+              </a:rPr>
+            </a:br>
+            <a:r>
+              <a:rPr kumimoji="0" lang="hu-HU" altLang="hu-HU" sz="1200" b="0" i="0" u="none" strike="noStrike" cap="none" normalizeH="0" baseline="0" dirty="0">
+                <a:ln>
+                  <a:noFill/>
+                </a:ln>
+                <a:solidFill>
+                  <a:srgbClr val="A9B7C6"/>
+                </a:solidFill>
+                <a:effectLst/>
+                <a:latin typeface="JetBrains Mono"/>
+              </a:rPr>
+              <a:t>        </a:t>
+            </a:r>
+            <a:r>
+              <a:rPr kumimoji="0" lang="hu-HU" altLang="hu-HU" sz="1200" b="1" i="0" u="none" strike="noStrike" cap="none" normalizeH="0" baseline="0" dirty="0">
+                <a:ln>
+                  <a:noFill/>
+                </a:ln>
+                <a:solidFill>
+                  <a:srgbClr val="A9B7C6"/>
+                </a:solidFill>
+                <a:effectLst/>
+                <a:latin typeface="JetBrains Mono"/>
+              </a:rPr>
+              <a:t>}</a:t>
+            </a:r>
+            <a:br>
+              <a:rPr kumimoji="0" lang="hu-HU" altLang="hu-HU" sz="1200" b="1" i="0" u="none" strike="noStrike" cap="none" normalizeH="0" baseline="0" dirty="0">
+                <a:ln>
+                  <a:noFill/>
+                </a:ln>
+                <a:solidFill>
+                  <a:srgbClr val="A9B7C6"/>
+                </a:solidFill>
+                <a:effectLst/>
+                <a:latin typeface="JetBrains Mono"/>
+              </a:rPr>
+            </a:br>
+            <a:r>
+              <a:rPr kumimoji="0" lang="hu-HU" altLang="hu-HU" sz="1200" b="1" i="0" u="none" strike="noStrike" cap="none" normalizeH="0" baseline="0" dirty="0">
+                <a:ln>
+                  <a:noFill/>
+                </a:ln>
+                <a:solidFill>
+                  <a:srgbClr val="A9B7C6"/>
+                </a:solidFill>
+                <a:effectLst/>
+                <a:latin typeface="JetBrains Mono"/>
+              </a:rPr>
+              <a:t>    }</a:t>
+            </a:r>
+            <a:br>
+              <a:rPr kumimoji="0" lang="hu-HU" altLang="hu-HU" sz="1200" b="1" i="0" u="none" strike="noStrike" cap="none" normalizeH="0" baseline="0" dirty="0">
+                <a:ln>
+                  <a:noFill/>
+                </a:ln>
+                <a:solidFill>
+                  <a:srgbClr val="A9B7C6"/>
+                </a:solidFill>
+                <a:effectLst/>
+                <a:latin typeface="JetBrains Mono"/>
+              </a:rPr>
+            </a:br>
+            <a:r>
+              <a:rPr kumimoji="0" lang="hu-HU" altLang="hu-HU" sz="1200" b="0" i="0" u="none" strike="noStrike" cap="none" normalizeH="0" baseline="0" dirty="0">
+                <a:ln>
+                  <a:noFill/>
+                </a:ln>
+                <a:solidFill>
+                  <a:srgbClr val="A9B7C6"/>
+                </a:solidFill>
+                <a:effectLst/>
+                <a:latin typeface="JetBrains Mono"/>
+              </a:rPr>
+              <a:t>}</a:t>
+            </a:r>
+            <a:endParaRPr kumimoji="0" lang="hu-HU" altLang="hu-HU" sz="2800" b="0" i="0" u="none" strike="noStrike" cap="none" normalizeH="0" baseline="0" dirty="0">
+              <a:ln>
+                <a:noFill/>
+              </a:ln>
+              <a:solidFill>
+                <a:schemeClr val="tx1"/>
+              </a:solidFill>
+              <a:effectLst/>
+              <a:latin typeface="Arial" panose="020B0604020202020204" pitchFamily="34" charset="0"/>
+            </a:endParaRPr>
+          </a:p>
+        </p:txBody>
+      </p:sp>
+      <p:sp>
+        <p:nvSpPr>
+          <p:cNvPr id="9" name="Szövegdoboz 8">
+            <a:extLst>
+              <a:ext uri="{FF2B5EF4-FFF2-40B4-BE49-F238E27FC236}">
+                <a16:creationId xmlns:a16="http://schemas.microsoft.com/office/drawing/2014/main" id="{558315F0-C675-47CC-8595-9809B9E390BD}"/>
+              </a:ext>
+            </a:extLst>
+          </p:cNvPr>
+          <p:cNvSpPr txBox="1"/>
+          <p:nvPr/>
+        </p:nvSpPr>
+        <p:spPr>
+          <a:xfrm>
+            <a:off x="677334" y="1414923"/>
+            <a:ext cx="1843774" cy="400110"/>
+          </a:xfrm>
+          <a:prstGeom prst="rect">
+            <a:avLst/>
+          </a:prstGeom>
+          <a:noFill/>
+        </p:spPr>
+        <p:txBody>
+          <a:bodyPr wrap="none" rtlCol="0">
+            <a:spAutoFit/>
+          </a:bodyPr>
+          <a:lstStyle/>
+          <a:p>
+            <a:r>
+              <a:rPr lang="hu-HU" sz="2000" dirty="0" err="1">
+                <a:solidFill>
+                  <a:schemeClr val="accent1"/>
+                </a:solidFill>
+              </a:rPr>
+              <a:t>ListFragment</a:t>
+            </a:r>
+            <a:r>
+              <a:rPr lang="hu-HU" sz="2000" dirty="0">
+                <a:solidFill>
+                  <a:schemeClr val="accent1"/>
+                </a:solidFill>
+              </a:rPr>
+              <a:t>:</a:t>
+            </a:r>
+          </a:p>
+        </p:txBody>
+      </p:sp>
+      <p:pic>
+        <p:nvPicPr>
+          <p:cNvPr id="10" name="2021-05-18 14-07-50 (online-video-cutter.com)">
+            <a:hlinkClick r:id="" action="ppaction://media"/>
+            <a:extLst>
+              <a:ext uri="{FF2B5EF4-FFF2-40B4-BE49-F238E27FC236}">
+                <a16:creationId xmlns:a16="http://schemas.microsoft.com/office/drawing/2014/main" id="{21EE5B3D-7E57-46E2-88DE-92175AE8D167}"/>
+              </a:ext>
+            </a:extLst>
+          </p:cNvPr>
+          <p:cNvPicPr>
+            <a:picLocks noChangeAspect="1"/>
+          </p:cNvPicPr>
+          <p:nvPr>
+            <a:videoFile r:link="rId2"/>
+            <p:extLst>
+              <p:ext uri="{DAA4B4D4-6D71-4841-9C94-3DE7FCFB9230}">
+                <p14:media xmlns:p14="http://schemas.microsoft.com/office/powerpoint/2010/main" r:embed="rId1"/>
+              </p:ext>
+            </p:extLst>
+          </p:nvPr>
+        </p:nvPicPr>
+        <p:blipFill>
+          <a:blip r:embed="rId4"/>
+          <a:stretch>
+            <a:fillRect/>
+          </a:stretch>
+        </p:blipFill>
+        <p:spPr>
+          <a:xfrm>
+            <a:off x="8394347" y="468233"/>
+            <a:ext cx="2837401" cy="5921533"/>
+          </a:xfrm>
+          <a:prstGeom prst="rect">
+            <a:avLst/>
+          </a:prstGeom>
+        </p:spPr>
+      </p:pic>
+      <p:sp>
+        <p:nvSpPr>
+          <p:cNvPr id="11" name="Szövegdoboz 10">
+            <a:extLst>
+              <a:ext uri="{FF2B5EF4-FFF2-40B4-BE49-F238E27FC236}">
+                <a16:creationId xmlns:a16="http://schemas.microsoft.com/office/drawing/2014/main" id="{C47F295F-51A4-4FC2-B762-E2DF3E60C1AA}"/>
+              </a:ext>
+            </a:extLst>
+          </p:cNvPr>
+          <p:cNvSpPr txBox="1"/>
+          <p:nvPr/>
+        </p:nvSpPr>
+        <p:spPr>
+          <a:xfrm>
+            <a:off x="677334" y="5879068"/>
+            <a:ext cx="4299575" cy="369332"/>
+          </a:xfrm>
+          <a:prstGeom prst="rect">
+            <a:avLst/>
+          </a:prstGeom>
+          <a:noFill/>
+        </p:spPr>
+        <p:txBody>
+          <a:bodyPr wrap="none" rtlCol="0">
+            <a:spAutoFit/>
+          </a:bodyPr>
+          <a:lstStyle/>
+          <a:p>
+            <a:r>
+              <a:rPr lang="hu-HU" dirty="0"/>
+              <a:t>github.com/afollestad/material-dialogs</a:t>
+            </a:r>
+          </a:p>
+        </p:txBody>
+      </p:sp>
+    </p:spTree>
+    <p:extLst>
+      <p:ext uri="{BB962C8B-B14F-4D97-AF65-F5344CB8AC3E}">
+        <p14:creationId xmlns:p14="http://schemas.microsoft.com/office/powerpoint/2010/main" val="432375590"/>
+      </p:ext>
+    </p:extLst>
+  </p:cSld>
+  <p:clrMapOvr>
+    <a:masterClrMapping/>
+  </p:clrMapOvr>
+  <p:timing>
+    <p:tnLst>
+      <p:par>
+        <p:cTn id="1" dur="indefinite" restart="never" nodeType="tmRoot">
+          <p:childTnLst>
+            <p:seq concurrent="1" nextAc="seek">
+              <p:cTn id="2" dur="indefinite" nodeType="mainSeq">
+                <p:childTnLst>
+                  <p:par>
+                    <p:cTn id="3" fill="hold">
+                      <p:stCondLst>
+                        <p:cond delay="indefinite"/>
+                        <p:cond evt="onBegin" delay="0">
+                          <p:tn val="2"/>
+                        </p:cond>
+                      </p:stCondLst>
+                      <p:childTnLst>
+                        <p:par>
+                          <p:cTn id="4" fill="hold">
+                            <p:stCondLst>
+                              <p:cond delay="0"/>
+                            </p:stCondLst>
+                            <p:childTnLst>
+                              <p:par>
+                                <p:cTn id="5" presetID="1" presetClass="mediacall" presetSubtype="0" fill="hold" nodeType="afterEffect">
+                                  <p:stCondLst>
+                                    <p:cond delay="0"/>
+                                  </p:stCondLst>
+                                  <p:childTnLst>
+                                    <p:cmd type="call" cmd="playFrom(0.0)">
+                                      <p:cBhvr>
+                                        <p:cTn id="6" dur="11904" fill="hold"/>
+                                        <p:tgtEl>
+                                          <p:spTgt spid="10"/>
+                                        </p:tgtEl>
+                                      </p:cBhvr>
+                                    </p:cmd>
+                                  </p:childTnLst>
+                                </p:cTn>
+                              </p:par>
+                            </p:childTnLst>
+                          </p:cTn>
+                        </p:par>
+                      </p:childTnLst>
+                    </p:cTn>
+                  </p:par>
+                </p:childTnLst>
+              </p:cTn>
+              <p:prevCondLst>
+                <p:cond evt="onPrev" delay="0">
+                  <p:tgtEl>
+                    <p:sldTgt/>
+                  </p:tgtEl>
+                </p:cond>
+              </p:prevCondLst>
+              <p:nextCondLst>
+                <p:cond evt="onNext" delay="0">
+                  <p:tgtEl>
+                    <p:sldTgt/>
+                  </p:tgtEl>
+                </p:cond>
+              </p:nextCondLst>
+            </p:seq>
+            <p:video>
+              <p:cMediaNode vol="80000">
+                <p:cTn id="7" repeatCount="indefinite" fill="hold" display="0">
+                  <p:stCondLst>
+                    <p:cond delay="indefinite"/>
+                  </p:stCondLst>
+                </p:cTn>
+                <p:tgtEl>
+                  <p:spTgt spid="10"/>
+                </p:tgtEl>
+              </p:cMediaNode>
+            </p:video>
+            <p:seq concurrent="1" nextAc="seek">
+              <p:cTn id="8" restart="whenNotActive" fill="hold" evtFilter="cancelBubble" nodeType="interactiveSeq">
+                <p:stCondLst>
+                  <p:cond evt="onClick" delay="0">
+                    <p:tgtEl>
+                      <p:spTgt spid="10"/>
+                    </p:tgtEl>
+                  </p:cond>
+                </p:stCondLst>
+                <p:endSync evt="end" delay="0">
+                  <p:rtn val="all"/>
+                </p:endSync>
+                <p:childTnLst>
+                  <p:par>
+                    <p:cTn id="9" fill="hold">
+                      <p:stCondLst>
+                        <p:cond delay="0"/>
+                      </p:stCondLst>
+                      <p:childTnLst>
+                        <p:par>
+                          <p:cTn id="10" fill="hold">
+                            <p:stCondLst>
+                              <p:cond delay="0"/>
+                            </p:stCondLst>
+                            <p:childTnLst>
+                              <p:par>
+                                <p:cTn id="11" presetID="2" presetClass="mediacall" presetSubtype="0" fill="hold" nodeType="clickEffect">
+                                  <p:stCondLst>
+                                    <p:cond delay="0"/>
+                                  </p:stCondLst>
+                                  <p:childTnLst>
+                                    <p:cmd type="call" cmd="togglePause">
+                                      <p:cBhvr>
+                                        <p:cTn id="12" dur="1" fill="hold"/>
+                                        <p:tgtEl>
+                                          <p:spTgt spid="10"/>
+                                        </p:tgtEl>
+                                      </p:cBhvr>
+                                    </p:cmd>
+                                  </p:childTnLst>
+                                </p:cTn>
+                              </p:par>
+                            </p:childTnLst>
+                          </p:cTn>
+                        </p:par>
+                      </p:childTnLst>
+                    </p:cTn>
+                  </p:par>
+                </p:childTnLst>
+              </p:cTn>
+              <p:nextCondLst>
+                <p:cond evt="onClick" delay="0">
+                  <p:tgtEl>
+                    <p:spTgt spid="10"/>
+                  </p:tgtEl>
+                </p:cond>
+              </p:nextCondLst>
+            </p:seq>
+          </p:childTnLst>
+        </p:cTn>
+      </p:par>
+    </p:tnLst>
+  </p:timing>
+</p:sld>
+</file>
+
+<file path=ppt/slides/slide8.xml><?xml version="1.0" encoding="utf-8"?>
+<p:sld xmlns:a="http://schemas.openxmlformats.org/drawingml/2006/main" xmlns:r="http://schemas.openxmlformats.org/officeDocument/2006/relationships" xmlns:p="http://schemas.openxmlformats.org/presentationml/2006/main">
+  <p:cSld>
+    <p:spTree>
+      <p:nvGrpSpPr>
+        <p:cNvPr id="1" name=""/>
+        <p:cNvGrpSpPr/>
+        <p:nvPr/>
+      </p:nvGrpSpPr>
+      <p:grpSpPr>
+        <a:xfrm>
+          <a:off x="0" y="0"/>
+          <a:ext cx="0" cy="0"/>
+          <a:chOff x="0" y="0"/>
+          <a:chExt cx="0" cy="0"/>
+        </a:xfrm>
+      </p:grpSpPr>
+      <p:sp>
+        <p:nvSpPr>
+          <p:cNvPr id="2" name="Cím 1">
+            <a:extLst>
+              <a:ext uri="{FF2B5EF4-FFF2-40B4-BE49-F238E27FC236}">
+                <a16:creationId xmlns:a16="http://schemas.microsoft.com/office/drawing/2014/main" id="{87EC06AD-3CE8-4830-B6BE-3792FF04938B}"/>
+              </a:ext>
+            </a:extLst>
+          </p:cNvPr>
+          <p:cNvSpPr>
+            <a:spLocks noGrp="1"/>
+          </p:cNvSpPr>
+          <p:nvPr>
+            <p:ph type="title"/>
+          </p:nvPr>
+        </p:nvSpPr>
+        <p:spPr/>
+        <p:txBody>
+          <a:bodyPr/>
+          <a:lstStyle/>
+          <a:p>
+            <a:r>
+              <a:rPr lang="hu-HU" dirty="0"/>
+              <a:t>Téma beállítása</a:t>
+            </a:r>
+          </a:p>
+        </p:txBody>
+      </p:sp>
+      <p:sp>
+        <p:nvSpPr>
+          <p:cNvPr id="4" name="Rectangle 1">
+            <a:extLst>
+              <a:ext uri="{FF2B5EF4-FFF2-40B4-BE49-F238E27FC236}">
+                <a16:creationId xmlns:a16="http://schemas.microsoft.com/office/drawing/2014/main" id="{4B1EB91A-7744-4DAC-9768-EDF5338D9938}"/>
+              </a:ext>
+            </a:extLst>
+          </p:cNvPr>
+          <p:cNvSpPr>
+            <a:spLocks noChangeArrowheads="1"/>
+          </p:cNvSpPr>
+          <p:nvPr/>
+        </p:nvSpPr>
+        <p:spPr bwMode="auto">
+          <a:xfrm>
+            <a:off x="677334" y="2051988"/>
+            <a:ext cx="7528471" cy="3046988"/>
+          </a:xfrm>
+          <a:prstGeom prst="rect">
+            <a:avLst/>
+          </a:prstGeom>
+          <a:solidFill>
+            <a:srgbClr val="2B2B2B"/>
+          </a:solidFill>
+          <a:ln>
+            <a:noFill/>
+          </a:ln>
+          <a:effectLst/>
+          <a:extLst>
+            <a:ext uri="{91240B29-F687-4F45-9708-019B960494DF}">
+              <a14:hiddenLine xmlns:a14="http://schemas.microsoft.com/office/drawing/2010/main" w="9525">
+                <a:solidFill>
+                  <a:schemeClr val="tx1"/>
+                </a:solidFill>
+                <a:miter lim="800000"/>
+                <a:headEnd/>
+                <a:tailEnd/>
+              </a14:hiddenLine>
+            </a:ext>
+            <a:ext uri="{AF507438-7753-43E0-B8FC-AC1667EBCBE1}">
+              <a14:hiddenEffects xmlns:a14="http://schemas.microsoft.com/office/drawing/2010/main">
+                <a:effectLst>
+                  <a:outerShdw dist="35921" dir="2700000" algn="ctr" rotWithShape="0">
+                    <a:schemeClr val="bg2"/>
+                  </a:outerShdw>
+                </a:effectLst>
+              </a14:hiddenEffects>
+            </a:ext>
+          </a:extLst>
+        </p:spPr>
+        <p:txBody>
+          <a:bodyPr vert="horz" wrap="none" lIns="91440" tIns="45720" rIns="91440" bIns="45720" numCol="1" anchor="ctr" anchorCtr="0" compatLnSpc="1">
+            <a:prstTxWarp prst="textNoShape">
+              <a:avLst/>
+            </a:prstTxWarp>
+            <a:spAutoFit/>
+          </a:bodyPr>
+          <a:lstStyle/>
+          <a:p>
+            <a:pPr marL="0" marR="0" lvl="0" indent="0" algn="l" defTabSz="914400" rtl="0" eaLnBrk="0" fontAlgn="base" latinLnBrk="0" hangingPunct="0">
+              <a:lnSpc>
+                <a:spcPct val="100000"/>
+              </a:lnSpc>
+              <a:spcBef>
+                <a:spcPct val="0"/>
+              </a:spcBef>
+              <a:spcAft>
+                <a:spcPct val="0"/>
+              </a:spcAft>
+              <a:buClrTx/>
+              <a:buSzTx/>
+              <a:buFontTx/>
+              <a:buNone/>
+              <a:tabLst/>
+            </a:pPr>
+            <a:r>
+              <a:rPr kumimoji="0" lang="hu-HU" altLang="hu-HU" sz="1200" b="0" i="0" u="none" strike="noStrike" cap="none" normalizeH="0" baseline="0" dirty="0" err="1">
+                <a:ln>
+                  <a:noFill/>
+                </a:ln>
+                <a:solidFill>
+                  <a:srgbClr val="CC7832"/>
+                </a:solidFill>
+                <a:effectLst/>
+                <a:latin typeface="JetBrains Mono"/>
+              </a:rPr>
+              <a:t>override</a:t>
+            </a:r>
+            <a:r>
+              <a:rPr kumimoji="0" lang="hu-HU" altLang="hu-HU" sz="1200" b="0" i="0" u="none" strike="noStrike" cap="none" normalizeH="0" baseline="0" dirty="0">
+                <a:ln>
+                  <a:noFill/>
+                </a:ln>
+                <a:solidFill>
+                  <a:srgbClr val="CC7832"/>
+                </a:solidFill>
+                <a:effectLst/>
+                <a:latin typeface="JetBrains Mono"/>
+              </a:rPr>
+              <a:t> </a:t>
+            </a:r>
+            <a:r>
+              <a:rPr kumimoji="0" lang="hu-HU" altLang="hu-HU" sz="1200" b="0" i="0" u="none" strike="noStrike" cap="none" normalizeH="0" baseline="0" dirty="0" err="1">
+                <a:ln>
+                  <a:noFill/>
+                </a:ln>
+                <a:solidFill>
+                  <a:srgbClr val="CC7832"/>
+                </a:solidFill>
+                <a:effectLst/>
+                <a:latin typeface="JetBrains Mono"/>
+              </a:rPr>
+              <a:t>fun</a:t>
+            </a:r>
+            <a:r>
+              <a:rPr kumimoji="0" lang="hu-HU" altLang="hu-HU" sz="1200" b="0" i="0" u="none" strike="noStrike" cap="none" normalizeH="0" baseline="0" dirty="0">
+                <a:ln>
+                  <a:noFill/>
+                </a:ln>
+                <a:solidFill>
+                  <a:srgbClr val="CC7832"/>
+                </a:solidFill>
+                <a:effectLst/>
+                <a:latin typeface="JetBrains Mono"/>
+              </a:rPr>
+              <a:t> </a:t>
+            </a:r>
+            <a:r>
+              <a:rPr kumimoji="0" lang="hu-HU" altLang="hu-HU" sz="1200" b="0" i="0" u="none" strike="noStrike" cap="none" normalizeH="0" baseline="0" dirty="0" err="1">
+                <a:ln>
+                  <a:noFill/>
+                </a:ln>
+                <a:solidFill>
+                  <a:srgbClr val="FFC66D"/>
+                </a:solidFill>
+                <a:effectLst/>
+                <a:latin typeface="JetBrains Mono"/>
+              </a:rPr>
+              <a:t>onCreatePreferences</a:t>
+            </a:r>
+            <a:r>
+              <a:rPr kumimoji="0" lang="hu-HU" altLang="hu-HU" sz="1200" b="0" i="0" u="none" strike="noStrike" cap="none" normalizeH="0" baseline="0" dirty="0">
+                <a:ln>
+                  <a:noFill/>
+                </a:ln>
+                <a:solidFill>
+                  <a:srgbClr val="A9B7C6"/>
+                </a:solidFill>
+                <a:effectLst/>
+                <a:latin typeface="JetBrains Mono"/>
+              </a:rPr>
+              <a:t>(</a:t>
+            </a:r>
+            <a:r>
+              <a:rPr kumimoji="0" lang="hu-HU" altLang="hu-HU" sz="1200" b="0" i="0" u="none" strike="noStrike" cap="none" normalizeH="0" baseline="0" dirty="0" err="1">
+                <a:ln>
+                  <a:noFill/>
+                </a:ln>
+                <a:solidFill>
+                  <a:srgbClr val="A9B7C6"/>
+                </a:solidFill>
+                <a:effectLst/>
+                <a:latin typeface="JetBrains Mono"/>
+              </a:rPr>
+              <a:t>savedInstanceState</a:t>
+            </a:r>
+            <a:r>
+              <a:rPr kumimoji="0" lang="hu-HU" altLang="hu-HU" sz="1200" b="0" i="0" u="none" strike="noStrike" cap="none" normalizeH="0" baseline="0" dirty="0">
+                <a:ln>
+                  <a:noFill/>
+                </a:ln>
+                <a:solidFill>
+                  <a:srgbClr val="A9B7C6"/>
+                </a:solidFill>
+                <a:effectLst/>
+                <a:latin typeface="JetBrains Mono"/>
+              </a:rPr>
+              <a:t>: </a:t>
+            </a:r>
+            <a:r>
+              <a:rPr kumimoji="0" lang="hu-HU" altLang="hu-HU" sz="1200" b="0" i="0" u="none" strike="noStrike" cap="none" normalizeH="0" baseline="0" dirty="0" err="1">
+                <a:ln>
+                  <a:noFill/>
+                </a:ln>
+                <a:solidFill>
+                  <a:srgbClr val="A9B7C6"/>
+                </a:solidFill>
+                <a:effectLst/>
+                <a:latin typeface="JetBrains Mono"/>
+              </a:rPr>
+              <a:t>Bundle</a:t>
+            </a:r>
+            <a:r>
+              <a:rPr kumimoji="0" lang="hu-HU" altLang="hu-HU" sz="1200" b="0" i="0" u="none" strike="noStrike" cap="none" normalizeH="0" baseline="0" dirty="0">
+                <a:ln>
+                  <a:noFill/>
+                </a:ln>
+                <a:solidFill>
+                  <a:srgbClr val="A9B7C6"/>
+                </a:solidFill>
+                <a:effectLst/>
+                <a:latin typeface="JetBrains Mono"/>
+              </a:rPr>
+              <a:t>?</a:t>
+            </a:r>
+            <a:r>
+              <a:rPr kumimoji="0" lang="hu-HU" altLang="hu-HU" sz="1200" b="0" i="0" u="none" strike="noStrike" cap="none" normalizeH="0" baseline="0" dirty="0">
+                <a:ln>
+                  <a:noFill/>
+                </a:ln>
+                <a:solidFill>
+                  <a:srgbClr val="CC7832"/>
+                </a:solidFill>
+                <a:effectLst/>
+                <a:latin typeface="JetBrains Mono"/>
+              </a:rPr>
+              <a:t>, </a:t>
+            </a:r>
+            <a:r>
+              <a:rPr kumimoji="0" lang="hu-HU" altLang="hu-HU" sz="1200" b="0" i="0" u="none" strike="noStrike" cap="none" normalizeH="0" baseline="0" dirty="0" err="1">
+                <a:ln>
+                  <a:noFill/>
+                </a:ln>
+                <a:solidFill>
+                  <a:srgbClr val="A9B7C6"/>
+                </a:solidFill>
+                <a:effectLst/>
+                <a:latin typeface="JetBrains Mono"/>
+              </a:rPr>
+              <a:t>rootKey</a:t>
+            </a:r>
+            <a:r>
+              <a:rPr kumimoji="0" lang="hu-HU" altLang="hu-HU" sz="1200" b="0" i="0" u="none" strike="noStrike" cap="none" normalizeH="0" baseline="0" dirty="0">
+                <a:ln>
+                  <a:noFill/>
+                </a:ln>
+                <a:solidFill>
+                  <a:srgbClr val="A9B7C6"/>
+                </a:solidFill>
+                <a:effectLst/>
+                <a:latin typeface="JetBrains Mono"/>
+              </a:rPr>
+              <a:t>: String?) {</a:t>
+            </a:r>
+            <a:br>
+              <a:rPr kumimoji="0" lang="hu-HU" altLang="hu-HU" sz="1200" b="0" i="0" u="none" strike="noStrike" cap="none" normalizeH="0" baseline="0" dirty="0">
+                <a:ln>
+                  <a:noFill/>
+                </a:ln>
+                <a:solidFill>
+                  <a:srgbClr val="A9B7C6"/>
+                </a:solidFill>
+                <a:effectLst/>
+                <a:latin typeface="JetBrains Mono"/>
+              </a:rPr>
+            </a:br>
+            <a:r>
+              <a:rPr kumimoji="0" lang="hu-HU" altLang="hu-HU" sz="1200" b="0" i="0" u="none" strike="noStrike" cap="none" normalizeH="0" baseline="0" dirty="0">
+                <a:ln>
+                  <a:noFill/>
+                </a:ln>
+                <a:solidFill>
+                  <a:srgbClr val="A9B7C6"/>
+                </a:solidFill>
+                <a:effectLst/>
+                <a:latin typeface="JetBrains Mono"/>
+              </a:rPr>
+              <a:t>    </a:t>
+            </a:r>
+            <a:r>
+              <a:rPr kumimoji="0" lang="hu-HU" altLang="hu-HU" sz="1200" b="0" i="0" u="none" strike="noStrike" cap="none" normalizeH="0" baseline="0" dirty="0" err="1">
+                <a:ln>
+                  <a:noFill/>
+                </a:ln>
+                <a:solidFill>
+                  <a:srgbClr val="A9B7C6"/>
+                </a:solidFill>
+                <a:effectLst/>
+                <a:latin typeface="JetBrains Mono"/>
+              </a:rPr>
+              <a:t>setPreferencesFromResource</a:t>
+            </a:r>
+            <a:r>
+              <a:rPr kumimoji="0" lang="hu-HU" altLang="hu-HU" sz="1200" b="0" i="0" u="none" strike="noStrike" cap="none" normalizeH="0" baseline="0" dirty="0">
+                <a:ln>
+                  <a:noFill/>
+                </a:ln>
+                <a:solidFill>
+                  <a:srgbClr val="A9B7C6"/>
+                </a:solidFill>
+                <a:effectLst/>
+                <a:latin typeface="JetBrains Mono"/>
+              </a:rPr>
+              <a:t>(</a:t>
+            </a:r>
+            <a:r>
+              <a:rPr kumimoji="0" lang="hu-HU" altLang="hu-HU" sz="1200" b="0" i="0" u="none" strike="noStrike" cap="none" normalizeH="0" baseline="0" dirty="0" err="1">
+                <a:ln>
+                  <a:noFill/>
+                </a:ln>
+                <a:solidFill>
+                  <a:srgbClr val="A9B7C6"/>
+                </a:solidFill>
+                <a:effectLst/>
+                <a:latin typeface="JetBrains Mono"/>
+              </a:rPr>
+              <a:t>R.xml.</a:t>
+            </a:r>
+            <a:r>
+              <a:rPr kumimoji="0" lang="hu-HU" altLang="hu-HU" sz="1200" b="0" i="1" u="none" strike="noStrike" cap="none" normalizeH="0" baseline="0" dirty="0" err="1">
+                <a:ln>
+                  <a:noFill/>
+                </a:ln>
+                <a:solidFill>
+                  <a:srgbClr val="9876AA"/>
+                </a:solidFill>
+                <a:effectLst/>
+                <a:latin typeface="JetBrains Mono"/>
+              </a:rPr>
+              <a:t>preferences</a:t>
+            </a:r>
+            <a:r>
+              <a:rPr kumimoji="0" lang="hu-HU" altLang="hu-HU" sz="1200" b="0" i="0" u="none" strike="noStrike" cap="none" normalizeH="0" baseline="0" dirty="0">
+                <a:ln>
+                  <a:noFill/>
+                </a:ln>
+                <a:solidFill>
+                  <a:srgbClr val="CC7832"/>
+                </a:solidFill>
+                <a:effectLst/>
+                <a:latin typeface="JetBrains Mono"/>
+              </a:rPr>
+              <a:t>, </a:t>
+            </a:r>
+            <a:r>
+              <a:rPr kumimoji="0" lang="hu-HU" altLang="hu-HU" sz="1200" b="0" i="0" u="none" strike="noStrike" cap="none" normalizeH="0" baseline="0" dirty="0" err="1">
+                <a:ln>
+                  <a:noFill/>
+                </a:ln>
+                <a:solidFill>
+                  <a:srgbClr val="A9B7C6"/>
+                </a:solidFill>
+                <a:effectLst/>
+                <a:latin typeface="JetBrains Mono"/>
+              </a:rPr>
+              <a:t>rootKey</a:t>
+            </a:r>
+            <a:r>
+              <a:rPr kumimoji="0" lang="hu-HU" altLang="hu-HU" sz="1200" b="0" i="0" u="none" strike="noStrike" cap="none" normalizeH="0" baseline="0" dirty="0">
+                <a:ln>
+                  <a:noFill/>
+                </a:ln>
+                <a:solidFill>
+                  <a:srgbClr val="A9B7C6"/>
+                </a:solidFill>
+                <a:effectLst/>
+                <a:latin typeface="JetBrains Mono"/>
+              </a:rPr>
+              <a:t>)</a:t>
+            </a:r>
+            <a:br>
+              <a:rPr kumimoji="0" lang="hu-HU" altLang="hu-HU" sz="1200" b="0" i="0" u="none" strike="noStrike" cap="none" normalizeH="0" baseline="0" dirty="0">
+                <a:ln>
+                  <a:noFill/>
+                </a:ln>
+                <a:solidFill>
+                  <a:srgbClr val="A9B7C6"/>
+                </a:solidFill>
+                <a:effectLst/>
+                <a:latin typeface="JetBrains Mono"/>
+              </a:rPr>
+            </a:br>
+            <a:r>
+              <a:rPr kumimoji="0" lang="hu-HU" altLang="hu-HU" sz="1200" b="0" i="0" u="none" strike="noStrike" cap="none" normalizeH="0" baseline="0" dirty="0">
+                <a:ln>
+                  <a:noFill/>
+                </a:ln>
+                <a:solidFill>
+                  <a:srgbClr val="A9B7C6"/>
+                </a:solidFill>
+                <a:effectLst/>
+                <a:latin typeface="JetBrains Mono"/>
+              </a:rPr>
+              <a:t>    </a:t>
+            </a:r>
+            <a:r>
+              <a:rPr kumimoji="0" lang="hu-HU" altLang="hu-HU" sz="1200" b="0" i="0" u="none" strike="noStrike" cap="none" normalizeH="0" baseline="0" dirty="0" err="1">
+                <a:ln>
+                  <a:noFill/>
+                </a:ln>
+                <a:solidFill>
+                  <a:srgbClr val="CC7832"/>
+                </a:solidFill>
+                <a:effectLst/>
+                <a:latin typeface="JetBrains Mono"/>
+              </a:rPr>
+              <a:t>val</a:t>
+            </a:r>
+            <a:r>
+              <a:rPr kumimoji="0" lang="hu-HU" altLang="hu-HU" sz="1200" b="0" i="0" u="none" strike="noStrike" cap="none" normalizeH="0" baseline="0" dirty="0">
+                <a:ln>
+                  <a:noFill/>
+                </a:ln>
+                <a:solidFill>
+                  <a:srgbClr val="CC7832"/>
+                </a:solidFill>
+                <a:effectLst/>
+                <a:latin typeface="JetBrains Mono"/>
+              </a:rPr>
+              <a:t> </a:t>
+            </a:r>
+            <a:r>
+              <a:rPr kumimoji="0" lang="hu-HU" altLang="hu-HU" sz="1200" b="0" i="0" u="none" strike="noStrike" cap="none" normalizeH="0" baseline="0" dirty="0" err="1">
+                <a:ln>
+                  <a:noFill/>
+                </a:ln>
+                <a:solidFill>
+                  <a:srgbClr val="A9B7C6"/>
+                </a:solidFill>
+                <a:effectLst/>
+                <a:latin typeface="JetBrains Mono"/>
+              </a:rPr>
+              <a:t>themePref</a:t>
+            </a:r>
+            <a:r>
+              <a:rPr kumimoji="0" lang="hu-HU" altLang="hu-HU" sz="1200" b="0" i="0" u="none" strike="noStrike" cap="none" normalizeH="0" baseline="0" dirty="0">
+                <a:ln>
+                  <a:noFill/>
+                </a:ln>
+                <a:solidFill>
+                  <a:srgbClr val="A9B7C6"/>
+                </a:solidFill>
+                <a:effectLst/>
+                <a:latin typeface="JetBrains Mono"/>
+              </a:rPr>
+              <a:t> = </a:t>
+            </a:r>
+            <a:r>
+              <a:rPr kumimoji="0" lang="hu-HU" altLang="hu-HU" sz="1200" b="0" i="0" u="none" strike="noStrike" cap="none" normalizeH="0" baseline="0" dirty="0" err="1">
+                <a:ln>
+                  <a:noFill/>
+                </a:ln>
+                <a:solidFill>
+                  <a:srgbClr val="A9B7C6"/>
+                </a:solidFill>
+                <a:effectLst/>
+                <a:latin typeface="JetBrains Mono"/>
+              </a:rPr>
+              <a:t>findPreference</a:t>
+            </a:r>
+            <a:r>
+              <a:rPr kumimoji="0" lang="hu-HU" altLang="hu-HU" sz="1200" b="0" i="0" u="none" strike="noStrike" cap="none" normalizeH="0" baseline="0" dirty="0">
+                <a:ln>
+                  <a:noFill/>
+                </a:ln>
+                <a:solidFill>
+                  <a:srgbClr val="A9B7C6"/>
+                </a:solidFill>
+                <a:effectLst/>
+                <a:latin typeface="JetBrains Mono"/>
+              </a:rPr>
+              <a:t>&lt;</a:t>
+            </a:r>
+            <a:r>
+              <a:rPr kumimoji="0" lang="hu-HU" altLang="hu-HU" sz="1200" b="0" i="0" u="none" strike="noStrike" cap="none" normalizeH="0" baseline="0" dirty="0" err="1">
+                <a:ln>
+                  <a:noFill/>
+                </a:ln>
+                <a:solidFill>
+                  <a:srgbClr val="A9B7C6"/>
+                </a:solidFill>
+                <a:effectLst/>
+                <a:latin typeface="JetBrains Mono"/>
+              </a:rPr>
+              <a:t>ListPreference</a:t>
+            </a:r>
+            <a:r>
+              <a:rPr kumimoji="0" lang="hu-HU" altLang="hu-HU" sz="1200" b="0" i="0" u="none" strike="noStrike" cap="none" normalizeH="0" baseline="0" dirty="0">
+                <a:ln>
+                  <a:noFill/>
+                </a:ln>
+                <a:solidFill>
+                  <a:srgbClr val="A9B7C6"/>
+                </a:solidFill>
+                <a:effectLst/>
+                <a:latin typeface="JetBrains Mono"/>
+              </a:rPr>
+              <a:t>&gt;(</a:t>
+            </a:r>
+            <a:r>
+              <a:rPr kumimoji="0" lang="hu-HU" altLang="hu-HU" sz="1200" b="0" i="0" u="none" strike="noStrike" cap="none" normalizeH="0" baseline="0" dirty="0">
+                <a:ln>
+                  <a:noFill/>
+                </a:ln>
+                <a:solidFill>
+                  <a:srgbClr val="6A8759"/>
+                </a:solidFill>
+                <a:effectLst/>
+                <a:latin typeface="JetBrains Mono"/>
+              </a:rPr>
+              <a:t>"</a:t>
+            </a:r>
+            <a:r>
+              <a:rPr kumimoji="0" lang="hu-HU" altLang="hu-HU" sz="1200" b="0" i="0" u="none" strike="noStrike" cap="none" normalizeH="0" baseline="0" dirty="0" err="1">
+                <a:ln>
+                  <a:noFill/>
+                </a:ln>
+                <a:solidFill>
+                  <a:srgbClr val="6A8759"/>
+                </a:solidFill>
+                <a:effectLst/>
+                <a:latin typeface="JetBrains Mono"/>
+              </a:rPr>
+              <a:t>theme</a:t>
+            </a:r>
+            <a:r>
+              <a:rPr kumimoji="0" lang="hu-HU" altLang="hu-HU" sz="1200" b="0" i="0" u="none" strike="noStrike" cap="none" normalizeH="0" baseline="0" dirty="0">
+                <a:ln>
+                  <a:noFill/>
+                </a:ln>
+                <a:solidFill>
+                  <a:srgbClr val="6A8759"/>
+                </a:solidFill>
+                <a:effectLst/>
+                <a:latin typeface="JetBrains Mono"/>
+              </a:rPr>
+              <a:t>"</a:t>
+            </a:r>
+            <a:r>
+              <a:rPr kumimoji="0" lang="hu-HU" altLang="hu-HU" sz="1200" b="0" i="0" u="none" strike="noStrike" cap="none" normalizeH="0" baseline="0" dirty="0">
+                <a:ln>
+                  <a:noFill/>
+                </a:ln>
+                <a:solidFill>
+                  <a:srgbClr val="A9B7C6"/>
+                </a:solidFill>
+                <a:effectLst/>
+                <a:latin typeface="JetBrains Mono"/>
+              </a:rPr>
+              <a:t>)</a:t>
+            </a:r>
+            <a:br>
+              <a:rPr kumimoji="0" lang="hu-HU" altLang="hu-HU" sz="1200" b="0" i="0" u="none" strike="noStrike" cap="none" normalizeH="0" baseline="0" dirty="0">
+                <a:ln>
+                  <a:noFill/>
+                </a:ln>
+                <a:solidFill>
+                  <a:srgbClr val="A9B7C6"/>
+                </a:solidFill>
+                <a:effectLst/>
+                <a:latin typeface="JetBrains Mono"/>
+              </a:rPr>
+            </a:br>
+            <a:br>
+              <a:rPr kumimoji="0" lang="hu-HU" altLang="hu-HU" sz="1200" b="0" i="0" u="none" strike="noStrike" cap="none" normalizeH="0" baseline="0" dirty="0">
+                <a:ln>
+                  <a:noFill/>
+                </a:ln>
+                <a:solidFill>
+                  <a:srgbClr val="A9B7C6"/>
+                </a:solidFill>
+                <a:effectLst/>
+                <a:latin typeface="JetBrains Mono"/>
+              </a:rPr>
+            </a:br>
+            <a:r>
+              <a:rPr kumimoji="0" lang="hu-HU" altLang="hu-HU" sz="1200" b="0" i="0" u="none" strike="noStrike" cap="none" normalizeH="0" baseline="0" dirty="0">
+                <a:ln>
+                  <a:noFill/>
+                </a:ln>
+                <a:solidFill>
+                  <a:srgbClr val="A9B7C6"/>
+                </a:solidFill>
+                <a:effectLst/>
+                <a:latin typeface="JetBrains Mono"/>
+              </a:rPr>
+              <a:t>    </a:t>
+            </a:r>
+            <a:r>
+              <a:rPr kumimoji="0" lang="hu-HU" altLang="hu-HU" sz="1200" b="0" i="0" u="none" strike="noStrike" cap="none" normalizeH="0" baseline="0" dirty="0" err="1">
+                <a:ln>
+                  <a:noFill/>
+                </a:ln>
+                <a:solidFill>
+                  <a:srgbClr val="A9B7C6"/>
+                </a:solidFill>
+                <a:effectLst/>
+                <a:latin typeface="JetBrains Mono"/>
+              </a:rPr>
+              <a:t>themePref</a:t>
+            </a:r>
+            <a:r>
+              <a:rPr kumimoji="0" lang="hu-HU" altLang="hu-HU" sz="1200" b="0" i="0" u="none" strike="noStrike" cap="none" normalizeH="0" baseline="0" dirty="0">
+                <a:ln>
+                  <a:noFill/>
+                </a:ln>
+                <a:solidFill>
+                  <a:srgbClr val="A9B7C6"/>
+                </a:solidFill>
+                <a:effectLst/>
+                <a:latin typeface="JetBrains Mono"/>
+              </a:rPr>
+              <a:t>?.</a:t>
+            </a:r>
+            <a:r>
+              <a:rPr kumimoji="0" lang="hu-HU" altLang="hu-HU" sz="1200" b="0" i="1" u="none" strike="noStrike" cap="none" normalizeH="0" baseline="0" dirty="0" err="1">
+                <a:ln>
+                  <a:noFill/>
+                </a:ln>
+                <a:solidFill>
+                  <a:srgbClr val="9876AA"/>
+                </a:solidFill>
+                <a:effectLst/>
+                <a:latin typeface="JetBrains Mono"/>
+              </a:rPr>
+              <a:t>entryValues</a:t>
+            </a:r>
+            <a:r>
+              <a:rPr kumimoji="0" lang="hu-HU" altLang="hu-HU" sz="1200" b="0" i="1" u="none" strike="noStrike" cap="none" normalizeH="0" baseline="0" dirty="0">
+                <a:ln>
+                  <a:noFill/>
+                </a:ln>
+                <a:solidFill>
+                  <a:srgbClr val="9876AA"/>
+                </a:solidFill>
+                <a:effectLst/>
+                <a:latin typeface="JetBrains Mono"/>
+              </a:rPr>
+              <a:t> </a:t>
+            </a:r>
+            <a:r>
+              <a:rPr kumimoji="0" lang="hu-HU" altLang="hu-HU" sz="1200" b="0" i="0" u="none" strike="noStrike" cap="none" normalizeH="0" baseline="0" dirty="0">
+                <a:ln>
+                  <a:noFill/>
+                </a:ln>
+                <a:solidFill>
+                  <a:srgbClr val="A9B7C6"/>
+                </a:solidFill>
+                <a:effectLst/>
+                <a:latin typeface="JetBrains Mono"/>
+              </a:rPr>
+              <a:t>= </a:t>
+            </a:r>
+            <a:r>
+              <a:rPr kumimoji="0" lang="hu-HU" altLang="hu-HU" sz="1200" b="0" i="1" u="none" strike="noStrike" cap="none" normalizeH="0" baseline="0" dirty="0" err="1">
+                <a:ln>
+                  <a:noFill/>
+                </a:ln>
+                <a:solidFill>
+                  <a:srgbClr val="A9B7C6"/>
+                </a:solidFill>
+                <a:effectLst/>
+                <a:latin typeface="JetBrains Mono"/>
+              </a:rPr>
+              <a:t>arrayOf</a:t>
+            </a:r>
+            <a:r>
+              <a:rPr kumimoji="0" lang="hu-HU" altLang="hu-HU" sz="1200" b="0" i="0" u="none" strike="noStrike" cap="none" normalizeH="0" baseline="0" dirty="0">
+                <a:ln>
+                  <a:noFill/>
+                </a:ln>
+                <a:solidFill>
+                  <a:srgbClr val="A9B7C6"/>
+                </a:solidFill>
+                <a:effectLst/>
+                <a:latin typeface="JetBrains Mono"/>
+              </a:rPr>
+              <a:t>(</a:t>
+            </a:r>
+            <a:r>
+              <a:rPr kumimoji="0" lang="hu-HU" altLang="hu-HU" sz="1200" b="0" i="0" u="none" strike="noStrike" cap="none" normalizeH="0" baseline="0" dirty="0">
+                <a:ln>
+                  <a:noFill/>
+                </a:ln>
+                <a:solidFill>
+                  <a:srgbClr val="6A8759"/>
+                </a:solidFill>
+                <a:effectLst/>
+                <a:latin typeface="JetBrains Mono"/>
+              </a:rPr>
+              <a:t>"</a:t>
+            </a:r>
+            <a:r>
+              <a:rPr kumimoji="0" lang="hu-HU" altLang="hu-HU" sz="1200" b="0" i="0" u="none" strike="noStrike" cap="none" normalizeH="0" baseline="0" dirty="0" err="1">
+                <a:ln>
+                  <a:noFill/>
+                </a:ln>
+                <a:solidFill>
+                  <a:srgbClr val="6A8759"/>
+                </a:solidFill>
+                <a:effectLst/>
+                <a:latin typeface="JetBrains Mono"/>
+              </a:rPr>
+              <a:t>light</a:t>
+            </a:r>
+            <a:r>
+              <a:rPr kumimoji="0" lang="hu-HU" altLang="hu-HU" sz="1200" b="0" i="0" u="none" strike="noStrike" cap="none" normalizeH="0" baseline="0" dirty="0">
+                <a:ln>
+                  <a:noFill/>
+                </a:ln>
+                <a:solidFill>
+                  <a:srgbClr val="6A8759"/>
+                </a:solidFill>
+                <a:effectLst/>
+                <a:latin typeface="JetBrains Mono"/>
+              </a:rPr>
+              <a:t>"</a:t>
+            </a:r>
+            <a:r>
+              <a:rPr kumimoji="0" lang="hu-HU" altLang="hu-HU" sz="1200" b="0" i="0" u="none" strike="noStrike" cap="none" normalizeH="0" baseline="0" dirty="0">
+                <a:ln>
+                  <a:noFill/>
+                </a:ln>
+                <a:solidFill>
+                  <a:srgbClr val="CC7832"/>
+                </a:solidFill>
+                <a:effectLst/>
+                <a:latin typeface="JetBrains Mono"/>
+              </a:rPr>
+              <a:t>, </a:t>
+            </a:r>
+            <a:r>
+              <a:rPr kumimoji="0" lang="hu-HU" altLang="hu-HU" sz="1200" b="0" i="0" u="none" strike="noStrike" cap="none" normalizeH="0" baseline="0" dirty="0">
+                <a:ln>
+                  <a:noFill/>
+                </a:ln>
+                <a:solidFill>
+                  <a:srgbClr val="6A8759"/>
+                </a:solidFill>
+                <a:effectLst/>
+                <a:latin typeface="JetBrains Mono"/>
+              </a:rPr>
+              <a:t>"</a:t>
+            </a:r>
+            <a:r>
+              <a:rPr kumimoji="0" lang="hu-HU" altLang="hu-HU" sz="1200" b="0" i="0" u="none" strike="noStrike" cap="none" normalizeH="0" baseline="0" dirty="0" err="1">
+                <a:ln>
+                  <a:noFill/>
+                </a:ln>
+                <a:solidFill>
+                  <a:srgbClr val="6A8759"/>
+                </a:solidFill>
+                <a:effectLst/>
+                <a:latin typeface="JetBrains Mono"/>
+              </a:rPr>
+              <a:t>dark</a:t>
+            </a:r>
+            <a:r>
+              <a:rPr kumimoji="0" lang="hu-HU" altLang="hu-HU" sz="1200" b="0" i="0" u="none" strike="noStrike" cap="none" normalizeH="0" baseline="0" dirty="0">
+                <a:ln>
+                  <a:noFill/>
+                </a:ln>
+                <a:solidFill>
+                  <a:srgbClr val="6A8759"/>
+                </a:solidFill>
+                <a:effectLst/>
+                <a:latin typeface="JetBrains Mono"/>
+              </a:rPr>
+              <a:t>"</a:t>
+            </a:r>
+            <a:r>
+              <a:rPr kumimoji="0" lang="hu-HU" altLang="hu-HU" sz="1200" b="0" i="0" u="none" strike="noStrike" cap="none" normalizeH="0" baseline="0" dirty="0">
+                <a:ln>
+                  <a:noFill/>
+                </a:ln>
+                <a:solidFill>
+                  <a:srgbClr val="CC7832"/>
+                </a:solidFill>
+                <a:effectLst/>
+                <a:latin typeface="JetBrains Mono"/>
+              </a:rPr>
+              <a:t>, </a:t>
+            </a:r>
+            <a:r>
+              <a:rPr kumimoji="0" lang="hu-HU" altLang="hu-HU" sz="1200" b="0" i="0" u="none" strike="noStrike" cap="none" normalizeH="0" baseline="0" dirty="0">
+                <a:ln>
+                  <a:noFill/>
+                </a:ln>
+                <a:solidFill>
+                  <a:srgbClr val="6A8759"/>
+                </a:solidFill>
+                <a:effectLst/>
+                <a:latin typeface="JetBrains Mono"/>
+              </a:rPr>
+              <a:t>"</a:t>
+            </a:r>
+            <a:r>
+              <a:rPr kumimoji="0" lang="hu-HU" altLang="hu-HU" sz="1200" b="0" i="0" u="none" strike="noStrike" cap="none" normalizeH="0" baseline="0" dirty="0" err="1">
+                <a:ln>
+                  <a:noFill/>
+                </a:ln>
+                <a:solidFill>
+                  <a:srgbClr val="6A8759"/>
+                </a:solidFill>
+                <a:effectLst/>
+                <a:latin typeface="JetBrains Mono"/>
+              </a:rPr>
+              <a:t>default</a:t>
+            </a:r>
+            <a:r>
+              <a:rPr kumimoji="0" lang="hu-HU" altLang="hu-HU" sz="1200" b="0" i="0" u="none" strike="noStrike" cap="none" normalizeH="0" baseline="0" dirty="0">
+                <a:ln>
+                  <a:noFill/>
+                </a:ln>
+                <a:solidFill>
+                  <a:srgbClr val="6A8759"/>
+                </a:solidFill>
+                <a:effectLst/>
+                <a:latin typeface="JetBrains Mono"/>
+              </a:rPr>
+              <a:t>"</a:t>
+            </a:r>
+            <a:r>
+              <a:rPr kumimoji="0" lang="hu-HU" altLang="hu-HU" sz="1200" b="0" i="0" u="none" strike="noStrike" cap="none" normalizeH="0" baseline="0" dirty="0">
+                <a:ln>
+                  <a:noFill/>
+                </a:ln>
+                <a:solidFill>
+                  <a:srgbClr val="A9B7C6"/>
+                </a:solidFill>
+                <a:effectLst/>
+                <a:latin typeface="JetBrains Mono"/>
+              </a:rPr>
+              <a:t>)</a:t>
+            </a:r>
+            <a:br>
+              <a:rPr kumimoji="0" lang="hu-HU" altLang="hu-HU" sz="1200" b="0" i="0" u="none" strike="noStrike" cap="none" normalizeH="0" baseline="0" dirty="0">
+                <a:ln>
+                  <a:noFill/>
+                </a:ln>
+                <a:solidFill>
+                  <a:srgbClr val="A9B7C6"/>
+                </a:solidFill>
+                <a:effectLst/>
+                <a:latin typeface="JetBrains Mono"/>
+              </a:rPr>
+            </a:br>
+            <a:r>
+              <a:rPr kumimoji="0" lang="hu-HU" altLang="hu-HU" sz="1200" b="0" i="0" u="none" strike="noStrike" cap="none" normalizeH="0" baseline="0" dirty="0">
+                <a:ln>
+                  <a:noFill/>
+                </a:ln>
+                <a:solidFill>
+                  <a:srgbClr val="A9B7C6"/>
+                </a:solidFill>
+                <a:effectLst/>
+                <a:latin typeface="JetBrains Mono"/>
+              </a:rPr>
+              <a:t>    </a:t>
+            </a:r>
+            <a:r>
+              <a:rPr kumimoji="0" lang="hu-HU" altLang="hu-HU" sz="1200" b="0" i="0" u="none" strike="noStrike" cap="none" normalizeH="0" baseline="0" dirty="0" err="1">
+                <a:ln>
+                  <a:noFill/>
+                </a:ln>
+                <a:solidFill>
+                  <a:srgbClr val="A9B7C6"/>
+                </a:solidFill>
+                <a:effectLst/>
+                <a:latin typeface="JetBrains Mono"/>
+              </a:rPr>
+              <a:t>themePref</a:t>
+            </a:r>
+            <a:r>
+              <a:rPr kumimoji="0" lang="hu-HU" altLang="hu-HU" sz="1200" b="0" i="0" u="none" strike="noStrike" cap="none" normalizeH="0" baseline="0" dirty="0">
+                <a:ln>
+                  <a:noFill/>
+                </a:ln>
+                <a:solidFill>
+                  <a:srgbClr val="A9B7C6"/>
+                </a:solidFill>
+                <a:effectLst/>
+                <a:latin typeface="JetBrains Mono"/>
+              </a:rPr>
+              <a:t>?.</a:t>
+            </a:r>
+            <a:r>
+              <a:rPr kumimoji="0" lang="hu-HU" altLang="hu-HU" sz="1200" b="0" i="1" u="none" strike="noStrike" cap="none" normalizeH="0" baseline="0" dirty="0" err="1">
+                <a:ln>
+                  <a:noFill/>
+                </a:ln>
+                <a:solidFill>
+                  <a:srgbClr val="9876AA"/>
+                </a:solidFill>
+                <a:effectLst/>
+                <a:latin typeface="JetBrains Mono"/>
+              </a:rPr>
+              <a:t>entries</a:t>
+            </a:r>
+            <a:r>
+              <a:rPr kumimoji="0" lang="hu-HU" altLang="hu-HU" sz="1200" b="0" i="1" u="none" strike="noStrike" cap="none" normalizeH="0" baseline="0" dirty="0">
+                <a:ln>
+                  <a:noFill/>
+                </a:ln>
+                <a:solidFill>
+                  <a:srgbClr val="9876AA"/>
+                </a:solidFill>
+                <a:effectLst/>
+                <a:latin typeface="JetBrains Mono"/>
+              </a:rPr>
+              <a:t> </a:t>
+            </a:r>
+            <a:r>
+              <a:rPr kumimoji="0" lang="hu-HU" altLang="hu-HU" sz="1200" b="0" i="0" u="none" strike="noStrike" cap="none" normalizeH="0" baseline="0" dirty="0">
+                <a:ln>
+                  <a:noFill/>
+                </a:ln>
+                <a:solidFill>
+                  <a:srgbClr val="A9B7C6"/>
+                </a:solidFill>
+                <a:effectLst/>
+                <a:latin typeface="JetBrains Mono"/>
+              </a:rPr>
+              <a:t>= </a:t>
+            </a:r>
+            <a:r>
+              <a:rPr kumimoji="0" lang="hu-HU" altLang="hu-HU" sz="1200" b="0" i="1" u="none" strike="noStrike" cap="none" normalizeH="0" baseline="0" dirty="0" err="1">
+                <a:ln>
+                  <a:noFill/>
+                </a:ln>
+                <a:solidFill>
+                  <a:srgbClr val="A9B7C6"/>
+                </a:solidFill>
+                <a:effectLst/>
+                <a:latin typeface="JetBrains Mono"/>
+              </a:rPr>
+              <a:t>arrayOf</a:t>
+            </a:r>
+            <a:r>
+              <a:rPr kumimoji="0" lang="hu-HU" altLang="hu-HU" sz="1200" b="0" i="0" u="none" strike="noStrike" cap="none" normalizeH="0" baseline="0" dirty="0">
+                <a:ln>
+                  <a:noFill/>
+                </a:ln>
+                <a:solidFill>
+                  <a:srgbClr val="A9B7C6"/>
+                </a:solidFill>
+                <a:effectLst/>
+                <a:latin typeface="JetBrains Mono"/>
+              </a:rPr>
+              <a:t>(</a:t>
+            </a:r>
+            <a:r>
+              <a:rPr kumimoji="0" lang="hu-HU" altLang="hu-HU" sz="1200" b="0" i="0" u="none" strike="noStrike" cap="none" normalizeH="0" baseline="0" dirty="0">
+                <a:ln>
+                  <a:noFill/>
+                </a:ln>
+                <a:solidFill>
+                  <a:srgbClr val="6A8759"/>
+                </a:solidFill>
+                <a:effectLst/>
+                <a:latin typeface="JetBrains Mono"/>
+              </a:rPr>
+              <a:t>"Világos"</a:t>
+            </a:r>
+            <a:r>
+              <a:rPr kumimoji="0" lang="hu-HU" altLang="hu-HU" sz="1200" b="0" i="0" u="none" strike="noStrike" cap="none" normalizeH="0" baseline="0" dirty="0">
+                <a:ln>
+                  <a:noFill/>
+                </a:ln>
+                <a:solidFill>
+                  <a:srgbClr val="CC7832"/>
+                </a:solidFill>
+                <a:effectLst/>
+                <a:latin typeface="JetBrains Mono"/>
+              </a:rPr>
+              <a:t>, </a:t>
+            </a:r>
+            <a:r>
+              <a:rPr kumimoji="0" lang="hu-HU" altLang="hu-HU" sz="1200" b="0" i="0" u="none" strike="noStrike" cap="none" normalizeH="0" baseline="0" dirty="0">
+                <a:ln>
+                  <a:noFill/>
+                </a:ln>
+                <a:solidFill>
+                  <a:srgbClr val="6A8759"/>
+                </a:solidFill>
+                <a:effectLst/>
+                <a:latin typeface="JetBrains Mono"/>
+              </a:rPr>
+              <a:t>"Sötét"</a:t>
+            </a:r>
+            <a:r>
+              <a:rPr kumimoji="0" lang="hu-HU" altLang="hu-HU" sz="1200" b="0" i="0" u="none" strike="noStrike" cap="none" normalizeH="0" baseline="0" dirty="0">
+                <a:ln>
+                  <a:noFill/>
+                </a:ln>
+                <a:solidFill>
+                  <a:srgbClr val="CC7832"/>
+                </a:solidFill>
+                <a:effectLst/>
+                <a:latin typeface="JetBrains Mono"/>
+              </a:rPr>
+              <a:t>, </a:t>
+            </a:r>
+            <a:r>
+              <a:rPr kumimoji="0" lang="hu-HU" altLang="hu-HU" sz="1200" b="0" i="0" u="none" strike="noStrike" cap="none" normalizeH="0" baseline="0" dirty="0">
+                <a:ln>
+                  <a:noFill/>
+                </a:ln>
+                <a:solidFill>
+                  <a:srgbClr val="6A8759"/>
+                </a:solidFill>
+                <a:effectLst/>
+                <a:latin typeface="JetBrains Mono"/>
+              </a:rPr>
+              <a:t>"Alapértelmezett (Rendszer)"</a:t>
+            </a:r>
+            <a:r>
+              <a:rPr kumimoji="0" lang="hu-HU" altLang="hu-HU" sz="1200" b="0" i="0" u="none" strike="noStrike" cap="none" normalizeH="0" baseline="0" dirty="0">
+                <a:ln>
+                  <a:noFill/>
+                </a:ln>
+                <a:solidFill>
+                  <a:srgbClr val="A9B7C6"/>
+                </a:solidFill>
+                <a:effectLst/>
+                <a:latin typeface="JetBrains Mono"/>
+              </a:rPr>
+              <a:t>)</a:t>
+            </a:r>
+            <a:br>
+              <a:rPr kumimoji="0" lang="hu-HU" altLang="hu-HU" sz="1200" b="0" i="0" u="none" strike="noStrike" cap="none" normalizeH="0" baseline="0" dirty="0">
+                <a:ln>
+                  <a:noFill/>
+                </a:ln>
+                <a:solidFill>
+                  <a:srgbClr val="A9B7C6"/>
+                </a:solidFill>
+                <a:effectLst/>
+                <a:latin typeface="JetBrains Mono"/>
+              </a:rPr>
+            </a:br>
+            <a:br>
+              <a:rPr kumimoji="0" lang="hu-HU" altLang="hu-HU" sz="1200" b="0" i="0" u="none" strike="noStrike" cap="none" normalizeH="0" baseline="0" dirty="0">
+                <a:ln>
+                  <a:noFill/>
+                </a:ln>
+                <a:solidFill>
+                  <a:srgbClr val="A9B7C6"/>
+                </a:solidFill>
+                <a:effectLst/>
+                <a:latin typeface="JetBrains Mono"/>
+              </a:rPr>
+            </a:br>
+            <a:r>
+              <a:rPr kumimoji="0" lang="hu-HU" altLang="hu-HU" sz="1200" b="0" i="0" u="none" strike="noStrike" cap="none" normalizeH="0" baseline="0" dirty="0">
+                <a:ln>
+                  <a:noFill/>
+                </a:ln>
+                <a:solidFill>
+                  <a:srgbClr val="A9B7C6"/>
+                </a:solidFill>
+                <a:effectLst/>
+                <a:latin typeface="JetBrains Mono"/>
+              </a:rPr>
+              <a:t>    </a:t>
+            </a:r>
+            <a:r>
+              <a:rPr kumimoji="0" lang="hu-HU" altLang="hu-HU" sz="1200" b="0" i="0" u="none" strike="noStrike" cap="none" normalizeH="0" baseline="0" dirty="0" err="1">
+                <a:ln>
+                  <a:noFill/>
+                </a:ln>
+                <a:solidFill>
+                  <a:srgbClr val="A9B7C6"/>
+                </a:solidFill>
+                <a:effectLst/>
+                <a:latin typeface="JetBrains Mono"/>
+              </a:rPr>
+              <a:t>themePref</a:t>
+            </a:r>
+            <a:r>
+              <a:rPr kumimoji="0" lang="hu-HU" altLang="hu-HU" sz="1200" b="0" i="0" u="none" strike="noStrike" cap="none" normalizeH="0" baseline="0" dirty="0">
+                <a:ln>
+                  <a:noFill/>
+                </a:ln>
+                <a:solidFill>
+                  <a:srgbClr val="A9B7C6"/>
+                </a:solidFill>
+                <a:effectLst/>
+                <a:latin typeface="JetBrains Mono"/>
+              </a:rPr>
+              <a:t>?.</a:t>
+            </a:r>
+            <a:r>
+              <a:rPr kumimoji="0" lang="hu-HU" altLang="hu-HU" sz="1200" b="0" i="0" u="none" strike="noStrike" cap="none" normalizeH="0" baseline="0" dirty="0" err="1">
+                <a:ln>
+                  <a:noFill/>
+                </a:ln>
+                <a:solidFill>
+                  <a:srgbClr val="A9B7C6"/>
+                </a:solidFill>
+                <a:effectLst/>
+                <a:latin typeface="JetBrains Mono"/>
+              </a:rPr>
+              <a:t>setOnPreferenceChangeListener</a:t>
+            </a:r>
+            <a:r>
+              <a:rPr kumimoji="0" lang="hu-HU" altLang="hu-HU" sz="1200" b="0" i="0" u="none" strike="noStrike" cap="none" normalizeH="0" baseline="0" dirty="0">
+                <a:ln>
+                  <a:noFill/>
+                </a:ln>
+                <a:solidFill>
+                  <a:srgbClr val="A9B7C6"/>
+                </a:solidFill>
+                <a:effectLst/>
+                <a:latin typeface="JetBrains Mono"/>
+              </a:rPr>
+              <a:t> </a:t>
+            </a:r>
+            <a:r>
+              <a:rPr kumimoji="0" lang="hu-HU" altLang="hu-HU" sz="1200" b="1" i="0" u="none" strike="noStrike" cap="none" normalizeH="0" baseline="0" dirty="0">
+                <a:ln>
+                  <a:noFill/>
+                </a:ln>
+                <a:solidFill>
+                  <a:srgbClr val="A9B7C6"/>
+                </a:solidFill>
+                <a:effectLst/>
+                <a:latin typeface="JetBrains Mono"/>
+              </a:rPr>
+              <a:t>{ </a:t>
+            </a:r>
+            <a:r>
+              <a:rPr kumimoji="0" lang="hu-HU" altLang="hu-HU" sz="1200" b="0" i="0" u="none" strike="noStrike" cap="none" normalizeH="0" baseline="0" dirty="0">
+                <a:ln>
+                  <a:noFill/>
+                </a:ln>
+                <a:solidFill>
+                  <a:srgbClr val="A9B7C6"/>
+                </a:solidFill>
+                <a:effectLst/>
+                <a:latin typeface="JetBrains Mono"/>
+              </a:rPr>
+              <a:t>_</a:t>
+            </a:r>
+            <a:r>
+              <a:rPr kumimoji="0" lang="hu-HU" altLang="hu-HU" sz="1200" b="0" i="0" u="none" strike="noStrike" cap="none" normalizeH="0" baseline="0" dirty="0">
+                <a:ln>
+                  <a:noFill/>
+                </a:ln>
+                <a:solidFill>
+                  <a:srgbClr val="CC7832"/>
+                </a:solidFill>
+                <a:effectLst/>
+                <a:latin typeface="JetBrains Mono"/>
+              </a:rPr>
+              <a:t>, </a:t>
+            </a:r>
+            <a:r>
+              <a:rPr kumimoji="0" lang="hu-HU" altLang="hu-HU" sz="1200" b="0" i="0" u="none" strike="noStrike" cap="none" normalizeH="0" baseline="0" dirty="0" err="1">
+                <a:ln>
+                  <a:noFill/>
+                </a:ln>
+                <a:solidFill>
+                  <a:srgbClr val="A9B7C6"/>
+                </a:solidFill>
+                <a:effectLst/>
+                <a:latin typeface="JetBrains Mono"/>
+              </a:rPr>
+              <a:t>newValue</a:t>
+            </a:r>
+            <a:r>
+              <a:rPr kumimoji="0" lang="hu-HU" altLang="hu-HU" sz="1200" b="0" i="0" u="none" strike="noStrike" cap="none" normalizeH="0" baseline="0" dirty="0">
+                <a:ln>
+                  <a:noFill/>
+                </a:ln>
+                <a:solidFill>
+                  <a:srgbClr val="A9B7C6"/>
+                </a:solidFill>
+                <a:effectLst/>
+                <a:latin typeface="JetBrains Mono"/>
+              </a:rPr>
+              <a:t> </a:t>
+            </a:r>
+            <a:r>
+              <a:rPr kumimoji="0" lang="hu-HU" altLang="hu-HU" sz="1200" b="1" i="0" u="none" strike="noStrike" cap="none" normalizeH="0" baseline="0" dirty="0">
+                <a:ln>
+                  <a:noFill/>
+                </a:ln>
+                <a:solidFill>
+                  <a:srgbClr val="A9B7C6"/>
+                </a:solidFill>
+                <a:effectLst/>
+                <a:latin typeface="JetBrains Mono"/>
+              </a:rPr>
+              <a:t>-&gt;</a:t>
+            </a:r>
+            <a:br>
+              <a:rPr kumimoji="0" lang="hu-HU" altLang="hu-HU" sz="1200" b="1" i="0" u="none" strike="noStrike" cap="none" normalizeH="0" baseline="0" dirty="0">
+                <a:ln>
+                  <a:noFill/>
+                </a:ln>
+                <a:solidFill>
+                  <a:srgbClr val="A9B7C6"/>
+                </a:solidFill>
+                <a:effectLst/>
+                <a:latin typeface="JetBrains Mono"/>
+              </a:rPr>
+            </a:br>
+            <a:r>
+              <a:rPr kumimoji="0" lang="hu-HU" altLang="hu-HU" sz="1200" b="1" i="0" u="none" strike="noStrike" cap="none" normalizeH="0" baseline="0" dirty="0">
+                <a:ln>
+                  <a:noFill/>
+                </a:ln>
+                <a:solidFill>
+                  <a:srgbClr val="A9B7C6"/>
+                </a:solidFill>
+                <a:effectLst/>
+                <a:latin typeface="JetBrains Mono"/>
+              </a:rPr>
+              <a:t>        </a:t>
+            </a:r>
+            <a:r>
+              <a:rPr kumimoji="0" lang="hu-HU" altLang="hu-HU" sz="1200" b="0" i="0" u="none" strike="noStrike" cap="none" normalizeH="0" baseline="0" dirty="0" err="1">
+                <a:ln>
+                  <a:noFill/>
+                </a:ln>
+                <a:solidFill>
+                  <a:srgbClr val="CC7832"/>
+                </a:solidFill>
+                <a:effectLst/>
+                <a:latin typeface="JetBrains Mono"/>
+              </a:rPr>
+              <a:t>when</a:t>
+            </a:r>
+            <a:r>
+              <a:rPr kumimoji="0" lang="hu-HU" altLang="hu-HU" sz="1200" b="0" i="0" u="none" strike="noStrike" cap="none" normalizeH="0" baseline="0" dirty="0">
+                <a:ln>
+                  <a:noFill/>
+                </a:ln>
+                <a:solidFill>
+                  <a:srgbClr val="CC7832"/>
+                </a:solidFill>
+                <a:effectLst/>
+                <a:latin typeface="JetBrains Mono"/>
+              </a:rPr>
+              <a:t> </a:t>
+            </a:r>
+            <a:r>
+              <a:rPr kumimoji="0" lang="hu-HU" altLang="hu-HU" sz="1200" b="0" i="0" u="none" strike="noStrike" cap="none" normalizeH="0" baseline="0" dirty="0">
+                <a:ln>
+                  <a:noFill/>
+                </a:ln>
+                <a:solidFill>
+                  <a:srgbClr val="A9B7C6"/>
+                </a:solidFill>
+                <a:effectLst/>
+                <a:latin typeface="JetBrains Mono"/>
+              </a:rPr>
+              <a:t>(</a:t>
+            </a:r>
+            <a:r>
+              <a:rPr kumimoji="0" lang="hu-HU" altLang="hu-HU" sz="1200" b="0" i="0" u="none" strike="noStrike" cap="none" normalizeH="0" baseline="0" dirty="0" err="1">
+                <a:ln>
+                  <a:noFill/>
+                </a:ln>
+                <a:solidFill>
+                  <a:srgbClr val="A9B7C6"/>
+                </a:solidFill>
+                <a:effectLst/>
+                <a:latin typeface="JetBrains Mono"/>
+              </a:rPr>
+              <a:t>newValue</a:t>
+            </a:r>
+            <a:r>
+              <a:rPr kumimoji="0" lang="hu-HU" altLang="hu-HU" sz="1200" b="0" i="0" u="none" strike="noStrike" cap="none" normalizeH="0" baseline="0" dirty="0">
+                <a:ln>
+                  <a:noFill/>
+                </a:ln>
+                <a:solidFill>
+                  <a:srgbClr val="A9B7C6"/>
+                </a:solidFill>
+                <a:effectLst/>
+                <a:latin typeface="JetBrains Mono"/>
+              </a:rPr>
+              <a:t>) {</a:t>
+            </a:r>
+            <a:br>
+              <a:rPr kumimoji="0" lang="hu-HU" altLang="hu-HU" sz="1200" b="0" i="0" u="none" strike="noStrike" cap="none" normalizeH="0" baseline="0" dirty="0">
+                <a:ln>
+                  <a:noFill/>
+                </a:ln>
+                <a:solidFill>
+                  <a:srgbClr val="A9B7C6"/>
+                </a:solidFill>
+                <a:effectLst/>
+                <a:latin typeface="JetBrains Mono"/>
+              </a:rPr>
+            </a:br>
+            <a:r>
+              <a:rPr kumimoji="0" lang="hu-HU" altLang="hu-HU" sz="1200" b="0" i="0" u="none" strike="noStrike" cap="none" normalizeH="0" baseline="0" dirty="0">
+                <a:ln>
+                  <a:noFill/>
+                </a:ln>
+                <a:solidFill>
+                  <a:srgbClr val="A9B7C6"/>
+                </a:solidFill>
+                <a:effectLst/>
+                <a:latin typeface="JetBrains Mono"/>
+              </a:rPr>
+              <a:t>            </a:t>
+            </a:r>
+            <a:r>
+              <a:rPr kumimoji="0" lang="hu-HU" altLang="hu-HU" sz="1200" b="0" i="0" u="none" strike="noStrike" cap="none" normalizeH="0" baseline="0" dirty="0">
+                <a:ln>
+                  <a:noFill/>
+                </a:ln>
+                <a:solidFill>
+                  <a:srgbClr val="6A8759"/>
+                </a:solidFill>
+                <a:effectLst/>
+                <a:latin typeface="JetBrains Mono"/>
+              </a:rPr>
+              <a:t>"</a:t>
+            </a:r>
+            <a:r>
+              <a:rPr kumimoji="0" lang="hu-HU" altLang="hu-HU" sz="1200" b="0" i="0" u="none" strike="noStrike" cap="none" normalizeH="0" baseline="0" dirty="0" err="1">
+                <a:ln>
+                  <a:noFill/>
+                </a:ln>
+                <a:solidFill>
+                  <a:srgbClr val="6A8759"/>
+                </a:solidFill>
+                <a:effectLst/>
+                <a:latin typeface="JetBrains Mono"/>
+              </a:rPr>
+              <a:t>light</a:t>
+            </a:r>
+            <a:r>
+              <a:rPr kumimoji="0" lang="hu-HU" altLang="hu-HU" sz="1200" b="0" i="0" u="none" strike="noStrike" cap="none" normalizeH="0" baseline="0" dirty="0">
+                <a:ln>
+                  <a:noFill/>
+                </a:ln>
+                <a:solidFill>
+                  <a:srgbClr val="6A8759"/>
+                </a:solidFill>
+                <a:effectLst/>
+                <a:latin typeface="JetBrains Mono"/>
+              </a:rPr>
+              <a:t>" </a:t>
+            </a:r>
+            <a:r>
+              <a:rPr kumimoji="0" lang="hu-HU" altLang="hu-HU" sz="1200" b="0" i="0" u="none" strike="noStrike" cap="none" normalizeH="0" baseline="0" dirty="0">
+                <a:ln>
+                  <a:noFill/>
+                </a:ln>
+                <a:solidFill>
+                  <a:srgbClr val="A9B7C6"/>
+                </a:solidFill>
+                <a:effectLst/>
+                <a:latin typeface="JetBrains Mono"/>
+              </a:rPr>
+              <a:t>-&gt; </a:t>
+            </a:r>
+            <a:r>
+              <a:rPr kumimoji="0" lang="hu-HU" altLang="hu-HU" sz="1200" b="0" i="0" u="none" strike="noStrike" cap="none" normalizeH="0" baseline="0" dirty="0" err="1">
+                <a:ln>
+                  <a:noFill/>
+                </a:ln>
+                <a:solidFill>
+                  <a:srgbClr val="A9B7C6"/>
+                </a:solidFill>
+                <a:effectLst/>
+                <a:latin typeface="JetBrains Mono"/>
+              </a:rPr>
+              <a:t>AppCompatDelegate.setDefaultNightMode</a:t>
+            </a:r>
+            <a:r>
+              <a:rPr kumimoji="0" lang="hu-HU" altLang="hu-HU" sz="1200" b="0" i="0" u="none" strike="noStrike" cap="none" normalizeH="0" baseline="0" dirty="0">
+                <a:ln>
+                  <a:noFill/>
+                </a:ln>
+                <a:solidFill>
+                  <a:srgbClr val="A9B7C6"/>
+                </a:solidFill>
+                <a:effectLst/>
+                <a:latin typeface="JetBrains Mono"/>
+              </a:rPr>
+              <a:t>(</a:t>
+            </a:r>
+            <a:r>
+              <a:rPr kumimoji="0" lang="hu-HU" altLang="hu-HU" sz="1200" b="0" i="0" u="none" strike="noStrike" cap="none" normalizeH="0" baseline="0" dirty="0" err="1">
+                <a:ln>
+                  <a:noFill/>
+                </a:ln>
+                <a:solidFill>
+                  <a:srgbClr val="A9B7C6"/>
+                </a:solidFill>
+                <a:effectLst/>
+                <a:latin typeface="JetBrains Mono"/>
+              </a:rPr>
+              <a:t>AppCompatDelegate.</a:t>
+            </a:r>
+            <a:r>
+              <a:rPr kumimoji="0" lang="hu-HU" altLang="hu-HU" sz="1200" b="0" i="1" u="none" strike="noStrike" cap="none" normalizeH="0" baseline="0" dirty="0" err="1">
+                <a:ln>
+                  <a:noFill/>
+                </a:ln>
+                <a:solidFill>
+                  <a:srgbClr val="9876AA"/>
+                </a:solidFill>
+                <a:effectLst/>
+                <a:latin typeface="JetBrains Mono"/>
+              </a:rPr>
+              <a:t>MODE_NIGHT_NO</a:t>
+            </a:r>
+            <a:r>
+              <a:rPr kumimoji="0" lang="hu-HU" altLang="hu-HU" sz="1200" b="0" i="0" u="none" strike="noStrike" cap="none" normalizeH="0" baseline="0" dirty="0">
+                <a:ln>
+                  <a:noFill/>
+                </a:ln>
+                <a:solidFill>
+                  <a:srgbClr val="A9B7C6"/>
+                </a:solidFill>
+                <a:effectLst/>
+                <a:latin typeface="JetBrains Mono"/>
+              </a:rPr>
+              <a:t>)</a:t>
+            </a:r>
+            <a:br>
+              <a:rPr kumimoji="0" lang="hu-HU" altLang="hu-HU" sz="1200" b="0" i="0" u="none" strike="noStrike" cap="none" normalizeH="0" baseline="0" dirty="0">
+                <a:ln>
+                  <a:noFill/>
+                </a:ln>
+                <a:solidFill>
+                  <a:srgbClr val="A9B7C6"/>
+                </a:solidFill>
+                <a:effectLst/>
+                <a:latin typeface="JetBrains Mono"/>
+              </a:rPr>
+            </a:br>
+            <a:r>
+              <a:rPr kumimoji="0" lang="hu-HU" altLang="hu-HU" sz="1200" b="0" i="0" u="none" strike="noStrike" cap="none" normalizeH="0" baseline="0" dirty="0">
+                <a:ln>
+                  <a:noFill/>
+                </a:ln>
+                <a:solidFill>
+                  <a:srgbClr val="A9B7C6"/>
+                </a:solidFill>
+                <a:effectLst/>
+                <a:latin typeface="JetBrains Mono"/>
+              </a:rPr>
+              <a:t>            </a:t>
+            </a:r>
+            <a:r>
+              <a:rPr kumimoji="0" lang="hu-HU" altLang="hu-HU" sz="1200" b="0" i="0" u="none" strike="noStrike" cap="none" normalizeH="0" baseline="0" dirty="0">
+                <a:ln>
+                  <a:noFill/>
+                </a:ln>
+                <a:solidFill>
+                  <a:srgbClr val="6A8759"/>
+                </a:solidFill>
+                <a:effectLst/>
+                <a:latin typeface="JetBrains Mono"/>
+              </a:rPr>
+              <a:t>"</a:t>
+            </a:r>
+            <a:r>
+              <a:rPr kumimoji="0" lang="hu-HU" altLang="hu-HU" sz="1200" b="0" i="0" u="none" strike="noStrike" cap="none" normalizeH="0" baseline="0" dirty="0" err="1">
+                <a:ln>
+                  <a:noFill/>
+                </a:ln>
+                <a:solidFill>
+                  <a:srgbClr val="6A8759"/>
+                </a:solidFill>
+                <a:effectLst/>
+                <a:latin typeface="JetBrains Mono"/>
+              </a:rPr>
+              <a:t>dark</a:t>
+            </a:r>
+            <a:r>
+              <a:rPr kumimoji="0" lang="hu-HU" altLang="hu-HU" sz="1200" b="0" i="0" u="none" strike="noStrike" cap="none" normalizeH="0" baseline="0" dirty="0">
+                <a:ln>
+                  <a:noFill/>
+                </a:ln>
+                <a:solidFill>
+                  <a:srgbClr val="6A8759"/>
+                </a:solidFill>
+                <a:effectLst/>
+                <a:latin typeface="JetBrains Mono"/>
+              </a:rPr>
+              <a:t>" </a:t>
+            </a:r>
+            <a:r>
+              <a:rPr kumimoji="0" lang="hu-HU" altLang="hu-HU" sz="1200" b="0" i="0" u="none" strike="noStrike" cap="none" normalizeH="0" baseline="0" dirty="0">
+                <a:ln>
+                  <a:noFill/>
+                </a:ln>
+                <a:solidFill>
+                  <a:srgbClr val="A9B7C6"/>
+                </a:solidFill>
+                <a:effectLst/>
+                <a:latin typeface="JetBrains Mono"/>
+              </a:rPr>
+              <a:t>-&gt; </a:t>
+            </a:r>
+            <a:r>
+              <a:rPr kumimoji="0" lang="hu-HU" altLang="hu-HU" sz="1200" b="0" i="0" u="none" strike="noStrike" cap="none" normalizeH="0" baseline="0" dirty="0" err="1">
+                <a:ln>
+                  <a:noFill/>
+                </a:ln>
+                <a:solidFill>
+                  <a:srgbClr val="A9B7C6"/>
+                </a:solidFill>
+                <a:effectLst/>
+                <a:latin typeface="JetBrains Mono"/>
+              </a:rPr>
+              <a:t>AppCompatDelegate.setDefaultNightMode</a:t>
+            </a:r>
+            <a:r>
+              <a:rPr kumimoji="0" lang="hu-HU" altLang="hu-HU" sz="1200" b="0" i="0" u="none" strike="noStrike" cap="none" normalizeH="0" baseline="0" dirty="0">
+                <a:ln>
+                  <a:noFill/>
+                </a:ln>
+                <a:solidFill>
+                  <a:srgbClr val="A9B7C6"/>
+                </a:solidFill>
+                <a:effectLst/>
+                <a:latin typeface="JetBrains Mono"/>
+              </a:rPr>
+              <a:t>(</a:t>
+            </a:r>
+            <a:r>
+              <a:rPr kumimoji="0" lang="hu-HU" altLang="hu-HU" sz="1200" b="0" i="0" u="none" strike="noStrike" cap="none" normalizeH="0" baseline="0" dirty="0" err="1">
+                <a:ln>
+                  <a:noFill/>
+                </a:ln>
+                <a:solidFill>
+                  <a:srgbClr val="A9B7C6"/>
+                </a:solidFill>
+                <a:effectLst/>
+                <a:latin typeface="JetBrains Mono"/>
+              </a:rPr>
+              <a:t>AppCompatDelegate.</a:t>
+            </a:r>
+            <a:r>
+              <a:rPr kumimoji="0" lang="hu-HU" altLang="hu-HU" sz="1200" b="0" i="1" u="none" strike="noStrike" cap="none" normalizeH="0" baseline="0" dirty="0" err="1">
+                <a:ln>
+                  <a:noFill/>
+                </a:ln>
+                <a:solidFill>
+                  <a:srgbClr val="9876AA"/>
+                </a:solidFill>
+                <a:effectLst/>
+                <a:latin typeface="JetBrains Mono"/>
+              </a:rPr>
+              <a:t>MODE_NIGHT_YES</a:t>
+            </a:r>
+            <a:r>
+              <a:rPr kumimoji="0" lang="hu-HU" altLang="hu-HU" sz="1200" b="0" i="0" u="none" strike="noStrike" cap="none" normalizeH="0" baseline="0" dirty="0">
+                <a:ln>
+                  <a:noFill/>
+                </a:ln>
+                <a:solidFill>
+                  <a:srgbClr val="A9B7C6"/>
+                </a:solidFill>
+                <a:effectLst/>
+                <a:latin typeface="JetBrains Mono"/>
+              </a:rPr>
+              <a:t>)</a:t>
+            </a:r>
+            <a:br>
+              <a:rPr kumimoji="0" lang="hu-HU" altLang="hu-HU" sz="1200" b="0" i="0" u="none" strike="noStrike" cap="none" normalizeH="0" baseline="0" dirty="0">
+                <a:ln>
+                  <a:noFill/>
+                </a:ln>
+                <a:solidFill>
+                  <a:srgbClr val="A9B7C6"/>
+                </a:solidFill>
+                <a:effectLst/>
+                <a:latin typeface="JetBrains Mono"/>
+              </a:rPr>
+            </a:br>
+            <a:r>
+              <a:rPr kumimoji="0" lang="hu-HU" altLang="hu-HU" sz="1200" b="0" i="0" u="none" strike="noStrike" cap="none" normalizeH="0" baseline="0" dirty="0">
+                <a:ln>
+                  <a:noFill/>
+                </a:ln>
+                <a:solidFill>
+                  <a:srgbClr val="A9B7C6"/>
+                </a:solidFill>
+                <a:effectLst/>
+                <a:latin typeface="JetBrains Mono"/>
+              </a:rPr>
+              <a:t>            </a:t>
+            </a:r>
+            <a:r>
+              <a:rPr kumimoji="0" lang="hu-HU" altLang="hu-HU" sz="1200" b="0" i="0" u="none" strike="noStrike" cap="none" normalizeH="0" baseline="0" dirty="0">
+                <a:ln>
+                  <a:noFill/>
+                </a:ln>
+                <a:solidFill>
+                  <a:srgbClr val="6A8759"/>
+                </a:solidFill>
+                <a:effectLst/>
+                <a:latin typeface="JetBrains Mono"/>
+              </a:rPr>
+              <a:t>"</a:t>
+            </a:r>
+            <a:r>
+              <a:rPr kumimoji="0" lang="hu-HU" altLang="hu-HU" sz="1200" b="0" i="0" u="none" strike="noStrike" cap="none" normalizeH="0" baseline="0" dirty="0" err="1">
+                <a:ln>
+                  <a:noFill/>
+                </a:ln>
+                <a:solidFill>
+                  <a:srgbClr val="6A8759"/>
+                </a:solidFill>
+                <a:effectLst/>
+                <a:latin typeface="JetBrains Mono"/>
+              </a:rPr>
+              <a:t>default</a:t>
+            </a:r>
+            <a:r>
+              <a:rPr kumimoji="0" lang="hu-HU" altLang="hu-HU" sz="1200" b="0" i="0" u="none" strike="noStrike" cap="none" normalizeH="0" baseline="0" dirty="0">
+                <a:ln>
+                  <a:noFill/>
+                </a:ln>
+                <a:solidFill>
+                  <a:srgbClr val="6A8759"/>
+                </a:solidFill>
+                <a:effectLst/>
+                <a:latin typeface="JetBrains Mono"/>
+              </a:rPr>
+              <a:t>" </a:t>
+            </a:r>
+            <a:r>
+              <a:rPr kumimoji="0" lang="hu-HU" altLang="hu-HU" sz="1200" b="0" i="0" u="none" strike="noStrike" cap="none" normalizeH="0" baseline="0" dirty="0">
+                <a:ln>
+                  <a:noFill/>
+                </a:ln>
+                <a:solidFill>
+                  <a:srgbClr val="A9B7C6"/>
+                </a:solidFill>
+                <a:effectLst/>
+                <a:latin typeface="JetBrains Mono"/>
+              </a:rPr>
+              <a:t>-&gt; </a:t>
+            </a:r>
+            <a:r>
+              <a:rPr kumimoji="0" lang="hu-HU" altLang="hu-HU" sz="1200" b="0" i="0" u="none" strike="noStrike" cap="none" normalizeH="0" baseline="0" dirty="0" err="1">
+                <a:ln>
+                  <a:noFill/>
+                </a:ln>
+                <a:solidFill>
+                  <a:srgbClr val="A9B7C6"/>
+                </a:solidFill>
+                <a:effectLst/>
+                <a:latin typeface="JetBrains Mono"/>
+              </a:rPr>
+              <a:t>AppCompatDelegate.setDefaultNightMode</a:t>
+            </a:r>
+            <a:r>
+              <a:rPr kumimoji="0" lang="hu-HU" altLang="hu-HU" sz="1200" b="0" i="0" u="none" strike="noStrike" cap="none" normalizeH="0" baseline="0" dirty="0">
+                <a:ln>
+                  <a:noFill/>
+                </a:ln>
+                <a:solidFill>
+                  <a:srgbClr val="A9B7C6"/>
+                </a:solidFill>
+                <a:effectLst/>
+                <a:latin typeface="JetBrains Mono"/>
+              </a:rPr>
+              <a:t>(</a:t>
+            </a:r>
+            <a:r>
+              <a:rPr kumimoji="0" lang="hu-HU" altLang="hu-HU" sz="1200" b="0" i="0" u="none" strike="noStrike" cap="none" normalizeH="0" baseline="0" dirty="0" err="1">
+                <a:ln>
+                  <a:noFill/>
+                </a:ln>
+                <a:solidFill>
+                  <a:srgbClr val="A9B7C6"/>
+                </a:solidFill>
+                <a:effectLst/>
+                <a:latin typeface="JetBrains Mono"/>
+              </a:rPr>
+              <a:t>AppCompatDelegate.</a:t>
+            </a:r>
+            <a:r>
+              <a:rPr kumimoji="0" lang="hu-HU" altLang="hu-HU" sz="1200" b="0" i="1" u="none" strike="noStrike" cap="none" normalizeH="0" baseline="0" dirty="0" err="1">
+                <a:ln>
+                  <a:noFill/>
+                </a:ln>
+                <a:solidFill>
+                  <a:srgbClr val="9876AA"/>
+                </a:solidFill>
+                <a:effectLst/>
+                <a:latin typeface="JetBrains Mono"/>
+              </a:rPr>
+              <a:t>MODE_NIGHT_FOLLOW_SYSTEM</a:t>
+            </a:r>
+            <a:r>
+              <a:rPr kumimoji="0" lang="hu-HU" altLang="hu-HU" sz="1200" b="0" i="0" u="none" strike="noStrike" cap="none" normalizeH="0" baseline="0" dirty="0">
+                <a:ln>
+                  <a:noFill/>
+                </a:ln>
+                <a:solidFill>
+                  <a:srgbClr val="A9B7C6"/>
+                </a:solidFill>
+                <a:effectLst/>
+                <a:latin typeface="JetBrains Mono"/>
+              </a:rPr>
+              <a:t>)</a:t>
+            </a:r>
+            <a:br>
+              <a:rPr kumimoji="0" lang="hu-HU" altLang="hu-HU" sz="1200" b="0" i="0" u="none" strike="noStrike" cap="none" normalizeH="0" baseline="0" dirty="0">
+                <a:ln>
+                  <a:noFill/>
+                </a:ln>
+                <a:solidFill>
+                  <a:srgbClr val="A9B7C6"/>
+                </a:solidFill>
+                <a:effectLst/>
+                <a:latin typeface="JetBrains Mono"/>
+              </a:rPr>
+            </a:br>
+            <a:r>
+              <a:rPr kumimoji="0" lang="hu-HU" altLang="hu-HU" sz="1200" b="0" i="0" u="none" strike="noStrike" cap="none" normalizeH="0" baseline="0" dirty="0">
+                <a:ln>
+                  <a:noFill/>
+                </a:ln>
+                <a:solidFill>
+                  <a:srgbClr val="A9B7C6"/>
+                </a:solidFill>
+                <a:effectLst/>
+                <a:latin typeface="JetBrains Mono"/>
+              </a:rPr>
+              <a:t>        }</a:t>
+            </a:r>
+            <a:br>
+              <a:rPr kumimoji="0" lang="hu-HU" altLang="hu-HU" sz="1200" b="0" i="0" u="none" strike="noStrike" cap="none" normalizeH="0" baseline="0" dirty="0">
+                <a:ln>
+                  <a:noFill/>
+                </a:ln>
+                <a:solidFill>
+                  <a:srgbClr val="A9B7C6"/>
+                </a:solidFill>
+                <a:effectLst/>
+                <a:latin typeface="JetBrains Mono"/>
+              </a:rPr>
+            </a:br>
+            <a:r>
+              <a:rPr kumimoji="0" lang="hu-HU" altLang="hu-HU" sz="1200" b="0" i="0" u="none" strike="noStrike" cap="none" normalizeH="0" baseline="0" dirty="0">
+                <a:ln>
+                  <a:noFill/>
+                </a:ln>
+                <a:solidFill>
+                  <a:srgbClr val="A9B7C6"/>
+                </a:solidFill>
+                <a:effectLst/>
+                <a:latin typeface="JetBrains Mono"/>
+              </a:rPr>
+              <a:t>        </a:t>
+            </a:r>
+            <a:r>
+              <a:rPr kumimoji="0" lang="hu-HU" altLang="hu-HU" sz="1200" b="0" i="0" u="none" strike="noStrike" cap="none" normalizeH="0" baseline="0" dirty="0">
+                <a:ln>
+                  <a:noFill/>
+                </a:ln>
+                <a:solidFill>
+                  <a:srgbClr val="CC7832"/>
+                </a:solidFill>
+                <a:effectLst/>
+                <a:latin typeface="JetBrains Mono"/>
+              </a:rPr>
+              <a:t>true</a:t>
+            </a:r>
+            <a:br>
+              <a:rPr kumimoji="0" lang="hu-HU" altLang="hu-HU" sz="1200" b="0" i="0" u="none" strike="noStrike" cap="none" normalizeH="0" baseline="0" dirty="0">
+                <a:ln>
+                  <a:noFill/>
+                </a:ln>
+                <a:solidFill>
+                  <a:srgbClr val="CC7832"/>
+                </a:solidFill>
+                <a:effectLst/>
+                <a:latin typeface="JetBrains Mono"/>
+              </a:rPr>
+            </a:br>
+            <a:r>
+              <a:rPr kumimoji="0" lang="hu-HU" altLang="hu-HU" sz="1200" b="0" i="0" u="none" strike="noStrike" cap="none" normalizeH="0" baseline="0" dirty="0">
+                <a:ln>
+                  <a:noFill/>
+                </a:ln>
+                <a:solidFill>
+                  <a:srgbClr val="CC7832"/>
+                </a:solidFill>
+                <a:effectLst/>
+                <a:latin typeface="JetBrains Mono"/>
+              </a:rPr>
+              <a:t>    </a:t>
+            </a:r>
+            <a:r>
+              <a:rPr kumimoji="0" lang="hu-HU" altLang="hu-HU" sz="1200" b="1" i="0" u="none" strike="noStrike" cap="none" normalizeH="0" baseline="0" dirty="0">
+                <a:ln>
+                  <a:noFill/>
+                </a:ln>
+                <a:solidFill>
+                  <a:srgbClr val="A9B7C6"/>
+                </a:solidFill>
+                <a:effectLst/>
+                <a:latin typeface="JetBrains Mono"/>
+              </a:rPr>
+              <a:t>}</a:t>
+            </a:r>
+            <a:br>
+              <a:rPr kumimoji="0" lang="hu-HU" altLang="hu-HU" sz="1200" b="1" i="0" u="none" strike="noStrike" cap="none" normalizeH="0" baseline="0" dirty="0">
+                <a:ln>
+                  <a:noFill/>
+                </a:ln>
+                <a:solidFill>
+                  <a:srgbClr val="A9B7C6"/>
+                </a:solidFill>
+                <a:effectLst/>
+                <a:latin typeface="JetBrains Mono"/>
+              </a:rPr>
+            </a:br>
+            <a:r>
+              <a:rPr kumimoji="0" lang="hu-HU" altLang="hu-HU" sz="1200" b="0" i="0" u="none" strike="noStrike" cap="none" normalizeH="0" baseline="0" dirty="0">
+                <a:ln>
+                  <a:noFill/>
+                </a:ln>
+                <a:solidFill>
+                  <a:srgbClr val="A9B7C6"/>
+                </a:solidFill>
+                <a:effectLst/>
+                <a:latin typeface="JetBrains Mono"/>
+              </a:rPr>
+              <a:t>}</a:t>
+            </a:r>
+          </a:p>
+        </p:txBody>
+      </p:sp>
+      <p:sp>
+        <p:nvSpPr>
+          <p:cNvPr id="5" name="Szövegdoboz 4">
+            <a:extLst>
+              <a:ext uri="{FF2B5EF4-FFF2-40B4-BE49-F238E27FC236}">
+                <a16:creationId xmlns:a16="http://schemas.microsoft.com/office/drawing/2014/main" id="{D164FE7E-F1F0-41C0-B285-E5793E7A83F4}"/>
+              </a:ext>
+            </a:extLst>
+          </p:cNvPr>
+          <p:cNvSpPr txBox="1"/>
+          <p:nvPr/>
+        </p:nvSpPr>
+        <p:spPr>
+          <a:xfrm>
+            <a:off x="677334" y="1561068"/>
+            <a:ext cx="2076209" cy="369332"/>
+          </a:xfrm>
+          <a:prstGeom prst="rect">
+            <a:avLst/>
+          </a:prstGeom>
+          <a:noFill/>
+        </p:spPr>
+        <p:txBody>
+          <a:bodyPr wrap="none" rtlCol="0">
+            <a:spAutoFit/>
+          </a:bodyPr>
+          <a:lstStyle/>
+          <a:p>
+            <a:r>
+              <a:rPr lang="hu-HU" dirty="0" err="1">
+                <a:solidFill>
+                  <a:schemeClr val="accent1"/>
+                </a:solidFill>
+              </a:rPr>
+              <a:t>SettingsFragment</a:t>
+            </a:r>
+            <a:r>
+              <a:rPr lang="hu-HU" dirty="0">
+                <a:solidFill>
+                  <a:schemeClr val="accent1"/>
+                </a:solidFill>
+              </a:rPr>
+              <a:t>:</a:t>
+            </a:r>
+          </a:p>
+        </p:txBody>
+      </p:sp>
+      <p:pic>
+        <p:nvPicPr>
+          <p:cNvPr id="6" name="2021-05-18 14-18-31 (online-video-cutter.com)">
+            <a:hlinkClick r:id="" action="ppaction://media"/>
+            <a:extLst>
+              <a:ext uri="{FF2B5EF4-FFF2-40B4-BE49-F238E27FC236}">
+                <a16:creationId xmlns:a16="http://schemas.microsoft.com/office/drawing/2014/main" id="{6EB65CEA-C3E4-4E40-8845-21DB4EC10BE7}"/>
+              </a:ext>
+            </a:extLst>
+          </p:cNvPr>
+          <p:cNvPicPr>
+            <a:picLocks noChangeAspect="1"/>
+          </p:cNvPicPr>
+          <p:nvPr>
+            <a:videoFile r:link="rId2"/>
+            <p:extLst>
+              <p:ext uri="{DAA4B4D4-6D71-4841-9C94-3DE7FCFB9230}">
+                <p14:media xmlns:p14="http://schemas.microsoft.com/office/powerpoint/2010/main" r:embed="rId1"/>
+              </p:ext>
+            </p:extLst>
+          </p:nvPr>
+        </p:nvPicPr>
+        <p:blipFill>
+          <a:blip r:embed="rId4"/>
+          <a:stretch>
+            <a:fillRect/>
+          </a:stretch>
+        </p:blipFill>
+        <p:spPr>
+          <a:xfrm>
+            <a:off x="8857273" y="446541"/>
+            <a:ext cx="2871997" cy="5964917"/>
+          </a:xfrm>
+          <a:prstGeom prst="rect">
+            <a:avLst/>
+          </a:prstGeom>
+        </p:spPr>
+      </p:pic>
+    </p:spTree>
+    <p:extLst>
+      <p:ext uri="{BB962C8B-B14F-4D97-AF65-F5344CB8AC3E}">
+        <p14:creationId xmlns:p14="http://schemas.microsoft.com/office/powerpoint/2010/main" val="1515414453"/>
+      </p:ext>
+    </p:extLst>
+  </p:cSld>
+  <p:clrMapOvr>
+    <a:masterClrMapping/>
+  </p:clrMapOvr>
+  <p:timing>
+    <p:tnLst>
+      <p:par>
+        <p:cTn id="1" dur="indefinite" restart="never" nodeType="tmRoot">
+          <p:childTnLst>
+            <p:seq concurrent="1" nextAc="seek">
+              <p:cTn id="2" dur="indefinite" nodeType="mainSeq">
+                <p:childTnLst>
+                  <p:par>
+                    <p:cTn id="3" fill="hold">
+                      <p:stCondLst>
+                        <p:cond delay="indefinite"/>
+                        <p:cond evt="onBegin" delay="0">
+                          <p:tn val="2"/>
+                        </p:cond>
+                      </p:stCondLst>
+                      <p:childTnLst>
+                        <p:par>
+                          <p:cTn id="4" fill="hold">
+                            <p:stCondLst>
+                              <p:cond delay="0"/>
+                            </p:stCondLst>
+                            <p:childTnLst>
+                              <p:par>
+                                <p:cTn id="5" presetID="1" presetClass="mediacall" presetSubtype="0" fill="hold" nodeType="afterEffect">
+                                  <p:stCondLst>
+                                    <p:cond delay="0"/>
+                                  </p:stCondLst>
+                                  <p:childTnLst>
+                                    <p:cmd type="call" cmd="playFrom(0.0)">
+                                      <p:cBhvr>
+                                        <p:cTn id="6" dur="11456" fill="hold"/>
+                                        <p:tgtEl>
+                                          <p:spTgt spid="6"/>
+                                        </p:tgtEl>
+                                      </p:cBhvr>
+                                    </p:cmd>
+                                  </p:childTnLst>
+                                </p:cTn>
+                              </p:par>
+                            </p:childTnLst>
+                          </p:cTn>
+                        </p:par>
+                      </p:childTnLst>
+                    </p:cTn>
+                  </p:par>
+                </p:childTnLst>
+              </p:cTn>
+              <p:prevCondLst>
+                <p:cond evt="onPrev" delay="0">
+                  <p:tgtEl>
+                    <p:sldTgt/>
+                  </p:tgtEl>
+                </p:cond>
+              </p:prevCondLst>
+              <p:nextCondLst>
+                <p:cond evt="onNext" delay="0">
+                  <p:tgtEl>
+                    <p:sldTgt/>
+                  </p:tgtEl>
+                </p:cond>
+              </p:nextCondLst>
+            </p:seq>
+            <p:video>
+              <p:cMediaNode vol="80000">
+                <p:cTn id="7" repeatCount="indefinite" fill="hold" display="0">
+                  <p:stCondLst>
+                    <p:cond delay="indefinite"/>
+                  </p:stCondLst>
+                </p:cTn>
+                <p:tgtEl>
+                  <p:spTgt spid="6"/>
+                </p:tgtEl>
+              </p:cMediaNode>
+            </p:video>
+            <p:seq concurrent="1" nextAc="seek">
+              <p:cTn id="8" restart="whenNotActive" fill="hold" evtFilter="cancelBubble" nodeType="interactiveSeq">
+                <p:stCondLst>
+                  <p:cond evt="onClick" delay="0">
+                    <p:tgtEl>
+                      <p:spTgt spid="6"/>
+                    </p:tgtEl>
+                  </p:cond>
+                </p:stCondLst>
+                <p:endSync evt="end" delay="0">
+                  <p:rtn val="all"/>
+                </p:endSync>
+                <p:childTnLst>
+                  <p:par>
+                    <p:cTn id="9" fill="hold">
+                      <p:stCondLst>
+                        <p:cond delay="0"/>
+                      </p:stCondLst>
+                      <p:childTnLst>
+                        <p:par>
+                          <p:cTn id="10" fill="hold">
+                            <p:stCondLst>
+                              <p:cond delay="0"/>
+                            </p:stCondLst>
+                            <p:childTnLst>
+                              <p:par>
+                                <p:cTn id="11" presetID="2" presetClass="mediacall" presetSubtype="0" fill="hold" nodeType="clickEffect">
+                                  <p:stCondLst>
+                                    <p:cond delay="0"/>
+                                  </p:stCondLst>
+                                  <p:childTnLst>
+                                    <p:cmd type="call" cmd="togglePause">
+                                      <p:cBhvr>
+                                        <p:cTn id="12" dur="1" fill="hold"/>
+                                        <p:tgtEl>
+                                          <p:spTgt spid="6"/>
+                                        </p:tgtEl>
+                                      </p:cBhvr>
+                                    </p:cmd>
+                                  </p:childTnLst>
+                                </p:cTn>
+                              </p:par>
+                            </p:childTnLst>
+                          </p:cTn>
+                        </p:par>
+                      </p:childTnLst>
+                    </p:cTn>
+                  </p:par>
+                </p:childTnLst>
+              </p:cTn>
+              <p:nextCondLst>
+                <p:cond evt="onClick" delay="0">
+                  <p:tgtEl>
+                    <p:spTgt spid="6"/>
+                  </p:tgtEl>
+                </p:cond>
+              </p:nextCondLst>
+            </p:seq>
+          </p:childTnLst>
+        </p:cTn>
+      </p:par>
+    </p:tnLst>
+  </p:timing>
+</p:sld>
+</file>
+
+<file path=ppt/slides/slide9.xml><?xml version="1.0" encoding="utf-8"?>
 <p:sld xmlns:a="http://schemas.openxmlformats.org/drawingml/2006/main" xmlns:r="http://schemas.openxmlformats.org/officeDocument/2006/relationships" xmlns:p="http://schemas.openxmlformats.org/presentationml/2006/main">
   <p:cSld>
     <p:spTree>
@@ -9851,11 +16370,13 @@
         </p:nvSpPr>
         <p:spPr/>
         <p:txBody>
-          <a:bodyPr/>
+          <a:bodyPr>
+            <a:normAutofit/>
+          </a:bodyPr>
           <a:lstStyle/>
           <a:p>
             <a:r>
-              <a:rPr lang="hu-HU" dirty="0"/>
+              <a:rPr lang="hu-HU" sz="4000" dirty="0"/>
               <a:t>Továbbfejlesztési lehetőségek</a:t>
             </a:r>
           </a:p>
@@ -9879,59 +16400,61 @@
         </p:nvSpPr>
         <p:spPr/>
         <p:txBody>
-          <a:bodyPr/>
+          <a:bodyPr>
+            <a:normAutofit/>
+          </a:bodyPr>
           <a:lstStyle/>
           <a:p>
             <a:r>
-              <a:rPr lang="hu-HU" dirty="0" err="1"/>
+              <a:rPr lang="hu-HU" sz="2400" dirty="0" err="1"/>
               <a:t>Push</a:t>
             </a:r>
             <a:r>
-              <a:rPr lang="hu-HU" dirty="0"/>
+              <a:rPr lang="hu-HU" sz="2400" dirty="0"/>
               <a:t> </a:t>
             </a:r>
             <a:r>
-              <a:rPr lang="hu-HU" dirty="0" err="1"/>
+              <a:rPr lang="hu-HU" sz="2400" dirty="0" err="1"/>
               <a:t>Notifications</a:t>
             </a:r>
             <a:r>
-              <a:rPr lang="hu-HU" dirty="0"/>
+              <a:rPr lang="hu-HU" sz="2400" dirty="0"/>
               <a:t> (</a:t>
             </a:r>
             <a:r>
-              <a:rPr lang="hu-HU" dirty="0" err="1"/>
+              <a:rPr lang="hu-HU" sz="2400" dirty="0" err="1"/>
               <a:t>Firebase</a:t>
             </a:r>
             <a:r>
-              <a:rPr lang="hu-HU" dirty="0"/>
+              <a:rPr lang="hu-HU" sz="2400" dirty="0"/>
               <a:t> </a:t>
             </a:r>
             <a:r>
-              <a:rPr lang="hu-HU" dirty="0" err="1"/>
+              <a:rPr lang="hu-HU" sz="2400" dirty="0" err="1"/>
               <a:t>Cloud</a:t>
             </a:r>
             <a:r>
-              <a:rPr lang="hu-HU" dirty="0"/>
+              <a:rPr lang="hu-HU" sz="2400" dirty="0"/>
               <a:t> </a:t>
             </a:r>
             <a:r>
-              <a:rPr lang="hu-HU" dirty="0" err="1"/>
+              <a:rPr lang="hu-HU" sz="2400" dirty="0" err="1"/>
               <a:t>Messaging</a:t>
             </a:r>
             <a:r>
-              <a:rPr lang="hu-HU" dirty="0"/>
+              <a:rPr lang="hu-HU" sz="2400" dirty="0"/>
               <a:t>)</a:t>
             </a:r>
           </a:p>
           <a:p>
             <a:r>
-              <a:rPr lang="hu-HU" dirty="0"/>
+              <a:rPr lang="hu-HU" sz="2400" dirty="0"/>
               <a:t>Különböző szerepek és szabályok definiálása a listákhoz</a:t>
             </a:r>
           </a:p>
           <a:p>
             <a:r>
-              <a:rPr lang="hu-HU" dirty="0"/>
+              <a:rPr lang="hu-HU" sz="2400" dirty="0"/>
               <a:t>Saját backend készítése</a:t>
             </a:r>
           </a:p>
@@ -9941,301 +16464,6 @@
     <p:extLst>
       <p:ext uri="{BB962C8B-B14F-4D97-AF65-F5344CB8AC3E}">
         <p14:creationId xmlns:p14="http://schemas.microsoft.com/office/powerpoint/2010/main" val="2139121225"/>
-      </p:ext>
-    </p:extLst>
-  </p:cSld>
-  <p:clrMapOvr>
-    <a:masterClrMapping/>
-  </p:clrMapOvr>
-</p:sld>
-</file>
-
-<file path=ppt/slides/slide8.xml><?xml version="1.0" encoding="utf-8"?>
-<p:sld xmlns:a="http://schemas.openxmlformats.org/drawingml/2006/main" xmlns:r="http://schemas.openxmlformats.org/officeDocument/2006/relationships" xmlns:p="http://schemas.openxmlformats.org/presentationml/2006/main">
-  <p:cSld>
-    <p:spTree>
-      <p:nvGrpSpPr>
-        <p:cNvPr id="1" name=""/>
-        <p:cNvGrpSpPr/>
-        <p:nvPr/>
-      </p:nvGrpSpPr>
-      <p:grpSpPr>
-        <a:xfrm>
-          <a:off x="0" y="0"/>
-          <a:ext cx="0" cy="0"/>
-          <a:chOff x="0" y="0"/>
-          <a:chExt cx="0" cy="0"/>
-        </a:xfrm>
-      </p:grpSpPr>
-      <p:sp>
-        <p:nvSpPr>
-          <p:cNvPr id="2" name="Cím 1">
-            <a:extLst>
-              <a:ext uri="{FF2B5EF4-FFF2-40B4-BE49-F238E27FC236}">
-                <a16:creationId xmlns:a16="http://schemas.microsoft.com/office/drawing/2014/main" id="{114BC86C-FC5F-4323-B7E6-CD8B2FAAE210}"/>
-              </a:ext>
-            </a:extLst>
-          </p:cNvPr>
-          <p:cNvSpPr>
-            <a:spLocks noGrp="1"/>
-          </p:cNvSpPr>
-          <p:nvPr>
-            <p:ph type="title"/>
-          </p:nvPr>
-        </p:nvSpPr>
-        <p:spPr>
-          <a:xfrm>
-            <a:off x="922430" y="2768600"/>
-            <a:ext cx="8596668" cy="1320800"/>
-          </a:xfrm>
-        </p:spPr>
-        <p:txBody>
-          <a:bodyPr/>
-          <a:lstStyle/>
-          <a:p>
-            <a:pPr algn="ctr"/>
-            <a:r>
-              <a:rPr lang="hu-HU"/>
-              <a:t>Köszönöm a figyelmet!</a:t>
-            </a:r>
-            <a:br>
-              <a:rPr lang="hu-HU"/>
-            </a:br>
-            <a:r>
-              <a:rPr lang="hu-HU"/>
-              <a:t>Kérdések?</a:t>
-            </a:r>
-            <a:endParaRPr lang="hu-HU" dirty="0"/>
-          </a:p>
-        </p:txBody>
-      </p:sp>
-      <p:sp>
-        <p:nvSpPr>
-          <p:cNvPr id="4" name="Szövegdoboz 3">
-            <a:extLst>
-              <a:ext uri="{FF2B5EF4-FFF2-40B4-BE49-F238E27FC236}">
-                <a16:creationId xmlns:a16="http://schemas.microsoft.com/office/drawing/2014/main" id="{5595CB3F-0E9D-4C4B-8008-C230D58C22C4}"/>
-              </a:ext>
-            </a:extLst>
-          </p:cNvPr>
-          <p:cNvSpPr txBox="1"/>
-          <p:nvPr/>
-        </p:nvSpPr>
-        <p:spPr>
-          <a:xfrm>
-            <a:off x="922430" y="5995447"/>
-            <a:ext cx="1435008" cy="369332"/>
-          </a:xfrm>
-          <a:prstGeom prst="rect">
-            <a:avLst/>
-          </a:prstGeom>
-          <a:noFill/>
-        </p:spPr>
-        <p:txBody>
-          <a:bodyPr wrap="none" rtlCol="0">
-            <a:spAutoFit/>
-          </a:bodyPr>
-          <a:lstStyle/>
-          <a:p>
-            <a:r>
-              <a:rPr lang="hu-HU">
-                <a:solidFill>
-                  <a:schemeClr val="accent1">
-                    <a:lumMod val="75000"/>
-                  </a:schemeClr>
-                </a:solidFill>
-              </a:rPr>
-              <a:t>Schütz Máté</a:t>
-            </a:r>
-            <a:endParaRPr lang="hu-HU" dirty="0">
-              <a:solidFill>
-                <a:schemeClr val="accent1">
-                  <a:lumMod val="75000"/>
-                </a:schemeClr>
-              </a:solidFill>
-            </a:endParaRPr>
-          </a:p>
-        </p:txBody>
-      </p:sp>
-      <p:pic>
-        <p:nvPicPr>
-          <p:cNvPr id="5" name="Picture 2">
-            <a:extLst>
-              <a:ext uri="{FF2B5EF4-FFF2-40B4-BE49-F238E27FC236}">
-                <a16:creationId xmlns:a16="http://schemas.microsoft.com/office/drawing/2014/main" id="{D8CA0E6A-9BB5-40EA-B172-1F67E91522AF}"/>
-              </a:ext>
-            </a:extLst>
-          </p:cNvPr>
-          <p:cNvPicPr>
-            <a:picLocks noChangeAspect="1" noChangeArrowheads="1"/>
-          </p:cNvPicPr>
-          <p:nvPr/>
-        </p:nvPicPr>
-        <p:blipFill>
-          <a:blip r:embed="rId2">
-            <a:extLst>
-              <a:ext uri="{28A0092B-C50C-407E-A947-70E740481C1C}">
-                <a14:useLocalDpi xmlns:a14="http://schemas.microsoft.com/office/drawing/2010/main" val="0"/>
-              </a:ext>
-            </a:extLst>
-          </a:blip>
-          <a:srcRect/>
-          <a:stretch>
-            <a:fillRect/>
-          </a:stretch>
-        </p:blipFill>
-        <p:spPr bwMode="auto">
-          <a:xfrm>
-            <a:off x="6096000" y="695866"/>
-            <a:ext cx="3103984" cy="1551992"/>
-          </a:xfrm>
-          <a:prstGeom prst="rect">
-            <a:avLst/>
-          </a:prstGeom>
-          <a:noFill/>
-          <a:extLst>
-            <a:ext uri="{909E8E84-426E-40DD-AFC4-6F175D3DCCD1}">
-              <a14:hiddenFill xmlns:a14="http://schemas.microsoft.com/office/drawing/2010/main">
-                <a:solidFill>
-                  <a:srgbClr val="FFFFFF"/>
-                </a:solidFill>
-              </a14:hiddenFill>
-            </a:ext>
-          </a:extLst>
-        </p:spPr>
-      </p:pic>
-      <p:pic>
-        <p:nvPicPr>
-          <p:cNvPr id="6" name="Picture 4">
-            <a:extLst>
-              <a:ext uri="{FF2B5EF4-FFF2-40B4-BE49-F238E27FC236}">
-                <a16:creationId xmlns:a16="http://schemas.microsoft.com/office/drawing/2014/main" id="{372BAF82-B278-4653-9BE0-60CF2680FE51}"/>
-              </a:ext>
-            </a:extLst>
-          </p:cNvPr>
-          <p:cNvPicPr>
-            <a:picLocks noChangeAspect="1" noChangeArrowheads="1"/>
-          </p:cNvPicPr>
-          <p:nvPr/>
-        </p:nvPicPr>
-        <p:blipFill>
-          <a:blip r:embed="rId3">
-            <a:extLst>
-              <a:ext uri="{28A0092B-C50C-407E-A947-70E740481C1C}">
-                <a14:useLocalDpi xmlns:a14="http://schemas.microsoft.com/office/drawing/2010/main" val="0"/>
-              </a:ext>
-            </a:extLst>
-          </a:blip>
-          <a:srcRect/>
-          <a:stretch>
-            <a:fillRect/>
-          </a:stretch>
-        </p:blipFill>
-        <p:spPr bwMode="auto">
-          <a:xfrm>
-            <a:off x="6096000" y="4946219"/>
-            <a:ext cx="2193589" cy="1233894"/>
-          </a:xfrm>
-          <a:prstGeom prst="rect">
-            <a:avLst/>
-          </a:prstGeom>
-          <a:noFill/>
-          <a:extLst>
-            <a:ext uri="{909E8E84-426E-40DD-AFC4-6F175D3DCCD1}">
-              <a14:hiddenFill xmlns:a14="http://schemas.microsoft.com/office/drawing/2010/main">
-                <a:solidFill>
-                  <a:srgbClr val="FFFFFF"/>
-                </a:solidFill>
-              </a14:hiddenFill>
-            </a:ext>
-          </a:extLst>
-        </p:spPr>
-      </p:pic>
-      <p:pic>
-        <p:nvPicPr>
-          <p:cNvPr id="7" name="Picture 6">
-            <a:extLst>
-              <a:ext uri="{FF2B5EF4-FFF2-40B4-BE49-F238E27FC236}">
-                <a16:creationId xmlns:a16="http://schemas.microsoft.com/office/drawing/2014/main" id="{CA5A2093-0DC7-40E1-BFCF-A138EC04B349}"/>
-              </a:ext>
-            </a:extLst>
-          </p:cNvPr>
-          <p:cNvPicPr>
-            <a:picLocks noChangeAspect="1" noChangeArrowheads="1"/>
-          </p:cNvPicPr>
-          <p:nvPr/>
-        </p:nvPicPr>
-        <p:blipFill rotWithShape="1">
-          <a:blip r:embed="rId4">
-            <a:extLst>
-              <a:ext uri="{28A0092B-C50C-407E-A947-70E740481C1C}">
-                <a14:useLocalDpi xmlns:a14="http://schemas.microsoft.com/office/drawing/2010/main" val="0"/>
-              </a:ext>
-            </a:extLst>
-          </a:blip>
-          <a:srcRect l="2954" t="30007" r="2992" b="35139"/>
-          <a:stretch/>
-        </p:blipFill>
-        <p:spPr bwMode="auto">
-          <a:xfrm>
-            <a:off x="975400" y="4503388"/>
-            <a:ext cx="2764075" cy="590794"/>
-          </a:xfrm>
-          <a:prstGeom prst="rect">
-            <a:avLst/>
-          </a:prstGeom>
-          <a:noFill/>
-          <a:extLst>
-            <a:ext uri="{909E8E84-426E-40DD-AFC4-6F175D3DCCD1}">
-              <a14:hiddenFill xmlns:a14="http://schemas.microsoft.com/office/drawing/2010/main">
-                <a:solidFill>
-                  <a:srgbClr val="FFFFFF"/>
-                </a:solidFill>
-              </a14:hiddenFill>
-            </a:ext>
-          </a:extLst>
-        </p:spPr>
-      </p:pic>
-      <p:pic>
-        <p:nvPicPr>
-          <p:cNvPr id="8" name="Kép 7">
-            <a:extLst>
-              <a:ext uri="{FF2B5EF4-FFF2-40B4-BE49-F238E27FC236}">
-                <a16:creationId xmlns:a16="http://schemas.microsoft.com/office/drawing/2014/main" id="{1B096D15-638E-4F84-9EC2-B7277F077A44}"/>
-              </a:ext>
-            </a:extLst>
-          </p:cNvPr>
-          <p:cNvPicPr>
-            <a:picLocks noChangeAspect="1"/>
-          </p:cNvPicPr>
-          <p:nvPr/>
-        </p:nvPicPr>
-        <p:blipFill>
-          <a:blip r:embed="rId5">
-            <a:extLst>
-              <a:ext uri="{28A0092B-C50C-407E-A947-70E740481C1C}">
-                <a14:useLocalDpi xmlns:a14="http://schemas.microsoft.com/office/drawing/2010/main" val="0"/>
-              </a:ext>
-            </a:extLst>
-          </a:blip>
-          <a:stretch>
-            <a:fillRect/>
-          </a:stretch>
-        </p:blipFill>
-        <p:spPr>
-          <a:xfrm>
-            <a:off x="975400" y="493221"/>
-            <a:ext cx="2032970" cy="2032970"/>
-          </a:xfrm>
-          <a:prstGeom prst="rect">
-            <a:avLst/>
-          </a:prstGeom>
-        </p:spPr>
-      </p:pic>
-    </p:spTree>
-    <p:extLst>
-      <p:ext uri="{BB962C8B-B14F-4D97-AF65-F5344CB8AC3E}">
-        <p14:creationId xmlns:p14="http://schemas.microsoft.com/office/powerpoint/2010/main" val="3590688300"/>
       </p:ext>
     </p:extLst>
   </p:cSld>

--- a/bemutato.pptx
+++ b/bemutato.pptx
@@ -5899,7 +5899,7 @@
           <a:p>
             <a:r>
               <a:rPr lang="hu-HU" dirty="0"/>
-              <a:t>Androidos alkalmazás </a:t>
+              <a:t>Android app </a:t>
             </a:r>
             <a:r>
               <a:rPr lang="hu-HU" dirty="0" err="1"/>
@@ -6444,9 +6444,12 @@
           <a:p>
             <a:r>
               <a:rPr lang="hu-HU" sz="2000" dirty="0" err="1"/>
-              <a:t>MaterialDialogs</a:t>
-            </a:r>
-            <a:endParaRPr lang="hu-HU" sz="2000" dirty="0"/>
+              <a:t>Material</a:t>
+            </a:r>
+            <a:r>
+              <a:rPr lang="hu-HU" sz="2000" dirty="0"/>
+              <a:t> Dialogs</a:t>
+            </a:r>
           </a:p>
         </p:txBody>
       </p:sp>
@@ -12500,7 +12503,7 @@
               </p:nextCondLst>
             </p:seq>
             <p:video>
-              <p:cMediaNode vol="80000">
+              <p:cMediaNode vol="80000" mute="1">
                 <p:cTn id="7" repeatCount="indefinite" fill="hold" display="0">
                   <p:stCondLst>
                     <p:cond delay="indefinite"/>
@@ -14145,7 +14148,7 @@
               </p:nextCondLst>
             </p:seq>
             <p:video>
-              <p:cMediaNode vol="80000">
+              <p:cMediaNode vol="80000" mute="1">
                 <p:cTn id="7" repeatCount="indefinite" fill="hold" display="0">
                   <p:stCondLst>
                     <p:cond delay="indefinite"/>
@@ -16258,7 +16261,7 @@
               </p:nextCondLst>
             </p:seq>
             <p:video>
-              <p:cMediaNode vol="80000">
+              <p:cMediaNode vol="80000" mute="1">
                 <p:cTn id="7" repeatCount="indefinite" fill="hold" display="0">
                   <p:stCondLst>
                     <p:cond delay="indefinite"/>

--- a/bemutato.pptx
+++ b/bemutato.pptx
@@ -5995,6 +5995,47 @@
           </a:prstGeom>
         </p:spPr>
       </p:pic>
+      <p:sp>
+        <p:nvSpPr>
+          <p:cNvPr id="6" name="Szövegdoboz 5">
+            <a:extLst>
+              <a:ext uri="{FF2B5EF4-FFF2-40B4-BE49-F238E27FC236}">
+                <a16:creationId xmlns:a16="http://schemas.microsoft.com/office/drawing/2014/main" id="{37A59321-8230-46CD-AB27-53A1F5F47DB7}"/>
+              </a:ext>
+            </a:extLst>
+          </p:cNvPr>
+          <p:cNvSpPr txBox="1"/>
+          <p:nvPr/>
+        </p:nvSpPr>
+        <p:spPr>
+          <a:xfrm>
+            <a:off x="933253" y="5697942"/>
+            <a:ext cx="3058401" cy="369332"/>
+          </a:xfrm>
+          <a:prstGeom prst="rect">
+            <a:avLst/>
+          </a:prstGeom>
+          <a:noFill/>
+        </p:spPr>
+        <p:txBody>
+          <a:bodyPr wrap="none" rtlCol="0">
+            <a:spAutoFit/>
+          </a:bodyPr>
+          <a:lstStyle/>
+          <a:p>
+            <a:r>
+              <a:rPr lang="hu-HU" dirty="0">
+                <a:solidFill>
+                  <a:schemeClr val="bg1">
+                    <a:lumMod val="50000"/>
+                  </a:schemeClr>
+                </a:solidFill>
+              </a:rPr>
+              <a:t>Konzulens: Pomázi Krisztián</a:t>
+            </a:r>
+          </a:p>
+        </p:txBody>
+      </p:sp>
     </p:spTree>
     <p:extLst>
       <p:ext uri="{BB962C8B-B14F-4D97-AF65-F5344CB8AC3E}">
